--- a/dokumentacio, ppt/DriveUs.pptx
+++ b/dokumentacio, ppt/DriveUs.pptx
@@ -5,10 +5,10 @@
     <p:sldMasterId id="2147483648" r:id="rId4"/>
   </p:sldMasterIdLst>
   <p:notesMasterIdLst>
-    <p:notesMasterId r:id="rId25"/>
+    <p:notesMasterId r:id="rId26"/>
   </p:notesMasterIdLst>
   <p:handoutMasterIdLst>
-    <p:handoutMasterId r:id="rId26"/>
+    <p:handoutMasterId r:id="rId27"/>
   </p:handoutMasterIdLst>
   <p:sldIdLst>
     <p:sldId id="267" r:id="rId5"/>
@@ -30,7 +30,8 @@
     <p:sldId id="284" r:id="rId21"/>
     <p:sldId id="285" r:id="rId22"/>
     <p:sldId id="286" r:id="rId23"/>
-    <p:sldId id="277" r:id="rId24"/>
+    <p:sldId id="287" r:id="rId24"/>
+    <p:sldId id="288" r:id="rId25"/>
   </p:sldIdLst>
   <p:sldSz cx="12192000" cy="6858000"/>
   <p:notesSz cx="6858000" cy="9144000"/>
@@ -224,7 +225,7 @@
             <a:pPr rtl="0"/>
             <a:fld id="{681418C4-22FD-4352-8451-6B7EEE2AD120}" type="datetime1">
               <a:rPr lang="hu-HU" smtClean="0"/>
-              <a:t>2025. 04. 01.</a:t>
+              <a:t>2025. 04. 09.</a:t>
             </a:fld>
             <a:endParaRPr lang="hu-HU" dirty="0"/>
           </a:p>
@@ -393,7 +394,7 @@
             <a:fld id="{9679C38C-46A1-49BC-A836-83A1BCB4B54C}" type="datetime1">
               <a:rPr lang="hu-HU" smtClean="0"/>
               <a:pPr/>
-              <a:t>2025. 04. 01.</a:t>
+              <a:t>2025. 04. 09.</a:t>
             </a:fld>
             <a:endParaRPr lang="hu-HU" dirty="0"/>
           </a:p>
@@ -835,6 +836,178 @@
 </p:notes>
 </file>
 
+<file path=ppt/notesSlides/notesSlide3.xml><?xml version="1.0" encoding="utf-8"?>
+<p:notes xmlns:a="http://schemas.openxmlformats.org/drawingml/2006/main" xmlns:r="http://schemas.openxmlformats.org/officeDocument/2006/relationships" xmlns:p="http://schemas.openxmlformats.org/presentationml/2006/main">
+  <p:cSld>
+    <p:spTree>
+      <p:nvGrpSpPr>
+        <p:cNvPr id="1" name=""/>
+        <p:cNvGrpSpPr/>
+        <p:nvPr/>
+      </p:nvGrpSpPr>
+      <p:grpSpPr>
+        <a:xfrm>
+          <a:off x="0" y="0"/>
+          <a:ext cx="0" cy="0"/>
+          <a:chOff x="0" y="0"/>
+          <a:chExt cx="0" cy="0"/>
+        </a:xfrm>
+      </p:grpSpPr>
+      <p:sp>
+        <p:nvSpPr>
+          <p:cNvPr id="2" name="Diakép helye 1"/>
+          <p:cNvSpPr>
+            <a:spLocks noGrp="1" noRot="1" noChangeAspect="1"/>
+          </p:cNvSpPr>
+          <p:nvPr>
+            <p:ph type="sldImg"/>
+          </p:nvPr>
+        </p:nvSpPr>
+        <p:spPr/>
+      </p:sp>
+      <p:sp>
+        <p:nvSpPr>
+          <p:cNvPr id="3" name="Jegyzetek helye 2"/>
+          <p:cNvSpPr>
+            <a:spLocks noGrp="1"/>
+          </p:cNvSpPr>
+          <p:nvPr>
+            <p:ph type="body" idx="1"/>
+          </p:nvPr>
+        </p:nvSpPr>
+        <p:spPr/>
+        <p:txBody>
+          <a:bodyPr rtlCol="0"/>
+          <a:lstStyle/>
+          <a:p>
+            <a:pPr rtl="0"/>
+            <a:endParaRPr lang="hu-HU" dirty="0"/>
+          </a:p>
+        </p:txBody>
+      </p:sp>
+      <p:sp>
+        <p:nvSpPr>
+          <p:cNvPr id="4" name="Dia számának helye 3"/>
+          <p:cNvSpPr>
+            <a:spLocks noGrp="1"/>
+          </p:cNvSpPr>
+          <p:nvPr>
+            <p:ph type="sldNum" sz="quarter" idx="10"/>
+          </p:nvPr>
+        </p:nvSpPr>
+        <p:spPr/>
+        <p:txBody>
+          <a:bodyPr rtlCol="0"/>
+          <a:lstStyle/>
+          <a:p>
+            <a:pPr rtl="0"/>
+            <a:fld id="{62B46F2B-1084-40BA-9F0A-B1F6847335C5}" type="slidenum">
+              <a:rPr lang="hu-HU" smtClean="0"/>
+              <a:t>20</a:t>
+            </a:fld>
+            <a:endParaRPr lang="hu-HU" dirty="0"/>
+          </a:p>
+        </p:txBody>
+      </p:sp>
+    </p:spTree>
+    <p:extLst>
+      <p:ext uri="{BB962C8B-B14F-4D97-AF65-F5344CB8AC3E}">
+        <p14:creationId xmlns:p14="http://schemas.microsoft.com/office/powerpoint/2010/main" val="49521009"/>
+      </p:ext>
+    </p:extLst>
+  </p:cSld>
+  <p:clrMapOvr>
+    <a:masterClrMapping/>
+  </p:clrMapOvr>
+</p:notes>
+</file>
+
+<file path=ppt/notesSlides/notesSlide4.xml><?xml version="1.0" encoding="utf-8"?>
+<p:notes xmlns:a="http://schemas.openxmlformats.org/drawingml/2006/main" xmlns:r="http://schemas.openxmlformats.org/officeDocument/2006/relationships" xmlns:p="http://schemas.openxmlformats.org/presentationml/2006/main">
+  <p:cSld>
+    <p:spTree>
+      <p:nvGrpSpPr>
+        <p:cNvPr id="1" name=""/>
+        <p:cNvGrpSpPr/>
+        <p:nvPr/>
+      </p:nvGrpSpPr>
+      <p:grpSpPr>
+        <a:xfrm>
+          <a:off x="0" y="0"/>
+          <a:ext cx="0" cy="0"/>
+          <a:chOff x="0" y="0"/>
+          <a:chExt cx="0" cy="0"/>
+        </a:xfrm>
+      </p:grpSpPr>
+      <p:sp>
+        <p:nvSpPr>
+          <p:cNvPr id="2" name="Diakép helye 1"/>
+          <p:cNvSpPr>
+            <a:spLocks noGrp="1" noRot="1" noChangeAspect="1"/>
+          </p:cNvSpPr>
+          <p:nvPr>
+            <p:ph type="sldImg"/>
+          </p:nvPr>
+        </p:nvSpPr>
+        <p:spPr/>
+      </p:sp>
+      <p:sp>
+        <p:nvSpPr>
+          <p:cNvPr id="3" name="Jegyzetek helye 2"/>
+          <p:cNvSpPr>
+            <a:spLocks noGrp="1"/>
+          </p:cNvSpPr>
+          <p:nvPr>
+            <p:ph type="body" idx="1"/>
+          </p:nvPr>
+        </p:nvSpPr>
+        <p:spPr/>
+        <p:txBody>
+          <a:bodyPr rtlCol="0"/>
+          <a:lstStyle/>
+          <a:p>
+            <a:pPr rtl="0"/>
+            <a:endParaRPr lang="hu-HU" dirty="0"/>
+          </a:p>
+        </p:txBody>
+      </p:sp>
+      <p:sp>
+        <p:nvSpPr>
+          <p:cNvPr id="4" name="Dia számának helye 3"/>
+          <p:cNvSpPr>
+            <a:spLocks noGrp="1"/>
+          </p:cNvSpPr>
+          <p:nvPr>
+            <p:ph type="sldNum" sz="quarter" idx="10"/>
+          </p:nvPr>
+        </p:nvSpPr>
+        <p:spPr/>
+        <p:txBody>
+          <a:bodyPr rtlCol="0"/>
+          <a:lstStyle/>
+          <a:p>
+            <a:pPr rtl="0"/>
+            <a:fld id="{62B46F2B-1084-40BA-9F0A-B1F6847335C5}" type="slidenum">
+              <a:rPr lang="hu-HU" smtClean="0"/>
+              <a:t>21</a:t>
+            </a:fld>
+            <a:endParaRPr lang="hu-HU" dirty="0"/>
+          </a:p>
+        </p:txBody>
+      </p:sp>
+    </p:spTree>
+    <p:extLst>
+      <p:ext uri="{BB962C8B-B14F-4D97-AF65-F5344CB8AC3E}">
+        <p14:creationId xmlns:p14="http://schemas.microsoft.com/office/powerpoint/2010/main" val="2148273309"/>
+      </p:ext>
+    </p:extLst>
+  </p:cSld>
+  <p:clrMapOvr>
+    <a:masterClrMapping/>
+  </p:clrMapOvr>
+</p:notes>
+</file>
+
 <file path=ppt/slideLayouts/slideLayout1.xml><?xml version="1.0" encoding="utf-8"?>
 <p:sldLayout xmlns:a="http://schemas.openxmlformats.org/drawingml/2006/main" xmlns:r="http://schemas.openxmlformats.org/officeDocument/2006/relationships" xmlns:p="http://schemas.openxmlformats.org/presentationml/2006/main" showMasterSp="0" type="title" preserve="1">
   <p:cSld name="Címdia">
@@ -2049,7 +2222,7 @@
             <a:pPr rtl="0"/>
             <a:fld id="{26B3AEB3-8840-4374-BE55-BA5D38482A5F}" type="datetime1">
               <a:rPr lang="hu-HU" noProof="0" smtClean="0"/>
-              <a:t>2025. 04. 01.</a:t>
+              <a:t>2025. 04. 09.</a:t>
             </a:fld>
             <a:endParaRPr lang="hu-HU" noProof="0" dirty="0"/>
           </a:p>
@@ -2287,7 +2460,7 @@
             <a:pPr rtl="0"/>
             <a:fld id="{2707B076-7D47-417E-A212-16720A39AA90}" type="datetime1">
               <a:rPr lang="hu-HU" noProof="0" smtClean="0"/>
-              <a:t>2025. 04. 01.</a:t>
+              <a:t>2025. 04. 09.</a:t>
             </a:fld>
             <a:endParaRPr lang="hu-HU" noProof="0" dirty="0"/>
           </a:p>
@@ -2466,7 +2639,7 @@
             <a:pPr rtl="0"/>
             <a:fld id="{985697C2-C046-40CE-A31F-19ECB12C351B}" type="datetime1">
               <a:rPr lang="hu-HU" noProof="0" smtClean="0"/>
-              <a:t>2025. 04. 01.</a:t>
+              <a:t>2025. 04. 09.</a:t>
             </a:fld>
             <a:endParaRPr lang="hu-HU" noProof="0" dirty="0"/>
           </a:p>
@@ -2635,7 +2808,7 @@
             <a:pPr rtl="0"/>
             <a:fld id="{ABBCB8F4-51B1-4DFA-8560-A375567797EC}" type="datetime1">
               <a:rPr lang="hu-HU" noProof="0" smtClean="0"/>
-              <a:t>2025. 04. 01.</a:t>
+              <a:t>2025. 04. 09.</a:t>
             </a:fld>
             <a:endParaRPr lang="hu-HU" noProof="0" dirty="0"/>
           </a:p>
@@ -2910,7 +3083,7 @@
             <a:pPr rtl="0"/>
             <a:fld id="{86EC440D-8A93-4033-A0F0-612FDCD702A2}" type="datetime1">
               <a:rPr lang="hu-HU" noProof="0" smtClean="0"/>
-              <a:t>2025. 04. 01.</a:t>
+              <a:t>2025. 04. 09.</a:t>
             </a:fld>
             <a:endParaRPr lang="hu-HU" noProof="0" dirty="0"/>
           </a:p>
@@ -4111,7 +4284,7 @@
             <a:pPr rtl="0"/>
             <a:fld id="{191B6BC6-FB12-4482-ACA7-06A24FCED2F6}" type="datetime1">
               <a:rPr lang="hu-HU" noProof="0" smtClean="0"/>
-              <a:t>2025. 04. 01.</a:t>
+              <a:t>2025. 04. 09.</a:t>
             </a:fld>
             <a:endParaRPr lang="hu-HU" noProof="0" dirty="0"/>
           </a:p>
@@ -4500,7 +4673,7 @@
             <a:pPr rtl="0"/>
             <a:fld id="{A905903E-2028-4856-AD81-3E94D03924A9}" type="datetime1">
               <a:rPr lang="hu-HU" noProof="0" smtClean="0"/>
-              <a:t>2025. 04. 01.</a:t>
+              <a:t>2025. 04. 09.</a:t>
             </a:fld>
             <a:endParaRPr lang="hu-HU" noProof="0" dirty="0"/>
           </a:p>
@@ -4622,7 +4795,7 @@
             <a:pPr rtl="0"/>
             <a:fld id="{B3E9701F-A3ED-4423-B1E8-3C4DBBD212D0}" type="datetime1">
               <a:rPr lang="hu-HU" noProof="0" smtClean="0"/>
-              <a:t>2025. 04. 01.</a:t>
+              <a:t>2025. 04. 09.</a:t>
             </a:fld>
             <a:endParaRPr lang="hu-HU" noProof="0" dirty="0"/>
           </a:p>
@@ -4715,7 +4888,7 @@
             <a:pPr rtl="0"/>
             <a:fld id="{4DDC0063-A2D4-4262-B24C-21A1809BBDEE}" type="datetime1">
               <a:rPr lang="hu-HU" noProof="0" smtClean="0"/>
-              <a:t>2025. 04. 01.</a:t>
+              <a:t>2025. 04. 09.</a:t>
             </a:fld>
             <a:endParaRPr lang="hu-HU" noProof="0" dirty="0"/>
           </a:p>
@@ -5477,7 +5650,7 @@
             <a:pPr rtl="0"/>
             <a:fld id="{C8F29687-3339-422A-AC2E-4FEB21647174}" type="datetime1">
               <a:rPr lang="hu-HU" noProof="0" smtClean="0"/>
-              <a:t>2025. 04. 01.</a:t>
+              <a:t>2025. 04. 09.</a:t>
             </a:fld>
             <a:endParaRPr lang="hu-HU" noProof="0" dirty="0"/>
           </a:p>
@@ -6317,7 +6490,7 @@
             <a:pPr rtl="0"/>
             <a:fld id="{652E0B18-67A6-4160-900D-A2BA740807C9}" type="datetime1">
               <a:rPr lang="hu-HU" noProof="0" smtClean="0"/>
-              <a:t>2025. 04. 01.</a:t>
+              <a:t>2025. 04. 09.</a:t>
             </a:fld>
             <a:endParaRPr lang="hu-HU" noProof="0" dirty="0"/>
           </a:p>
@@ -6541,7 +6714,7 @@
             <a:pPr rtl="0"/>
             <a:fld id="{8C86BE91-3060-4B4A-BA02-98FAA90B9ADE}" type="datetime1">
               <a:rPr lang="hu-HU" noProof="0" smtClean="0"/>
-              <a:t>2025. 04. 01.</a:t>
+              <a:t>2025. 04. 09.</a:t>
             </a:fld>
             <a:endParaRPr lang="hu-HU" noProof="0" dirty="0"/>
           </a:p>
@@ -7523,7 +7696,7 @@
 </file>
 
 <file path=ppt/slides/slide1.xml><?xml version="1.0" encoding="utf-8"?>
-<p:sld xmlns:a="http://schemas.openxmlformats.org/drawingml/2006/main" xmlns:r="http://schemas.openxmlformats.org/officeDocument/2006/relationships" xmlns:p="http://schemas.openxmlformats.org/presentationml/2006/main">
+<p:sld xmlns:a="http://schemas.openxmlformats.org/drawingml/2006/main" xmlns:r="http://schemas.openxmlformats.org/officeDocument/2006/relationships" xmlns:p="http://schemas.openxmlformats.org/presentationml/2006/main" show="0">
   <p:cSld>
     <p:bg>
       <p:bgPr>
@@ -7686,36 +7859,12 @@
           <a:p>
             <a:pPr rtl="0"/>
             <a:r>
-              <a:rPr lang="hu-HU" dirty="0" err="1">
-                <a:solidFill>
-                  <a:schemeClr val="tx1"/>
-                </a:solidFill>
-              </a:rPr>
-              <a:t>Made</a:t>
-            </a:r>
-            <a:r>
               <a:rPr lang="hu-HU" dirty="0">
                 <a:solidFill>
                   <a:schemeClr val="tx1"/>
                 </a:solidFill>
               </a:rPr>
-              <a:t> </a:t>
-            </a:r>
-            <a:r>
-              <a:rPr lang="hu-HU" dirty="0" err="1">
-                <a:solidFill>
-                  <a:schemeClr val="tx1"/>
-                </a:solidFill>
-              </a:rPr>
-              <a:t>by</a:t>
-            </a:r>
-            <a:r>
-              <a:rPr lang="hu-HU" dirty="0">
-                <a:solidFill>
-                  <a:schemeClr val="tx1"/>
-                </a:solidFill>
-              </a:rPr>
-              <a:t>:</a:t>
+              <a:t>Készítette:</a:t>
             </a:r>
           </a:p>
           <a:p>
@@ -9542,8 +9691,8 @@
         </p:nvSpPr>
         <p:spPr>
           <a:xfrm rot="2763978">
-            <a:off x="6710014" y="3004567"/>
-            <a:ext cx="1390860" cy="1431175"/>
+            <a:off x="6691866" y="2797374"/>
+            <a:ext cx="1390860" cy="1547068"/>
           </a:xfrm>
           <a:prstGeom prst="cloud">
             <a:avLst/>
@@ -9592,7 +9741,7 @@
         <p:spPr>
           <a:xfrm>
             <a:off x="-70575" y="-35559"/>
-            <a:ext cx="6080733" cy="1569660"/>
+            <a:ext cx="6080733" cy="1408078"/>
           </a:xfrm>
           <a:prstGeom prst="rect">
             <a:avLst/>
@@ -9622,12 +9771,6 @@
               <a:t>titkar@hengersor.hu</a:t>
             </a:r>
             <a:endParaRPr lang="hu-HU" sz="1050" dirty="0"/>
-          </a:p>
-          <a:p>
-            <a:r>
-              <a:rPr lang="nb-NO" sz="1050" dirty="0"/>
-              <a:t>Telefon:</a:t>
-            </a:r>
           </a:p>
           <a:p>
             <a:r>
@@ -9848,14 +9991,11 @@
           <a:lstStyle/>
           <a:p>
             <a:r>
-              <a:rPr lang="hu-HU" sz="2800" dirty="0" err="1">
+              <a:rPr lang="hu-HU" sz="2800" dirty="0">
                 <a:latin typeface="Bodoni MT Condensed" panose="02070606080606020203" pitchFamily="18" charset="0"/>
               </a:rPr>
-              <a:t>database</a:t>
+              <a:t>Adatbázis</a:t>
             </a:r>
-            <a:endParaRPr lang="hu-HU" sz="2800" dirty="0">
-              <a:latin typeface="Bodoni MT Condensed" panose="02070606080606020203" pitchFamily="18" charset="0"/>
-            </a:endParaRPr>
           </a:p>
         </p:txBody>
       </p:sp>
@@ -9902,6 +10042,9 @@
   <p:clrMapOvr>
     <a:masterClrMapping/>
   </p:clrMapOvr>
+  <p:transition spd="med">
+    <p:pull/>
+  </p:transition>
 </p:sld>
 </file>
 
@@ -9980,7 +10123,7 @@
         </p:nvSpPr>
         <p:spPr>
           <a:xfrm>
-            <a:off x="5618826" y="368424"/>
+            <a:off x="5157187" y="430493"/>
             <a:ext cx="4800600" cy="632529"/>
           </a:xfrm>
         </p:spPr>
@@ -9989,14 +10132,11 @@
           <a:lstStyle/>
           <a:p>
             <a:r>
-              <a:rPr lang="hu-HU" sz="2800" dirty="0" err="1">
+              <a:rPr lang="hu-HU" sz="2800" dirty="0">
                 <a:latin typeface="Bodoni MT Condensed" panose="02070606080606020203" pitchFamily="18" charset="0"/>
               </a:rPr>
-              <a:t>database</a:t>
+              <a:t>Adatbázis tervezeti rajz</a:t>
             </a:r>
-            <a:endParaRPr lang="hu-HU" sz="2800" dirty="0">
-              <a:latin typeface="Bodoni MT Condensed" panose="02070606080606020203" pitchFamily="18" charset="0"/>
-            </a:endParaRPr>
           </a:p>
         </p:txBody>
       </p:sp>
@@ -10042,6 +10182,9 @@
   <p:clrMapOvr>
     <a:masterClrMapping/>
   </p:clrMapOvr>
+  <p:transition spd="med">
+    <p:pull/>
+  </p:transition>
 </p:sld>
 </file>
 
@@ -10120,8 +10263,8 @@
         </p:nvSpPr>
         <p:spPr>
           <a:xfrm>
-            <a:off x="4899734" y="319971"/>
-            <a:ext cx="4800600" cy="632529"/>
+            <a:off x="4828712" y="277022"/>
+            <a:ext cx="6010922" cy="632529"/>
           </a:xfrm>
         </p:spPr>
         <p:txBody>
@@ -10129,26 +10272,23 @@
           <a:lstStyle/>
           <a:p>
             <a:r>
+              <a:rPr lang="hu-HU" sz="2800" dirty="0">
+                <a:latin typeface="Bodoni MT Condensed" panose="02070606080606020203" pitchFamily="18" charset="0"/>
+              </a:rPr>
+              <a:t> a weboldal </a:t>
+            </a:r>
+            <a:r>
               <a:rPr lang="hu-HU" sz="2800" dirty="0" err="1">
                 <a:latin typeface="Bodoni MT Condensed" panose="02070606080606020203" pitchFamily="18" charset="0"/>
               </a:rPr>
-              <a:t>Without</a:t>
+              <a:t>reszponzivitás</a:t>
             </a:r>
             <a:r>
               <a:rPr lang="hu-HU" sz="2800" dirty="0">
                 <a:latin typeface="Bodoni MT Condensed" panose="02070606080606020203" pitchFamily="18" charset="0"/>
               </a:rPr>
-              <a:t> </a:t>
+              <a:t> nélkül</a:t>
             </a:r>
-            <a:r>
-              <a:rPr lang="hu-HU" sz="2800" dirty="0" err="1">
-                <a:latin typeface="Bodoni MT Condensed" panose="02070606080606020203" pitchFamily="18" charset="0"/>
-              </a:rPr>
-              <a:t>responsivity</a:t>
-            </a:r>
-            <a:endParaRPr lang="hu-HU" sz="2800" dirty="0">
-              <a:latin typeface="Bodoni MT Condensed" panose="02070606080606020203" pitchFamily="18" charset="0"/>
-            </a:endParaRPr>
           </a:p>
         </p:txBody>
       </p:sp>
@@ -10224,6 +10364,9 @@
   <p:clrMapOvr>
     <a:masterClrMapping/>
   </p:clrMapOvr>
+  <p:transition spd="med">
+    <p:pull/>
+  </p:transition>
 </p:sld>
 </file>
 
@@ -10314,19 +10457,7 @@
               <a:rPr lang="hu-HU" sz="2800" dirty="0" err="1">
                 <a:latin typeface="Bodoni MT Condensed" panose="02070606080606020203" pitchFamily="18" charset="0"/>
               </a:rPr>
-              <a:t>With</a:t>
-            </a:r>
-            <a:r>
-              <a:rPr lang="hu-HU" sz="2800" dirty="0">
-                <a:latin typeface="Bodoni MT Condensed" panose="02070606080606020203" pitchFamily="18" charset="0"/>
-              </a:rPr>
-              <a:t> </a:t>
-            </a:r>
-            <a:r>
-              <a:rPr lang="hu-HU" sz="2800" dirty="0" err="1">
-                <a:latin typeface="Bodoni MT Condensed" panose="02070606080606020203" pitchFamily="18" charset="0"/>
-              </a:rPr>
-              <a:t>responsivity</a:t>
+              <a:t>Reszponzivitással</a:t>
             </a:r>
             <a:endParaRPr lang="hu-HU" sz="2800" dirty="0">
               <a:latin typeface="Bodoni MT Condensed" panose="02070606080606020203" pitchFamily="18" charset="0"/>
@@ -10429,19 +10560,6 @@
               <a:buChar char="•"/>
             </a:pPr>
             <a:r>
-              <a:rPr lang="hu-HU" sz="1200" dirty="0" err="1">
-                <a:ln w="0"/>
-                <a:effectLst>
-                  <a:outerShdw blurRad="38100" dist="19050" dir="2700000" algn="tl" rotWithShape="0">
-                    <a:schemeClr val="dk1">
-                      <a:alpha val="40000"/>
-                    </a:schemeClr>
-                  </a:outerShdw>
-                </a:effectLst>
-              </a:rPr>
-              <a:t>Optimized</a:t>
-            </a:r>
-            <a:r>
               <a:rPr lang="hu-HU" sz="1200" dirty="0">
                 <a:ln w="0"/>
                 <a:effectLst>
@@ -10452,57 +10570,8 @@
                   </a:outerShdw>
                 </a:effectLst>
               </a:rPr>
-              <a:t> </a:t>
+              <a:t>Mobilra szintén optimalizálva</a:t>
             </a:r>
-            <a:r>
-              <a:rPr lang="hu-HU" sz="1200" dirty="0" err="1">
-                <a:ln w="0"/>
-                <a:effectLst>
-                  <a:outerShdw blurRad="38100" dist="19050" dir="2700000" algn="tl" rotWithShape="0">
-                    <a:schemeClr val="dk1">
-                      <a:alpha val="40000"/>
-                    </a:schemeClr>
-                  </a:outerShdw>
-                </a:effectLst>
-              </a:rPr>
-              <a:t>for</a:t>
-            </a:r>
-            <a:r>
-              <a:rPr lang="hu-HU" sz="1200" dirty="0">
-                <a:ln w="0"/>
-                <a:effectLst>
-                  <a:outerShdw blurRad="38100" dist="19050" dir="2700000" algn="tl" rotWithShape="0">
-                    <a:schemeClr val="dk1">
-                      <a:alpha val="40000"/>
-                    </a:schemeClr>
-                  </a:outerShdw>
-                </a:effectLst>
-              </a:rPr>
-              <a:t> mobile </a:t>
-            </a:r>
-            <a:r>
-              <a:rPr lang="hu-HU" sz="1200" dirty="0" err="1">
-                <a:ln w="0"/>
-                <a:effectLst>
-                  <a:outerShdw blurRad="38100" dist="19050" dir="2700000" algn="tl" rotWithShape="0">
-                    <a:schemeClr val="dk1">
-                      <a:alpha val="40000"/>
-                    </a:schemeClr>
-                  </a:outerShdw>
-                </a:effectLst>
-              </a:rPr>
-              <a:t>devices</a:t>
-            </a:r>
-            <a:endParaRPr lang="hu-HU" sz="1200" dirty="0">
-              <a:ln w="0"/>
-              <a:effectLst>
-                <a:outerShdw blurRad="38100" dist="19050" dir="2700000" algn="tl" rotWithShape="0">
-                  <a:schemeClr val="dk1">
-                    <a:alpha val="40000"/>
-                  </a:schemeClr>
-                </a:outerShdw>
-              </a:effectLst>
-            </a:endParaRPr>
           </a:p>
           <a:p>
             <a:pPr marL="685800" indent="-685800" algn="ctr">
@@ -10520,137 +10589,7 @@
                   </a:outerShdw>
                 </a:effectLst>
               </a:rPr>
-              <a:t>Access </a:t>
-            </a:r>
-            <a:r>
-              <a:rPr lang="hu-HU" sz="1200" dirty="0" err="1">
-                <a:ln w="0"/>
-                <a:effectLst>
-                  <a:outerShdw blurRad="38100" dist="19050" dir="2700000" algn="tl" rotWithShape="0">
-                    <a:schemeClr val="dk1">
-                      <a:alpha val="40000"/>
-                    </a:schemeClr>
-                  </a:outerShdw>
-                </a:effectLst>
-              </a:rPr>
-              <a:t>from</a:t>
-            </a:r>
-            <a:r>
-              <a:rPr lang="hu-HU" sz="1200" dirty="0">
-                <a:ln w="0"/>
-                <a:effectLst>
-                  <a:outerShdw blurRad="38100" dist="19050" dir="2700000" algn="tl" rotWithShape="0">
-                    <a:schemeClr val="dk1">
-                      <a:alpha val="40000"/>
-                    </a:schemeClr>
-                  </a:outerShdw>
-                </a:effectLst>
-              </a:rPr>
-              <a:t> </a:t>
-            </a:r>
-            <a:r>
-              <a:rPr lang="hu-HU" sz="1200" dirty="0" err="1">
-                <a:ln w="0"/>
-                <a:effectLst>
-                  <a:outerShdw blurRad="38100" dist="19050" dir="2700000" algn="tl" rotWithShape="0">
-                    <a:schemeClr val="dk1">
-                      <a:alpha val="40000"/>
-                    </a:schemeClr>
-                  </a:outerShdw>
-                </a:effectLst>
-              </a:rPr>
-              <a:t>anywhere</a:t>
-            </a:r>
-            <a:r>
-              <a:rPr lang="hu-HU" sz="1200" dirty="0">
-                <a:ln w="0"/>
-                <a:effectLst>
-                  <a:outerShdw blurRad="38100" dist="19050" dir="2700000" algn="tl" rotWithShape="0">
-                    <a:schemeClr val="dk1">
-                      <a:alpha val="40000"/>
-                    </a:schemeClr>
-                  </a:outerShdw>
-                </a:effectLst>
-              </a:rPr>
-              <a:t> </a:t>
-            </a:r>
-            <a:r>
-              <a:rPr lang="hu-HU" sz="1200" dirty="0" err="1">
-                <a:ln w="0"/>
-                <a:effectLst>
-                  <a:outerShdw blurRad="38100" dist="19050" dir="2700000" algn="tl" rotWithShape="0">
-                    <a:schemeClr val="dk1">
-                      <a:alpha val="40000"/>
-                    </a:schemeClr>
-                  </a:outerShdw>
-                </a:effectLst>
-              </a:rPr>
-              <a:t>on</a:t>
-            </a:r>
-            <a:r>
-              <a:rPr lang="hu-HU" sz="1200" dirty="0">
-                <a:ln w="0"/>
-                <a:effectLst>
-                  <a:outerShdw blurRad="38100" dist="19050" dir="2700000" algn="tl" rotWithShape="0">
-                    <a:schemeClr val="dk1">
-                      <a:alpha val="40000"/>
-                    </a:schemeClr>
-                  </a:outerShdw>
-                </a:effectLst>
-              </a:rPr>
-              <a:t> </a:t>
-            </a:r>
-            <a:r>
-              <a:rPr lang="hu-HU" sz="1200" dirty="0" err="1">
-                <a:ln w="0"/>
-                <a:effectLst>
-                  <a:outerShdw blurRad="38100" dist="19050" dir="2700000" algn="tl" rotWithShape="0">
-                    <a:schemeClr val="dk1">
-                      <a:alpha val="40000"/>
-                    </a:schemeClr>
-                  </a:outerShdw>
-                </a:effectLst>
-              </a:rPr>
-              <a:t>any</a:t>
-            </a:r>
-            <a:r>
-              <a:rPr lang="hu-HU" sz="1200" dirty="0">
-                <a:ln w="0"/>
-                <a:effectLst>
-                  <a:outerShdw blurRad="38100" dist="19050" dir="2700000" algn="tl" rotWithShape="0">
-                    <a:schemeClr val="dk1">
-                      <a:alpha val="40000"/>
-                    </a:schemeClr>
-                  </a:outerShdw>
-                </a:effectLst>
-              </a:rPr>
-              <a:t> </a:t>
-            </a:r>
-            <a:r>
-              <a:rPr lang="hu-HU" sz="1200" dirty="0" err="1">
-                <a:ln w="0"/>
-                <a:effectLst>
-                  <a:outerShdw blurRad="38100" dist="19050" dir="2700000" algn="tl" rotWithShape="0">
-                    <a:schemeClr val="dk1">
-                      <a:alpha val="40000"/>
-                    </a:schemeClr>
-                  </a:outerShdw>
-                </a:effectLst>
-              </a:rPr>
-              <a:t>device</a:t>
-            </a:r>
-            <a:r>
-              <a:rPr lang="hu-HU" sz="1200" dirty="0">
-                <a:ln w="0"/>
-                <a:effectLst>
-                  <a:outerShdw blurRad="38100" dist="19050" dir="2700000" algn="tl" rotWithShape="0">
-                    <a:schemeClr val="dk1">
-                      <a:alpha val="40000"/>
-                    </a:schemeClr>
-                  </a:outerShdw>
-                </a:effectLst>
-              </a:rPr>
-              <a:t> </a:t>
+              <a:t>Ezáltal elérhető minden eszközről </a:t>
             </a:r>
             <a:endParaRPr lang="hu-HU" sz="1200" b="0" cap="none" spc="0" dirty="0">
               <a:ln w="0"/>
@@ -10678,6 +10617,9 @@
   <p:clrMapOvr>
     <a:masterClrMapping/>
   </p:clrMapOvr>
+  <p:transition spd="med">
+    <p:pull/>
+  </p:transition>
 </p:sld>
 </file>
 
@@ -10799,99 +10741,6 @@
           <a:bodyPr/>
           <a:lstStyle/>
           <a:p>
-            <a:r>
-              <a:rPr lang="hu-HU" dirty="0" err="1"/>
-              <a:t>Only</a:t>
-            </a:r>
-            <a:r>
-              <a:rPr lang="hu-HU" dirty="0"/>
-              <a:t> </a:t>
-            </a:r>
-            <a:r>
-              <a:rPr lang="hu-HU" dirty="0" err="1"/>
-              <a:t>call</a:t>
-            </a:r>
-            <a:r>
-              <a:rPr lang="hu-HU" dirty="0"/>
-              <a:t> </a:t>
-            </a:r>
-            <a:r>
-              <a:rPr lang="hu-HU" dirty="0" err="1"/>
-              <a:t>based</a:t>
-            </a:r>
-            <a:r>
-              <a:rPr lang="hu-HU" dirty="0"/>
-              <a:t> </a:t>
-            </a:r>
-            <a:r>
-              <a:rPr lang="hu-HU" dirty="0" err="1"/>
-              <a:t>reservations</a:t>
-            </a:r>
-            <a:endParaRPr lang="hu-HU" dirty="0"/>
-          </a:p>
-          <a:p>
-            <a:r>
-              <a:rPr lang="hu-HU" dirty="0"/>
-              <a:t>The </a:t>
-            </a:r>
-            <a:r>
-              <a:rPr lang="hu-HU" dirty="0" err="1"/>
-              <a:t>quality</a:t>
-            </a:r>
-            <a:r>
-              <a:rPr lang="hu-HU" dirty="0"/>
-              <a:t> of </a:t>
-            </a:r>
-            <a:r>
-              <a:rPr lang="hu-HU" dirty="0" err="1"/>
-              <a:t>the</a:t>
-            </a:r>
-            <a:r>
-              <a:rPr lang="hu-HU" dirty="0"/>
-              <a:t> </a:t>
-            </a:r>
-            <a:r>
-              <a:rPr lang="hu-HU" dirty="0" err="1"/>
-              <a:t>cars</a:t>
-            </a:r>
-            <a:endParaRPr lang="hu-HU" dirty="0"/>
-          </a:p>
-          <a:p>
-            <a:r>
-              <a:rPr lang="hu-HU" dirty="0"/>
-              <a:t>No platform </a:t>
-            </a:r>
-            <a:r>
-              <a:rPr lang="hu-HU" dirty="0" err="1"/>
-              <a:t>for</a:t>
-            </a:r>
-            <a:r>
-              <a:rPr lang="hu-HU" dirty="0"/>
-              <a:t> </a:t>
-            </a:r>
-            <a:r>
-              <a:rPr lang="hu-HU" dirty="0" err="1"/>
-              <a:t>the</a:t>
-            </a:r>
-            <a:r>
-              <a:rPr lang="hu-HU" dirty="0"/>
-              <a:t> </a:t>
-            </a:r>
-            <a:r>
-              <a:rPr lang="hu-HU" dirty="0" err="1"/>
-              <a:t>renting</a:t>
-            </a:r>
-            <a:r>
-              <a:rPr lang="hu-HU" dirty="0"/>
-              <a:t> </a:t>
-            </a:r>
-            <a:r>
-              <a:rPr lang="hu-HU" dirty="0" err="1"/>
-              <a:t>informations</a:t>
-            </a:r>
-            <a:endParaRPr lang="hu-HU" dirty="0"/>
-          </a:p>
-          <a:p>
             <a:endParaRPr lang="hu-HU" dirty="0"/>
           </a:p>
         </p:txBody>
@@ -10956,111 +10805,6 @@
         <p:txBody>
           <a:bodyPr/>
           <a:lstStyle/>
-          <a:p>
-            <a:r>
-              <a:rPr lang="hu-HU" dirty="0" err="1"/>
-              <a:t>DriveUs</a:t>
-            </a:r>
-            <a:endParaRPr lang="hu-HU" dirty="0"/>
-          </a:p>
-          <a:p>
-            <a:r>
-              <a:rPr lang="hu-HU" dirty="0" err="1"/>
-              <a:t>Available</a:t>
-            </a:r>
-            <a:r>
-              <a:rPr lang="hu-HU" dirty="0"/>
-              <a:t> </a:t>
-            </a:r>
-            <a:r>
-              <a:rPr lang="hu-HU" dirty="0" err="1"/>
-              <a:t>for</a:t>
-            </a:r>
-            <a:r>
-              <a:rPr lang="hu-HU" dirty="0"/>
-              <a:t> </a:t>
-            </a:r>
-            <a:r>
-              <a:rPr lang="hu-HU" dirty="0" err="1"/>
-              <a:t>anyone</a:t>
-            </a:r>
-            <a:r>
-              <a:rPr lang="hu-HU" dirty="0"/>
-              <a:t> </a:t>
-            </a:r>
-            <a:r>
-              <a:rPr lang="hu-HU" dirty="0" err="1"/>
-              <a:t>anywhere</a:t>
-            </a:r>
-            <a:r>
-              <a:rPr lang="hu-HU" dirty="0"/>
-              <a:t> and </a:t>
-            </a:r>
-            <a:r>
-              <a:rPr lang="hu-HU" dirty="0" err="1"/>
-              <a:t>anytime</a:t>
-            </a:r>
-            <a:endParaRPr lang="hu-HU" dirty="0"/>
-          </a:p>
-          <a:p>
-            <a:r>
-              <a:rPr lang="hu-HU" dirty="0" err="1"/>
-              <a:t>Easy</a:t>
-            </a:r>
-            <a:r>
-              <a:rPr lang="hu-HU" dirty="0"/>
-              <a:t> </a:t>
-            </a:r>
-            <a:r>
-              <a:rPr lang="hu-HU" dirty="0" err="1"/>
-              <a:t>communicaton</a:t>
-            </a:r>
-            <a:r>
-              <a:rPr lang="hu-HU" dirty="0"/>
-              <a:t> over </a:t>
-            </a:r>
-            <a:r>
-              <a:rPr lang="hu-HU" dirty="0" err="1"/>
-              <a:t>the</a:t>
-            </a:r>
-            <a:r>
-              <a:rPr lang="hu-HU" dirty="0"/>
-              <a:t> platform</a:t>
-            </a:r>
-          </a:p>
-          <a:p>
-            <a:r>
-              <a:rPr lang="hu-HU" dirty="0" err="1"/>
-              <a:t>Information</a:t>
-            </a:r>
-            <a:r>
-              <a:rPr lang="hu-HU" dirty="0"/>
-              <a:t> </a:t>
-            </a:r>
-            <a:r>
-              <a:rPr lang="hu-HU" dirty="0" err="1"/>
-              <a:t>pages</a:t>
-            </a:r>
-            <a:r>
-              <a:rPr lang="hu-HU" dirty="0"/>
-              <a:t> </a:t>
-            </a:r>
-          </a:p>
-          <a:p>
-            <a:r>
-              <a:rPr lang="en-US" dirty="0"/>
-              <a:t>Intuitive and easy to use</a:t>
-            </a:r>
-            <a:r>
-              <a:rPr lang="hu-HU" dirty="0"/>
-              <a:t> and </a:t>
-            </a:r>
-            <a:r>
-              <a:rPr lang="hu-HU" dirty="0" err="1"/>
-              <a:t>user-friendly</a:t>
-            </a:r>
-            <a:endParaRPr lang="hu-HU" dirty="0"/>
-          </a:p>
           <a:p>
             <a:endParaRPr lang="hu-HU" dirty="0"/>
           </a:p>
@@ -11107,7 +10851,7 @@
                 </a:effectLst>
                 <a:latin typeface="Bodoni MT Condensed" panose="02070606080606020203" pitchFamily="18" charset="0"/>
               </a:rPr>
-              <a:t>TESTS</a:t>
+              <a:t>TESZTEK</a:t>
             </a:r>
             <a:endParaRPr lang="hu-HU" sz="4000" b="0" cap="none" spc="0" dirty="0">
               <a:ln w="0"/>
@@ -11136,6 +10880,9 @@
   <p:clrMapOvr>
     <a:masterClrMapping/>
   </p:clrMapOvr>
+  <p:transition spd="med">
+    <p:pull/>
+  </p:transition>
 </p:sld>
 </file>
 
@@ -11214,7 +10961,7 @@
         </p:nvSpPr>
         <p:spPr>
           <a:xfrm>
-            <a:off x="5228548" y="487717"/>
+            <a:off x="4762322" y="540998"/>
             <a:ext cx="4800600" cy="632529"/>
           </a:xfrm>
         </p:spPr>
@@ -11223,14 +10970,11 @@
           <a:lstStyle/>
           <a:p>
             <a:r>
-              <a:rPr lang="hu-HU" sz="2800" dirty="0" err="1">
+              <a:rPr lang="hu-HU" sz="2800" dirty="0">
                 <a:latin typeface="Bodoni MT Condensed" panose="02070606080606020203" pitchFamily="18" charset="0"/>
               </a:rPr>
-              <a:t>Teamwork</a:t>
+              <a:t>Csapatmunka és kommunikáció</a:t>
             </a:r>
-            <a:endParaRPr lang="hu-HU" sz="2800" dirty="0">
-              <a:latin typeface="Bodoni MT Condensed" panose="02070606080606020203" pitchFamily="18" charset="0"/>
-            </a:endParaRPr>
           </a:p>
         </p:txBody>
       </p:sp>
@@ -11293,18 +11037,9 @@
           </a:p>
           <a:p>
             <a:r>
-              <a:rPr lang="hu-HU" dirty="0" err="1"/>
-              <a:t>Live</a:t>
+              <a:rPr lang="hu-HU" dirty="0"/>
+              <a:t>Személyes élő kommunikáció</a:t>
             </a:r>
-            <a:r>
-              <a:rPr lang="hu-HU" dirty="0"/>
-              <a:t> </a:t>
-            </a:r>
-            <a:r>
-              <a:rPr lang="hu-HU" dirty="0" err="1"/>
-              <a:t>communication</a:t>
-            </a:r>
-            <a:endParaRPr lang="hu-HU" dirty="0"/>
           </a:p>
         </p:txBody>
       </p:sp>
@@ -11408,6 +11143,9 @@
   <p:clrMapOvr>
     <a:masterClrMapping/>
   </p:clrMapOvr>
+  <p:transition spd="med">
+    <p:pull/>
+  </p:transition>
 </p:sld>
 </file>
 
@@ -11615,8 +11353,8 @@
         </p:nvSpPr>
         <p:spPr>
           <a:xfrm>
-            <a:off x="4479894" y="531921"/>
-            <a:ext cx="4051908" cy="719831"/>
+            <a:off x="4479893" y="531921"/>
+            <a:ext cx="5063601" cy="707886"/>
           </a:xfrm>
           <a:prstGeom prst="rect">
             <a:avLst/>
@@ -11642,7 +11380,7 @@
                 </a:effectLst>
                 <a:latin typeface="Bodoni MT Condensed" panose="02070606080606020203" pitchFamily="18" charset="0"/>
               </a:rPr>
-              <a:t>TEAMWORK - BACKEND</a:t>
+              <a:t>MUNKAFELOSZTÁS- BACKEND</a:t>
             </a:r>
             <a:endParaRPr lang="hu-HU" sz="4000" b="0" cap="none" spc="0" dirty="0">
               <a:ln w="0"/>
@@ -11720,6 +11458,9 @@
   <p:clrMapOvr>
     <a:masterClrMapping/>
   </p:clrMapOvr>
+  <p:transition spd="med">
+    <p:pull/>
+  </p:transition>
 </p:sld>
 </file>
 
@@ -11838,7 +11579,9 @@
           </a:xfrm>
         </p:spPr>
         <p:txBody>
-          <a:bodyPr/>
+          <a:bodyPr>
+            <a:normAutofit fontScale="62500" lnSpcReduction="20000"/>
+          </a:bodyPr>
           <a:lstStyle/>
           <a:p>
             <a:endParaRPr lang="hu-HU" dirty="0"/>
@@ -11898,18 +11641,62 @@
         </p:nvSpPr>
         <p:spPr>
           <a:xfrm>
-            <a:off x="6096000" y="3367969"/>
-            <a:ext cx="1367901" cy="2958110"/>
+            <a:off x="8339093" y="3397934"/>
+            <a:ext cx="3343921" cy="2393639"/>
           </a:xfrm>
         </p:spPr>
         <p:txBody>
-          <a:bodyPr/>
+          <a:bodyPr>
+            <a:normAutofit fontScale="62500" lnSpcReduction="20000"/>
+          </a:bodyPr>
           <a:lstStyle/>
           <a:p>
-            <a:pPr marL="0" indent="0">
-              <a:buNone/>
-            </a:pPr>
-            <a:endParaRPr lang="hu-HU" dirty="0"/>
+            <a:r>
+              <a:rPr lang="hu-HU" dirty="0"/>
+              <a:t>Weboldalak alapkinézetének tervezése és elkészítése </a:t>
+            </a:r>
+          </a:p>
+          <a:p>
+            <a:r>
+              <a:rPr lang="hu-HU" dirty="0"/>
+              <a:t>Oldalak tartalmának megtervezése</a:t>
+            </a:r>
+          </a:p>
+          <a:p>
+            <a:r>
+              <a:rPr lang="hu-HU" dirty="0"/>
+              <a:t>Oldalak feltöltése tartalommal</a:t>
+            </a:r>
+          </a:p>
+          <a:p>
+            <a:r>
+              <a:rPr lang="hu-HU" dirty="0"/>
+              <a:t>Oldalak kapcsolatainak kialakítása</a:t>
+            </a:r>
+          </a:p>
+          <a:p>
+            <a:r>
+              <a:rPr lang="hu-HU" dirty="0"/>
+              <a:t>Gombok és szűrők működtetése</a:t>
+            </a:r>
+          </a:p>
+          <a:p>
+            <a:r>
+              <a:rPr lang="hu-HU" dirty="0"/>
+              <a:t>Oldalak reszponzívvá tétele</a:t>
+            </a:r>
+          </a:p>
+          <a:p>
+            <a:r>
+              <a:rPr lang="hu-HU" dirty="0"/>
+              <a:t>Oldalak tesztelése</a:t>
+            </a:r>
+          </a:p>
+          <a:p>
+            <a:r>
+              <a:rPr lang="hu-HU" dirty="0"/>
+              <a:t>Oldalak véglegesítése</a:t>
+            </a:r>
           </a:p>
         </p:txBody>
       </p:sp>
@@ -11928,7 +11715,7 @@
         <p:spPr>
           <a:xfrm>
             <a:off x="4479894" y="531921"/>
-            <a:ext cx="4051908" cy="719831"/>
+            <a:ext cx="4983702" cy="707886"/>
           </a:xfrm>
           <a:prstGeom prst="rect">
             <a:avLst/>
@@ -11954,7 +11741,7 @@
                 </a:effectLst>
                 <a:latin typeface="Bodoni MT Condensed" panose="02070606080606020203" pitchFamily="18" charset="0"/>
               </a:rPr>
-              <a:t>TEAMWORK - FRONTEND</a:t>
+              <a:t>MUNKAFELOSZTÁS - FRONTEND</a:t>
             </a:r>
             <a:endParaRPr lang="hu-HU" sz="4000" b="0" cap="none" spc="0" dirty="0">
               <a:ln w="0"/>
@@ -12032,6 +11819,9 @@
   <p:clrMapOvr>
     <a:masterClrMapping/>
   </p:clrMapOvr>
+  <p:transition spd="med">
+    <p:pull/>
+  </p:transition>
 </p:sld>
 </file>
 
@@ -12110,8 +11900,8 @@
         </p:nvSpPr>
         <p:spPr>
           <a:xfrm>
-            <a:off x="5672091" y="385535"/>
-            <a:ext cx="4800600" cy="632529"/>
+            <a:off x="4888253" y="649651"/>
+            <a:ext cx="6111180" cy="632529"/>
           </a:xfrm>
         </p:spPr>
         <p:txBody>
@@ -12122,7 +11912,7 @@
               <a:rPr lang="hu-HU" sz="2800" dirty="0">
                 <a:latin typeface="Bodoni MT Condensed" panose="02070606080606020203" pitchFamily="18" charset="0"/>
               </a:rPr>
-              <a:t>PUBLICATION</a:t>
+              <a:t>Publikálás és fájlok továbbítása egymás között</a:t>
             </a:r>
           </a:p>
         </p:txBody>
@@ -12178,6 +11968,9 @@
   <p:clrMapOvr>
     <a:masterClrMapping/>
   </p:clrMapOvr>
+  <p:transition spd="med">
+    <p:pull/>
+  </p:transition>
 </p:sld>
 </file>
 
@@ -12256,8 +12049,8 @@
         </p:nvSpPr>
         <p:spPr>
           <a:xfrm>
-            <a:off x="5672091" y="385535"/>
-            <a:ext cx="4800600" cy="632529"/>
+            <a:off x="5032899" y="501515"/>
+            <a:ext cx="5682448" cy="632529"/>
           </a:xfrm>
         </p:spPr>
         <p:txBody>
@@ -12268,7 +12061,7 @@
               <a:rPr lang="hu-HU" sz="2800" dirty="0">
                 <a:latin typeface="Bodoni MT Condensed" panose="02070606080606020203" pitchFamily="18" charset="0"/>
               </a:rPr>
-              <a:t>FUTURE PLANS</a:t>
+              <a:t>JÖVŐBELI TERVEINK ÉS fejlesztések</a:t>
             </a:r>
           </a:p>
         </p:txBody>
@@ -12291,7 +12084,7 @@
         </p:nvSpPr>
         <p:spPr>
           <a:xfrm>
-            <a:off x="3439343" y="2257858"/>
+            <a:off x="3217402" y="2391023"/>
             <a:ext cx="4800600" cy="3317962"/>
           </a:xfrm>
         </p:spPr>
@@ -12304,19 +12097,14 @@
             <a:pPr lvl="4"/>
             <a:r>
               <a:rPr lang="hu-HU" sz="2800" dirty="0"/>
-              <a:t>Mobile </a:t>
+              <a:t>Telefonos applikáció</a:t>
             </a:r>
-            <a:r>
-              <a:rPr lang="hu-HU" sz="2800" dirty="0" err="1"/>
-              <a:t>application</a:t>
-            </a:r>
-            <a:endParaRPr lang="hu-HU" sz="2800" dirty="0"/>
           </a:p>
           <a:p>
             <a:pPr lvl="4"/>
             <a:r>
               <a:rPr lang="hu-HU" sz="2800" dirty="0" err="1"/>
-              <a:t>Advertisements</a:t>
+              <a:t>Hírdetések</a:t>
             </a:r>
             <a:endParaRPr lang="hu-HU" sz="2800" dirty="0"/>
           </a:p>
@@ -12332,6 +12120,9 @@
   <p:clrMapOvr>
     <a:masterClrMapping/>
   </p:clrMapOvr>
+  <p:transition spd="med">
+    <p:pull/>
+  </p:transition>
 </p:sld>
 </file>
 
@@ -12499,36 +12290,12 @@
           <a:p>
             <a:pPr rtl="0"/>
             <a:r>
-              <a:rPr lang="hu-HU" dirty="0" err="1">
-                <a:solidFill>
-                  <a:schemeClr val="tx1"/>
-                </a:solidFill>
-              </a:rPr>
-              <a:t>Made</a:t>
-            </a:r>
-            <a:r>
               <a:rPr lang="hu-HU" dirty="0">
                 <a:solidFill>
                   <a:schemeClr val="tx1"/>
                 </a:solidFill>
               </a:rPr>
-              <a:t> </a:t>
-            </a:r>
-            <a:r>
-              <a:rPr lang="hu-HU" dirty="0" err="1">
-                <a:solidFill>
-                  <a:schemeClr val="tx1"/>
-                </a:solidFill>
-              </a:rPr>
-              <a:t>by</a:t>
-            </a:r>
-            <a:r>
-              <a:rPr lang="hu-HU" dirty="0">
-                <a:solidFill>
-                  <a:schemeClr val="tx1"/>
-                </a:solidFill>
-              </a:rPr>
-              <a:t>:</a:t>
+              <a:t>készítette:</a:t>
             </a:r>
           </a:p>
           <a:p>
@@ -14144,7 +13911,7 @@
         <p:spPr>
           <a:xfrm>
             <a:off x="-44615" y="-1152"/>
-            <a:ext cx="5316147" cy="1569660"/>
+            <a:ext cx="5316147" cy="1408078"/>
           </a:xfrm>
           <a:prstGeom prst="rect">
             <a:avLst/>
@@ -14174,12 +13941,6 @@
               <a:t>titkar@hengersor.hu</a:t>
             </a:r>
             <a:endParaRPr lang="hu-HU" sz="1050" dirty="0"/>
-          </a:p>
-          <a:p>
-            <a:r>
-              <a:rPr lang="nb-NO" sz="1050" dirty="0"/>
-              <a:t>Telefon:</a:t>
-            </a:r>
           </a:p>
           <a:p>
             <a:r>
@@ -14215,12 +13976,32 @@
   <p:clrMapOvr>
     <a:masterClrMapping/>
   </p:clrMapOvr>
+  <mc:AlternateContent xmlns:mc="http://schemas.openxmlformats.org/markup-compatibility/2006">
+    <mc:Choice xmlns:p14="http://schemas.microsoft.com/office/powerpoint/2010/main" Requires="p14">
+      <p:transition spd="slow" p14:dur="1500">
+        <p:split orient="vert"/>
+      </p:transition>
+    </mc:Choice>
+    <mc:Fallback>
+      <p:transition spd="slow">
+        <p:split orient="vert"/>
+      </p:transition>
+    </mc:Fallback>
+  </mc:AlternateContent>
 </p:sld>
 </file>
 
 <file path=ppt/slides/slide20.xml><?xml version="1.0" encoding="utf-8"?>
-<p:sld xmlns:a="http://schemas.openxmlformats.org/drawingml/2006/main" xmlns:r="http://schemas.openxmlformats.org/officeDocument/2006/relationships" xmlns:p="http://schemas.openxmlformats.org/presentationml/2006/main">
+<p:sld xmlns:a="http://schemas.openxmlformats.org/drawingml/2006/main" xmlns:r="http://schemas.openxmlformats.org/officeDocument/2006/relationships" xmlns:p="http://schemas.openxmlformats.org/presentationml/2006/main" show="0">
   <p:cSld>
+    <p:bg>
+      <p:bgPr>
+        <a:solidFill>
+          <a:schemeClr val="accent1"/>
+        </a:solidFill>
+        <a:effectLst/>
+      </p:bgPr>
+    </p:bg>
     <p:spTree>
       <p:nvGrpSpPr>
         <p:cNvPr id="1" name=""/>
@@ -14237,10 +14018,73 @@
       </p:grpSpPr>
       <p:sp>
         <p:nvSpPr>
+          <p:cNvPr id="17" name="Téglalap 16">
+            <a:extLst>
+              <a:ext uri="{FF2B5EF4-FFF2-40B4-BE49-F238E27FC236}">
+                <a16:creationId xmlns:a16="http://schemas.microsoft.com/office/drawing/2014/main" id="{415DEDD7-7B31-4EF1-B7C7-5AEE3208CC1D}"/>
+              </a:ext>
+              <a:ext uri="{C183D7F6-B498-43B3-948B-1728B52AA6E4}">
+                <adec:decorative xmlns:adec="http://schemas.microsoft.com/office/drawing/2017/decorative" val="1"/>
+              </a:ext>
+            </a:extLst>
+          </p:cNvPr>
+          <p:cNvSpPr>
+            <a:spLocks noGrp="1" noRot="1" noChangeAspect="1" noMove="1" noResize="1" noEditPoints="1" noAdjustHandles="1" noChangeArrowheads="1" noChangeShapeType="1" noTextEdit="1"/>
+          </p:cNvSpPr>
+          <p:nvPr>
+            <p:extLst>
+              <p:ext uri="{386F3935-93C4-4BCD-93E2-E3B085C9AB24}">
+                <p16:designElem xmlns:p16="http://schemas.microsoft.com/office/powerpoint/2015/main" val="1"/>
+              </p:ext>
+            </p:extLst>
+          </p:nvPr>
+        </p:nvSpPr>
+        <p:spPr bwMode="ltGray">
+          <a:xfrm>
+            <a:off x="1" y="0"/>
+            <a:ext cx="12191996" cy="6858000"/>
+          </a:xfrm>
+          <a:prstGeom prst="rect">
+            <a:avLst/>
+          </a:prstGeom>
+          <a:solidFill>
+            <a:schemeClr val="accent1"/>
+          </a:solidFill>
+          <a:ln>
+            <a:noFill/>
+          </a:ln>
+        </p:spPr>
+        <p:style>
+          <a:lnRef idx="2">
+            <a:schemeClr val="accent1">
+              <a:shade val="50000"/>
+            </a:schemeClr>
+          </a:lnRef>
+          <a:fillRef idx="1">
+            <a:schemeClr val="accent1"/>
+          </a:fillRef>
+          <a:effectRef idx="0">
+            <a:schemeClr val="accent1"/>
+          </a:effectRef>
+          <a:fontRef idx="minor">
+            <a:schemeClr val="lt1"/>
+          </a:fontRef>
+        </p:style>
+        <p:txBody>
+          <a:bodyPr rtlCol="0" anchor="ctr"/>
+          <a:lstStyle/>
+          <a:p>
+            <a:pPr algn="ctr" rtl="0"/>
+            <a:endParaRPr lang="hu-HU" dirty="0"/>
+          </a:p>
+        </p:txBody>
+      </p:sp>
+      <p:sp>
+        <p:nvSpPr>
           <p:cNvPr id="2" name="Cím 1">
             <a:extLst>
               <a:ext uri="{FF2B5EF4-FFF2-40B4-BE49-F238E27FC236}">
-                <a16:creationId xmlns:a16="http://schemas.microsoft.com/office/drawing/2014/main" id="{10CE6518-4BE9-4116-A177-F26ADCA37BEA}"/>
+                <a16:creationId xmlns:a16="http://schemas.microsoft.com/office/drawing/2014/main" id="{C36A1A43-B750-4259-AA02-68777493B108}"/>
               </a:ext>
             </a:extLst>
           </p:cNvPr>
@@ -14248,24 +14092,45 @@
             <a:spLocks noGrp="1"/>
           </p:cNvSpPr>
           <p:nvPr>
-            <p:ph type="title"/>
+            <p:ph type="ctrTitle"/>
           </p:nvPr>
         </p:nvSpPr>
-        <p:spPr/>
+        <p:spPr>
+          <a:xfrm>
+            <a:off x="626795" y="1028699"/>
+            <a:ext cx="5875694" cy="4504620"/>
+          </a:xfrm>
+        </p:spPr>
         <p:txBody>
-          <a:bodyPr/>
+          <a:bodyPr rtlCol="0">
+            <a:normAutofit/>
+          </a:bodyPr>
           <a:lstStyle/>
           <a:p>
-            <a:endParaRPr lang="hu-HU"/>
+            <a:r>
+              <a:rPr lang="hu-HU" sz="9600" dirty="0" err="1">
+                <a:solidFill>
+                  <a:schemeClr val="tx1"/>
+                </a:solidFill>
+                <a:latin typeface="Bodoni MT Condensed" panose="02070606080606020203" pitchFamily="18" charset="0"/>
+              </a:rPr>
+              <a:t>DriveUs</a:t>
+            </a:r>
+            <a:endParaRPr lang="hu-HU" sz="9600" dirty="0">
+              <a:solidFill>
+                <a:schemeClr val="tx1"/>
+              </a:solidFill>
+              <a:latin typeface="Bodoni MT Condensed" panose="02070606080606020203" pitchFamily="18" charset="0"/>
+            </a:endParaRPr>
           </a:p>
         </p:txBody>
       </p:sp>
       <p:sp>
         <p:nvSpPr>
-          <p:cNvPr id="3" name="Szöveg helye 2">
+          <p:cNvPr id="3" name="Alcím 2">
             <a:extLst>
               <a:ext uri="{FF2B5EF4-FFF2-40B4-BE49-F238E27FC236}">
-                <a16:creationId xmlns:a16="http://schemas.microsoft.com/office/drawing/2014/main" id="{86A197DD-BC05-4910-86D3-648818756FFA}"/>
+                <a16:creationId xmlns:a16="http://schemas.microsoft.com/office/drawing/2014/main" id="{01F61DBF-2C3F-4F06-BAE0-5C6A7317D5C9}"/>
               </a:ext>
             </a:extLst>
           </p:cNvPr>
@@ -14273,24 +14138,2035 @@
             <a:spLocks noGrp="1"/>
           </p:cNvSpPr>
           <p:nvPr>
-            <p:ph type="body" idx="1"/>
+            <p:ph type="subTitle" idx="1"/>
           </p:nvPr>
         </p:nvSpPr>
-        <p:spPr/>
+        <p:spPr>
+          <a:xfrm>
+            <a:off x="708467" y="5572664"/>
+            <a:ext cx="5877385" cy="841803"/>
+          </a:xfrm>
+        </p:spPr>
         <p:txBody>
-          <a:bodyPr/>
+          <a:bodyPr rtlCol="0">
+            <a:normAutofit/>
+          </a:bodyPr>
           <a:lstStyle/>
           <a:p>
-            <a:endParaRPr lang="hu-HU"/>
+            <a:pPr rtl="0"/>
+            <a:r>
+              <a:rPr lang="hu-HU" dirty="0">
+                <a:solidFill>
+                  <a:schemeClr val="tx1"/>
+                </a:solidFill>
+              </a:rPr>
+              <a:t>Köszönjük a figyelmet!</a:t>
+            </a:r>
           </a:p>
         </p:txBody>
       </p:sp>
       <p:sp>
         <p:nvSpPr>
-          <p:cNvPr id="4" name="Tartalom helye 3">
+          <p:cNvPr id="19" name="Szabadkézi alakzat: Alakzat 18">
             <a:extLst>
               <a:ext uri="{FF2B5EF4-FFF2-40B4-BE49-F238E27FC236}">
-                <a16:creationId xmlns:a16="http://schemas.microsoft.com/office/drawing/2014/main" id="{93625C81-4877-4419-BB2D-BDFE978FC9C7}"/>
+                <a16:creationId xmlns:a16="http://schemas.microsoft.com/office/drawing/2014/main" id="{3242CC7A-3D6E-47A4-B9D1-860978459846}"/>
+              </a:ext>
+              <a:ext uri="{C183D7F6-B498-43B3-948B-1728B52AA6E4}">
+                <adec:decorative xmlns:adec="http://schemas.microsoft.com/office/drawing/2017/decorative" val="1"/>
+              </a:ext>
+            </a:extLst>
+          </p:cNvPr>
+          <p:cNvSpPr>
+            <a:spLocks noGrp="1" noRot="1" noChangeAspect="1" noMove="1" noResize="1" noEditPoints="1" noAdjustHandles="1" noChangeArrowheads="1" noChangeShapeType="1" noTextEdit="1"/>
+          </p:cNvSpPr>
+          <p:nvPr>
+            <p:extLst>
+              <p:ext uri="{386F3935-93C4-4BCD-93E2-E3B085C9AB24}">
+                <p16:designElem xmlns:p16="http://schemas.microsoft.com/office/powerpoint/2015/main" val="1"/>
+              </p:ext>
+            </p:extLst>
+          </p:nvPr>
+        </p:nvSpPr>
+        <p:spPr>
+          <a:xfrm>
+            <a:off x="6766174" y="0"/>
+            <a:ext cx="5282519" cy="6858000"/>
+          </a:xfrm>
+          <a:custGeom>
+            <a:avLst/>
+            <a:gdLst>
+              <a:gd name="connsiteX0" fmla="*/ 189795 w 5282519"/>
+              <a:gd name="connsiteY0" fmla="*/ 0 h 6858000"/>
+              <a:gd name="connsiteX1" fmla="*/ 5282519 w 5282519"/>
+              <a:gd name="connsiteY1" fmla="*/ 0 h 6858000"/>
+              <a:gd name="connsiteX2" fmla="*/ 5282519 w 5282519"/>
+              <a:gd name="connsiteY2" fmla="*/ 6858000 h 6858000"/>
+              <a:gd name="connsiteX3" fmla="*/ 189795 w 5282519"/>
+              <a:gd name="connsiteY3" fmla="*/ 6858000 h 6858000"/>
+              <a:gd name="connsiteX4" fmla="*/ 184756 w 5282519"/>
+              <a:gd name="connsiteY4" fmla="*/ 6791325 h 6858000"/>
+              <a:gd name="connsiteX5" fmla="*/ 176358 w 5282519"/>
+              <a:gd name="connsiteY5" fmla="*/ 6735762 h 6858000"/>
+              <a:gd name="connsiteX6" fmla="*/ 166281 w 5282519"/>
+              <a:gd name="connsiteY6" fmla="*/ 6683375 h 6858000"/>
+              <a:gd name="connsiteX7" fmla="*/ 149485 w 5282519"/>
+              <a:gd name="connsiteY7" fmla="*/ 6640512 h 6858000"/>
+              <a:gd name="connsiteX8" fmla="*/ 132689 w 5282519"/>
+              <a:gd name="connsiteY8" fmla="*/ 6597650 h 6858000"/>
+              <a:gd name="connsiteX9" fmla="*/ 112534 w 5282519"/>
+              <a:gd name="connsiteY9" fmla="*/ 6561137 h 6858000"/>
+              <a:gd name="connsiteX10" fmla="*/ 92379 w 5282519"/>
+              <a:gd name="connsiteY10" fmla="*/ 6523037 h 6858000"/>
+              <a:gd name="connsiteX11" fmla="*/ 73903 w 5282519"/>
+              <a:gd name="connsiteY11" fmla="*/ 6488112 h 6858000"/>
+              <a:gd name="connsiteX12" fmla="*/ 55427 w 5282519"/>
+              <a:gd name="connsiteY12" fmla="*/ 6448425 h 6858000"/>
+              <a:gd name="connsiteX13" fmla="*/ 38632 w 5282519"/>
+              <a:gd name="connsiteY13" fmla="*/ 6407150 h 6858000"/>
+              <a:gd name="connsiteX14" fmla="*/ 23515 w 5282519"/>
+              <a:gd name="connsiteY14" fmla="*/ 6361112 h 6858000"/>
+              <a:gd name="connsiteX15" fmla="*/ 11758 w 5282519"/>
+              <a:gd name="connsiteY15" fmla="*/ 6311900 h 6858000"/>
+              <a:gd name="connsiteX16" fmla="*/ 3359 w 5282519"/>
+              <a:gd name="connsiteY16" fmla="*/ 6251575 h 6858000"/>
+              <a:gd name="connsiteX17" fmla="*/ 0 w 5282519"/>
+              <a:gd name="connsiteY17" fmla="*/ 6183312 h 6858000"/>
+              <a:gd name="connsiteX18" fmla="*/ 3359 w 5282519"/>
+              <a:gd name="connsiteY18" fmla="*/ 6113462 h 6858000"/>
+              <a:gd name="connsiteX19" fmla="*/ 11758 w 5282519"/>
+              <a:gd name="connsiteY19" fmla="*/ 6056312 h 6858000"/>
+              <a:gd name="connsiteX20" fmla="*/ 23515 w 5282519"/>
+              <a:gd name="connsiteY20" fmla="*/ 6003925 h 6858000"/>
+              <a:gd name="connsiteX21" fmla="*/ 38632 w 5282519"/>
+              <a:gd name="connsiteY21" fmla="*/ 5956300 h 6858000"/>
+              <a:gd name="connsiteX22" fmla="*/ 55427 w 5282519"/>
+              <a:gd name="connsiteY22" fmla="*/ 5915025 h 6858000"/>
+              <a:gd name="connsiteX23" fmla="*/ 75583 w 5282519"/>
+              <a:gd name="connsiteY23" fmla="*/ 5876925 h 6858000"/>
+              <a:gd name="connsiteX24" fmla="*/ 95738 w 5282519"/>
+              <a:gd name="connsiteY24" fmla="*/ 5840412 h 6858000"/>
+              <a:gd name="connsiteX25" fmla="*/ 115893 w 5282519"/>
+              <a:gd name="connsiteY25" fmla="*/ 5802312 h 6858000"/>
+              <a:gd name="connsiteX26" fmla="*/ 134368 w 5282519"/>
+              <a:gd name="connsiteY26" fmla="*/ 5762625 h 6858000"/>
+              <a:gd name="connsiteX27" fmla="*/ 152844 w 5282519"/>
+              <a:gd name="connsiteY27" fmla="*/ 5721350 h 6858000"/>
+              <a:gd name="connsiteX28" fmla="*/ 167960 w 5282519"/>
+              <a:gd name="connsiteY28" fmla="*/ 5675312 h 6858000"/>
+              <a:gd name="connsiteX29" fmla="*/ 178038 w 5282519"/>
+              <a:gd name="connsiteY29" fmla="*/ 5622925 h 6858000"/>
+              <a:gd name="connsiteX30" fmla="*/ 188115 w 5282519"/>
+              <a:gd name="connsiteY30" fmla="*/ 5562600 h 6858000"/>
+              <a:gd name="connsiteX31" fmla="*/ 189795 w 5282519"/>
+              <a:gd name="connsiteY31" fmla="*/ 5494337 h 6858000"/>
+              <a:gd name="connsiteX32" fmla="*/ 188115 w 5282519"/>
+              <a:gd name="connsiteY32" fmla="*/ 5426075 h 6858000"/>
+              <a:gd name="connsiteX33" fmla="*/ 178038 w 5282519"/>
+              <a:gd name="connsiteY33" fmla="*/ 5365750 h 6858000"/>
+              <a:gd name="connsiteX34" fmla="*/ 167960 w 5282519"/>
+              <a:gd name="connsiteY34" fmla="*/ 5313362 h 6858000"/>
+              <a:gd name="connsiteX35" fmla="*/ 152844 w 5282519"/>
+              <a:gd name="connsiteY35" fmla="*/ 5268912 h 6858000"/>
+              <a:gd name="connsiteX36" fmla="*/ 134368 w 5282519"/>
+              <a:gd name="connsiteY36" fmla="*/ 5226050 h 6858000"/>
+              <a:gd name="connsiteX37" fmla="*/ 115893 w 5282519"/>
+              <a:gd name="connsiteY37" fmla="*/ 5186362 h 6858000"/>
+              <a:gd name="connsiteX38" fmla="*/ 95738 w 5282519"/>
+              <a:gd name="connsiteY38" fmla="*/ 5149850 h 6858000"/>
+              <a:gd name="connsiteX39" fmla="*/ 75583 w 5282519"/>
+              <a:gd name="connsiteY39" fmla="*/ 5114925 h 6858000"/>
+              <a:gd name="connsiteX40" fmla="*/ 55427 w 5282519"/>
+              <a:gd name="connsiteY40" fmla="*/ 5075237 h 6858000"/>
+              <a:gd name="connsiteX41" fmla="*/ 38632 w 5282519"/>
+              <a:gd name="connsiteY41" fmla="*/ 5033962 h 6858000"/>
+              <a:gd name="connsiteX42" fmla="*/ 23515 w 5282519"/>
+              <a:gd name="connsiteY42" fmla="*/ 4987925 h 6858000"/>
+              <a:gd name="connsiteX43" fmla="*/ 11758 w 5282519"/>
+              <a:gd name="connsiteY43" fmla="*/ 4935537 h 6858000"/>
+              <a:gd name="connsiteX44" fmla="*/ 3359 w 5282519"/>
+              <a:gd name="connsiteY44" fmla="*/ 4875212 h 6858000"/>
+              <a:gd name="connsiteX45" fmla="*/ 0 w 5282519"/>
+              <a:gd name="connsiteY45" fmla="*/ 4806950 h 6858000"/>
+              <a:gd name="connsiteX46" fmla="*/ 3359 w 5282519"/>
+              <a:gd name="connsiteY46" fmla="*/ 4738687 h 6858000"/>
+              <a:gd name="connsiteX47" fmla="*/ 11758 w 5282519"/>
+              <a:gd name="connsiteY47" fmla="*/ 4678362 h 6858000"/>
+              <a:gd name="connsiteX48" fmla="*/ 23515 w 5282519"/>
+              <a:gd name="connsiteY48" fmla="*/ 4625975 h 6858000"/>
+              <a:gd name="connsiteX49" fmla="*/ 38632 w 5282519"/>
+              <a:gd name="connsiteY49" fmla="*/ 4579937 h 6858000"/>
+              <a:gd name="connsiteX50" fmla="*/ 55427 w 5282519"/>
+              <a:gd name="connsiteY50" fmla="*/ 4537075 h 6858000"/>
+              <a:gd name="connsiteX51" fmla="*/ 75583 w 5282519"/>
+              <a:gd name="connsiteY51" fmla="*/ 4498975 h 6858000"/>
+              <a:gd name="connsiteX52" fmla="*/ 115893 w 5282519"/>
+              <a:gd name="connsiteY52" fmla="*/ 4424362 h 6858000"/>
+              <a:gd name="connsiteX53" fmla="*/ 134368 w 5282519"/>
+              <a:gd name="connsiteY53" fmla="*/ 4386262 h 6858000"/>
+              <a:gd name="connsiteX54" fmla="*/ 152844 w 5282519"/>
+              <a:gd name="connsiteY54" fmla="*/ 4343400 h 6858000"/>
+              <a:gd name="connsiteX55" fmla="*/ 167960 w 5282519"/>
+              <a:gd name="connsiteY55" fmla="*/ 4297362 h 6858000"/>
+              <a:gd name="connsiteX56" fmla="*/ 178038 w 5282519"/>
+              <a:gd name="connsiteY56" fmla="*/ 4244975 h 6858000"/>
+              <a:gd name="connsiteX57" fmla="*/ 188115 w 5282519"/>
+              <a:gd name="connsiteY57" fmla="*/ 4186237 h 6858000"/>
+              <a:gd name="connsiteX58" fmla="*/ 189795 w 5282519"/>
+              <a:gd name="connsiteY58" fmla="*/ 4116387 h 6858000"/>
+              <a:gd name="connsiteX59" fmla="*/ 188115 w 5282519"/>
+              <a:gd name="connsiteY59" fmla="*/ 4048125 h 6858000"/>
+              <a:gd name="connsiteX60" fmla="*/ 178038 w 5282519"/>
+              <a:gd name="connsiteY60" fmla="*/ 3987800 h 6858000"/>
+              <a:gd name="connsiteX61" fmla="*/ 167960 w 5282519"/>
+              <a:gd name="connsiteY61" fmla="*/ 3935412 h 6858000"/>
+              <a:gd name="connsiteX62" fmla="*/ 152844 w 5282519"/>
+              <a:gd name="connsiteY62" fmla="*/ 3890962 h 6858000"/>
+              <a:gd name="connsiteX63" fmla="*/ 134368 w 5282519"/>
+              <a:gd name="connsiteY63" fmla="*/ 3848100 h 6858000"/>
+              <a:gd name="connsiteX64" fmla="*/ 115893 w 5282519"/>
+              <a:gd name="connsiteY64" fmla="*/ 3811587 h 6858000"/>
+              <a:gd name="connsiteX65" fmla="*/ 75583 w 5282519"/>
+              <a:gd name="connsiteY65" fmla="*/ 3736975 h 6858000"/>
+              <a:gd name="connsiteX66" fmla="*/ 55427 w 5282519"/>
+              <a:gd name="connsiteY66" fmla="*/ 3697287 h 6858000"/>
+              <a:gd name="connsiteX67" fmla="*/ 38632 w 5282519"/>
+              <a:gd name="connsiteY67" fmla="*/ 3656012 h 6858000"/>
+              <a:gd name="connsiteX68" fmla="*/ 23515 w 5282519"/>
+              <a:gd name="connsiteY68" fmla="*/ 3609975 h 6858000"/>
+              <a:gd name="connsiteX69" fmla="*/ 11758 w 5282519"/>
+              <a:gd name="connsiteY69" fmla="*/ 3557587 h 6858000"/>
+              <a:gd name="connsiteX70" fmla="*/ 3359 w 5282519"/>
+              <a:gd name="connsiteY70" fmla="*/ 3497262 h 6858000"/>
+              <a:gd name="connsiteX71" fmla="*/ 0 w 5282519"/>
+              <a:gd name="connsiteY71" fmla="*/ 3427412 h 6858000"/>
+              <a:gd name="connsiteX72" fmla="*/ 3359 w 5282519"/>
+              <a:gd name="connsiteY72" fmla="*/ 3360737 h 6858000"/>
+              <a:gd name="connsiteX73" fmla="*/ 11758 w 5282519"/>
+              <a:gd name="connsiteY73" fmla="*/ 3300412 h 6858000"/>
+              <a:gd name="connsiteX74" fmla="*/ 23515 w 5282519"/>
+              <a:gd name="connsiteY74" fmla="*/ 3248025 h 6858000"/>
+              <a:gd name="connsiteX75" fmla="*/ 38632 w 5282519"/>
+              <a:gd name="connsiteY75" fmla="*/ 3201987 h 6858000"/>
+              <a:gd name="connsiteX76" fmla="*/ 55427 w 5282519"/>
+              <a:gd name="connsiteY76" fmla="*/ 3160712 h 6858000"/>
+              <a:gd name="connsiteX77" fmla="*/ 75583 w 5282519"/>
+              <a:gd name="connsiteY77" fmla="*/ 3121025 h 6858000"/>
+              <a:gd name="connsiteX78" fmla="*/ 95738 w 5282519"/>
+              <a:gd name="connsiteY78" fmla="*/ 3084512 h 6858000"/>
+              <a:gd name="connsiteX79" fmla="*/ 115893 w 5282519"/>
+              <a:gd name="connsiteY79" fmla="*/ 3046412 h 6858000"/>
+              <a:gd name="connsiteX80" fmla="*/ 134368 w 5282519"/>
+              <a:gd name="connsiteY80" fmla="*/ 3009900 h 6858000"/>
+              <a:gd name="connsiteX81" fmla="*/ 152844 w 5282519"/>
+              <a:gd name="connsiteY81" fmla="*/ 2967037 h 6858000"/>
+              <a:gd name="connsiteX82" fmla="*/ 167960 w 5282519"/>
+              <a:gd name="connsiteY82" fmla="*/ 2922587 h 6858000"/>
+              <a:gd name="connsiteX83" fmla="*/ 178038 w 5282519"/>
+              <a:gd name="connsiteY83" fmla="*/ 2868612 h 6858000"/>
+              <a:gd name="connsiteX84" fmla="*/ 188115 w 5282519"/>
+              <a:gd name="connsiteY84" fmla="*/ 2809875 h 6858000"/>
+              <a:gd name="connsiteX85" fmla="*/ 189795 w 5282519"/>
+              <a:gd name="connsiteY85" fmla="*/ 2741612 h 6858000"/>
+              <a:gd name="connsiteX86" fmla="*/ 188115 w 5282519"/>
+              <a:gd name="connsiteY86" fmla="*/ 2671762 h 6858000"/>
+              <a:gd name="connsiteX87" fmla="*/ 178038 w 5282519"/>
+              <a:gd name="connsiteY87" fmla="*/ 2613025 h 6858000"/>
+              <a:gd name="connsiteX88" fmla="*/ 167960 w 5282519"/>
+              <a:gd name="connsiteY88" fmla="*/ 2560637 h 6858000"/>
+              <a:gd name="connsiteX89" fmla="*/ 152844 w 5282519"/>
+              <a:gd name="connsiteY89" fmla="*/ 2513012 h 6858000"/>
+              <a:gd name="connsiteX90" fmla="*/ 134368 w 5282519"/>
+              <a:gd name="connsiteY90" fmla="*/ 2471737 h 6858000"/>
+              <a:gd name="connsiteX91" fmla="*/ 115893 w 5282519"/>
+              <a:gd name="connsiteY91" fmla="*/ 2433637 h 6858000"/>
+              <a:gd name="connsiteX92" fmla="*/ 95738 w 5282519"/>
+              <a:gd name="connsiteY92" fmla="*/ 2395537 h 6858000"/>
+              <a:gd name="connsiteX93" fmla="*/ 75583 w 5282519"/>
+              <a:gd name="connsiteY93" fmla="*/ 2359025 h 6858000"/>
+              <a:gd name="connsiteX94" fmla="*/ 55427 w 5282519"/>
+              <a:gd name="connsiteY94" fmla="*/ 2319337 h 6858000"/>
+              <a:gd name="connsiteX95" fmla="*/ 38632 w 5282519"/>
+              <a:gd name="connsiteY95" fmla="*/ 2278062 h 6858000"/>
+              <a:gd name="connsiteX96" fmla="*/ 23515 w 5282519"/>
+              <a:gd name="connsiteY96" fmla="*/ 2232025 h 6858000"/>
+              <a:gd name="connsiteX97" fmla="*/ 11758 w 5282519"/>
+              <a:gd name="connsiteY97" fmla="*/ 2179637 h 6858000"/>
+              <a:gd name="connsiteX98" fmla="*/ 3359 w 5282519"/>
+              <a:gd name="connsiteY98" fmla="*/ 2119312 h 6858000"/>
+              <a:gd name="connsiteX99" fmla="*/ 0 w 5282519"/>
+              <a:gd name="connsiteY99" fmla="*/ 2051050 h 6858000"/>
+              <a:gd name="connsiteX100" fmla="*/ 3359 w 5282519"/>
+              <a:gd name="connsiteY100" fmla="*/ 1982787 h 6858000"/>
+              <a:gd name="connsiteX101" fmla="*/ 11758 w 5282519"/>
+              <a:gd name="connsiteY101" fmla="*/ 1922462 h 6858000"/>
+              <a:gd name="connsiteX102" fmla="*/ 23515 w 5282519"/>
+              <a:gd name="connsiteY102" fmla="*/ 1870075 h 6858000"/>
+              <a:gd name="connsiteX103" fmla="*/ 38632 w 5282519"/>
+              <a:gd name="connsiteY103" fmla="*/ 1824037 h 6858000"/>
+              <a:gd name="connsiteX104" fmla="*/ 55427 w 5282519"/>
+              <a:gd name="connsiteY104" fmla="*/ 1782762 h 6858000"/>
+              <a:gd name="connsiteX105" fmla="*/ 75583 w 5282519"/>
+              <a:gd name="connsiteY105" fmla="*/ 1743075 h 6858000"/>
+              <a:gd name="connsiteX106" fmla="*/ 95738 w 5282519"/>
+              <a:gd name="connsiteY106" fmla="*/ 1708150 h 6858000"/>
+              <a:gd name="connsiteX107" fmla="*/ 115893 w 5282519"/>
+              <a:gd name="connsiteY107" fmla="*/ 1671637 h 6858000"/>
+              <a:gd name="connsiteX108" fmla="*/ 134368 w 5282519"/>
+              <a:gd name="connsiteY108" fmla="*/ 1631950 h 6858000"/>
+              <a:gd name="connsiteX109" fmla="*/ 152844 w 5282519"/>
+              <a:gd name="connsiteY109" fmla="*/ 1589087 h 6858000"/>
+              <a:gd name="connsiteX110" fmla="*/ 167960 w 5282519"/>
+              <a:gd name="connsiteY110" fmla="*/ 1544637 h 6858000"/>
+              <a:gd name="connsiteX111" fmla="*/ 178038 w 5282519"/>
+              <a:gd name="connsiteY111" fmla="*/ 1492250 h 6858000"/>
+              <a:gd name="connsiteX112" fmla="*/ 188115 w 5282519"/>
+              <a:gd name="connsiteY112" fmla="*/ 1431925 h 6858000"/>
+              <a:gd name="connsiteX113" fmla="*/ 189795 w 5282519"/>
+              <a:gd name="connsiteY113" fmla="*/ 1363662 h 6858000"/>
+              <a:gd name="connsiteX114" fmla="*/ 188115 w 5282519"/>
+              <a:gd name="connsiteY114" fmla="*/ 1295400 h 6858000"/>
+              <a:gd name="connsiteX115" fmla="*/ 178038 w 5282519"/>
+              <a:gd name="connsiteY115" fmla="*/ 1235075 h 6858000"/>
+              <a:gd name="connsiteX116" fmla="*/ 167960 w 5282519"/>
+              <a:gd name="connsiteY116" fmla="*/ 1182687 h 6858000"/>
+              <a:gd name="connsiteX117" fmla="*/ 152844 w 5282519"/>
+              <a:gd name="connsiteY117" fmla="*/ 1136650 h 6858000"/>
+              <a:gd name="connsiteX118" fmla="*/ 134368 w 5282519"/>
+              <a:gd name="connsiteY118" fmla="*/ 1095375 h 6858000"/>
+              <a:gd name="connsiteX119" fmla="*/ 115893 w 5282519"/>
+              <a:gd name="connsiteY119" fmla="*/ 1055687 h 6858000"/>
+              <a:gd name="connsiteX120" fmla="*/ 95738 w 5282519"/>
+              <a:gd name="connsiteY120" fmla="*/ 1017587 h 6858000"/>
+              <a:gd name="connsiteX121" fmla="*/ 75583 w 5282519"/>
+              <a:gd name="connsiteY121" fmla="*/ 981075 h 6858000"/>
+              <a:gd name="connsiteX122" fmla="*/ 55427 w 5282519"/>
+              <a:gd name="connsiteY122" fmla="*/ 942975 h 6858000"/>
+              <a:gd name="connsiteX123" fmla="*/ 38632 w 5282519"/>
+              <a:gd name="connsiteY123" fmla="*/ 901700 h 6858000"/>
+              <a:gd name="connsiteX124" fmla="*/ 23515 w 5282519"/>
+              <a:gd name="connsiteY124" fmla="*/ 854075 h 6858000"/>
+              <a:gd name="connsiteX125" fmla="*/ 11758 w 5282519"/>
+              <a:gd name="connsiteY125" fmla="*/ 801687 h 6858000"/>
+              <a:gd name="connsiteX126" fmla="*/ 3359 w 5282519"/>
+              <a:gd name="connsiteY126" fmla="*/ 744537 h 6858000"/>
+              <a:gd name="connsiteX127" fmla="*/ 0 w 5282519"/>
+              <a:gd name="connsiteY127" fmla="*/ 673100 h 6858000"/>
+              <a:gd name="connsiteX128" fmla="*/ 3359 w 5282519"/>
+              <a:gd name="connsiteY128" fmla="*/ 606425 h 6858000"/>
+              <a:gd name="connsiteX129" fmla="*/ 11758 w 5282519"/>
+              <a:gd name="connsiteY129" fmla="*/ 546100 h 6858000"/>
+              <a:gd name="connsiteX130" fmla="*/ 23515 w 5282519"/>
+              <a:gd name="connsiteY130" fmla="*/ 496887 h 6858000"/>
+              <a:gd name="connsiteX131" fmla="*/ 38632 w 5282519"/>
+              <a:gd name="connsiteY131" fmla="*/ 450850 h 6858000"/>
+              <a:gd name="connsiteX132" fmla="*/ 55427 w 5282519"/>
+              <a:gd name="connsiteY132" fmla="*/ 409575 h 6858000"/>
+              <a:gd name="connsiteX133" fmla="*/ 73903 w 5282519"/>
+              <a:gd name="connsiteY133" fmla="*/ 369887 h 6858000"/>
+              <a:gd name="connsiteX134" fmla="*/ 92379 w 5282519"/>
+              <a:gd name="connsiteY134" fmla="*/ 334962 h 6858000"/>
+              <a:gd name="connsiteX135" fmla="*/ 112534 w 5282519"/>
+              <a:gd name="connsiteY135" fmla="*/ 296862 h 6858000"/>
+              <a:gd name="connsiteX136" fmla="*/ 132689 w 5282519"/>
+              <a:gd name="connsiteY136" fmla="*/ 260350 h 6858000"/>
+              <a:gd name="connsiteX137" fmla="*/ 149485 w 5282519"/>
+              <a:gd name="connsiteY137" fmla="*/ 217487 h 6858000"/>
+              <a:gd name="connsiteX138" fmla="*/ 166281 w 5282519"/>
+              <a:gd name="connsiteY138" fmla="*/ 174625 h 6858000"/>
+              <a:gd name="connsiteX139" fmla="*/ 176358 w 5282519"/>
+              <a:gd name="connsiteY139" fmla="*/ 122237 h 6858000"/>
+              <a:gd name="connsiteX140" fmla="*/ 184756 w 5282519"/>
+              <a:gd name="connsiteY140" fmla="*/ 66675 h 6858000"/>
+            </a:gdLst>
+            <a:ahLst/>
+            <a:cxnLst>
+              <a:cxn ang="0">
+                <a:pos x="connsiteX0" y="connsiteY0"/>
+              </a:cxn>
+              <a:cxn ang="0">
+                <a:pos x="connsiteX1" y="connsiteY1"/>
+              </a:cxn>
+              <a:cxn ang="0">
+                <a:pos x="connsiteX2" y="connsiteY2"/>
+              </a:cxn>
+              <a:cxn ang="0">
+                <a:pos x="connsiteX3" y="connsiteY3"/>
+              </a:cxn>
+              <a:cxn ang="0">
+                <a:pos x="connsiteX4" y="connsiteY4"/>
+              </a:cxn>
+              <a:cxn ang="0">
+                <a:pos x="connsiteX5" y="connsiteY5"/>
+              </a:cxn>
+              <a:cxn ang="0">
+                <a:pos x="connsiteX6" y="connsiteY6"/>
+              </a:cxn>
+              <a:cxn ang="0">
+                <a:pos x="connsiteX7" y="connsiteY7"/>
+              </a:cxn>
+              <a:cxn ang="0">
+                <a:pos x="connsiteX8" y="connsiteY8"/>
+              </a:cxn>
+              <a:cxn ang="0">
+                <a:pos x="connsiteX9" y="connsiteY9"/>
+              </a:cxn>
+              <a:cxn ang="0">
+                <a:pos x="connsiteX10" y="connsiteY10"/>
+              </a:cxn>
+              <a:cxn ang="0">
+                <a:pos x="connsiteX11" y="connsiteY11"/>
+              </a:cxn>
+              <a:cxn ang="0">
+                <a:pos x="connsiteX12" y="connsiteY12"/>
+              </a:cxn>
+              <a:cxn ang="0">
+                <a:pos x="connsiteX13" y="connsiteY13"/>
+              </a:cxn>
+              <a:cxn ang="0">
+                <a:pos x="connsiteX14" y="connsiteY14"/>
+              </a:cxn>
+              <a:cxn ang="0">
+                <a:pos x="connsiteX15" y="connsiteY15"/>
+              </a:cxn>
+              <a:cxn ang="0">
+                <a:pos x="connsiteX16" y="connsiteY16"/>
+              </a:cxn>
+              <a:cxn ang="0">
+                <a:pos x="connsiteX17" y="connsiteY17"/>
+              </a:cxn>
+              <a:cxn ang="0">
+                <a:pos x="connsiteX18" y="connsiteY18"/>
+              </a:cxn>
+              <a:cxn ang="0">
+                <a:pos x="connsiteX19" y="connsiteY19"/>
+              </a:cxn>
+              <a:cxn ang="0">
+                <a:pos x="connsiteX20" y="connsiteY20"/>
+              </a:cxn>
+              <a:cxn ang="0">
+                <a:pos x="connsiteX21" y="connsiteY21"/>
+              </a:cxn>
+              <a:cxn ang="0">
+                <a:pos x="connsiteX22" y="connsiteY22"/>
+              </a:cxn>
+              <a:cxn ang="0">
+                <a:pos x="connsiteX23" y="connsiteY23"/>
+              </a:cxn>
+              <a:cxn ang="0">
+                <a:pos x="connsiteX24" y="connsiteY24"/>
+              </a:cxn>
+              <a:cxn ang="0">
+                <a:pos x="connsiteX25" y="connsiteY25"/>
+              </a:cxn>
+              <a:cxn ang="0">
+                <a:pos x="connsiteX26" y="connsiteY26"/>
+              </a:cxn>
+              <a:cxn ang="0">
+                <a:pos x="connsiteX27" y="connsiteY27"/>
+              </a:cxn>
+              <a:cxn ang="0">
+                <a:pos x="connsiteX28" y="connsiteY28"/>
+              </a:cxn>
+              <a:cxn ang="0">
+                <a:pos x="connsiteX29" y="connsiteY29"/>
+              </a:cxn>
+              <a:cxn ang="0">
+                <a:pos x="connsiteX30" y="connsiteY30"/>
+              </a:cxn>
+              <a:cxn ang="0">
+                <a:pos x="connsiteX31" y="connsiteY31"/>
+              </a:cxn>
+              <a:cxn ang="0">
+                <a:pos x="connsiteX32" y="connsiteY32"/>
+              </a:cxn>
+              <a:cxn ang="0">
+                <a:pos x="connsiteX33" y="connsiteY33"/>
+              </a:cxn>
+              <a:cxn ang="0">
+                <a:pos x="connsiteX34" y="connsiteY34"/>
+              </a:cxn>
+              <a:cxn ang="0">
+                <a:pos x="connsiteX35" y="connsiteY35"/>
+              </a:cxn>
+              <a:cxn ang="0">
+                <a:pos x="connsiteX36" y="connsiteY36"/>
+              </a:cxn>
+              <a:cxn ang="0">
+                <a:pos x="connsiteX37" y="connsiteY37"/>
+              </a:cxn>
+              <a:cxn ang="0">
+                <a:pos x="connsiteX38" y="connsiteY38"/>
+              </a:cxn>
+              <a:cxn ang="0">
+                <a:pos x="connsiteX39" y="connsiteY39"/>
+              </a:cxn>
+              <a:cxn ang="0">
+                <a:pos x="connsiteX40" y="connsiteY40"/>
+              </a:cxn>
+              <a:cxn ang="0">
+                <a:pos x="connsiteX41" y="connsiteY41"/>
+              </a:cxn>
+              <a:cxn ang="0">
+                <a:pos x="connsiteX42" y="connsiteY42"/>
+              </a:cxn>
+              <a:cxn ang="0">
+                <a:pos x="connsiteX43" y="connsiteY43"/>
+              </a:cxn>
+              <a:cxn ang="0">
+                <a:pos x="connsiteX44" y="connsiteY44"/>
+              </a:cxn>
+              <a:cxn ang="0">
+                <a:pos x="connsiteX45" y="connsiteY45"/>
+              </a:cxn>
+              <a:cxn ang="0">
+                <a:pos x="connsiteX46" y="connsiteY46"/>
+              </a:cxn>
+              <a:cxn ang="0">
+                <a:pos x="connsiteX47" y="connsiteY47"/>
+              </a:cxn>
+              <a:cxn ang="0">
+                <a:pos x="connsiteX48" y="connsiteY48"/>
+              </a:cxn>
+              <a:cxn ang="0">
+                <a:pos x="connsiteX49" y="connsiteY49"/>
+              </a:cxn>
+              <a:cxn ang="0">
+                <a:pos x="connsiteX50" y="connsiteY50"/>
+              </a:cxn>
+              <a:cxn ang="0">
+                <a:pos x="connsiteX51" y="connsiteY51"/>
+              </a:cxn>
+              <a:cxn ang="0">
+                <a:pos x="connsiteX52" y="connsiteY52"/>
+              </a:cxn>
+              <a:cxn ang="0">
+                <a:pos x="connsiteX53" y="connsiteY53"/>
+              </a:cxn>
+              <a:cxn ang="0">
+                <a:pos x="connsiteX54" y="connsiteY54"/>
+              </a:cxn>
+              <a:cxn ang="0">
+                <a:pos x="connsiteX55" y="connsiteY55"/>
+              </a:cxn>
+              <a:cxn ang="0">
+                <a:pos x="connsiteX56" y="connsiteY56"/>
+              </a:cxn>
+              <a:cxn ang="0">
+                <a:pos x="connsiteX57" y="connsiteY57"/>
+              </a:cxn>
+              <a:cxn ang="0">
+                <a:pos x="connsiteX58" y="connsiteY58"/>
+              </a:cxn>
+              <a:cxn ang="0">
+                <a:pos x="connsiteX59" y="connsiteY59"/>
+              </a:cxn>
+              <a:cxn ang="0">
+                <a:pos x="connsiteX60" y="connsiteY60"/>
+              </a:cxn>
+              <a:cxn ang="0">
+                <a:pos x="connsiteX61" y="connsiteY61"/>
+              </a:cxn>
+              <a:cxn ang="0">
+                <a:pos x="connsiteX62" y="connsiteY62"/>
+              </a:cxn>
+              <a:cxn ang="0">
+                <a:pos x="connsiteX63" y="connsiteY63"/>
+              </a:cxn>
+              <a:cxn ang="0">
+                <a:pos x="connsiteX64" y="connsiteY64"/>
+              </a:cxn>
+              <a:cxn ang="0">
+                <a:pos x="connsiteX65" y="connsiteY65"/>
+              </a:cxn>
+              <a:cxn ang="0">
+                <a:pos x="connsiteX66" y="connsiteY66"/>
+              </a:cxn>
+              <a:cxn ang="0">
+                <a:pos x="connsiteX67" y="connsiteY67"/>
+              </a:cxn>
+              <a:cxn ang="0">
+                <a:pos x="connsiteX68" y="connsiteY68"/>
+              </a:cxn>
+              <a:cxn ang="0">
+                <a:pos x="connsiteX69" y="connsiteY69"/>
+              </a:cxn>
+              <a:cxn ang="0">
+                <a:pos x="connsiteX70" y="connsiteY70"/>
+              </a:cxn>
+              <a:cxn ang="0">
+                <a:pos x="connsiteX71" y="connsiteY71"/>
+              </a:cxn>
+              <a:cxn ang="0">
+                <a:pos x="connsiteX72" y="connsiteY72"/>
+              </a:cxn>
+              <a:cxn ang="0">
+                <a:pos x="connsiteX73" y="connsiteY73"/>
+              </a:cxn>
+              <a:cxn ang="0">
+                <a:pos x="connsiteX74" y="connsiteY74"/>
+              </a:cxn>
+              <a:cxn ang="0">
+                <a:pos x="connsiteX75" y="connsiteY75"/>
+              </a:cxn>
+              <a:cxn ang="0">
+                <a:pos x="connsiteX76" y="connsiteY76"/>
+              </a:cxn>
+              <a:cxn ang="0">
+                <a:pos x="connsiteX77" y="connsiteY77"/>
+              </a:cxn>
+              <a:cxn ang="0">
+                <a:pos x="connsiteX78" y="connsiteY78"/>
+              </a:cxn>
+              <a:cxn ang="0">
+                <a:pos x="connsiteX79" y="connsiteY79"/>
+              </a:cxn>
+              <a:cxn ang="0">
+                <a:pos x="connsiteX80" y="connsiteY80"/>
+              </a:cxn>
+              <a:cxn ang="0">
+                <a:pos x="connsiteX81" y="connsiteY81"/>
+              </a:cxn>
+              <a:cxn ang="0">
+                <a:pos x="connsiteX82" y="connsiteY82"/>
+              </a:cxn>
+              <a:cxn ang="0">
+                <a:pos x="connsiteX83" y="connsiteY83"/>
+              </a:cxn>
+              <a:cxn ang="0">
+                <a:pos x="connsiteX84" y="connsiteY84"/>
+              </a:cxn>
+              <a:cxn ang="0">
+                <a:pos x="connsiteX85" y="connsiteY85"/>
+              </a:cxn>
+              <a:cxn ang="0">
+                <a:pos x="connsiteX86" y="connsiteY86"/>
+              </a:cxn>
+              <a:cxn ang="0">
+                <a:pos x="connsiteX87" y="connsiteY87"/>
+              </a:cxn>
+              <a:cxn ang="0">
+                <a:pos x="connsiteX88" y="connsiteY88"/>
+              </a:cxn>
+              <a:cxn ang="0">
+                <a:pos x="connsiteX89" y="connsiteY89"/>
+              </a:cxn>
+              <a:cxn ang="0">
+                <a:pos x="connsiteX90" y="connsiteY90"/>
+              </a:cxn>
+              <a:cxn ang="0">
+                <a:pos x="connsiteX91" y="connsiteY91"/>
+              </a:cxn>
+              <a:cxn ang="0">
+                <a:pos x="connsiteX92" y="connsiteY92"/>
+              </a:cxn>
+              <a:cxn ang="0">
+                <a:pos x="connsiteX93" y="connsiteY93"/>
+              </a:cxn>
+              <a:cxn ang="0">
+                <a:pos x="connsiteX94" y="connsiteY94"/>
+              </a:cxn>
+              <a:cxn ang="0">
+                <a:pos x="connsiteX95" y="connsiteY95"/>
+              </a:cxn>
+              <a:cxn ang="0">
+                <a:pos x="connsiteX96" y="connsiteY96"/>
+              </a:cxn>
+              <a:cxn ang="0">
+                <a:pos x="connsiteX97" y="connsiteY97"/>
+              </a:cxn>
+              <a:cxn ang="0">
+                <a:pos x="connsiteX98" y="connsiteY98"/>
+              </a:cxn>
+              <a:cxn ang="0">
+                <a:pos x="connsiteX99" y="connsiteY99"/>
+              </a:cxn>
+              <a:cxn ang="0">
+                <a:pos x="connsiteX100" y="connsiteY100"/>
+              </a:cxn>
+              <a:cxn ang="0">
+                <a:pos x="connsiteX101" y="connsiteY101"/>
+              </a:cxn>
+              <a:cxn ang="0">
+                <a:pos x="connsiteX102" y="connsiteY102"/>
+              </a:cxn>
+              <a:cxn ang="0">
+                <a:pos x="connsiteX103" y="connsiteY103"/>
+              </a:cxn>
+              <a:cxn ang="0">
+                <a:pos x="connsiteX104" y="connsiteY104"/>
+              </a:cxn>
+              <a:cxn ang="0">
+                <a:pos x="connsiteX105" y="connsiteY105"/>
+              </a:cxn>
+              <a:cxn ang="0">
+                <a:pos x="connsiteX106" y="connsiteY106"/>
+              </a:cxn>
+              <a:cxn ang="0">
+                <a:pos x="connsiteX107" y="connsiteY107"/>
+              </a:cxn>
+              <a:cxn ang="0">
+                <a:pos x="connsiteX108" y="connsiteY108"/>
+              </a:cxn>
+              <a:cxn ang="0">
+                <a:pos x="connsiteX109" y="connsiteY109"/>
+              </a:cxn>
+              <a:cxn ang="0">
+                <a:pos x="connsiteX110" y="connsiteY110"/>
+              </a:cxn>
+              <a:cxn ang="0">
+                <a:pos x="connsiteX111" y="connsiteY111"/>
+              </a:cxn>
+              <a:cxn ang="0">
+                <a:pos x="connsiteX112" y="connsiteY112"/>
+              </a:cxn>
+              <a:cxn ang="0">
+                <a:pos x="connsiteX113" y="connsiteY113"/>
+              </a:cxn>
+              <a:cxn ang="0">
+                <a:pos x="connsiteX114" y="connsiteY114"/>
+              </a:cxn>
+              <a:cxn ang="0">
+                <a:pos x="connsiteX115" y="connsiteY115"/>
+              </a:cxn>
+              <a:cxn ang="0">
+                <a:pos x="connsiteX116" y="connsiteY116"/>
+              </a:cxn>
+              <a:cxn ang="0">
+                <a:pos x="connsiteX117" y="connsiteY117"/>
+              </a:cxn>
+              <a:cxn ang="0">
+                <a:pos x="connsiteX118" y="connsiteY118"/>
+              </a:cxn>
+              <a:cxn ang="0">
+                <a:pos x="connsiteX119" y="connsiteY119"/>
+              </a:cxn>
+              <a:cxn ang="0">
+                <a:pos x="connsiteX120" y="connsiteY120"/>
+              </a:cxn>
+              <a:cxn ang="0">
+                <a:pos x="connsiteX121" y="connsiteY121"/>
+              </a:cxn>
+              <a:cxn ang="0">
+                <a:pos x="connsiteX122" y="connsiteY122"/>
+              </a:cxn>
+              <a:cxn ang="0">
+                <a:pos x="connsiteX123" y="connsiteY123"/>
+              </a:cxn>
+              <a:cxn ang="0">
+                <a:pos x="connsiteX124" y="connsiteY124"/>
+              </a:cxn>
+              <a:cxn ang="0">
+                <a:pos x="connsiteX125" y="connsiteY125"/>
+              </a:cxn>
+              <a:cxn ang="0">
+                <a:pos x="connsiteX126" y="connsiteY126"/>
+              </a:cxn>
+              <a:cxn ang="0">
+                <a:pos x="connsiteX127" y="connsiteY127"/>
+              </a:cxn>
+              <a:cxn ang="0">
+                <a:pos x="connsiteX128" y="connsiteY128"/>
+              </a:cxn>
+              <a:cxn ang="0">
+                <a:pos x="connsiteX129" y="connsiteY129"/>
+              </a:cxn>
+              <a:cxn ang="0">
+                <a:pos x="connsiteX130" y="connsiteY130"/>
+              </a:cxn>
+              <a:cxn ang="0">
+                <a:pos x="connsiteX131" y="connsiteY131"/>
+              </a:cxn>
+              <a:cxn ang="0">
+                <a:pos x="connsiteX132" y="connsiteY132"/>
+              </a:cxn>
+              <a:cxn ang="0">
+                <a:pos x="connsiteX133" y="connsiteY133"/>
+              </a:cxn>
+              <a:cxn ang="0">
+                <a:pos x="connsiteX134" y="connsiteY134"/>
+              </a:cxn>
+              <a:cxn ang="0">
+                <a:pos x="connsiteX135" y="connsiteY135"/>
+              </a:cxn>
+              <a:cxn ang="0">
+                <a:pos x="connsiteX136" y="connsiteY136"/>
+              </a:cxn>
+              <a:cxn ang="0">
+                <a:pos x="connsiteX137" y="connsiteY137"/>
+              </a:cxn>
+              <a:cxn ang="0">
+                <a:pos x="connsiteX138" y="connsiteY138"/>
+              </a:cxn>
+              <a:cxn ang="0">
+                <a:pos x="connsiteX139" y="connsiteY139"/>
+              </a:cxn>
+              <a:cxn ang="0">
+                <a:pos x="connsiteX140" y="connsiteY140"/>
+              </a:cxn>
+            </a:cxnLst>
+            <a:rect l="l" t="t" r="r" b="b"/>
+            <a:pathLst>
+              <a:path w="5282519" h="6858000">
+                <a:moveTo>
+                  <a:pt x="189795" y="0"/>
+                </a:moveTo>
+                <a:lnTo>
+                  <a:pt x="5282519" y="0"/>
+                </a:lnTo>
+                <a:lnTo>
+                  <a:pt x="5282519" y="6858000"/>
+                </a:lnTo>
+                <a:lnTo>
+                  <a:pt x="189795" y="6858000"/>
+                </a:lnTo>
+                <a:lnTo>
+                  <a:pt x="184756" y="6791325"/>
+                </a:lnTo>
+                <a:lnTo>
+                  <a:pt x="176358" y="6735762"/>
+                </a:lnTo>
+                <a:lnTo>
+                  <a:pt x="166281" y="6683375"/>
+                </a:lnTo>
+                <a:lnTo>
+                  <a:pt x="149485" y="6640512"/>
+                </a:lnTo>
+                <a:lnTo>
+                  <a:pt x="132689" y="6597650"/>
+                </a:lnTo>
+                <a:lnTo>
+                  <a:pt x="112534" y="6561137"/>
+                </a:lnTo>
+                <a:lnTo>
+                  <a:pt x="92379" y="6523037"/>
+                </a:lnTo>
+                <a:lnTo>
+                  <a:pt x="73903" y="6488112"/>
+                </a:lnTo>
+                <a:lnTo>
+                  <a:pt x="55427" y="6448425"/>
+                </a:lnTo>
+                <a:lnTo>
+                  <a:pt x="38632" y="6407150"/>
+                </a:lnTo>
+                <a:lnTo>
+                  <a:pt x="23515" y="6361112"/>
+                </a:lnTo>
+                <a:lnTo>
+                  <a:pt x="11758" y="6311900"/>
+                </a:lnTo>
+                <a:lnTo>
+                  <a:pt x="3359" y="6251575"/>
+                </a:lnTo>
+                <a:lnTo>
+                  <a:pt x="0" y="6183312"/>
+                </a:lnTo>
+                <a:lnTo>
+                  <a:pt x="3359" y="6113462"/>
+                </a:lnTo>
+                <a:lnTo>
+                  <a:pt x="11758" y="6056312"/>
+                </a:lnTo>
+                <a:lnTo>
+                  <a:pt x="23515" y="6003925"/>
+                </a:lnTo>
+                <a:lnTo>
+                  <a:pt x="38632" y="5956300"/>
+                </a:lnTo>
+                <a:lnTo>
+                  <a:pt x="55427" y="5915025"/>
+                </a:lnTo>
+                <a:lnTo>
+                  <a:pt x="75583" y="5876925"/>
+                </a:lnTo>
+                <a:lnTo>
+                  <a:pt x="95738" y="5840412"/>
+                </a:lnTo>
+                <a:lnTo>
+                  <a:pt x="115893" y="5802312"/>
+                </a:lnTo>
+                <a:lnTo>
+                  <a:pt x="134368" y="5762625"/>
+                </a:lnTo>
+                <a:lnTo>
+                  <a:pt x="152844" y="5721350"/>
+                </a:lnTo>
+                <a:lnTo>
+                  <a:pt x="167960" y="5675312"/>
+                </a:lnTo>
+                <a:lnTo>
+                  <a:pt x="178038" y="5622925"/>
+                </a:lnTo>
+                <a:lnTo>
+                  <a:pt x="188115" y="5562600"/>
+                </a:lnTo>
+                <a:lnTo>
+                  <a:pt x="189795" y="5494337"/>
+                </a:lnTo>
+                <a:lnTo>
+                  <a:pt x="188115" y="5426075"/>
+                </a:lnTo>
+                <a:lnTo>
+                  <a:pt x="178038" y="5365750"/>
+                </a:lnTo>
+                <a:lnTo>
+                  <a:pt x="167960" y="5313362"/>
+                </a:lnTo>
+                <a:lnTo>
+                  <a:pt x="152844" y="5268912"/>
+                </a:lnTo>
+                <a:lnTo>
+                  <a:pt x="134368" y="5226050"/>
+                </a:lnTo>
+                <a:lnTo>
+                  <a:pt x="115893" y="5186362"/>
+                </a:lnTo>
+                <a:lnTo>
+                  <a:pt x="95738" y="5149850"/>
+                </a:lnTo>
+                <a:lnTo>
+                  <a:pt x="75583" y="5114925"/>
+                </a:lnTo>
+                <a:lnTo>
+                  <a:pt x="55427" y="5075237"/>
+                </a:lnTo>
+                <a:lnTo>
+                  <a:pt x="38632" y="5033962"/>
+                </a:lnTo>
+                <a:lnTo>
+                  <a:pt x="23515" y="4987925"/>
+                </a:lnTo>
+                <a:lnTo>
+                  <a:pt x="11758" y="4935537"/>
+                </a:lnTo>
+                <a:lnTo>
+                  <a:pt x="3359" y="4875212"/>
+                </a:lnTo>
+                <a:lnTo>
+                  <a:pt x="0" y="4806950"/>
+                </a:lnTo>
+                <a:lnTo>
+                  <a:pt x="3359" y="4738687"/>
+                </a:lnTo>
+                <a:lnTo>
+                  <a:pt x="11758" y="4678362"/>
+                </a:lnTo>
+                <a:lnTo>
+                  <a:pt x="23515" y="4625975"/>
+                </a:lnTo>
+                <a:lnTo>
+                  <a:pt x="38632" y="4579937"/>
+                </a:lnTo>
+                <a:lnTo>
+                  <a:pt x="55427" y="4537075"/>
+                </a:lnTo>
+                <a:lnTo>
+                  <a:pt x="75583" y="4498975"/>
+                </a:lnTo>
+                <a:lnTo>
+                  <a:pt x="115893" y="4424362"/>
+                </a:lnTo>
+                <a:lnTo>
+                  <a:pt x="134368" y="4386262"/>
+                </a:lnTo>
+                <a:lnTo>
+                  <a:pt x="152844" y="4343400"/>
+                </a:lnTo>
+                <a:lnTo>
+                  <a:pt x="167960" y="4297362"/>
+                </a:lnTo>
+                <a:lnTo>
+                  <a:pt x="178038" y="4244975"/>
+                </a:lnTo>
+                <a:lnTo>
+                  <a:pt x="188115" y="4186237"/>
+                </a:lnTo>
+                <a:lnTo>
+                  <a:pt x="189795" y="4116387"/>
+                </a:lnTo>
+                <a:lnTo>
+                  <a:pt x="188115" y="4048125"/>
+                </a:lnTo>
+                <a:lnTo>
+                  <a:pt x="178038" y="3987800"/>
+                </a:lnTo>
+                <a:lnTo>
+                  <a:pt x="167960" y="3935412"/>
+                </a:lnTo>
+                <a:lnTo>
+                  <a:pt x="152844" y="3890962"/>
+                </a:lnTo>
+                <a:lnTo>
+                  <a:pt x="134368" y="3848100"/>
+                </a:lnTo>
+                <a:lnTo>
+                  <a:pt x="115893" y="3811587"/>
+                </a:lnTo>
+                <a:lnTo>
+                  <a:pt x="75583" y="3736975"/>
+                </a:lnTo>
+                <a:lnTo>
+                  <a:pt x="55427" y="3697287"/>
+                </a:lnTo>
+                <a:lnTo>
+                  <a:pt x="38632" y="3656012"/>
+                </a:lnTo>
+                <a:lnTo>
+                  <a:pt x="23515" y="3609975"/>
+                </a:lnTo>
+                <a:lnTo>
+                  <a:pt x="11758" y="3557587"/>
+                </a:lnTo>
+                <a:lnTo>
+                  <a:pt x="3359" y="3497262"/>
+                </a:lnTo>
+                <a:lnTo>
+                  <a:pt x="0" y="3427412"/>
+                </a:lnTo>
+                <a:lnTo>
+                  <a:pt x="3359" y="3360737"/>
+                </a:lnTo>
+                <a:lnTo>
+                  <a:pt x="11758" y="3300412"/>
+                </a:lnTo>
+                <a:lnTo>
+                  <a:pt x="23515" y="3248025"/>
+                </a:lnTo>
+                <a:lnTo>
+                  <a:pt x="38632" y="3201987"/>
+                </a:lnTo>
+                <a:lnTo>
+                  <a:pt x="55427" y="3160712"/>
+                </a:lnTo>
+                <a:lnTo>
+                  <a:pt x="75583" y="3121025"/>
+                </a:lnTo>
+                <a:lnTo>
+                  <a:pt x="95738" y="3084512"/>
+                </a:lnTo>
+                <a:lnTo>
+                  <a:pt x="115893" y="3046412"/>
+                </a:lnTo>
+                <a:lnTo>
+                  <a:pt x="134368" y="3009900"/>
+                </a:lnTo>
+                <a:lnTo>
+                  <a:pt x="152844" y="2967037"/>
+                </a:lnTo>
+                <a:lnTo>
+                  <a:pt x="167960" y="2922587"/>
+                </a:lnTo>
+                <a:lnTo>
+                  <a:pt x="178038" y="2868612"/>
+                </a:lnTo>
+                <a:lnTo>
+                  <a:pt x="188115" y="2809875"/>
+                </a:lnTo>
+                <a:lnTo>
+                  <a:pt x="189795" y="2741612"/>
+                </a:lnTo>
+                <a:lnTo>
+                  <a:pt x="188115" y="2671762"/>
+                </a:lnTo>
+                <a:lnTo>
+                  <a:pt x="178038" y="2613025"/>
+                </a:lnTo>
+                <a:lnTo>
+                  <a:pt x="167960" y="2560637"/>
+                </a:lnTo>
+                <a:lnTo>
+                  <a:pt x="152844" y="2513012"/>
+                </a:lnTo>
+                <a:lnTo>
+                  <a:pt x="134368" y="2471737"/>
+                </a:lnTo>
+                <a:lnTo>
+                  <a:pt x="115893" y="2433637"/>
+                </a:lnTo>
+                <a:lnTo>
+                  <a:pt x="95738" y="2395537"/>
+                </a:lnTo>
+                <a:lnTo>
+                  <a:pt x="75583" y="2359025"/>
+                </a:lnTo>
+                <a:lnTo>
+                  <a:pt x="55427" y="2319337"/>
+                </a:lnTo>
+                <a:lnTo>
+                  <a:pt x="38632" y="2278062"/>
+                </a:lnTo>
+                <a:lnTo>
+                  <a:pt x="23515" y="2232025"/>
+                </a:lnTo>
+                <a:lnTo>
+                  <a:pt x="11758" y="2179637"/>
+                </a:lnTo>
+                <a:lnTo>
+                  <a:pt x="3359" y="2119312"/>
+                </a:lnTo>
+                <a:lnTo>
+                  <a:pt x="0" y="2051050"/>
+                </a:lnTo>
+                <a:lnTo>
+                  <a:pt x="3359" y="1982787"/>
+                </a:lnTo>
+                <a:lnTo>
+                  <a:pt x="11758" y="1922462"/>
+                </a:lnTo>
+                <a:lnTo>
+                  <a:pt x="23515" y="1870075"/>
+                </a:lnTo>
+                <a:lnTo>
+                  <a:pt x="38632" y="1824037"/>
+                </a:lnTo>
+                <a:lnTo>
+                  <a:pt x="55427" y="1782762"/>
+                </a:lnTo>
+                <a:lnTo>
+                  <a:pt x="75583" y="1743075"/>
+                </a:lnTo>
+                <a:lnTo>
+                  <a:pt x="95738" y="1708150"/>
+                </a:lnTo>
+                <a:lnTo>
+                  <a:pt x="115893" y="1671637"/>
+                </a:lnTo>
+                <a:lnTo>
+                  <a:pt x="134368" y="1631950"/>
+                </a:lnTo>
+                <a:lnTo>
+                  <a:pt x="152844" y="1589087"/>
+                </a:lnTo>
+                <a:lnTo>
+                  <a:pt x="167960" y="1544637"/>
+                </a:lnTo>
+                <a:lnTo>
+                  <a:pt x="178038" y="1492250"/>
+                </a:lnTo>
+                <a:lnTo>
+                  <a:pt x="188115" y="1431925"/>
+                </a:lnTo>
+                <a:lnTo>
+                  <a:pt x="189795" y="1363662"/>
+                </a:lnTo>
+                <a:lnTo>
+                  <a:pt x="188115" y="1295400"/>
+                </a:lnTo>
+                <a:lnTo>
+                  <a:pt x="178038" y="1235075"/>
+                </a:lnTo>
+                <a:lnTo>
+                  <a:pt x="167960" y="1182687"/>
+                </a:lnTo>
+                <a:lnTo>
+                  <a:pt x="152844" y="1136650"/>
+                </a:lnTo>
+                <a:lnTo>
+                  <a:pt x="134368" y="1095375"/>
+                </a:lnTo>
+                <a:lnTo>
+                  <a:pt x="115893" y="1055687"/>
+                </a:lnTo>
+                <a:lnTo>
+                  <a:pt x="95738" y="1017587"/>
+                </a:lnTo>
+                <a:lnTo>
+                  <a:pt x="75583" y="981075"/>
+                </a:lnTo>
+                <a:lnTo>
+                  <a:pt x="55427" y="942975"/>
+                </a:lnTo>
+                <a:lnTo>
+                  <a:pt x="38632" y="901700"/>
+                </a:lnTo>
+                <a:lnTo>
+                  <a:pt x="23515" y="854075"/>
+                </a:lnTo>
+                <a:lnTo>
+                  <a:pt x="11758" y="801687"/>
+                </a:lnTo>
+                <a:lnTo>
+                  <a:pt x="3359" y="744537"/>
+                </a:lnTo>
+                <a:lnTo>
+                  <a:pt x="0" y="673100"/>
+                </a:lnTo>
+                <a:lnTo>
+                  <a:pt x="3359" y="606425"/>
+                </a:lnTo>
+                <a:lnTo>
+                  <a:pt x="11758" y="546100"/>
+                </a:lnTo>
+                <a:lnTo>
+                  <a:pt x="23515" y="496887"/>
+                </a:lnTo>
+                <a:lnTo>
+                  <a:pt x="38632" y="450850"/>
+                </a:lnTo>
+                <a:lnTo>
+                  <a:pt x="55427" y="409575"/>
+                </a:lnTo>
+                <a:lnTo>
+                  <a:pt x="73903" y="369887"/>
+                </a:lnTo>
+                <a:lnTo>
+                  <a:pt x="92379" y="334962"/>
+                </a:lnTo>
+                <a:lnTo>
+                  <a:pt x="112534" y="296862"/>
+                </a:lnTo>
+                <a:lnTo>
+                  <a:pt x="132689" y="260350"/>
+                </a:lnTo>
+                <a:lnTo>
+                  <a:pt x="149485" y="217487"/>
+                </a:lnTo>
+                <a:lnTo>
+                  <a:pt x="166281" y="174625"/>
+                </a:lnTo>
+                <a:lnTo>
+                  <a:pt x="176358" y="122237"/>
+                </a:lnTo>
+                <a:lnTo>
+                  <a:pt x="184756" y="66675"/>
+                </a:lnTo>
+                <a:close/>
+              </a:path>
+            </a:pathLst>
+          </a:custGeom>
+          <a:solidFill>
+            <a:srgbClr val="FFFFFF"/>
+          </a:solidFill>
+          <a:ln>
+            <a:noFill/>
+          </a:ln>
+        </p:spPr>
+        <p:style>
+          <a:lnRef idx="2">
+            <a:schemeClr val="accent1">
+              <a:shade val="50000"/>
+            </a:schemeClr>
+          </a:lnRef>
+          <a:fillRef idx="1">
+            <a:schemeClr val="accent1"/>
+          </a:fillRef>
+          <a:effectRef idx="0">
+            <a:schemeClr val="accent1"/>
+          </a:effectRef>
+          <a:fontRef idx="minor">
+            <a:schemeClr val="lt1"/>
+          </a:fontRef>
+        </p:style>
+        <p:txBody>
+          <a:bodyPr wrap="square" rtlCol="0" anchor="ctr">
+            <a:noAutofit/>
+          </a:bodyPr>
+          <a:lstStyle/>
+          <a:p>
+            <a:pPr algn="ctr" rtl="0"/>
+            <a:endParaRPr lang="hu-HU" dirty="0"/>
+          </a:p>
+        </p:txBody>
+      </p:sp>
+      <p:pic>
+        <p:nvPicPr>
+          <p:cNvPr id="9" name="Kép 8">
+            <a:extLst>
+              <a:ext uri="{FF2B5EF4-FFF2-40B4-BE49-F238E27FC236}">
+                <a16:creationId xmlns:a16="http://schemas.microsoft.com/office/drawing/2014/main" id="{D7016F7E-0C41-4169-B2E4-5937011783EB}"/>
+              </a:ext>
+            </a:extLst>
+          </p:cNvPr>
+          <p:cNvPicPr>
+            <a:picLocks noChangeAspect="1"/>
+          </p:cNvPicPr>
+          <p:nvPr/>
+        </p:nvPicPr>
+        <p:blipFill rotWithShape="1">
+          <a:blip r:embed="rId3"/>
+          <a:srcRect l="-159" r="159"/>
+          <a:stretch/>
+        </p:blipFill>
+        <p:spPr>
+          <a:xfrm>
+            <a:off x="6792478" y="-1"/>
+            <a:ext cx="5279137" cy="6858000"/>
+          </a:xfrm>
+          <a:prstGeom prst="rect">
+            <a:avLst/>
+          </a:prstGeom>
+        </p:spPr>
+      </p:pic>
+      <p:sp>
+        <p:nvSpPr>
+          <p:cNvPr id="10" name="Folyamatábra: Lyukszalag 9">
+            <a:extLst>
+              <a:ext uri="{FF2B5EF4-FFF2-40B4-BE49-F238E27FC236}">
+                <a16:creationId xmlns:a16="http://schemas.microsoft.com/office/drawing/2014/main" id="{FC508780-AF6A-4B9D-BC62-7DBC45E8687D}"/>
+              </a:ext>
+            </a:extLst>
+          </p:cNvPr>
+          <p:cNvSpPr/>
+          <p:nvPr/>
+        </p:nvSpPr>
+        <p:spPr>
+          <a:xfrm rot="16200000">
+            <a:off x="6440398" y="182472"/>
+            <a:ext cx="1028700" cy="663754"/>
+          </a:xfrm>
+          <a:prstGeom prst="flowChartPunchedTape">
+            <a:avLst/>
+          </a:prstGeom>
+          <a:ln>
+            <a:noFill/>
+          </a:ln>
+        </p:spPr>
+        <p:style>
+          <a:lnRef idx="2">
+            <a:schemeClr val="accent1">
+              <a:shade val="50000"/>
+            </a:schemeClr>
+          </a:lnRef>
+          <a:fillRef idx="1">
+            <a:schemeClr val="accent1"/>
+          </a:fillRef>
+          <a:effectRef idx="0">
+            <a:schemeClr val="accent1"/>
+          </a:effectRef>
+          <a:fontRef idx="minor">
+            <a:schemeClr val="lt1"/>
+          </a:fontRef>
+        </p:style>
+        <p:txBody>
+          <a:bodyPr rtlCol="0" anchor="ctr"/>
+          <a:lstStyle/>
+          <a:p>
+            <a:pPr algn="ctr"/>
+            <a:endParaRPr lang="hu-HU"/>
+          </a:p>
+        </p:txBody>
+      </p:sp>
+      <p:sp>
+        <p:nvSpPr>
+          <p:cNvPr id="13" name="Folyamatábra: Lyukszalag 12">
+            <a:extLst>
+              <a:ext uri="{FF2B5EF4-FFF2-40B4-BE49-F238E27FC236}">
+                <a16:creationId xmlns:a16="http://schemas.microsoft.com/office/drawing/2014/main" id="{02108CE3-919F-4AC5-91F8-0947703D06FA}"/>
+              </a:ext>
+            </a:extLst>
+          </p:cNvPr>
+          <p:cNvSpPr/>
+          <p:nvPr/>
+        </p:nvSpPr>
+        <p:spPr>
+          <a:xfrm rot="16200000">
+            <a:off x="6396783" y="3280679"/>
+            <a:ext cx="894499" cy="814436"/>
+          </a:xfrm>
+          <a:prstGeom prst="flowChartPunchedTape">
+            <a:avLst/>
+          </a:prstGeom>
+          <a:ln>
+            <a:noFill/>
+          </a:ln>
+        </p:spPr>
+        <p:style>
+          <a:lnRef idx="2">
+            <a:schemeClr val="accent1">
+              <a:shade val="50000"/>
+            </a:schemeClr>
+          </a:lnRef>
+          <a:fillRef idx="1">
+            <a:schemeClr val="accent1"/>
+          </a:fillRef>
+          <a:effectRef idx="0">
+            <a:schemeClr val="accent1"/>
+          </a:effectRef>
+          <a:fontRef idx="minor">
+            <a:schemeClr val="lt1"/>
+          </a:fontRef>
+        </p:style>
+        <p:txBody>
+          <a:bodyPr rtlCol="0" anchor="ctr"/>
+          <a:lstStyle/>
+          <a:p>
+            <a:pPr algn="ctr"/>
+            <a:endParaRPr lang="hu-HU"/>
+          </a:p>
+        </p:txBody>
+      </p:sp>
+      <p:sp>
+        <p:nvSpPr>
+          <p:cNvPr id="14" name="Folyamatábra: Lyukszalag 13">
+            <a:extLst>
+              <a:ext uri="{FF2B5EF4-FFF2-40B4-BE49-F238E27FC236}">
+                <a16:creationId xmlns:a16="http://schemas.microsoft.com/office/drawing/2014/main" id="{7C5185A9-C8A6-4805-919B-FED938BA1462}"/>
+              </a:ext>
+            </a:extLst>
+          </p:cNvPr>
+          <p:cNvSpPr/>
+          <p:nvPr/>
+        </p:nvSpPr>
+        <p:spPr>
+          <a:xfrm rot="16200000">
+            <a:off x="5748336" y="2796378"/>
+            <a:ext cx="695325" cy="395025"/>
+          </a:xfrm>
+          <a:prstGeom prst="flowChartPunchedTape">
+            <a:avLst/>
+          </a:prstGeom>
+          <a:ln>
+            <a:noFill/>
+          </a:ln>
+        </p:spPr>
+        <p:style>
+          <a:lnRef idx="2">
+            <a:schemeClr val="accent1">
+              <a:shade val="50000"/>
+            </a:schemeClr>
+          </a:lnRef>
+          <a:fillRef idx="1">
+            <a:schemeClr val="accent1"/>
+          </a:fillRef>
+          <a:effectRef idx="0">
+            <a:schemeClr val="accent1"/>
+          </a:effectRef>
+          <a:fontRef idx="minor">
+            <a:schemeClr val="lt1"/>
+          </a:fontRef>
+        </p:style>
+        <p:txBody>
+          <a:bodyPr rtlCol="0" anchor="ctr"/>
+          <a:lstStyle/>
+          <a:p>
+            <a:pPr algn="ctr"/>
+            <a:endParaRPr lang="hu-HU"/>
+          </a:p>
+        </p:txBody>
+      </p:sp>
+      <p:sp>
+        <p:nvSpPr>
+          <p:cNvPr id="15" name="Folyamatábra: Lyukszalag 14">
+            <a:extLst>
+              <a:ext uri="{FF2B5EF4-FFF2-40B4-BE49-F238E27FC236}">
+                <a16:creationId xmlns:a16="http://schemas.microsoft.com/office/drawing/2014/main" id="{D7CE508C-C52C-45BC-9059-4FA4EAEEAE9B}"/>
+              </a:ext>
+            </a:extLst>
+          </p:cNvPr>
+          <p:cNvSpPr/>
+          <p:nvPr/>
+        </p:nvSpPr>
+        <p:spPr>
+          <a:xfrm rot="17125943">
+            <a:off x="6377160" y="2556867"/>
+            <a:ext cx="982979" cy="663752"/>
+          </a:xfrm>
+          <a:prstGeom prst="flowChartPunchedTape">
+            <a:avLst/>
+          </a:prstGeom>
+          <a:ln>
+            <a:noFill/>
+          </a:ln>
+        </p:spPr>
+        <p:style>
+          <a:lnRef idx="2">
+            <a:schemeClr val="accent1">
+              <a:shade val="50000"/>
+            </a:schemeClr>
+          </a:lnRef>
+          <a:fillRef idx="1">
+            <a:schemeClr val="accent1"/>
+          </a:fillRef>
+          <a:effectRef idx="0">
+            <a:schemeClr val="accent1"/>
+          </a:effectRef>
+          <a:fontRef idx="minor">
+            <a:schemeClr val="lt1"/>
+          </a:fontRef>
+        </p:style>
+        <p:txBody>
+          <a:bodyPr rtlCol="0" anchor="ctr"/>
+          <a:lstStyle/>
+          <a:p>
+            <a:pPr algn="ctr"/>
+            <a:endParaRPr lang="hu-HU"/>
+          </a:p>
+        </p:txBody>
+      </p:sp>
+      <p:sp>
+        <p:nvSpPr>
+          <p:cNvPr id="22" name="Folyamatábra: Kijelzés 21">
+            <a:extLst>
+              <a:ext uri="{FF2B5EF4-FFF2-40B4-BE49-F238E27FC236}">
+                <a16:creationId xmlns:a16="http://schemas.microsoft.com/office/drawing/2014/main" id="{97DF0C8D-B6A6-40AA-88B6-2108F7DCC533}"/>
+              </a:ext>
+            </a:extLst>
+          </p:cNvPr>
+          <p:cNvSpPr/>
+          <p:nvPr/>
+        </p:nvSpPr>
+        <p:spPr>
+          <a:xfrm>
+            <a:off x="6256635" y="977608"/>
+            <a:ext cx="1314450" cy="1431175"/>
+          </a:xfrm>
+          <a:prstGeom prst="flowChartDisplay">
+            <a:avLst/>
+          </a:prstGeom>
+          <a:ln>
+            <a:noFill/>
+          </a:ln>
+        </p:spPr>
+        <p:style>
+          <a:lnRef idx="2">
+            <a:schemeClr val="accent1">
+              <a:shade val="50000"/>
+            </a:schemeClr>
+          </a:lnRef>
+          <a:fillRef idx="1">
+            <a:schemeClr val="accent1"/>
+          </a:fillRef>
+          <a:effectRef idx="0">
+            <a:schemeClr val="accent1"/>
+          </a:effectRef>
+          <a:fontRef idx="minor">
+            <a:schemeClr val="lt1"/>
+          </a:fontRef>
+        </p:style>
+        <p:txBody>
+          <a:bodyPr rtlCol="0" anchor="ctr"/>
+          <a:lstStyle/>
+          <a:p>
+            <a:pPr algn="ctr"/>
+            <a:endParaRPr lang="hu-HU"/>
+          </a:p>
+        </p:txBody>
+      </p:sp>
+      <p:sp>
+        <p:nvSpPr>
+          <p:cNvPr id="23" name="Folyamatábra: Kijelzés 22">
+            <a:extLst>
+              <a:ext uri="{FF2B5EF4-FFF2-40B4-BE49-F238E27FC236}">
+                <a16:creationId xmlns:a16="http://schemas.microsoft.com/office/drawing/2014/main" id="{07E42F61-3F4B-4188-AB06-C71A2694D782}"/>
+              </a:ext>
+            </a:extLst>
+          </p:cNvPr>
+          <p:cNvSpPr/>
+          <p:nvPr/>
+        </p:nvSpPr>
+        <p:spPr>
+          <a:xfrm>
+            <a:off x="6108103" y="4135148"/>
+            <a:ext cx="1314450" cy="993984"/>
+          </a:xfrm>
+          <a:prstGeom prst="flowChartDisplay">
+            <a:avLst/>
+          </a:prstGeom>
+          <a:ln>
+            <a:noFill/>
+          </a:ln>
+        </p:spPr>
+        <p:style>
+          <a:lnRef idx="2">
+            <a:schemeClr val="accent1">
+              <a:shade val="50000"/>
+            </a:schemeClr>
+          </a:lnRef>
+          <a:fillRef idx="1">
+            <a:schemeClr val="accent1"/>
+          </a:fillRef>
+          <a:effectRef idx="0">
+            <a:schemeClr val="accent1"/>
+          </a:effectRef>
+          <a:fontRef idx="minor">
+            <a:schemeClr val="lt1"/>
+          </a:fontRef>
+        </p:style>
+        <p:txBody>
+          <a:bodyPr rtlCol="0" anchor="ctr"/>
+          <a:lstStyle/>
+          <a:p>
+            <a:pPr algn="ctr"/>
+            <a:endParaRPr lang="hu-HU"/>
+          </a:p>
+        </p:txBody>
+      </p:sp>
+      <p:sp>
+        <p:nvSpPr>
+          <p:cNvPr id="24" name="Folyamatábra: Kijelzés 23">
+            <a:extLst>
+              <a:ext uri="{FF2B5EF4-FFF2-40B4-BE49-F238E27FC236}">
+                <a16:creationId xmlns:a16="http://schemas.microsoft.com/office/drawing/2014/main" id="{70005F30-AB82-4131-BEF1-0D2F15208AC5}"/>
+              </a:ext>
+            </a:extLst>
+          </p:cNvPr>
+          <p:cNvSpPr/>
+          <p:nvPr/>
+        </p:nvSpPr>
+        <p:spPr>
+          <a:xfrm>
+            <a:off x="5862472" y="5122994"/>
+            <a:ext cx="1314450" cy="993984"/>
+          </a:xfrm>
+          <a:prstGeom prst="flowChartDisplay">
+            <a:avLst/>
+          </a:prstGeom>
+          <a:ln>
+            <a:noFill/>
+          </a:ln>
+        </p:spPr>
+        <p:style>
+          <a:lnRef idx="2">
+            <a:schemeClr val="accent1">
+              <a:shade val="50000"/>
+            </a:schemeClr>
+          </a:lnRef>
+          <a:fillRef idx="1">
+            <a:schemeClr val="accent1"/>
+          </a:fillRef>
+          <a:effectRef idx="0">
+            <a:schemeClr val="accent1"/>
+          </a:effectRef>
+          <a:fontRef idx="minor">
+            <a:schemeClr val="lt1"/>
+          </a:fontRef>
+        </p:style>
+        <p:txBody>
+          <a:bodyPr rtlCol="0" anchor="ctr"/>
+          <a:lstStyle/>
+          <a:p>
+            <a:pPr algn="ctr"/>
+            <a:endParaRPr lang="hu-HU"/>
+          </a:p>
+        </p:txBody>
+      </p:sp>
+      <p:sp>
+        <p:nvSpPr>
+          <p:cNvPr id="25" name="Folyamatábra: Lyukszalag 24">
+            <a:extLst>
+              <a:ext uri="{FF2B5EF4-FFF2-40B4-BE49-F238E27FC236}">
+                <a16:creationId xmlns:a16="http://schemas.microsoft.com/office/drawing/2014/main" id="{871F1003-BEB2-4E98-8695-ADD0702E9E44}"/>
+              </a:ext>
+            </a:extLst>
+          </p:cNvPr>
+          <p:cNvSpPr/>
+          <p:nvPr/>
+        </p:nvSpPr>
+        <p:spPr>
+          <a:xfrm rot="17338295">
+            <a:off x="6150916" y="5969077"/>
+            <a:ext cx="964096" cy="707296"/>
+          </a:xfrm>
+          <a:prstGeom prst="flowChartPunchedTape">
+            <a:avLst/>
+          </a:prstGeom>
+          <a:ln>
+            <a:noFill/>
+          </a:ln>
+        </p:spPr>
+        <p:style>
+          <a:lnRef idx="2">
+            <a:schemeClr val="accent1">
+              <a:shade val="50000"/>
+            </a:schemeClr>
+          </a:lnRef>
+          <a:fillRef idx="1">
+            <a:schemeClr val="accent1"/>
+          </a:fillRef>
+          <a:effectRef idx="0">
+            <a:schemeClr val="accent1"/>
+          </a:effectRef>
+          <a:fontRef idx="minor">
+            <a:schemeClr val="lt1"/>
+          </a:fontRef>
+        </p:style>
+        <p:txBody>
+          <a:bodyPr rtlCol="0" anchor="ctr"/>
+          <a:lstStyle/>
+          <a:p>
+            <a:pPr algn="ctr"/>
+            <a:endParaRPr lang="hu-HU"/>
+          </a:p>
+        </p:txBody>
+      </p:sp>
+      <p:pic>
+        <p:nvPicPr>
+          <p:cNvPr id="5" name="Kép 4">
+            <a:extLst>
+              <a:ext uri="{FF2B5EF4-FFF2-40B4-BE49-F238E27FC236}">
+                <a16:creationId xmlns:a16="http://schemas.microsoft.com/office/drawing/2014/main" id="{5854D014-8045-4EE3-97E2-6F94E17E243C}"/>
+              </a:ext>
+            </a:extLst>
+          </p:cNvPr>
+          <p:cNvPicPr>
+            <a:picLocks noChangeAspect="1"/>
+          </p:cNvPicPr>
+          <p:nvPr/>
+        </p:nvPicPr>
+        <p:blipFill rotWithShape="1">
+          <a:blip r:embed="rId4"/>
+          <a:srcRect l="22722" t="15714" r="23090" b="35110"/>
+          <a:stretch/>
+        </p:blipFill>
+        <p:spPr>
+          <a:xfrm>
+            <a:off x="8371911" y="2453317"/>
+            <a:ext cx="2633483" cy="1574660"/>
+          </a:xfrm>
+          <a:prstGeom prst="rect">
+            <a:avLst/>
+          </a:prstGeom>
+        </p:spPr>
+      </p:pic>
+      <p:sp>
+        <p:nvSpPr>
+          <p:cNvPr id="26" name="Felhő 25">
+            <a:extLst>
+              <a:ext uri="{FF2B5EF4-FFF2-40B4-BE49-F238E27FC236}">
+                <a16:creationId xmlns:a16="http://schemas.microsoft.com/office/drawing/2014/main" id="{FA066628-E7C6-4A44-9724-7E589E501D5D}"/>
+              </a:ext>
+            </a:extLst>
+          </p:cNvPr>
+          <p:cNvSpPr/>
+          <p:nvPr/>
+        </p:nvSpPr>
+        <p:spPr>
+          <a:xfrm rot="2763978">
+            <a:off x="6683415" y="1933173"/>
+            <a:ext cx="1390860" cy="1431175"/>
+          </a:xfrm>
+          <a:prstGeom prst="cloud">
+            <a:avLst/>
+          </a:prstGeom>
+          <a:ln>
+            <a:noFill/>
+          </a:ln>
+        </p:spPr>
+        <p:style>
+          <a:lnRef idx="2">
+            <a:schemeClr val="accent1">
+              <a:shade val="50000"/>
+            </a:schemeClr>
+          </a:lnRef>
+          <a:fillRef idx="1">
+            <a:schemeClr val="accent1"/>
+          </a:fillRef>
+          <a:effectRef idx="0">
+            <a:schemeClr val="accent1"/>
+          </a:effectRef>
+          <a:fontRef idx="minor">
+            <a:schemeClr val="lt1"/>
+          </a:fontRef>
+        </p:style>
+        <p:txBody>
+          <a:bodyPr rtlCol="0" anchor="ctr"/>
+          <a:lstStyle/>
+          <a:p>
+            <a:pPr algn="ctr"/>
+            <a:endParaRPr lang="hu-HU"/>
+          </a:p>
+        </p:txBody>
+      </p:sp>
+      <p:sp>
+        <p:nvSpPr>
+          <p:cNvPr id="27" name="Felhő 26">
+            <a:extLst>
+              <a:ext uri="{FF2B5EF4-FFF2-40B4-BE49-F238E27FC236}">
+                <a16:creationId xmlns:a16="http://schemas.microsoft.com/office/drawing/2014/main" id="{0E4F7DDF-A800-4F32-82B0-4D23154A5F7E}"/>
+              </a:ext>
+            </a:extLst>
+          </p:cNvPr>
+          <p:cNvSpPr/>
+          <p:nvPr/>
+        </p:nvSpPr>
+        <p:spPr>
+          <a:xfrm rot="2763978">
+            <a:off x="7832572" y="2865845"/>
+            <a:ext cx="838510" cy="749605"/>
+          </a:xfrm>
+          <a:prstGeom prst="cloud">
+            <a:avLst/>
+          </a:prstGeom>
+          <a:ln>
+            <a:noFill/>
+          </a:ln>
+        </p:spPr>
+        <p:style>
+          <a:lnRef idx="2">
+            <a:schemeClr val="accent1">
+              <a:shade val="50000"/>
+            </a:schemeClr>
+          </a:lnRef>
+          <a:fillRef idx="1">
+            <a:schemeClr val="accent1"/>
+          </a:fillRef>
+          <a:effectRef idx="0">
+            <a:schemeClr val="accent1"/>
+          </a:effectRef>
+          <a:fontRef idx="minor">
+            <a:schemeClr val="lt1"/>
+          </a:fontRef>
+        </p:style>
+        <p:txBody>
+          <a:bodyPr rtlCol="0" anchor="ctr"/>
+          <a:lstStyle/>
+          <a:p>
+            <a:pPr algn="ctr"/>
+            <a:endParaRPr lang="hu-HU"/>
+          </a:p>
+        </p:txBody>
+      </p:sp>
+      <p:sp>
+        <p:nvSpPr>
+          <p:cNvPr id="28" name="Felhő 27">
+            <a:extLst>
+              <a:ext uri="{FF2B5EF4-FFF2-40B4-BE49-F238E27FC236}">
+                <a16:creationId xmlns:a16="http://schemas.microsoft.com/office/drawing/2014/main" id="{A1EF8A48-F426-493D-BA4D-15AAAFD93379}"/>
+              </a:ext>
+            </a:extLst>
+          </p:cNvPr>
+          <p:cNvSpPr/>
+          <p:nvPr/>
+        </p:nvSpPr>
+        <p:spPr>
+          <a:xfrm rot="2763978">
+            <a:off x="6691866" y="2797374"/>
+            <a:ext cx="1390860" cy="1547068"/>
+          </a:xfrm>
+          <a:prstGeom prst="cloud">
+            <a:avLst/>
+          </a:prstGeom>
+          <a:ln>
+            <a:noFill/>
+          </a:ln>
+        </p:spPr>
+        <p:style>
+          <a:lnRef idx="2">
+            <a:schemeClr val="accent1">
+              <a:shade val="50000"/>
+            </a:schemeClr>
+          </a:lnRef>
+          <a:fillRef idx="1">
+            <a:schemeClr val="accent1"/>
+          </a:fillRef>
+          <a:effectRef idx="0">
+            <a:schemeClr val="accent1"/>
+          </a:effectRef>
+          <a:fontRef idx="minor">
+            <a:schemeClr val="lt1"/>
+          </a:fontRef>
+        </p:style>
+        <p:txBody>
+          <a:bodyPr rtlCol="0" anchor="ctr"/>
+          <a:lstStyle/>
+          <a:p>
+            <a:pPr algn="ctr"/>
+            <a:endParaRPr lang="hu-HU"/>
+          </a:p>
+        </p:txBody>
+      </p:sp>
+      <p:sp>
+        <p:nvSpPr>
+          <p:cNvPr id="6" name="Téglalap 5">
+            <a:extLst>
+              <a:ext uri="{FF2B5EF4-FFF2-40B4-BE49-F238E27FC236}">
+                <a16:creationId xmlns:a16="http://schemas.microsoft.com/office/drawing/2014/main" id="{0FBD528B-4355-4866-8037-3408CD22D7AE}"/>
+              </a:ext>
+            </a:extLst>
+          </p:cNvPr>
+          <p:cNvSpPr/>
+          <p:nvPr/>
+        </p:nvSpPr>
+        <p:spPr>
+          <a:xfrm>
+            <a:off x="2002595" y="677532"/>
+            <a:ext cx="3002617" cy="1015663"/>
+          </a:xfrm>
+          <a:prstGeom prst="rect">
+            <a:avLst/>
+          </a:prstGeom>
+          <a:noFill/>
+        </p:spPr>
+        <p:txBody>
+          <a:bodyPr wrap="none" lIns="91440" tIns="45720" rIns="91440" bIns="45720">
+            <a:spAutoFit/>
+          </a:bodyPr>
+          <a:lstStyle/>
+          <a:p>
+            <a:pPr algn="ctr"/>
+            <a:r>
+              <a:rPr lang="hu-HU" sz="1200" dirty="0"/>
+              <a:t>Bakos Henriett, </a:t>
+            </a:r>
+            <a:r>
+              <a:rPr lang="hu-HU" sz="1200" dirty="0" err="1"/>
+              <a:t>Gyura</a:t>
+            </a:r>
+            <a:r>
+              <a:rPr lang="hu-HU" sz="1200" dirty="0"/>
+              <a:t> Gabriella, Nagy Laura</a:t>
+            </a:r>
+          </a:p>
+          <a:p>
+            <a:pPr algn="ctr"/>
+            <a:endParaRPr lang="hu-HU" sz="1200" dirty="0"/>
+          </a:p>
+          <a:p>
+            <a:endParaRPr lang="hu-HU" sz="1200" dirty="0"/>
+          </a:p>
+          <a:p>
+            <a:pPr algn="ctr"/>
+            <a:endParaRPr lang="hu-HU" sz="1200" b="1" dirty="0">
+              <a:ln/>
+              <a:pattFill prst="dkUpDiag">
+                <a:fgClr>
+                  <a:schemeClr val="bg1">
+                    <a:lumMod val="50000"/>
+                  </a:schemeClr>
+                </a:fgClr>
+                <a:bgClr>
+                  <a:schemeClr val="tx1">
+                    <a:lumMod val="75000"/>
+                    <a:lumOff val="25000"/>
+                  </a:schemeClr>
+                </a:bgClr>
+              </a:pattFill>
+              <a:effectLst>
+                <a:outerShdw blurRad="38100" dist="19050" dir="2700000" algn="tl" rotWithShape="0">
+                  <a:schemeClr val="dk1">
+                    <a:lumMod val="50000"/>
+                    <a:alpha val="40000"/>
+                  </a:schemeClr>
+                </a:outerShdw>
+              </a:effectLst>
+            </a:endParaRPr>
+          </a:p>
+          <a:p>
+            <a:pPr algn="ctr"/>
+            <a:endParaRPr lang="hu-HU" sz="1200" b="0" cap="none" spc="0" dirty="0">
+              <a:ln w="0"/>
+              <a:solidFill>
+                <a:schemeClr val="tx1"/>
+              </a:solidFill>
+              <a:effectLst>
+                <a:outerShdw blurRad="38100" dist="19050" dir="2700000" algn="tl" rotWithShape="0">
+                  <a:schemeClr val="dk1">
+                    <a:alpha val="40000"/>
+                  </a:schemeClr>
+                </a:outerShdw>
+              </a:effectLst>
+            </a:endParaRPr>
+          </a:p>
+        </p:txBody>
+      </p:sp>
+    </p:spTree>
+    <p:extLst>
+      <p:ext uri="{BB962C8B-B14F-4D97-AF65-F5344CB8AC3E}">
+        <p14:creationId xmlns:p14="http://schemas.microsoft.com/office/powerpoint/2010/main" val="1751437184"/>
+      </p:ext>
+    </p:extLst>
+  </p:cSld>
+  <p:clrMapOvr>
+    <a:masterClrMapping/>
+  </p:clrMapOvr>
+</p:sld>
+</file>
+
+<file path=ppt/slides/slide21.xml><?xml version="1.0" encoding="utf-8"?>
+<p:sld xmlns:a="http://schemas.openxmlformats.org/drawingml/2006/main" xmlns:r="http://schemas.openxmlformats.org/officeDocument/2006/relationships" xmlns:p="http://schemas.openxmlformats.org/presentationml/2006/main">
+  <p:cSld>
+    <p:bg>
+      <p:bgPr>
+        <a:solidFill>
+          <a:schemeClr val="accent1"/>
+        </a:solidFill>
+        <a:effectLst/>
+      </p:bgPr>
+    </p:bg>
+    <p:spTree>
+      <p:nvGrpSpPr>
+        <p:cNvPr id="1" name=""/>
+        <p:cNvGrpSpPr/>
+        <p:nvPr/>
+      </p:nvGrpSpPr>
+      <p:grpSpPr>
+        <a:xfrm>
+          <a:off x="0" y="0"/>
+          <a:ext cx="0" cy="0"/>
+          <a:chOff x="0" y="0"/>
+          <a:chExt cx="0" cy="0"/>
+        </a:xfrm>
+      </p:grpSpPr>
+      <p:sp>
+        <p:nvSpPr>
+          <p:cNvPr id="17" name="Téglalap 16">
+            <a:extLst>
+              <a:ext uri="{FF2B5EF4-FFF2-40B4-BE49-F238E27FC236}">
+                <a16:creationId xmlns:a16="http://schemas.microsoft.com/office/drawing/2014/main" id="{415DEDD7-7B31-4EF1-B7C7-5AEE3208CC1D}"/>
+              </a:ext>
+              <a:ext uri="{C183D7F6-B498-43B3-948B-1728B52AA6E4}">
+                <adec:decorative xmlns:adec="http://schemas.microsoft.com/office/drawing/2017/decorative" val="1"/>
+              </a:ext>
+            </a:extLst>
+          </p:cNvPr>
+          <p:cNvSpPr>
+            <a:spLocks noGrp="1" noRot="1" noChangeAspect="1" noMove="1" noResize="1" noEditPoints="1" noAdjustHandles="1" noChangeArrowheads="1" noChangeShapeType="1" noTextEdit="1"/>
+          </p:cNvSpPr>
+          <p:nvPr>
+            <p:extLst>
+              <p:ext uri="{386F3935-93C4-4BCD-93E2-E3B085C9AB24}">
+                <p16:designElem xmlns:p16="http://schemas.microsoft.com/office/powerpoint/2015/main" val="1"/>
+              </p:ext>
+            </p:extLst>
+          </p:nvPr>
+        </p:nvSpPr>
+        <p:spPr bwMode="ltGray">
+          <a:xfrm>
+            <a:off x="1" y="0"/>
+            <a:ext cx="12191996" cy="6858000"/>
+          </a:xfrm>
+          <a:prstGeom prst="rect">
+            <a:avLst/>
+          </a:prstGeom>
+          <a:solidFill>
+            <a:schemeClr val="accent1"/>
+          </a:solidFill>
+          <a:ln>
+            <a:noFill/>
+          </a:ln>
+        </p:spPr>
+        <p:style>
+          <a:lnRef idx="2">
+            <a:schemeClr val="accent1">
+              <a:shade val="50000"/>
+            </a:schemeClr>
+          </a:lnRef>
+          <a:fillRef idx="1">
+            <a:schemeClr val="accent1"/>
+          </a:fillRef>
+          <a:effectRef idx="0">
+            <a:schemeClr val="accent1"/>
+          </a:effectRef>
+          <a:fontRef idx="minor">
+            <a:schemeClr val="lt1"/>
+          </a:fontRef>
+        </p:style>
+        <p:txBody>
+          <a:bodyPr rtlCol="0" anchor="ctr"/>
+          <a:lstStyle/>
+          <a:p>
+            <a:pPr algn="ctr" rtl="0"/>
+            <a:endParaRPr lang="hu-HU" dirty="0"/>
+          </a:p>
+        </p:txBody>
+      </p:sp>
+      <p:sp>
+        <p:nvSpPr>
+          <p:cNvPr id="2" name="Cím 1">
+            <a:extLst>
+              <a:ext uri="{FF2B5EF4-FFF2-40B4-BE49-F238E27FC236}">
+                <a16:creationId xmlns:a16="http://schemas.microsoft.com/office/drawing/2014/main" id="{C36A1A43-B750-4259-AA02-68777493B108}"/>
               </a:ext>
             </a:extLst>
           </p:cNvPr>
@@ -14298,24 +16174,45 @@
             <a:spLocks noGrp="1"/>
           </p:cNvSpPr>
           <p:nvPr>
-            <p:ph sz="half" idx="2"/>
+            <p:ph type="ctrTitle"/>
           </p:nvPr>
         </p:nvSpPr>
-        <p:spPr/>
+        <p:spPr>
+          <a:xfrm>
+            <a:off x="488571" y="1966251"/>
+            <a:ext cx="6102775" cy="2750601"/>
+          </a:xfrm>
+        </p:spPr>
         <p:txBody>
-          <a:bodyPr/>
+          <a:bodyPr rtlCol="0">
+            <a:normAutofit/>
+          </a:bodyPr>
           <a:lstStyle/>
           <a:p>
-            <a:endParaRPr lang="hu-HU"/>
+            <a:r>
+              <a:rPr lang="hu-HU" sz="9600" dirty="0" err="1">
+                <a:solidFill>
+                  <a:schemeClr val="tx1"/>
+                </a:solidFill>
+                <a:latin typeface="Bodoni MT Condensed" panose="02070606080606020203" pitchFamily="18" charset="0"/>
+              </a:rPr>
+              <a:t>DriveUs</a:t>
+            </a:r>
+            <a:endParaRPr lang="hu-HU" sz="9600" dirty="0">
+              <a:solidFill>
+                <a:schemeClr val="tx1"/>
+              </a:solidFill>
+              <a:latin typeface="Bodoni MT Condensed" panose="02070606080606020203" pitchFamily="18" charset="0"/>
+            </a:endParaRPr>
           </a:p>
         </p:txBody>
       </p:sp>
       <p:sp>
         <p:nvSpPr>
-          <p:cNvPr id="5" name="Szöveg helye 4">
+          <p:cNvPr id="3" name="Alcím 2">
             <a:extLst>
               <a:ext uri="{FF2B5EF4-FFF2-40B4-BE49-F238E27FC236}">
-                <a16:creationId xmlns:a16="http://schemas.microsoft.com/office/drawing/2014/main" id="{EBA295F5-8E84-461C-A2E6-EC4E1CF3ADBB}"/>
+                <a16:creationId xmlns:a16="http://schemas.microsoft.com/office/drawing/2014/main" id="{01F61DBF-2C3F-4F06-BAE0-5C6A7317D5C9}"/>
               </a:ext>
             </a:extLst>
           </p:cNvPr>
@@ -14323,53 +16220,1582 @@
             <a:spLocks noGrp="1"/>
           </p:cNvSpPr>
           <p:nvPr>
-            <p:ph type="body" sz="quarter" idx="3"/>
+            <p:ph type="subTitle" idx="1"/>
           </p:nvPr>
         </p:nvSpPr>
-        <p:spPr/>
+        <p:spPr>
+          <a:xfrm>
+            <a:off x="643158" y="5572664"/>
+            <a:ext cx="5877385" cy="841803"/>
+          </a:xfrm>
+        </p:spPr>
         <p:txBody>
-          <a:bodyPr/>
+          <a:bodyPr rtlCol="0">
+            <a:normAutofit/>
+          </a:bodyPr>
           <a:lstStyle/>
           <a:p>
-            <a:endParaRPr lang="hu-HU"/>
+            <a:pPr rtl="0"/>
+            <a:r>
+              <a:rPr lang="hu-HU" dirty="0">
+                <a:solidFill>
+                  <a:schemeClr val="tx1"/>
+                </a:solidFill>
+              </a:rPr>
+              <a:t>Köszönjük a figyelmet!</a:t>
+            </a:r>
           </a:p>
         </p:txBody>
       </p:sp>
       <p:sp>
         <p:nvSpPr>
-          <p:cNvPr id="6" name="Tartalom helye 5">
+          <p:cNvPr id="19" name="Szabadkézi alakzat: Alakzat 18">
             <a:extLst>
               <a:ext uri="{FF2B5EF4-FFF2-40B4-BE49-F238E27FC236}">
-                <a16:creationId xmlns:a16="http://schemas.microsoft.com/office/drawing/2014/main" id="{D225BFB2-BFA8-4E08-879E-B0E3F149A912}"/>
+                <a16:creationId xmlns:a16="http://schemas.microsoft.com/office/drawing/2014/main" id="{3242CC7A-3D6E-47A4-B9D1-860978459846}"/>
+              </a:ext>
+              <a:ext uri="{C183D7F6-B498-43B3-948B-1728B52AA6E4}">
+                <adec:decorative xmlns:adec="http://schemas.microsoft.com/office/drawing/2017/decorative" val="1"/>
               </a:ext>
             </a:extLst>
           </p:cNvPr>
           <p:cNvSpPr>
-            <a:spLocks noGrp="1"/>
+            <a:spLocks noGrp="1" noRot="1" noChangeAspect="1" noMove="1" noResize="1" noEditPoints="1" noAdjustHandles="1" noChangeArrowheads="1" noChangeShapeType="1" noTextEdit="1"/>
           </p:cNvSpPr>
           <p:nvPr>
-            <p:ph sz="quarter" idx="4"/>
+            <p:extLst>
+              <p:ext uri="{386F3935-93C4-4BCD-93E2-E3B085C9AB24}">
+                <p16:designElem xmlns:p16="http://schemas.microsoft.com/office/powerpoint/2015/main" val="1"/>
+              </p:ext>
+            </p:extLst>
           </p:nvPr>
         </p:nvSpPr>
-        <p:spPr/>
+        <p:spPr>
+          <a:xfrm>
+            <a:off x="6766174" y="0"/>
+            <a:ext cx="5282519" cy="6858000"/>
+          </a:xfrm>
+          <a:custGeom>
+            <a:avLst/>
+            <a:gdLst>
+              <a:gd name="connsiteX0" fmla="*/ 189795 w 5282519"/>
+              <a:gd name="connsiteY0" fmla="*/ 0 h 6858000"/>
+              <a:gd name="connsiteX1" fmla="*/ 5282519 w 5282519"/>
+              <a:gd name="connsiteY1" fmla="*/ 0 h 6858000"/>
+              <a:gd name="connsiteX2" fmla="*/ 5282519 w 5282519"/>
+              <a:gd name="connsiteY2" fmla="*/ 6858000 h 6858000"/>
+              <a:gd name="connsiteX3" fmla="*/ 189795 w 5282519"/>
+              <a:gd name="connsiteY3" fmla="*/ 6858000 h 6858000"/>
+              <a:gd name="connsiteX4" fmla="*/ 184756 w 5282519"/>
+              <a:gd name="connsiteY4" fmla="*/ 6791325 h 6858000"/>
+              <a:gd name="connsiteX5" fmla="*/ 176358 w 5282519"/>
+              <a:gd name="connsiteY5" fmla="*/ 6735762 h 6858000"/>
+              <a:gd name="connsiteX6" fmla="*/ 166281 w 5282519"/>
+              <a:gd name="connsiteY6" fmla="*/ 6683375 h 6858000"/>
+              <a:gd name="connsiteX7" fmla="*/ 149485 w 5282519"/>
+              <a:gd name="connsiteY7" fmla="*/ 6640512 h 6858000"/>
+              <a:gd name="connsiteX8" fmla="*/ 132689 w 5282519"/>
+              <a:gd name="connsiteY8" fmla="*/ 6597650 h 6858000"/>
+              <a:gd name="connsiteX9" fmla="*/ 112534 w 5282519"/>
+              <a:gd name="connsiteY9" fmla="*/ 6561137 h 6858000"/>
+              <a:gd name="connsiteX10" fmla="*/ 92379 w 5282519"/>
+              <a:gd name="connsiteY10" fmla="*/ 6523037 h 6858000"/>
+              <a:gd name="connsiteX11" fmla="*/ 73903 w 5282519"/>
+              <a:gd name="connsiteY11" fmla="*/ 6488112 h 6858000"/>
+              <a:gd name="connsiteX12" fmla="*/ 55427 w 5282519"/>
+              <a:gd name="connsiteY12" fmla="*/ 6448425 h 6858000"/>
+              <a:gd name="connsiteX13" fmla="*/ 38632 w 5282519"/>
+              <a:gd name="connsiteY13" fmla="*/ 6407150 h 6858000"/>
+              <a:gd name="connsiteX14" fmla="*/ 23515 w 5282519"/>
+              <a:gd name="connsiteY14" fmla="*/ 6361112 h 6858000"/>
+              <a:gd name="connsiteX15" fmla="*/ 11758 w 5282519"/>
+              <a:gd name="connsiteY15" fmla="*/ 6311900 h 6858000"/>
+              <a:gd name="connsiteX16" fmla="*/ 3359 w 5282519"/>
+              <a:gd name="connsiteY16" fmla="*/ 6251575 h 6858000"/>
+              <a:gd name="connsiteX17" fmla="*/ 0 w 5282519"/>
+              <a:gd name="connsiteY17" fmla="*/ 6183312 h 6858000"/>
+              <a:gd name="connsiteX18" fmla="*/ 3359 w 5282519"/>
+              <a:gd name="connsiteY18" fmla="*/ 6113462 h 6858000"/>
+              <a:gd name="connsiteX19" fmla="*/ 11758 w 5282519"/>
+              <a:gd name="connsiteY19" fmla="*/ 6056312 h 6858000"/>
+              <a:gd name="connsiteX20" fmla="*/ 23515 w 5282519"/>
+              <a:gd name="connsiteY20" fmla="*/ 6003925 h 6858000"/>
+              <a:gd name="connsiteX21" fmla="*/ 38632 w 5282519"/>
+              <a:gd name="connsiteY21" fmla="*/ 5956300 h 6858000"/>
+              <a:gd name="connsiteX22" fmla="*/ 55427 w 5282519"/>
+              <a:gd name="connsiteY22" fmla="*/ 5915025 h 6858000"/>
+              <a:gd name="connsiteX23" fmla="*/ 75583 w 5282519"/>
+              <a:gd name="connsiteY23" fmla="*/ 5876925 h 6858000"/>
+              <a:gd name="connsiteX24" fmla="*/ 95738 w 5282519"/>
+              <a:gd name="connsiteY24" fmla="*/ 5840412 h 6858000"/>
+              <a:gd name="connsiteX25" fmla="*/ 115893 w 5282519"/>
+              <a:gd name="connsiteY25" fmla="*/ 5802312 h 6858000"/>
+              <a:gd name="connsiteX26" fmla="*/ 134368 w 5282519"/>
+              <a:gd name="connsiteY26" fmla="*/ 5762625 h 6858000"/>
+              <a:gd name="connsiteX27" fmla="*/ 152844 w 5282519"/>
+              <a:gd name="connsiteY27" fmla="*/ 5721350 h 6858000"/>
+              <a:gd name="connsiteX28" fmla="*/ 167960 w 5282519"/>
+              <a:gd name="connsiteY28" fmla="*/ 5675312 h 6858000"/>
+              <a:gd name="connsiteX29" fmla="*/ 178038 w 5282519"/>
+              <a:gd name="connsiteY29" fmla="*/ 5622925 h 6858000"/>
+              <a:gd name="connsiteX30" fmla="*/ 188115 w 5282519"/>
+              <a:gd name="connsiteY30" fmla="*/ 5562600 h 6858000"/>
+              <a:gd name="connsiteX31" fmla="*/ 189795 w 5282519"/>
+              <a:gd name="connsiteY31" fmla="*/ 5494337 h 6858000"/>
+              <a:gd name="connsiteX32" fmla="*/ 188115 w 5282519"/>
+              <a:gd name="connsiteY32" fmla="*/ 5426075 h 6858000"/>
+              <a:gd name="connsiteX33" fmla="*/ 178038 w 5282519"/>
+              <a:gd name="connsiteY33" fmla="*/ 5365750 h 6858000"/>
+              <a:gd name="connsiteX34" fmla="*/ 167960 w 5282519"/>
+              <a:gd name="connsiteY34" fmla="*/ 5313362 h 6858000"/>
+              <a:gd name="connsiteX35" fmla="*/ 152844 w 5282519"/>
+              <a:gd name="connsiteY35" fmla="*/ 5268912 h 6858000"/>
+              <a:gd name="connsiteX36" fmla="*/ 134368 w 5282519"/>
+              <a:gd name="connsiteY36" fmla="*/ 5226050 h 6858000"/>
+              <a:gd name="connsiteX37" fmla="*/ 115893 w 5282519"/>
+              <a:gd name="connsiteY37" fmla="*/ 5186362 h 6858000"/>
+              <a:gd name="connsiteX38" fmla="*/ 95738 w 5282519"/>
+              <a:gd name="connsiteY38" fmla="*/ 5149850 h 6858000"/>
+              <a:gd name="connsiteX39" fmla="*/ 75583 w 5282519"/>
+              <a:gd name="connsiteY39" fmla="*/ 5114925 h 6858000"/>
+              <a:gd name="connsiteX40" fmla="*/ 55427 w 5282519"/>
+              <a:gd name="connsiteY40" fmla="*/ 5075237 h 6858000"/>
+              <a:gd name="connsiteX41" fmla="*/ 38632 w 5282519"/>
+              <a:gd name="connsiteY41" fmla="*/ 5033962 h 6858000"/>
+              <a:gd name="connsiteX42" fmla="*/ 23515 w 5282519"/>
+              <a:gd name="connsiteY42" fmla="*/ 4987925 h 6858000"/>
+              <a:gd name="connsiteX43" fmla="*/ 11758 w 5282519"/>
+              <a:gd name="connsiteY43" fmla="*/ 4935537 h 6858000"/>
+              <a:gd name="connsiteX44" fmla="*/ 3359 w 5282519"/>
+              <a:gd name="connsiteY44" fmla="*/ 4875212 h 6858000"/>
+              <a:gd name="connsiteX45" fmla="*/ 0 w 5282519"/>
+              <a:gd name="connsiteY45" fmla="*/ 4806950 h 6858000"/>
+              <a:gd name="connsiteX46" fmla="*/ 3359 w 5282519"/>
+              <a:gd name="connsiteY46" fmla="*/ 4738687 h 6858000"/>
+              <a:gd name="connsiteX47" fmla="*/ 11758 w 5282519"/>
+              <a:gd name="connsiteY47" fmla="*/ 4678362 h 6858000"/>
+              <a:gd name="connsiteX48" fmla="*/ 23515 w 5282519"/>
+              <a:gd name="connsiteY48" fmla="*/ 4625975 h 6858000"/>
+              <a:gd name="connsiteX49" fmla="*/ 38632 w 5282519"/>
+              <a:gd name="connsiteY49" fmla="*/ 4579937 h 6858000"/>
+              <a:gd name="connsiteX50" fmla="*/ 55427 w 5282519"/>
+              <a:gd name="connsiteY50" fmla="*/ 4537075 h 6858000"/>
+              <a:gd name="connsiteX51" fmla="*/ 75583 w 5282519"/>
+              <a:gd name="connsiteY51" fmla="*/ 4498975 h 6858000"/>
+              <a:gd name="connsiteX52" fmla="*/ 115893 w 5282519"/>
+              <a:gd name="connsiteY52" fmla="*/ 4424362 h 6858000"/>
+              <a:gd name="connsiteX53" fmla="*/ 134368 w 5282519"/>
+              <a:gd name="connsiteY53" fmla="*/ 4386262 h 6858000"/>
+              <a:gd name="connsiteX54" fmla="*/ 152844 w 5282519"/>
+              <a:gd name="connsiteY54" fmla="*/ 4343400 h 6858000"/>
+              <a:gd name="connsiteX55" fmla="*/ 167960 w 5282519"/>
+              <a:gd name="connsiteY55" fmla="*/ 4297362 h 6858000"/>
+              <a:gd name="connsiteX56" fmla="*/ 178038 w 5282519"/>
+              <a:gd name="connsiteY56" fmla="*/ 4244975 h 6858000"/>
+              <a:gd name="connsiteX57" fmla="*/ 188115 w 5282519"/>
+              <a:gd name="connsiteY57" fmla="*/ 4186237 h 6858000"/>
+              <a:gd name="connsiteX58" fmla="*/ 189795 w 5282519"/>
+              <a:gd name="connsiteY58" fmla="*/ 4116387 h 6858000"/>
+              <a:gd name="connsiteX59" fmla="*/ 188115 w 5282519"/>
+              <a:gd name="connsiteY59" fmla="*/ 4048125 h 6858000"/>
+              <a:gd name="connsiteX60" fmla="*/ 178038 w 5282519"/>
+              <a:gd name="connsiteY60" fmla="*/ 3987800 h 6858000"/>
+              <a:gd name="connsiteX61" fmla="*/ 167960 w 5282519"/>
+              <a:gd name="connsiteY61" fmla="*/ 3935412 h 6858000"/>
+              <a:gd name="connsiteX62" fmla="*/ 152844 w 5282519"/>
+              <a:gd name="connsiteY62" fmla="*/ 3890962 h 6858000"/>
+              <a:gd name="connsiteX63" fmla="*/ 134368 w 5282519"/>
+              <a:gd name="connsiteY63" fmla="*/ 3848100 h 6858000"/>
+              <a:gd name="connsiteX64" fmla="*/ 115893 w 5282519"/>
+              <a:gd name="connsiteY64" fmla="*/ 3811587 h 6858000"/>
+              <a:gd name="connsiteX65" fmla="*/ 75583 w 5282519"/>
+              <a:gd name="connsiteY65" fmla="*/ 3736975 h 6858000"/>
+              <a:gd name="connsiteX66" fmla="*/ 55427 w 5282519"/>
+              <a:gd name="connsiteY66" fmla="*/ 3697287 h 6858000"/>
+              <a:gd name="connsiteX67" fmla="*/ 38632 w 5282519"/>
+              <a:gd name="connsiteY67" fmla="*/ 3656012 h 6858000"/>
+              <a:gd name="connsiteX68" fmla="*/ 23515 w 5282519"/>
+              <a:gd name="connsiteY68" fmla="*/ 3609975 h 6858000"/>
+              <a:gd name="connsiteX69" fmla="*/ 11758 w 5282519"/>
+              <a:gd name="connsiteY69" fmla="*/ 3557587 h 6858000"/>
+              <a:gd name="connsiteX70" fmla="*/ 3359 w 5282519"/>
+              <a:gd name="connsiteY70" fmla="*/ 3497262 h 6858000"/>
+              <a:gd name="connsiteX71" fmla="*/ 0 w 5282519"/>
+              <a:gd name="connsiteY71" fmla="*/ 3427412 h 6858000"/>
+              <a:gd name="connsiteX72" fmla="*/ 3359 w 5282519"/>
+              <a:gd name="connsiteY72" fmla="*/ 3360737 h 6858000"/>
+              <a:gd name="connsiteX73" fmla="*/ 11758 w 5282519"/>
+              <a:gd name="connsiteY73" fmla="*/ 3300412 h 6858000"/>
+              <a:gd name="connsiteX74" fmla="*/ 23515 w 5282519"/>
+              <a:gd name="connsiteY74" fmla="*/ 3248025 h 6858000"/>
+              <a:gd name="connsiteX75" fmla="*/ 38632 w 5282519"/>
+              <a:gd name="connsiteY75" fmla="*/ 3201987 h 6858000"/>
+              <a:gd name="connsiteX76" fmla="*/ 55427 w 5282519"/>
+              <a:gd name="connsiteY76" fmla="*/ 3160712 h 6858000"/>
+              <a:gd name="connsiteX77" fmla="*/ 75583 w 5282519"/>
+              <a:gd name="connsiteY77" fmla="*/ 3121025 h 6858000"/>
+              <a:gd name="connsiteX78" fmla="*/ 95738 w 5282519"/>
+              <a:gd name="connsiteY78" fmla="*/ 3084512 h 6858000"/>
+              <a:gd name="connsiteX79" fmla="*/ 115893 w 5282519"/>
+              <a:gd name="connsiteY79" fmla="*/ 3046412 h 6858000"/>
+              <a:gd name="connsiteX80" fmla="*/ 134368 w 5282519"/>
+              <a:gd name="connsiteY80" fmla="*/ 3009900 h 6858000"/>
+              <a:gd name="connsiteX81" fmla="*/ 152844 w 5282519"/>
+              <a:gd name="connsiteY81" fmla="*/ 2967037 h 6858000"/>
+              <a:gd name="connsiteX82" fmla="*/ 167960 w 5282519"/>
+              <a:gd name="connsiteY82" fmla="*/ 2922587 h 6858000"/>
+              <a:gd name="connsiteX83" fmla="*/ 178038 w 5282519"/>
+              <a:gd name="connsiteY83" fmla="*/ 2868612 h 6858000"/>
+              <a:gd name="connsiteX84" fmla="*/ 188115 w 5282519"/>
+              <a:gd name="connsiteY84" fmla="*/ 2809875 h 6858000"/>
+              <a:gd name="connsiteX85" fmla="*/ 189795 w 5282519"/>
+              <a:gd name="connsiteY85" fmla="*/ 2741612 h 6858000"/>
+              <a:gd name="connsiteX86" fmla="*/ 188115 w 5282519"/>
+              <a:gd name="connsiteY86" fmla="*/ 2671762 h 6858000"/>
+              <a:gd name="connsiteX87" fmla="*/ 178038 w 5282519"/>
+              <a:gd name="connsiteY87" fmla="*/ 2613025 h 6858000"/>
+              <a:gd name="connsiteX88" fmla="*/ 167960 w 5282519"/>
+              <a:gd name="connsiteY88" fmla="*/ 2560637 h 6858000"/>
+              <a:gd name="connsiteX89" fmla="*/ 152844 w 5282519"/>
+              <a:gd name="connsiteY89" fmla="*/ 2513012 h 6858000"/>
+              <a:gd name="connsiteX90" fmla="*/ 134368 w 5282519"/>
+              <a:gd name="connsiteY90" fmla="*/ 2471737 h 6858000"/>
+              <a:gd name="connsiteX91" fmla="*/ 115893 w 5282519"/>
+              <a:gd name="connsiteY91" fmla="*/ 2433637 h 6858000"/>
+              <a:gd name="connsiteX92" fmla="*/ 95738 w 5282519"/>
+              <a:gd name="connsiteY92" fmla="*/ 2395537 h 6858000"/>
+              <a:gd name="connsiteX93" fmla="*/ 75583 w 5282519"/>
+              <a:gd name="connsiteY93" fmla="*/ 2359025 h 6858000"/>
+              <a:gd name="connsiteX94" fmla="*/ 55427 w 5282519"/>
+              <a:gd name="connsiteY94" fmla="*/ 2319337 h 6858000"/>
+              <a:gd name="connsiteX95" fmla="*/ 38632 w 5282519"/>
+              <a:gd name="connsiteY95" fmla="*/ 2278062 h 6858000"/>
+              <a:gd name="connsiteX96" fmla="*/ 23515 w 5282519"/>
+              <a:gd name="connsiteY96" fmla="*/ 2232025 h 6858000"/>
+              <a:gd name="connsiteX97" fmla="*/ 11758 w 5282519"/>
+              <a:gd name="connsiteY97" fmla="*/ 2179637 h 6858000"/>
+              <a:gd name="connsiteX98" fmla="*/ 3359 w 5282519"/>
+              <a:gd name="connsiteY98" fmla="*/ 2119312 h 6858000"/>
+              <a:gd name="connsiteX99" fmla="*/ 0 w 5282519"/>
+              <a:gd name="connsiteY99" fmla="*/ 2051050 h 6858000"/>
+              <a:gd name="connsiteX100" fmla="*/ 3359 w 5282519"/>
+              <a:gd name="connsiteY100" fmla="*/ 1982787 h 6858000"/>
+              <a:gd name="connsiteX101" fmla="*/ 11758 w 5282519"/>
+              <a:gd name="connsiteY101" fmla="*/ 1922462 h 6858000"/>
+              <a:gd name="connsiteX102" fmla="*/ 23515 w 5282519"/>
+              <a:gd name="connsiteY102" fmla="*/ 1870075 h 6858000"/>
+              <a:gd name="connsiteX103" fmla="*/ 38632 w 5282519"/>
+              <a:gd name="connsiteY103" fmla="*/ 1824037 h 6858000"/>
+              <a:gd name="connsiteX104" fmla="*/ 55427 w 5282519"/>
+              <a:gd name="connsiteY104" fmla="*/ 1782762 h 6858000"/>
+              <a:gd name="connsiteX105" fmla="*/ 75583 w 5282519"/>
+              <a:gd name="connsiteY105" fmla="*/ 1743075 h 6858000"/>
+              <a:gd name="connsiteX106" fmla="*/ 95738 w 5282519"/>
+              <a:gd name="connsiteY106" fmla="*/ 1708150 h 6858000"/>
+              <a:gd name="connsiteX107" fmla="*/ 115893 w 5282519"/>
+              <a:gd name="connsiteY107" fmla="*/ 1671637 h 6858000"/>
+              <a:gd name="connsiteX108" fmla="*/ 134368 w 5282519"/>
+              <a:gd name="connsiteY108" fmla="*/ 1631950 h 6858000"/>
+              <a:gd name="connsiteX109" fmla="*/ 152844 w 5282519"/>
+              <a:gd name="connsiteY109" fmla="*/ 1589087 h 6858000"/>
+              <a:gd name="connsiteX110" fmla="*/ 167960 w 5282519"/>
+              <a:gd name="connsiteY110" fmla="*/ 1544637 h 6858000"/>
+              <a:gd name="connsiteX111" fmla="*/ 178038 w 5282519"/>
+              <a:gd name="connsiteY111" fmla="*/ 1492250 h 6858000"/>
+              <a:gd name="connsiteX112" fmla="*/ 188115 w 5282519"/>
+              <a:gd name="connsiteY112" fmla="*/ 1431925 h 6858000"/>
+              <a:gd name="connsiteX113" fmla="*/ 189795 w 5282519"/>
+              <a:gd name="connsiteY113" fmla="*/ 1363662 h 6858000"/>
+              <a:gd name="connsiteX114" fmla="*/ 188115 w 5282519"/>
+              <a:gd name="connsiteY114" fmla="*/ 1295400 h 6858000"/>
+              <a:gd name="connsiteX115" fmla="*/ 178038 w 5282519"/>
+              <a:gd name="connsiteY115" fmla="*/ 1235075 h 6858000"/>
+              <a:gd name="connsiteX116" fmla="*/ 167960 w 5282519"/>
+              <a:gd name="connsiteY116" fmla="*/ 1182687 h 6858000"/>
+              <a:gd name="connsiteX117" fmla="*/ 152844 w 5282519"/>
+              <a:gd name="connsiteY117" fmla="*/ 1136650 h 6858000"/>
+              <a:gd name="connsiteX118" fmla="*/ 134368 w 5282519"/>
+              <a:gd name="connsiteY118" fmla="*/ 1095375 h 6858000"/>
+              <a:gd name="connsiteX119" fmla="*/ 115893 w 5282519"/>
+              <a:gd name="connsiteY119" fmla="*/ 1055687 h 6858000"/>
+              <a:gd name="connsiteX120" fmla="*/ 95738 w 5282519"/>
+              <a:gd name="connsiteY120" fmla="*/ 1017587 h 6858000"/>
+              <a:gd name="connsiteX121" fmla="*/ 75583 w 5282519"/>
+              <a:gd name="connsiteY121" fmla="*/ 981075 h 6858000"/>
+              <a:gd name="connsiteX122" fmla="*/ 55427 w 5282519"/>
+              <a:gd name="connsiteY122" fmla="*/ 942975 h 6858000"/>
+              <a:gd name="connsiteX123" fmla="*/ 38632 w 5282519"/>
+              <a:gd name="connsiteY123" fmla="*/ 901700 h 6858000"/>
+              <a:gd name="connsiteX124" fmla="*/ 23515 w 5282519"/>
+              <a:gd name="connsiteY124" fmla="*/ 854075 h 6858000"/>
+              <a:gd name="connsiteX125" fmla="*/ 11758 w 5282519"/>
+              <a:gd name="connsiteY125" fmla="*/ 801687 h 6858000"/>
+              <a:gd name="connsiteX126" fmla="*/ 3359 w 5282519"/>
+              <a:gd name="connsiteY126" fmla="*/ 744537 h 6858000"/>
+              <a:gd name="connsiteX127" fmla="*/ 0 w 5282519"/>
+              <a:gd name="connsiteY127" fmla="*/ 673100 h 6858000"/>
+              <a:gd name="connsiteX128" fmla="*/ 3359 w 5282519"/>
+              <a:gd name="connsiteY128" fmla="*/ 606425 h 6858000"/>
+              <a:gd name="connsiteX129" fmla="*/ 11758 w 5282519"/>
+              <a:gd name="connsiteY129" fmla="*/ 546100 h 6858000"/>
+              <a:gd name="connsiteX130" fmla="*/ 23515 w 5282519"/>
+              <a:gd name="connsiteY130" fmla="*/ 496887 h 6858000"/>
+              <a:gd name="connsiteX131" fmla="*/ 38632 w 5282519"/>
+              <a:gd name="connsiteY131" fmla="*/ 450850 h 6858000"/>
+              <a:gd name="connsiteX132" fmla="*/ 55427 w 5282519"/>
+              <a:gd name="connsiteY132" fmla="*/ 409575 h 6858000"/>
+              <a:gd name="connsiteX133" fmla="*/ 73903 w 5282519"/>
+              <a:gd name="connsiteY133" fmla="*/ 369887 h 6858000"/>
+              <a:gd name="connsiteX134" fmla="*/ 92379 w 5282519"/>
+              <a:gd name="connsiteY134" fmla="*/ 334962 h 6858000"/>
+              <a:gd name="connsiteX135" fmla="*/ 112534 w 5282519"/>
+              <a:gd name="connsiteY135" fmla="*/ 296862 h 6858000"/>
+              <a:gd name="connsiteX136" fmla="*/ 132689 w 5282519"/>
+              <a:gd name="connsiteY136" fmla="*/ 260350 h 6858000"/>
+              <a:gd name="connsiteX137" fmla="*/ 149485 w 5282519"/>
+              <a:gd name="connsiteY137" fmla="*/ 217487 h 6858000"/>
+              <a:gd name="connsiteX138" fmla="*/ 166281 w 5282519"/>
+              <a:gd name="connsiteY138" fmla="*/ 174625 h 6858000"/>
+              <a:gd name="connsiteX139" fmla="*/ 176358 w 5282519"/>
+              <a:gd name="connsiteY139" fmla="*/ 122237 h 6858000"/>
+              <a:gd name="connsiteX140" fmla="*/ 184756 w 5282519"/>
+              <a:gd name="connsiteY140" fmla="*/ 66675 h 6858000"/>
+            </a:gdLst>
+            <a:ahLst/>
+            <a:cxnLst>
+              <a:cxn ang="0">
+                <a:pos x="connsiteX0" y="connsiteY0"/>
+              </a:cxn>
+              <a:cxn ang="0">
+                <a:pos x="connsiteX1" y="connsiteY1"/>
+              </a:cxn>
+              <a:cxn ang="0">
+                <a:pos x="connsiteX2" y="connsiteY2"/>
+              </a:cxn>
+              <a:cxn ang="0">
+                <a:pos x="connsiteX3" y="connsiteY3"/>
+              </a:cxn>
+              <a:cxn ang="0">
+                <a:pos x="connsiteX4" y="connsiteY4"/>
+              </a:cxn>
+              <a:cxn ang="0">
+                <a:pos x="connsiteX5" y="connsiteY5"/>
+              </a:cxn>
+              <a:cxn ang="0">
+                <a:pos x="connsiteX6" y="connsiteY6"/>
+              </a:cxn>
+              <a:cxn ang="0">
+                <a:pos x="connsiteX7" y="connsiteY7"/>
+              </a:cxn>
+              <a:cxn ang="0">
+                <a:pos x="connsiteX8" y="connsiteY8"/>
+              </a:cxn>
+              <a:cxn ang="0">
+                <a:pos x="connsiteX9" y="connsiteY9"/>
+              </a:cxn>
+              <a:cxn ang="0">
+                <a:pos x="connsiteX10" y="connsiteY10"/>
+              </a:cxn>
+              <a:cxn ang="0">
+                <a:pos x="connsiteX11" y="connsiteY11"/>
+              </a:cxn>
+              <a:cxn ang="0">
+                <a:pos x="connsiteX12" y="connsiteY12"/>
+              </a:cxn>
+              <a:cxn ang="0">
+                <a:pos x="connsiteX13" y="connsiteY13"/>
+              </a:cxn>
+              <a:cxn ang="0">
+                <a:pos x="connsiteX14" y="connsiteY14"/>
+              </a:cxn>
+              <a:cxn ang="0">
+                <a:pos x="connsiteX15" y="connsiteY15"/>
+              </a:cxn>
+              <a:cxn ang="0">
+                <a:pos x="connsiteX16" y="connsiteY16"/>
+              </a:cxn>
+              <a:cxn ang="0">
+                <a:pos x="connsiteX17" y="connsiteY17"/>
+              </a:cxn>
+              <a:cxn ang="0">
+                <a:pos x="connsiteX18" y="connsiteY18"/>
+              </a:cxn>
+              <a:cxn ang="0">
+                <a:pos x="connsiteX19" y="connsiteY19"/>
+              </a:cxn>
+              <a:cxn ang="0">
+                <a:pos x="connsiteX20" y="connsiteY20"/>
+              </a:cxn>
+              <a:cxn ang="0">
+                <a:pos x="connsiteX21" y="connsiteY21"/>
+              </a:cxn>
+              <a:cxn ang="0">
+                <a:pos x="connsiteX22" y="connsiteY22"/>
+              </a:cxn>
+              <a:cxn ang="0">
+                <a:pos x="connsiteX23" y="connsiteY23"/>
+              </a:cxn>
+              <a:cxn ang="0">
+                <a:pos x="connsiteX24" y="connsiteY24"/>
+              </a:cxn>
+              <a:cxn ang="0">
+                <a:pos x="connsiteX25" y="connsiteY25"/>
+              </a:cxn>
+              <a:cxn ang="0">
+                <a:pos x="connsiteX26" y="connsiteY26"/>
+              </a:cxn>
+              <a:cxn ang="0">
+                <a:pos x="connsiteX27" y="connsiteY27"/>
+              </a:cxn>
+              <a:cxn ang="0">
+                <a:pos x="connsiteX28" y="connsiteY28"/>
+              </a:cxn>
+              <a:cxn ang="0">
+                <a:pos x="connsiteX29" y="connsiteY29"/>
+              </a:cxn>
+              <a:cxn ang="0">
+                <a:pos x="connsiteX30" y="connsiteY30"/>
+              </a:cxn>
+              <a:cxn ang="0">
+                <a:pos x="connsiteX31" y="connsiteY31"/>
+              </a:cxn>
+              <a:cxn ang="0">
+                <a:pos x="connsiteX32" y="connsiteY32"/>
+              </a:cxn>
+              <a:cxn ang="0">
+                <a:pos x="connsiteX33" y="connsiteY33"/>
+              </a:cxn>
+              <a:cxn ang="0">
+                <a:pos x="connsiteX34" y="connsiteY34"/>
+              </a:cxn>
+              <a:cxn ang="0">
+                <a:pos x="connsiteX35" y="connsiteY35"/>
+              </a:cxn>
+              <a:cxn ang="0">
+                <a:pos x="connsiteX36" y="connsiteY36"/>
+              </a:cxn>
+              <a:cxn ang="0">
+                <a:pos x="connsiteX37" y="connsiteY37"/>
+              </a:cxn>
+              <a:cxn ang="0">
+                <a:pos x="connsiteX38" y="connsiteY38"/>
+              </a:cxn>
+              <a:cxn ang="0">
+                <a:pos x="connsiteX39" y="connsiteY39"/>
+              </a:cxn>
+              <a:cxn ang="0">
+                <a:pos x="connsiteX40" y="connsiteY40"/>
+              </a:cxn>
+              <a:cxn ang="0">
+                <a:pos x="connsiteX41" y="connsiteY41"/>
+              </a:cxn>
+              <a:cxn ang="0">
+                <a:pos x="connsiteX42" y="connsiteY42"/>
+              </a:cxn>
+              <a:cxn ang="0">
+                <a:pos x="connsiteX43" y="connsiteY43"/>
+              </a:cxn>
+              <a:cxn ang="0">
+                <a:pos x="connsiteX44" y="connsiteY44"/>
+              </a:cxn>
+              <a:cxn ang="0">
+                <a:pos x="connsiteX45" y="connsiteY45"/>
+              </a:cxn>
+              <a:cxn ang="0">
+                <a:pos x="connsiteX46" y="connsiteY46"/>
+              </a:cxn>
+              <a:cxn ang="0">
+                <a:pos x="connsiteX47" y="connsiteY47"/>
+              </a:cxn>
+              <a:cxn ang="0">
+                <a:pos x="connsiteX48" y="connsiteY48"/>
+              </a:cxn>
+              <a:cxn ang="0">
+                <a:pos x="connsiteX49" y="connsiteY49"/>
+              </a:cxn>
+              <a:cxn ang="0">
+                <a:pos x="connsiteX50" y="connsiteY50"/>
+              </a:cxn>
+              <a:cxn ang="0">
+                <a:pos x="connsiteX51" y="connsiteY51"/>
+              </a:cxn>
+              <a:cxn ang="0">
+                <a:pos x="connsiteX52" y="connsiteY52"/>
+              </a:cxn>
+              <a:cxn ang="0">
+                <a:pos x="connsiteX53" y="connsiteY53"/>
+              </a:cxn>
+              <a:cxn ang="0">
+                <a:pos x="connsiteX54" y="connsiteY54"/>
+              </a:cxn>
+              <a:cxn ang="0">
+                <a:pos x="connsiteX55" y="connsiteY55"/>
+              </a:cxn>
+              <a:cxn ang="0">
+                <a:pos x="connsiteX56" y="connsiteY56"/>
+              </a:cxn>
+              <a:cxn ang="0">
+                <a:pos x="connsiteX57" y="connsiteY57"/>
+              </a:cxn>
+              <a:cxn ang="0">
+                <a:pos x="connsiteX58" y="connsiteY58"/>
+              </a:cxn>
+              <a:cxn ang="0">
+                <a:pos x="connsiteX59" y="connsiteY59"/>
+              </a:cxn>
+              <a:cxn ang="0">
+                <a:pos x="connsiteX60" y="connsiteY60"/>
+              </a:cxn>
+              <a:cxn ang="0">
+                <a:pos x="connsiteX61" y="connsiteY61"/>
+              </a:cxn>
+              <a:cxn ang="0">
+                <a:pos x="connsiteX62" y="connsiteY62"/>
+              </a:cxn>
+              <a:cxn ang="0">
+                <a:pos x="connsiteX63" y="connsiteY63"/>
+              </a:cxn>
+              <a:cxn ang="0">
+                <a:pos x="connsiteX64" y="connsiteY64"/>
+              </a:cxn>
+              <a:cxn ang="0">
+                <a:pos x="connsiteX65" y="connsiteY65"/>
+              </a:cxn>
+              <a:cxn ang="0">
+                <a:pos x="connsiteX66" y="connsiteY66"/>
+              </a:cxn>
+              <a:cxn ang="0">
+                <a:pos x="connsiteX67" y="connsiteY67"/>
+              </a:cxn>
+              <a:cxn ang="0">
+                <a:pos x="connsiteX68" y="connsiteY68"/>
+              </a:cxn>
+              <a:cxn ang="0">
+                <a:pos x="connsiteX69" y="connsiteY69"/>
+              </a:cxn>
+              <a:cxn ang="0">
+                <a:pos x="connsiteX70" y="connsiteY70"/>
+              </a:cxn>
+              <a:cxn ang="0">
+                <a:pos x="connsiteX71" y="connsiteY71"/>
+              </a:cxn>
+              <a:cxn ang="0">
+                <a:pos x="connsiteX72" y="connsiteY72"/>
+              </a:cxn>
+              <a:cxn ang="0">
+                <a:pos x="connsiteX73" y="connsiteY73"/>
+              </a:cxn>
+              <a:cxn ang="0">
+                <a:pos x="connsiteX74" y="connsiteY74"/>
+              </a:cxn>
+              <a:cxn ang="0">
+                <a:pos x="connsiteX75" y="connsiteY75"/>
+              </a:cxn>
+              <a:cxn ang="0">
+                <a:pos x="connsiteX76" y="connsiteY76"/>
+              </a:cxn>
+              <a:cxn ang="0">
+                <a:pos x="connsiteX77" y="connsiteY77"/>
+              </a:cxn>
+              <a:cxn ang="0">
+                <a:pos x="connsiteX78" y="connsiteY78"/>
+              </a:cxn>
+              <a:cxn ang="0">
+                <a:pos x="connsiteX79" y="connsiteY79"/>
+              </a:cxn>
+              <a:cxn ang="0">
+                <a:pos x="connsiteX80" y="connsiteY80"/>
+              </a:cxn>
+              <a:cxn ang="0">
+                <a:pos x="connsiteX81" y="connsiteY81"/>
+              </a:cxn>
+              <a:cxn ang="0">
+                <a:pos x="connsiteX82" y="connsiteY82"/>
+              </a:cxn>
+              <a:cxn ang="0">
+                <a:pos x="connsiteX83" y="connsiteY83"/>
+              </a:cxn>
+              <a:cxn ang="0">
+                <a:pos x="connsiteX84" y="connsiteY84"/>
+              </a:cxn>
+              <a:cxn ang="0">
+                <a:pos x="connsiteX85" y="connsiteY85"/>
+              </a:cxn>
+              <a:cxn ang="0">
+                <a:pos x="connsiteX86" y="connsiteY86"/>
+              </a:cxn>
+              <a:cxn ang="0">
+                <a:pos x="connsiteX87" y="connsiteY87"/>
+              </a:cxn>
+              <a:cxn ang="0">
+                <a:pos x="connsiteX88" y="connsiteY88"/>
+              </a:cxn>
+              <a:cxn ang="0">
+                <a:pos x="connsiteX89" y="connsiteY89"/>
+              </a:cxn>
+              <a:cxn ang="0">
+                <a:pos x="connsiteX90" y="connsiteY90"/>
+              </a:cxn>
+              <a:cxn ang="0">
+                <a:pos x="connsiteX91" y="connsiteY91"/>
+              </a:cxn>
+              <a:cxn ang="0">
+                <a:pos x="connsiteX92" y="connsiteY92"/>
+              </a:cxn>
+              <a:cxn ang="0">
+                <a:pos x="connsiteX93" y="connsiteY93"/>
+              </a:cxn>
+              <a:cxn ang="0">
+                <a:pos x="connsiteX94" y="connsiteY94"/>
+              </a:cxn>
+              <a:cxn ang="0">
+                <a:pos x="connsiteX95" y="connsiteY95"/>
+              </a:cxn>
+              <a:cxn ang="0">
+                <a:pos x="connsiteX96" y="connsiteY96"/>
+              </a:cxn>
+              <a:cxn ang="0">
+                <a:pos x="connsiteX97" y="connsiteY97"/>
+              </a:cxn>
+              <a:cxn ang="0">
+                <a:pos x="connsiteX98" y="connsiteY98"/>
+              </a:cxn>
+              <a:cxn ang="0">
+                <a:pos x="connsiteX99" y="connsiteY99"/>
+              </a:cxn>
+              <a:cxn ang="0">
+                <a:pos x="connsiteX100" y="connsiteY100"/>
+              </a:cxn>
+              <a:cxn ang="0">
+                <a:pos x="connsiteX101" y="connsiteY101"/>
+              </a:cxn>
+              <a:cxn ang="0">
+                <a:pos x="connsiteX102" y="connsiteY102"/>
+              </a:cxn>
+              <a:cxn ang="0">
+                <a:pos x="connsiteX103" y="connsiteY103"/>
+              </a:cxn>
+              <a:cxn ang="0">
+                <a:pos x="connsiteX104" y="connsiteY104"/>
+              </a:cxn>
+              <a:cxn ang="0">
+                <a:pos x="connsiteX105" y="connsiteY105"/>
+              </a:cxn>
+              <a:cxn ang="0">
+                <a:pos x="connsiteX106" y="connsiteY106"/>
+              </a:cxn>
+              <a:cxn ang="0">
+                <a:pos x="connsiteX107" y="connsiteY107"/>
+              </a:cxn>
+              <a:cxn ang="0">
+                <a:pos x="connsiteX108" y="connsiteY108"/>
+              </a:cxn>
+              <a:cxn ang="0">
+                <a:pos x="connsiteX109" y="connsiteY109"/>
+              </a:cxn>
+              <a:cxn ang="0">
+                <a:pos x="connsiteX110" y="connsiteY110"/>
+              </a:cxn>
+              <a:cxn ang="0">
+                <a:pos x="connsiteX111" y="connsiteY111"/>
+              </a:cxn>
+              <a:cxn ang="0">
+                <a:pos x="connsiteX112" y="connsiteY112"/>
+              </a:cxn>
+              <a:cxn ang="0">
+                <a:pos x="connsiteX113" y="connsiteY113"/>
+              </a:cxn>
+              <a:cxn ang="0">
+                <a:pos x="connsiteX114" y="connsiteY114"/>
+              </a:cxn>
+              <a:cxn ang="0">
+                <a:pos x="connsiteX115" y="connsiteY115"/>
+              </a:cxn>
+              <a:cxn ang="0">
+                <a:pos x="connsiteX116" y="connsiteY116"/>
+              </a:cxn>
+              <a:cxn ang="0">
+                <a:pos x="connsiteX117" y="connsiteY117"/>
+              </a:cxn>
+              <a:cxn ang="0">
+                <a:pos x="connsiteX118" y="connsiteY118"/>
+              </a:cxn>
+              <a:cxn ang="0">
+                <a:pos x="connsiteX119" y="connsiteY119"/>
+              </a:cxn>
+              <a:cxn ang="0">
+                <a:pos x="connsiteX120" y="connsiteY120"/>
+              </a:cxn>
+              <a:cxn ang="0">
+                <a:pos x="connsiteX121" y="connsiteY121"/>
+              </a:cxn>
+              <a:cxn ang="0">
+                <a:pos x="connsiteX122" y="connsiteY122"/>
+              </a:cxn>
+              <a:cxn ang="0">
+                <a:pos x="connsiteX123" y="connsiteY123"/>
+              </a:cxn>
+              <a:cxn ang="0">
+                <a:pos x="connsiteX124" y="connsiteY124"/>
+              </a:cxn>
+              <a:cxn ang="0">
+                <a:pos x="connsiteX125" y="connsiteY125"/>
+              </a:cxn>
+              <a:cxn ang="0">
+                <a:pos x="connsiteX126" y="connsiteY126"/>
+              </a:cxn>
+              <a:cxn ang="0">
+                <a:pos x="connsiteX127" y="connsiteY127"/>
+              </a:cxn>
+              <a:cxn ang="0">
+                <a:pos x="connsiteX128" y="connsiteY128"/>
+              </a:cxn>
+              <a:cxn ang="0">
+                <a:pos x="connsiteX129" y="connsiteY129"/>
+              </a:cxn>
+              <a:cxn ang="0">
+                <a:pos x="connsiteX130" y="connsiteY130"/>
+              </a:cxn>
+              <a:cxn ang="0">
+                <a:pos x="connsiteX131" y="connsiteY131"/>
+              </a:cxn>
+              <a:cxn ang="0">
+                <a:pos x="connsiteX132" y="connsiteY132"/>
+              </a:cxn>
+              <a:cxn ang="0">
+                <a:pos x="connsiteX133" y="connsiteY133"/>
+              </a:cxn>
+              <a:cxn ang="0">
+                <a:pos x="connsiteX134" y="connsiteY134"/>
+              </a:cxn>
+              <a:cxn ang="0">
+                <a:pos x="connsiteX135" y="connsiteY135"/>
+              </a:cxn>
+              <a:cxn ang="0">
+                <a:pos x="connsiteX136" y="connsiteY136"/>
+              </a:cxn>
+              <a:cxn ang="0">
+                <a:pos x="connsiteX137" y="connsiteY137"/>
+              </a:cxn>
+              <a:cxn ang="0">
+                <a:pos x="connsiteX138" y="connsiteY138"/>
+              </a:cxn>
+              <a:cxn ang="0">
+                <a:pos x="connsiteX139" y="connsiteY139"/>
+              </a:cxn>
+              <a:cxn ang="0">
+                <a:pos x="connsiteX140" y="connsiteY140"/>
+              </a:cxn>
+            </a:cxnLst>
+            <a:rect l="l" t="t" r="r" b="b"/>
+            <a:pathLst>
+              <a:path w="5282519" h="6858000">
+                <a:moveTo>
+                  <a:pt x="189795" y="0"/>
+                </a:moveTo>
+                <a:lnTo>
+                  <a:pt x="5282519" y="0"/>
+                </a:lnTo>
+                <a:lnTo>
+                  <a:pt x="5282519" y="6858000"/>
+                </a:lnTo>
+                <a:lnTo>
+                  <a:pt x="189795" y="6858000"/>
+                </a:lnTo>
+                <a:lnTo>
+                  <a:pt x="184756" y="6791325"/>
+                </a:lnTo>
+                <a:lnTo>
+                  <a:pt x="176358" y="6735762"/>
+                </a:lnTo>
+                <a:lnTo>
+                  <a:pt x="166281" y="6683375"/>
+                </a:lnTo>
+                <a:lnTo>
+                  <a:pt x="149485" y="6640512"/>
+                </a:lnTo>
+                <a:lnTo>
+                  <a:pt x="132689" y="6597650"/>
+                </a:lnTo>
+                <a:lnTo>
+                  <a:pt x="112534" y="6561137"/>
+                </a:lnTo>
+                <a:lnTo>
+                  <a:pt x="92379" y="6523037"/>
+                </a:lnTo>
+                <a:lnTo>
+                  <a:pt x="73903" y="6488112"/>
+                </a:lnTo>
+                <a:lnTo>
+                  <a:pt x="55427" y="6448425"/>
+                </a:lnTo>
+                <a:lnTo>
+                  <a:pt x="38632" y="6407150"/>
+                </a:lnTo>
+                <a:lnTo>
+                  <a:pt x="23515" y="6361112"/>
+                </a:lnTo>
+                <a:lnTo>
+                  <a:pt x="11758" y="6311900"/>
+                </a:lnTo>
+                <a:lnTo>
+                  <a:pt x="3359" y="6251575"/>
+                </a:lnTo>
+                <a:lnTo>
+                  <a:pt x="0" y="6183312"/>
+                </a:lnTo>
+                <a:lnTo>
+                  <a:pt x="3359" y="6113462"/>
+                </a:lnTo>
+                <a:lnTo>
+                  <a:pt x="11758" y="6056312"/>
+                </a:lnTo>
+                <a:lnTo>
+                  <a:pt x="23515" y="6003925"/>
+                </a:lnTo>
+                <a:lnTo>
+                  <a:pt x="38632" y="5956300"/>
+                </a:lnTo>
+                <a:lnTo>
+                  <a:pt x="55427" y="5915025"/>
+                </a:lnTo>
+                <a:lnTo>
+                  <a:pt x="75583" y="5876925"/>
+                </a:lnTo>
+                <a:lnTo>
+                  <a:pt x="95738" y="5840412"/>
+                </a:lnTo>
+                <a:lnTo>
+                  <a:pt x="115893" y="5802312"/>
+                </a:lnTo>
+                <a:lnTo>
+                  <a:pt x="134368" y="5762625"/>
+                </a:lnTo>
+                <a:lnTo>
+                  <a:pt x="152844" y="5721350"/>
+                </a:lnTo>
+                <a:lnTo>
+                  <a:pt x="167960" y="5675312"/>
+                </a:lnTo>
+                <a:lnTo>
+                  <a:pt x="178038" y="5622925"/>
+                </a:lnTo>
+                <a:lnTo>
+                  <a:pt x="188115" y="5562600"/>
+                </a:lnTo>
+                <a:lnTo>
+                  <a:pt x="189795" y="5494337"/>
+                </a:lnTo>
+                <a:lnTo>
+                  <a:pt x="188115" y="5426075"/>
+                </a:lnTo>
+                <a:lnTo>
+                  <a:pt x="178038" y="5365750"/>
+                </a:lnTo>
+                <a:lnTo>
+                  <a:pt x="167960" y="5313362"/>
+                </a:lnTo>
+                <a:lnTo>
+                  <a:pt x="152844" y="5268912"/>
+                </a:lnTo>
+                <a:lnTo>
+                  <a:pt x="134368" y="5226050"/>
+                </a:lnTo>
+                <a:lnTo>
+                  <a:pt x="115893" y="5186362"/>
+                </a:lnTo>
+                <a:lnTo>
+                  <a:pt x="95738" y="5149850"/>
+                </a:lnTo>
+                <a:lnTo>
+                  <a:pt x="75583" y="5114925"/>
+                </a:lnTo>
+                <a:lnTo>
+                  <a:pt x="55427" y="5075237"/>
+                </a:lnTo>
+                <a:lnTo>
+                  <a:pt x="38632" y="5033962"/>
+                </a:lnTo>
+                <a:lnTo>
+                  <a:pt x="23515" y="4987925"/>
+                </a:lnTo>
+                <a:lnTo>
+                  <a:pt x="11758" y="4935537"/>
+                </a:lnTo>
+                <a:lnTo>
+                  <a:pt x="3359" y="4875212"/>
+                </a:lnTo>
+                <a:lnTo>
+                  <a:pt x="0" y="4806950"/>
+                </a:lnTo>
+                <a:lnTo>
+                  <a:pt x="3359" y="4738687"/>
+                </a:lnTo>
+                <a:lnTo>
+                  <a:pt x="11758" y="4678362"/>
+                </a:lnTo>
+                <a:lnTo>
+                  <a:pt x="23515" y="4625975"/>
+                </a:lnTo>
+                <a:lnTo>
+                  <a:pt x="38632" y="4579937"/>
+                </a:lnTo>
+                <a:lnTo>
+                  <a:pt x="55427" y="4537075"/>
+                </a:lnTo>
+                <a:lnTo>
+                  <a:pt x="75583" y="4498975"/>
+                </a:lnTo>
+                <a:lnTo>
+                  <a:pt x="115893" y="4424362"/>
+                </a:lnTo>
+                <a:lnTo>
+                  <a:pt x="134368" y="4386262"/>
+                </a:lnTo>
+                <a:lnTo>
+                  <a:pt x="152844" y="4343400"/>
+                </a:lnTo>
+                <a:lnTo>
+                  <a:pt x="167960" y="4297362"/>
+                </a:lnTo>
+                <a:lnTo>
+                  <a:pt x="178038" y="4244975"/>
+                </a:lnTo>
+                <a:lnTo>
+                  <a:pt x="188115" y="4186237"/>
+                </a:lnTo>
+                <a:lnTo>
+                  <a:pt x="189795" y="4116387"/>
+                </a:lnTo>
+                <a:lnTo>
+                  <a:pt x="188115" y="4048125"/>
+                </a:lnTo>
+                <a:lnTo>
+                  <a:pt x="178038" y="3987800"/>
+                </a:lnTo>
+                <a:lnTo>
+                  <a:pt x="167960" y="3935412"/>
+                </a:lnTo>
+                <a:lnTo>
+                  <a:pt x="152844" y="3890962"/>
+                </a:lnTo>
+                <a:lnTo>
+                  <a:pt x="134368" y="3848100"/>
+                </a:lnTo>
+                <a:lnTo>
+                  <a:pt x="115893" y="3811587"/>
+                </a:lnTo>
+                <a:lnTo>
+                  <a:pt x="75583" y="3736975"/>
+                </a:lnTo>
+                <a:lnTo>
+                  <a:pt x="55427" y="3697287"/>
+                </a:lnTo>
+                <a:lnTo>
+                  <a:pt x="38632" y="3656012"/>
+                </a:lnTo>
+                <a:lnTo>
+                  <a:pt x="23515" y="3609975"/>
+                </a:lnTo>
+                <a:lnTo>
+                  <a:pt x="11758" y="3557587"/>
+                </a:lnTo>
+                <a:lnTo>
+                  <a:pt x="3359" y="3497262"/>
+                </a:lnTo>
+                <a:lnTo>
+                  <a:pt x="0" y="3427412"/>
+                </a:lnTo>
+                <a:lnTo>
+                  <a:pt x="3359" y="3360737"/>
+                </a:lnTo>
+                <a:lnTo>
+                  <a:pt x="11758" y="3300412"/>
+                </a:lnTo>
+                <a:lnTo>
+                  <a:pt x="23515" y="3248025"/>
+                </a:lnTo>
+                <a:lnTo>
+                  <a:pt x="38632" y="3201987"/>
+                </a:lnTo>
+                <a:lnTo>
+                  <a:pt x="55427" y="3160712"/>
+                </a:lnTo>
+                <a:lnTo>
+                  <a:pt x="75583" y="3121025"/>
+                </a:lnTo>
+                <a:lnTo>
+                  <a:pt x="95738" y="3084512"/>
+                </a:lnTo>
+                <a:lnTo>
+                  <a:pt x="115893" y="3046412"/>
+                </a:lnTo>
+                <a:lnTo>
+                  <a:pt x="134368" y="3009900"/>
+                </a:lnTo>
+                <a:lnTo>
+                  <a:pt x="152844" y="2967037"/>
+                </a:lnTo>
+                <a:lnTo>
+                  <a:pt x="167960" y="2922587"/>
+                </a:lnTo>
+                <a:lnTo>
+                  <a:pt x="178038" y="2868612"/>
+                </a:lnTo>
+                <a:lnTo>
+                  <a:pt x="188115" y="2809875"/>
+                </a:lnTo>
+                <a:lnTo>
+                  <a:pt x="189795" y="2741612"/>
+                </a:lnTo>
+                <a:lnTo>
+                  <a:pt x="188115" y="2671762"/>
+                </a:lnTo>
+                <a:lnTo>
+                  <a:pt x="178038" y="2613025"/>
+                </a:lnTo>
+                <a:lnTo>
+                  <a:pt x="167960" y="2560637"/>
+                </a:lnTo>
+                <a:lnTo>
+                  <a:pt x="152844" y="2513012"/>
+                </a:lnTo>
+                <a:lnTo>
+                  <a:pt x="134368" y="2471737"/>
+                </a:lnTo>
+                <a:lnTo>
+                  <a:pt x="115893" y="2433637"/>
+                </a:lnTo>
+                <a:lnTo>
+                  <a:pt x="95738" y="2395537"/>
+                </a:lnTo>
+                <a:lnTo>
+                  <a:pt x="75583" y="2359025"/>
+                </a:lnTo>
+                <a:lnTo>
+                  <a:pt x="55427" y="2319337"/>
+                </a:lnTo>
+                <a:lnTo>
+                  <a:pt x="38632" y="2278062"/>
+                </a:lnTo>
+                <a:lnTo>
+                  <a:pt x="23515" y="2232025"/>
+                </a:lnTo>
+                <a:lnTo>
+                  <a:pt x="11758" y="2179637"/>
+                </a:lnTo>
+                <a:lnTo>
+                  <a:pt x="3359" y="2119312"/>
+                </a:lnTo>
+                <a:lnTo>
+                  <a:pt x="0" y="2051050"/>
+                </a:lnTo>
+                <a:lnTo>
+                  <a:pt x="3359" y="1982787"/>
+                </a:lnTo>
+                <a:lnTo>
+                  <a:pt x="11758" y="1922462"/>
+                </a:lnTo>
+                <a:lnTo>
+                  <a:pt x="23515" y="1870075"/>
+                </a:lnTo>
+                <a:lnTo>
+                  <a:pt x="38632" y="1824037"/>
+                </a:lnTo>
+                <a:lnTo>
+                  <a:pt x="55427" y="1782762"/>
+                </a:lnTo>
+                <a:lnTo>
+                  <a:pt x="75583" y="1743075"/>
+                </a:lnTo>
+                <a:lnTo>
+                  <a:pt x="95738" y="1708150"/>
+                </a:lnTo>
+                <a:lnTo>
+                  <a:pt x="115893" y="1671637"/>
+                </a:lnTo>
+                <a:lnTo>
+                  <a:pt x="134368" y="1631950"/>
+                </a:lnTo>
+                <a:lnTo>
+                  <a:pt x="152844" y="1589087"/>
+                </a:lnTo>
+                <a:lnTo>
+                  <a:pt x="167960" y="1544637"/>
+                </a:lnTo>
+                <a:lnTo>
+                  <a:pt x="178038" y="1492250"/>
+                </a:lnTo>
+                <a:lnTo>
+                  <a:pt x="188115" y="1431925"/>
+                </a:lnTo>
+                <a:lnTo>
+                  <a:pt x="189795" y="1363662"/>
+                </a:lnTo>
+                <a:lnTo>
+                  <a:pt x="188115" y="1295400"/>
+                </a:lnTo>
+                <a:lnTo>
+                  <a:pt x="178038" y="1235075"/>
+                </a:lnTo>
+                <a:lnTo>
+                  <a:pt x="167960" y="1182687"/>
+                </a:lnTo>
+                <a:lnTo>
+                  <a:pt x="152844" y="1136650"/>
+                </a:lnTo>
+                <a:lnTo>
+                  <a:pt x="134368" y="1095375"/>
+                </a:lnTo>
+                <a:lnTo>
+                  <a:pt x="115893" y="1055687"/>
+                </a:lnTo>
+                <a:lnTo>
+                  <a:pt x="95738" y="1017587"/>
+                </a:lnTo>
+                <a:lnTo>
+                  <a:pt x="75583" y="981075"/>
+                </a:lnTo>
+                <a:lnTo>
+                  <a:pt x="55427" y="942975"/>
+                </a:lnTo>
+                <a:lnTo>
+                  <a:pt x="38632" y="901700"/>
+                </a:lnTo>
+                <a:lnTo>
+                  <a:pt x="23515" y="854075"/>
+                </a:lnTo>
+                <a:lnTo>
+                  <a:pt x="11758" y="801687"/>
+                </a:lnTo>
+                <a:lnTo>
+                  <a:pt x="3359" y="744537"/>
+                </a:lnTo>
+                <a:lnTo>
+                  <a:pt x="0" y="673100"/>
+                </a:lnTo>
+                <a:lnTo>
+                  <a:pt x="3359" y="606425"/>
+                </a:lnTo>
+                <a:lnTo>
+                  <a:pt x="11758" y="546100"/>
+                </a:lnTo>
+                <a:lnTo>
+                  <a:pt x="23515" y="496887"/>
+                </a:lnTo>
+                <a:lnTo>
+                  <a:pt x="38632" y="450850"/>
+                </a:lnTo>
+                <a:lnTo>
+                  <a:pt x="55427" y="409575"/>
+                </a:lnTo>
+                <a:lnTo>
+                  <a:pt x="73903" y="369887"/>
+                </a:lnTo>
+                <a:lnTo>
+                  <a:pt x="92379" y="334962"/>
+                </a:lnTo>
+                <a:lnTo>
+                  <a:pt x="112534" y="296862"/>
+                </a:lnTo>
+                <a:lnTo>
+                  <a:pt x="132689" y="260350"/>
+                </a:lnTo>
+                <a:lnTo>
+                  <a:pt x="149485" y="217487"/>
+                </a:lnTo>
+                <a:lnTo>
+                  <a:pt x="166281" y="174625"/>
+                </a:lnTo>
+                <a:lnTo>
+                  <a:pt x="176358" y="122237"/>
+                </a:lnTo>
+                <a:lnTo>
+                  <a:pt x="184756" y="66675"/>
+                </a:lnTo>
+                <a:close/>
+              </a:path>
+            </a:pathLst>
+          </a:custGeom>
+          <a:solidFill>
+            <a:srgbClr val="FFFFFF"/>
+          </a:solidFill>
+          <a:ln>
+            <a:noFill/>
+          </a:ln>
+        </p:spPr>
+        <p:style>
+          <a:lnRef idx="2">
+            <a:schemeClr val="accent1">
+              <a:shade val="50000"/>
+            </a:schemeClr>
+          </a:lnRef>
+          <a:fillRef idx="1">
+            <a:schemeClr val="accent1"/>
+          </a:fillRef>
+          <a:effectRef idx="0">
+            <a:schemeClr val="accent1"/>
+          </a:effectRef>
+          <a:fontRef idx="minor">
+            <a:schemeClr val="lt1"/>
+          </a:fontRef>
+        </p:style>
         <p:txBody>
-          <a:bodyPr/>
+          <a:bodyPr wrap="square" rtlCol="0" anchor="ctr">
+            <a:noAutofit/>
+          </a:bodyPr>
           <a:lstStyle/>
           <a:p>
+            <a:pPr algn="ctr" rtl="0"/>
+            <a:endParaRPr lang="hu-HU" dirty="0"/>
+          </a:p>
+        </p:txBody>
+      </p:sp>
+      <p:pic>
+        <p:nvPicPr>
+          <p:cNvPr id="9" name="Kép 8">
+            <a:extLst>
+              <a:ext uri="{FF2B5EF4-FFF2-40B4-BE49-F238E27FC236}">
+                <a16:creationId xmlns:a16="http://schemas.microsoft.com/office/drawing/2014/main" id="{D7016F7E-0C41-4169-B2E4-5937011783EB}"/>
+              </a:ext>
+            </a:extLst>
+          </p:cNvPr>
+          <p:cNvPicPr>
+            <a:picLocks noChangeAspect="1"/>
+          </p:cNvPicPr>
+          <p:nvPr/>
+        </p:nvPicPr>
+        <p:blipFill rotWithShape="1">
+          <a:blip r:embed="rId3"/>
+          <a:srcRect l="-159" r="159"/>
+          <a:stretch/>
+        </p:blipFill>
+        <p:spPr>
+          <a:xfrm>
+            <a:off x="6766174" y="0"/>
+            <a:ext cx="5305441" cy="6858000"/>
+          </a:xfrm>
+          <a:prstGeom prst="rect">
+            <a:avLst/>
+          </a:prstGeom>
+        </p:spPr>
+      </p:pic>
+      <p:sp>
+        <p:nvSpPr>
+          <p:cNvPr id="14" name="Folyamatábra: Lyukszalag 13">
+            <a:extLst>
+              <a:ext uri="{FF2B5EF4-FFF2-40B4-BE49-F238E27FC236}">
+                <a16:creationId xmlns:a16="http://schemas.microsoft.com/office/drawing/2014/main" id="{7C5185A9-C8A6-4805-919B-FED938BA1462}"/>
+              </a:ext>
+            </a:extLst>
+          </p:cNvPr>
+          <p:cNvSpPr/>
+          <p:nvPr/>
+        </p:nvSpPr>
+        <p:spPr>
+          <a:xfrm rot="16200000">
+            <a:off x="5748336" y="2796378"/>
+            <a:ext cx="695325" cy="395025"/>
+          </a:xfrm>
+          <a:prstGeom prst="flowChartPunchedTape">
+            <a:avLst/>
+          </a:prstGeom>
+          <a:ln>
+            <a:noFill/>
+          </a:ln>
+        </p:spPr>
+        <p:style>
+          <a:lnRef idx="2">
+            <a:schemeClr val="accent1">
+              <a:shade val="50000"/>
+            </a:schemeClr>
+          </a:lnRef>
+          <a:fillRef idx="1">
+            <a:schemeClr val="accent1"/>
+          </a:fillRef>
+          <a:effectRef idx="0">
+            <a:schemeClr val="accent1"/>
+          </a:effectRef>
+          <a:fontRef idx="minor">
+            <a:schemeClr val="lt1"/>
+          </a:fontRef>
+        </p:style>
+        <p:txBody>
+          <a:bodyPr rtlCol="0" anchor="ctr"/>
+          <a:lstStyle/>
+          <a:p>
+            <a:pPr algn="ctr"/>
             <a:endParaRPr lang="hu-HU"/>
+          </a:p>
+        </p:txBody>
+      </p:sp>
+      <p:pic>
+        <p:nvPicPr>
+          <p:cNvPr id="5" name="Kép 4">
+            <a:extLst>
+              <a:ext uri="{FF2B5EF4-FFF2-40B4-BE49-F238E27FC236}">
+                <a16:creationId xmlns:a16="http://schemas.microsoft.com/office/drawing/2014/main" id="{5854D014-8045-4EE3-97E2-6F94E17E243C}"/>
+              </a:ext>
+            </a:extLst>
+          </p:cNvPr>
+          <p:cNvPicPr>
+            <a:picLocks noChangeAspect="1"/>
+          </p:cNvPicPr>
+          <p:nvPr/>
+        </p:nvPicPr>
+        <p:blipFill rotWithShape="1">
+          <a:blip r:embed="rId4"/>
+          <a:srcRect l="22722" t="15714" r="23090" b="35110"/>
+          <a:stretch/>
+        </p:blipFill>
+        <p:spPr>
+          <a:xfrm>
+            <a:off x="7971861" y="2495623"/>
+            <a:ext cx="2829489" cy="1691859"/>
+          </a:xfrm>
+          <a:prstGeom prst="rect">
+            <a:avLst/>
+          </a:prstGeom>
+        </p:spPr>
+      </p:pic>
+      <p:sp>
+        <p:nvSpPr>
+          <p:cNvPr id="4" name="Kivonás jele 3">
+            <a:extLst>
+              <a:ext uri="{FF2B5EF4-FFF2-40B4-BE49-F238E27FC236}">
+                <a16:creationId xmlns:a16="http://schemas.microsoft.com/office/drawing/2014/main" id="{633E43B4-4187-4BB5-AB4B-041DDB108B5D}"/>
+              </a:ext>
+            </a:extLst>
+          </p:cNvPr>
+          <p:cNvSpPr/>
+          <p:nvPr/>
+        </p:nvSpPr>
+        <p:spPr>
+          <a:xfrm>
+            <a:off x="6892768" y="-4156452"/>
+            <a:ext cx="476250" cy="10843001"/>
+          </a:xfrm>
+          <a:prstGeom prst="mathMinus">
+            <a:avLst/>
+          </a:prstGeom>
+          <a:ln>
+            <a:noFill/>
+          </a:ln>
+        </p:spPr>
+        <p:style>
+          <a:lnRef idx="2">
+            <a:schemeClr val="accent1">
+              <a:shade val="50000"/>
+            </a:schemeClr>
+          </a:lnRef>
+          <a:fillRef idx="1">
+            <a:schemeClr val="accent1"/>
+          </a:fillRef>
+          <a:effectRef idx="0">
+            <a:schemeClr val="accent1"/>
+          </a:effectRef>
+          <a:fontRef idx="minor">
+            <a:schemeClr val="lt1"/>
+          </a:fontRef>
+        </p:style>
+        <p:txBody>
+          <a:bodyPr rtlCol="0" anchor="ctr"/>
+          <a:lstStyle/>
+          <a:p>
+            <a:pPr algn="ctr"/>
+            <a:endParaRPr lang="hu-HU" dirty="0"/>
+          </a:p>
+        </p:txBody>
+      </p:sp>
+      <p:sp>
+        <p:nvSpPr>
+          <p:cNvPr id="20" name="Kivonás jele 19">
+            <a:extLst>
+              <a:ext uri="{FF2B5EF4-FFF2-40B4-BE49-F238E27FC236}">
+                <a16:creationId xmlns:a16="http://schemas.microsoft.com/office/drawing/2014/main" id="{2E946FCF-01D9-45E7-B97D-D5DEF42DAC72}"/>
+              </a:ext>
+            </a:extLst>
+          </p:cNvPr>
+          <p:cNvSpPr/>
+          <p:nvPr/>
+        </p:nvSpPr>
+        <p:spPr>
+          <a:xfrm>
+            <a:off x="6892768" y="-1632327"/>
+            <a:ext cx="476250" cy="10843001"/>
+          </a:xfrm>
+          <a:prstGeom prst="mathMinus">
+            <a:avLst/>
+          </a:prstGeom>
+          <a:ln>
+            <a:noFill/>
+          </a:ln>
+        </p:spPr>
+        <p:style>
+          <a:lnRef idx="2">
+            <a:schemeClr val="accent1">
+              <a:shade val="50000"/>
+            </a:schemeClr>
+          </a:lnRef>
+          <a:fillRef idx="1">
+            <a:schemeClr val="accent1"/>
+          </a:fillRef>
+          <a:effectRef idx="0">
+            <a:schemeClr val="accent1"/>
+          </a:effectRef>
+          <a:fontRef idx="minor">
+            <a:schemeClr val="lt1"/>
+          </a:fontRef>
+        </p:style>
+        <p:txBody>
+          <a:bodyPr rtlCol="0" anchor="ctr"/>
+          <a:lstStyle/>
+          <a:p>
+            <a:pPr algn="ctr"/>
+            <a:endParaRPr lang="hu-HU" dirty="0"/>
+          </a:p>
+        </p:txBody>
+      </p:sp>
+      <p:sp>
+        <p:nvSpPr>
+          <p:cNvPr id="21" name="Kivonás jele 20">
+            <a:extLst>
+              <a:ext uri="{FF2B5EF4-FFF2-40B4-BE49-F238E27FC236}">
+                <a16:creationId xmlns:a16="http://schemas.microsoft.com/office/drawing/2014/main" id="{A30F4E0D-2BC0-4A3D-953A-13099B9EA3B4}"/>
+              </a:ext>
+            </a:extLst>
+          </p:cNvPr>
+          <p:cNvSpPr/>
+          <p:nvPr/>
+        </p:nvSpPr>
+        <p:spPr>
+          <a:xfrm>
+            <a:off x="6892768" y="171451"/>
+            <a:ext cx="476250" cy="10843001"/>
+          </a:xfrm>
+          <a:prstGeom prst="mathMinus">
+            <a:avLst/>
+          </a:prstGeom>
+          <a:ln>
+            <a:noFill/>
+          </a:ln>
+        </p:spPr>
+        <p:style>
+          <a:lnRef idx="2">
+            <a:schemeClr val="accent1">
+              <a:shade val="50000"/>
+            </a:schemeClr>
+          </a:lnRef>
+          <a:fillRef idx="1">
+            <a:schemeClr val="accent1"/>
+          </a:fillRef>
+          <a:effectRef idx="0">
+            <a:schemeClr val="accent1"/>
+          </a:effectRef>
+          <a:fontRef idx="minor">
+            <a:schemeClr val="lt1"/>
+          </a:fontRef>
+        </p:style>
+        <p:txBody>
+          <a:bodyPr rtlCol="0" anchor="ctr"/>
+          <a:lstStyle/>
+          <a:p>
+            <a:pPr algn="ctr"/>
+            <a:endParaRPr lang="hu-HU" dirty="0"/>
+          </a:p>
+        </p:txBody>
+      </p:sp>
+      <p:sp>
+        <p:nvSpPr>
+          <p:cNvPr id="6" name="Téglalap 5">
+            <a:extLst>
+              <a:ext uri="{FF2B5EF4-FFF2-40B4-BE49-F238E27FC236}">
+                <a16:creationId xmlns:a16="http://schemas.microsoft.com/office/drawing/2014/main" id="{327146B0-17CC-4684-94A1-F964AE6B01D3}"/>
+              </a:ext>
+            </a:extLst>
+          </p:cNvPr>
+          <p:cNvSpPr/>
+          <p:nvPr/>
+        </p:nvSpPr>
+        <p:spPr>
+          <a:xfrm>
+            <a:off x="699533" y="758053"/>
+            <a:ext cx="5535535" cy="1754326"/>
+          </a:xfrm>
+          <a:prstGeom prst="rect">
+            <a:avLst/>
+          </a:prstGeom>
+          <a:noFill/>
+        </p:spPr>
+        <p:txBody>
+          <a:bodyPr wrap="square" lIns="91440" tIns="45720" rIns="91440" bIns="45720">
+            <a:spAutoFit/>
+          </a:bodyPr>
+          <a:lstStyle/>
+          <a:p>
+            <a:pPr algn="ctr"/>
+            <a:r>
+              <a:rPr lang="hu-HU" dirty="0"/>
+              <a:t>Bakos Henriett, </a:t>
+            </a:r>
+            <a:r>
+              <a:rPr lang="hu-HU" dirty="0" err="1"/>
+              <a:t>Gyura</a:t>
+            </a:r>
+            <a:r>
+              <a:rPr lang="hu-HU" dirty="0"/>
+              <a:t> Gabriella, Nagy Laura</a:t>
+            </a:r>
+          </a:p>
+          <a:p>
+            <a:pPr algn="ctr"/>
+            <a:endParaRPr lang="hu-HU" dirty="0"/>
+          </a:p>
+          <a:p>
+            <a:endParaRPr lang="hu-HU" dirty="0"/>
+          </a:p>
+          <a:p>
+            <a:pPr algn="ctr"/>
+            <a:endParaRPr lang="hu-HU" sz="5400" b="1" cap="none" spc="0" dirty="0">
+              <a:ln/>
+              <a:pattFill prst="dkUpDiag">
+                <a:fgClr>
+                  <a:schemeClr val="bg1">
+                    <a:lumMod val="50000"/>
+                  </a:schemeClr>
+                </a:fgClr>
+                <a:bgClr>
+                  <a:schemeClr val="tx1">
+                    <a:lumMod val="75000"/>
+                    <a:lumOff val="25000"/>
+                  </a:schemeClr>
+                </a:bgClr>
+              </a:pattFill>
+              <a:effectLst>
+                <a:outerShdw blurRad="38100" dist="19050" dir="2700000" algn="tl" rotWithShape="0">
+                  <a:schemeClr val="dk1">
+                    <a:lumMod val="50000"/>
+                    <a:alpha val="40000"/>
+                  </a:schemeClr>
+                </a:outerShdw>
+              </a:effectLst>
+            </a:endParaRPr>
           </a:p>
         </p:txBody>
       </p:sp>
     </p:spTree>
     <p:extLst>
       <p:ext uri="{BB962C8B-B14F-4D97-AF65-F5344CB8AC3E}">
-        <p14:creationId xmlns:p14="http://schemas.microsoft.com/office/powerpoint/2010/main" val="1977090695"/>
+        <p14:creationId xmlns:p14="http://schemas.microsoft.com/office/powerpoint/2010/main" val="814053328"/>
       </p:ext>
     </p:extLst>
   </p:cSld>
   <p:clrMapOvr>
     <a:masterClrMapping/>
   </p:clrMapOvr>
+  <p:transition spd="slow">
+    <p:cover/>
+  </p:transition>
 </p:sld>
 </file>
 
@@ -14460,17 +17886,8 @@
               <a:rPr lang="hu-HU" sz="2800" dirty="0">
                 <a:latin typeface="Bodoni MT Condensed" panose="02070606080606020203" pitchFamily="18" charset="0"/>
               </a:rPr>
-              <a:t>The </a:t>
+              <a:t>A Probléma</a:t>
             </a:r>
-            <a:r>
-              <a:rPr lang="hu-HU" sz="2800" dirty="0" err="1">
-                <a:latin typeface="Bodoni MT Condensed" panose="02070606080606020203" pitchFamily="18" charset="0"/>
-              </a:rPr>
-              <a:t>probelem</a:t>
-            </a:r>
-            <a:endParaRPr lang="hu-HU" sz="2800" dirty="0">
-              <a:latin typeface="Bodoni MT Condensed" panose="02070606080606020203" pitchFamily="18" charset="0"/>
-            </a:endParaRPr>
           </a:p>
         </p:txBody>
       </p:sp>
@@ -14501,99 +17918,21 @@
           <a:lstStyle/>
           <a:p>
             <a:r>
-              <a:rPr lang="hu-HU" dirty="0" err="1"/>
-              <a:t>Only</a:t>
+              <a:rPr lang="hu-HU" dirty="0"/>
+              <a:t>Kizárólag hívás alapú foglalás</a:t>
             </a:r>
+          </a:p>
+          <a:p>
             <a:r>
               <a:rPr lang="hu-HU" dirty="0"/>
-              <a:t> </a:t>
+              <a:t>Vegyes, vagy gyenge minőségű autók</a:t>
             </a:r>
-            <a:r>
-              <a:rPr lang="hu-HU" dirty="0" err="1"/>
-              <a:t>call</a:t>
-            </a:r>
+          </a:p>
+          <a:p>
             <a:r>
               <a:rPr lang="hu-HU" dirty="0"/>
-              <a:t> </a:t>
+              <a:t>Bérlési információk oldalának hiánya</a:t>
             </a:r>
-            <a:r>
-              <a:rPr lang="hu-HU" dirty="0" err="1"/>
-              <a:t>based</a:t>
-            </a:r>
-            <a:r>
-              <a:rPr lang="hu-HU" dirty="0"/>
-              <a:t> </a:t>
-            </a:r>
-            <a:r>
-              <a:rPr lang="hu-HU" dirty="0" err="1"/>
-              <a:t>reservations</a:t>
-            </a:r>
-            <a:endParaRPr lang="hu-HU" dirty="0"/>
-          </a:p>
-          <a:p>
-            <a:r>
-              <a:rPr lang="hu-HU" dirty="0"/>
-              <a:t>The </a:t>
-            </a:r>
-            <a:r>
-              <a:rPr lang="hu-HU" dirty="0" err="1"/>
-              <a:t>quality</a:t>
-            </a:r>
-            <a:r>
-              <a:rPr lang="hu-HU" dirty="0"/>
-              <a:t> of </a:t>
-            </a:r>
-            <a:r>
-              <a:rPr lang="hu-HU" dirty="0" err="1"/>
-              <a:t>the</a:t>
-            </a:r>
-            <a:r>
-              <a:rPr lang="hu-HU" dirty="0"/>
-              <a:t> </a:t>
-            </a:r>
-            <a:r>
-              <a:rPr lang="hu-HU" dirty="0" err="1"/>
-              <a:t>cars</a:t>
-            </a:r>
-            <a:endParaRPr lang="hu-HU" dirty="0"/>
-          </a:p>
-          <a:p>
-            <a:r>
-              <a:rPr lang="hu-HU" dirty="0"/>
-              <a:t>No platform </a:t>
-            </a:r>
-            <a:r>
-              <a:rPr lang="hu-HU" dirty="0" err="1"/>
-              <a:t>for</a:t>
-            </a:r>
-            <a:r>
-              <a:rPr lang="hu-HU" dirty="0"/>
-              <a:t> </a:t>
-            </a:r>
-            <a:r>
-              <a:rPr lang="hu-HU" dirty="0" err="1"/>
-              <a:t>the</a:t>
-            </a:r>
-            <a:r>
-              <a:rPr lang="hu-HU" dirty="0"/>
-              <a:t> </a:t>
-            </a:r>
-            <a:r>
-              <a:rPr lang="hu-HU" dirty="0" err="1"/>
-              <a:t>renting</a:t>
-            </a:r>
-            <a:r>
-              <a:rPr lang="hu-HU" dirty="0"/>
-              <a:t> </a:t>
-            </a:r>
-            <a:r>
-              <a:rPr lang="hu-HU" dirty="0" err="1"/>
-              <a:t>informations</a:t>
-            </a:r>
-            <a:endParaRPr lang="hu-HU" dirty="0"/>
-          </a:p>
-          <a:p>
-            <a:endParaRPr lang="hu-HU" dirty="0"/>
           </a:p>
         </p:txBody>
       </p:sp>
@@ -14627,17 +17966,8 @@
               <a:rPr lang="hu-HU" sz="2800" dirty="0">
                 <a:latin typeface="Bodoni MT Condensed" panose="02070606080606020203" pitchFamily="18" charset="0"/>
               </a:rPr>
-              <a:t>The </a:t>
+              <a:t>A megoldás</a:t>
             </a:r>
-            <a:r>
-              <a:rPr lang="hu-HU" sz="2800" dirty="0" err="1">
-                <a:latin typeface="Bodoni MT Condensed" panose="02070606080606020203" pitchFamily="18" charset="0"/>
-              </a:rPr>
-              <a:t>solution</a:t>
-            </a:r>
-            <a:endParaRPr lang="hu-HU" sz="2800" dirty="0">
-              <a:latin typeface="Bodoni MT Condensed" panose="02070606080606020203" pitchFamily="18" charset="0"/>
-            </a:endParaRPr>
           </a:p>
         </p:txBody>
       </p:sp>
@@ -14675,104 +18005,41 @@
           </a:p>
           <a:p>
             <a:r>
+              <a:rPr lang="hu-HU" dirty="0"/>
+              <a:t>Elérhető bármikor, bárkinek, bárhol és bármilyen eszközön</a:t>
+            </a:r>
+          </a:p>
+          <a:p>
+            <a:r>
+              <a:rPr lang="hu-HU" dirty="0"/>
+              <a:t>Könnyű kommunikációs platformok</a:t>
+            </a:r>
+          </a:p>
+          <a:p>
+            <a:r>
+              <a:rPr lang="hu-HU" dirty="0"/>
+              <a:t>Információs oldalak</a:t>
+            </a:r>
+          </a:p>
+          <a:p>
+            <a:r>
+              <a:rPr lang="en-US" dirty="0"/>
+              <a:t>Intu</a:t>
+            </a:r>
+            <a:r>
               <a:rPr lang="hu-HU" dirty="0" err="1"/>
-              <a:t>Available</a:t>
+              <a:t>itív</a:t>
             </a:r>
             <a:r>
               <a:rPr lang="hu-HU" dirty="0"/>
-              <a:t> </a:t>
+              <a:t>, könnyű felhasználás </a:t>
             </a:r>
-            <a:r>
-              <a:rPr lang="hu-HU" dirty="0" err="1"/>
-              <a:t>for</a:t>
-            </a:r>
+          </a:p>
+          <a:p>
             <a:r>
               <a:rPr lang="hu-HU" dirty="0"/>
-              <a:t> </a:t>
+              <a:t>Felhasználóbarát</a:t>
             </a:r>
-            <a:r>
-              <a:rPr lang="hu-HU" dirty="0" err="1"/>
-              <a:t>anyone</a:t>
-            </a:r>
-            <a:r>
-              <a:rPr lang="hu-HU" dirty="0"/>
-              <a:t> </a:t>
-            </a:r>
-            <a:r>
-              <a:rPr lang="hu-HU" dirty="0" err="1"/>
-              <a:t>anywhere</a:t>
-            </a:r>
-            <a:r>
-              <a:rPr lang="hu-HU" dirty="0"/>
-              <a:t> and </a:t>
-            </a:r>
-            <a:r>
-              <a:rPr lang="hu-HU" dirty="0" err="1"/>
-              <a:t>anytime</a:t>
-            </a:r>
-            <a:endParaRPr lang="hu-HU" dirty="0"/>
-          </a:p>
-          <a:p>
-            <a:r>
-              <a:rPr lang="hu-HU" dirty="0" err="1"/>
-              <a:t>Easy</a:t>
-            </a:r>
-            <a:r>
-              <a:rPr lang="hu-HU" dirty="0"/>
-              <a:t> </a:t>
-            </a:r>
-            <a:r>
-              <a:rPr lang="hu-HU" dirty="0" err="1"/>
-              <a:t>communicaton</a:t>
-            </a:r>
-            <a:r>
-              <a:rPr lang="hu-HU" dirty="0"/>
-              <a:t> over </a:t>
-            </a:r>
-            <a:r>
-              <a:rPr lang="hu-HU" dirty="0" err="1"/>
-              <a:t>the</a:t>
-            </a:r>
-            <a:r>
-              <a:rPr lang="hu-HU" dirty="0"/>
-              <a:t> platform</a:t>
-            </a:r>
-          </a:p>
-          <a:p>
-            <a:r>
-              <a:rPr lang="hu-HU" dirty="0" err="1"/>
-              <a:t>Information</a:t>
-            </a:r>
-            <a:r>
-              <a:rPr lang="hu-HU" dirty="0"/>
-              <a:t> </a:t>
-            </a:r>
-            <a:r>
-              <a:rPr lang="hu-HU" dirty="0" err="1"/>
-              <a:t>pages</a:t>
-            </a:r>
-            <a:r>
-              <a:rPr lang="hu-HU" dirty="0"/>
-              <a:t> </a:t>
-            </a:r>
-          </a:p>
-          <a:p>
-            <a:r>
-              <a:rPr lang="en-US" dirty="0"/>
-              <a:t>Intuitive and easy to use</a:t>
-            </a:r>
-            <a:r>
-              <a:rPr lang="hu-HU" dirty="0"/>
-              <a:t> and </a:t>
-            </a:r>
-            <a:r>
-              <a:rPr lang="hu-HU" dirty="0" err="1"/>
-              <a:t>user-friendly</a:t>
-            </a:r>
-            <a:endParaRPr lang="hu-HU" dirty="0"/>
-          </a:p>
-          <a:p>
-            <a:endParaRPr lang="hu-HU" dirty="0"/>
           </a:p>
         </p:txBody>
       </p:sp>
@@ -14786,6 +18053,9 @@
   <p:clrMapOvr>
     <a:masterClrMapping/>
   </p:clrMapOvr>
+  <p:transition spd="med">
+    <p:pull/>
+  </p:transition>
 </p:sld>
 </file>
 
@@ -14873,28 +18143,10 @@
           <a:lstStyle/>
           <a:p>
             <a:r>
-              <a:rPr lang="hu-HU" sz="2800" dirty="0" err="1">
-                <a:latin typeface="Bodoni MT Condensed" panose="02070606080606020203" pitchFamily="18" charset="0"/>
-              </a:rPr>
-              <a:t>Functions</a:t>
-            </a:r>
-            <a:r>
               <a:rPr lang="hu-HU" sz="2800" dirty="0">
                 <a:latin typeface="Bodoni MT Condensed" panose="02070606080606020203" pitchFamily="18" charset="0"/>
               </a:rPr>
-              <a:t> of </a:t>
-            </a:r>
-            <a:r>
-              <a:rPr lang="hu-HU" sz="2800" dirty="0" err="1">
-                <a:latin typeface="Bodoni MT Condensed" panose="02070606080606020203" pitchFamily="18" charset="0"/>
-              </a:rPr>
-              <a:t>the</a:t>
-            </a:r>
-            <a:r>
-              <a:rPr lang="hu-HU" sz="2800" dirty="0">
-                <a:latin typeface="Bodoni MT Condensed" panose="02070606080606020203" pitchFamily="18" charset="0"/>
-              </a:rPr>
-              <a:t> program</a:t>
+              <a:t>AZ oldal funkciói</a:t>
             </a:r>
           </a:p>
         </p:txBody>
@@ -14926,88 +18178,39 @@
           <a:lstStyle/>
           <a:p>
             <a:r>
-              <a:rPr lang="hu-HU" dirty="0" err="1"/>
-              <a:t>Registraton</a:t>
+              <a:rPr lang="hu-HU" dirty="0"/>
+              <a:t>Regisztráció</a:t>
             </a:r>
-            <a:endParaRPr lang="hu-HU" dirty="0"/>
           </a:p>
           <a:p>
             <a:r>
               <a:rPr lang="hu-HU" dirty="0"/>
-              <a:t>Login</a:t>
+              <a:t>Bejelentkezés</a:t>
             </a:r>
           </a:p>
           <a:p>
-            <a:r>
-              <a:rPr lang="hu-HU" dirty="0" err="1"/>
-              <a:t>Profile</a:t>
-            </a:r>
             <a:r>
               <a:rPr lang="hu-HU" dirty="0"/>
-              <a:t> </a:t>
+              <a:t>Profil szerkesztése</a:t>
             </a:r>
-            <a:r>
-              <a:rPr lang="hu-HU" dirty="0" err="1"/>
-              <a:t>editing</a:t>
-            </a:r>
-            <a:endParaRPr lang="hu-HU" dirty="0"/>
-          </a:p>
-          <a:p>
-            <a:r>
-              <a:rPr lang="hu-HU" dirty="0" err="1"/>
-              <a:t>Search</a:t>
-            </a:r>
+          </a:p>
+          <a:p>
             <a:r>
               <a:rPr lang="hu-HU" dirty="0"/>
-              <a:t>, </a:t>
+              <a:t>Keresés, barangolás az oldalon</a:t>
             </a:r>
-            <a:r>
-              <a:rPr lang="hu-HU" dirty="0" err="1"/>
-              <a:t>browse</a:t>
-            </a:r>
-            <a:endParaRPr lang="hu-HU" dirty="0"/>
-          </a:p>
-          <a:p>
-            <a:r>
-              <a:rPr lang="hu-HU" dirty="0" err="1"/>
-              <a:t>Making</a:t>
-            </a:r>
+          </a:p>
+          <a:p>
             <a:r>
               <a:rPr lang="hu-HU" dirty="0"/>
-              <a:t> a </a:t>
+              <a:t>Foglalások leadása</a:t>
             </a:r>
-            <a:r>
-              <a:rPr lang="hu-HU" dirty="0" err="1"/>
-              <a:t>reservation</a:t>
-            </a:r>
-            <a:endParaRPr lang="hu-HU" dirty="0"/>
           </a:p>
           <a:p>
             <a:r>
               <a:rPr lang="hu-HU" dirty="0"/>
-              <a:t>Surfing </a:t>
+              <a:t>Keresés a már lezajlott és a közelgő, jelenleg zajló foglalások között</a:t>
             </a:r>
-            <a:r>
-              <a:rPr lang="hu-HU" dirty="0" err="1"/>
-              <a:t>through</a:t>
-            </a:r>
-            <a:r>
-              <a:rPr lang="hu-HU" dirty="0"/>
-              <a:t> </a:t>
-            </a:r>
-            <a:r>
-              <a:rPr lang="hu-HU" dirty="0" err="1"/>
-              <a:t>previous</a:t>
-            </a:r>
-            <a:r>
-              <a:rPr lang="hu-HU" dirty="0"/>
-              <a:t> </a:t>
-            </a:r>
-            <a:r>
-              <a:rPr lang="hu-HU" dirty="0" err="1"/>
-              <a:t>reservations</a:t>
-            </a:r>
-            <a:endParaRPr lang="hu-HU" dirty="0"/>
           </a:p>
         </p:txBody>
       </p:sp>
@@ -15021,6 +18224,9 @@
   <p:clrMapOvr>
     <a:masterClrMapping/>
   </p:clrMapOvr>
+  <p:transition spd="med">
+    <p:pull/>
+  </p:transition>
 </p:sld>
 </file>
 
@@ -15111,7 +18317,7 @@
               <a:rPr lang="hu-HU" sz="2800" dirty="0">
                 <a:latin typeface="Bodoni MT Condensed" panose="02070606080606020203" pitchFamily="18" charset="0"/>
               </a:rPr>
-              <a:t>The program</a:t>
+              <a:t>A program</a:t>
             </a:r>
           </a:p>
         </p:txBody>
@@ -15134,19 +18340,19 @@
         </p:nvSpPr>
         <p:spPr>
           <a:xfrm>
-            <a:off x="5104260" y="2234954"/>
+            <a:off x="5228548" y="2208321"/>
             <a:ext cx="4800600" cy="3317962"/>
           </a:xfrm>
         </p:spPr>
         <p:txBody>
           <a:bodyPr>
-            <a:normAutofit fontScale="92500" lnSpcReduction="20000"/>
+            <a:normAutofit fontScale="85000" lnSpcReduction="20000"/>
           </a:bodyPr>
           <a:lstStyle/>
           <a:p>
             <a:r>
               <a:rPr lang="hu-HU" dirty="0"/>
-              <a:t>Backend – PHP</a:t>
+              <a:t>Backend </a:t>
             </a:r>
           </a:p>
           <a:p>
@@ -15155,13 +18361,22 @@
             </a:pPr>
             <a:r>
               <a:rPr lang="hu-HU" dirty="0"/>
-              <a:t>Node.js</a:t>
+              <a:t>-</a:t>
             </a:r>
           </a:p>
           <a:p>
             <a:r>
               <a:rPr lang="hu-HU" dirty="0"/>
-              <a:t>Frontend - PHP</a:t>
+              <a:t>Frontend </a:t>
+            </a:r>
+          </a:p>
+          <a:p>
+            <a:pPr marL="0" indent="0">
+              <a:buNone/>
+            </a:pPr>
+            <a:r>
+              <a:rPr lang="hu-HU" dirty="0"/>
+              <a:t> PHP</a:t>
             </a:r>
           </a:p>
           <a:p>
@@ -15241,6 +18456,9 @@
   <p:clrMapOvr>
     <a:masterClrMapping/>
   </p:clrMapOvr>
+  <p:transition spd="med">
+    <p:pull/>
+  </p:transition>
 </p:sld>
 </file>
 
@@ -15379,6 +18597,9 @@
   <p:clrMapOvr>
     <a:masterClrMapping/>
   </p:clrMapOvr>
+  <p:transition spd="med">
+    <p:pull/>
+  </p:transition>
 </p:sld>
 </file>
 
@@ -15520,6 +18741,9 @@
   <p:clrMapOvr>
     <a:masterClrMapping/>
   </p:clrMapOvr>
+  <p:transition spd="med">
+    <p:pull/>
+  </p:transition>
 </p:sld>
 </file>
 
@@ -15661,6 +18885,9 @@
   <p:clrMapOvr>
     <a:masterClrMapping/>
   </p:clrMapOvr>
+  <p:transition spd="med">
+    <p:pull/>
+  </p:transition>
 </p:sld>
 </file>
 
@@ -15799,6 +19026,9 @@
   <p:clrMapOvr>
     <a:masterClrMapping/>
   </p:clrMapOvr>
+  <p:transition spd="med">
+    <p:pull/>
+  </p:transition>
 </p:sld>
 </file>
 
@@ -16619,20 +19849,20 @@
 </file>
 
 <file path=customXml/item1.xml><?xml version="1.0" encoding="utf-8"?>
-<p:properties xmlns:p="http://schemas.microsoft.com/office/2006/metadata/properties" xmlns:xsi="http://www.w3.org/2001/XMLSchema-instance" xmlns:pc="http://schemas.microsoft.com/office/infopath/2007/PartnerControls">
-  <documentManagement>
-    <MediaServiceKeyPoints xmlns="71af3243-3dd4-4a8d-8c0d-dd76da1f02a5" xsi:nil="true"/>
-  </documentManagement>
-</p:properties>
-</file>
-
-<file path=customXml/item2.xml><?xml version="1.0" encoding="utf-8"?>
 <?mso-contentType ?>
 <FormTemplates xmlns="http://schemas.microsoft.com/sharepoint/v3/contenttype/forms">
   <Display>DocumentLibraryForm</Display>
   <Edit>DocumentLibraryForm</Edit>
   <New>DocumentLibraryForm</New>
 </FormTemplates>
+</file>
+
+<file path=customXml/item2.xml><?xml version="1.0" encoding="utf-8"?>
+<p:properties xmlns:p="http://schemas.microsoft.com/office/2006/metadata/properties" xmlns:xsi="http://www.w3.org/2001/XMLSchema-instance" xmlns:pc="http://schemas.microsoft.com/office/infopath/2007/PartnerControls">
+  <documentManagement>
+    <MediaServiceKeyPoints xmlns="71af3243-3dd4-4a8d-8c0d-dd76da1f02a5" xsi:nil="true"/>
+  </documentManagement>
+</p:properties>
 </file>
 
 <file path=customXml/item3.xml><?xml version="1.0" encoding="utf-8"?>
@@ -16847,6 +20077,14 @@
 </file>
 
 <file path=customXml/itemProps1.xml><?xml version="1.0" encoding="utf-8"?>
+<ds:datastoreItem xmlns:ds="http://schemas.openxmlformats.org/officeDocument/2006/customXml" ds:itemID="{032C9D10-CA80-4BC9-9D59-B4B9486E9328}">
+  <ds:schemaRefs>
+    <ds:schemaRef ds:uri="http://schemas.microsoft.com/sharepoint/v3/contenttype/forms"/>
+  </ds:schemaRefs>
+</ds:datastoreItem>
+</file>
+
+<file path=customXml/itemProps2.xml><?xml version="1.0" encoding="utf-8"?>
 <ds:datastoreItem xmlns:ds="http://schemas.openxmlformats.org/officeDocument/2006/customXml" ds:itemID="{055D5C12-9048-448D-A69C-F00736C0732E}">
   <ds:schemaRefs>
     <ds:schemaRef ds:uri="http://purl.org/dc/elements/1.1/"/>
@@ -16859,14 +20097,6 @@
     <ds:schemaRef ds:uri="http://schemas.microsoft.com/office/infopath/2007/PartnerControls"/>
     <ds:schemaRef ds:uri="http://schemas.openxmlformats.org/package/2006/metadata/core-properties"/>
     <ds:schemaRef ds:uri="71af3243-3dd4-4a8d-8c0d-dd76da1f02a5"/>
-  </ds:schemaRefs>
-</ds:datastoreItem>
-</file>
-
-<file path=customXml/itemProps2.xml><?xml version="1.0" encoding="utf-8"?>
-<ds:datastoreItem xmlns:ds="http://schemas.openxmlformats.org/officeDocument/2006/customXml" ds:itemID="{032C9D10-CA80-4BC9-9D59-B4B9486E9328}">
-  <ds:schemaRefs>
-    <ds:schemaRef ds:uri="http://schemas.microsoft.com/sharepoint/v3/contenttype/forms"/>
   </ds:schemaRefs>
 </ds:datastoreItem>
 </file>

--- a/dokumentacio, ppt/DriveUs.pptx
+++ b/dokumentacio, ppt/DriveUs.pptx
@@ -5,33 +5,31 @@
     <p:sldMasterId id="2147483648" r:id="rId4"/>
   </p:sldMasterIdLst>
   <p:notesMasterIdLst>
-    <p:notesMasterId r:id="rId26"/>
+    <p:notesMasterId r:id="rId24"/>
   </p:notesMasterIdLst>
   <p:handoutMasterIdLst>
-    <p:handoutMasterId r:id="rId27"/>
+    <p:handoutMasterId r:id="rId25"/>
   </p:handoutMasterIdLst>
   <p:sldIdLst>
     <p:sldId id="267" r:id="rId5"/>
-    <p:sldId id="268" r:id="rId6"/>
-    <p:sldId id="269" r:id="rId7"/>
-    <p:sldId id="270" r:id="rId8"/>
-    <p:sldId id="271" r:id="rId9"/>
-    <p:sldId id="272" r:id="rId10"/>
-    <p:sldId id="278" r:id="rId11"/>
-    <p:sldId id="279" r:id="rId12"/>
-    <p:sldId id="273" r:id="rId13"/>
-    <p:sldId id="280" r:id="rId14"/>
-    <p:sldId id="274" r:id="rId15"/>
-    <p:sldId id="276" r:id="rId16"/>
-    <p:sldId id="275" r:id="rId17"/>
-    <p:sldId id="281" r:id="rId18"/>
-    <p:sldId id="282" r:id="rId19"/>
-    <p:sldId id="283" r:id="rId20"/>
-    <p:sldId id="284" r:id="rId21"/>
-    <p:sldId id="285" r:id="rId22"/>
-    <p:sldId id="286" r:id="rId23"/>
-    <p:sldId id="287" r:id="rId24"/>
-    <p:sldId id="288" r:id="rId25"/>
+    <p:sldId id="269" r:id="rId6"/>
+    <p:sldId id="270" r:id="rId7"/>
+    <p:sldId id="271" r:id="rId8"/>
+    <p:sldId id="272" r:id="rId9"/>
+    <p:sldId id="278" r:id="rId10"/>
+    <p:sldId id="279" r:id="rId11"/>
+    <p:sldId id="273" r:id="rId12"/>
+    <p:sldId id="280" r:id="rId13"/>
+    <p:sldId id="274" r:id="rId14"/>
+    <p:sldId id="276" r:id="rId15"/>
+    <p:sldId id="275" r:id="rId16"/>
+    <p:sldId id="281" r:id="rId17"/>
+    <p:sldId id="282" r:id="rId18"/>
+    <p:sldId id="283" r:id="rId19"/>
+    <p:sldId id="284" r:id="rId20"/>
+    <p:sldId id="285" r:id="rId21"/>
+    <p:sldId id="286" r:id="rId22"/>
+    <p:sldId id="287" r:id="rId23"/>
   </p:sldIdLst>
   <p:sldSz cx="12192000" cy="6858000"/>
   <p:notesSz cx="6858000" cy="9144000"/>
@@ -225,7 +223,7 @@
             <a:pPr rtl="0"/>
             <a:fld id="{681418C4-22FD-4352-8451-6B7EEE2AD120}" type="datetime1">
               <a:rPr lang="hu-HU" smtClean="0"/>
-              <a:t>2025. 04. 09.</a:t>
+              <a:t>2025. 04. 14.</a:t>
             </a:fld>
             <a:endParaRPr lang="hu-HU" dirty="0"/>
           </a:p>
@@ -394,7 +392,7 @@
             <a:fld id="{9679C38C-46A1-49BC-A836-83A1BCB4B54C}" type="datetime1">
               <a:rPr lang="hu-HU" smtClean="0"/>
               <a:pPr/>
-              <a:t>2025. 04. 09.</a:t>
+              <a:t>2025. 04. 14.</a:t>
             </a:fld>
             <a:endParaRPr lang="hu-HU" dirty="0"/>
           </a:p>
@@ -817,93 +815,7 @@
             <a:pPr rtl="0"/>
             <a:fld id="{62B46F2B-1084-40BA-9F0A-B1F6847335C5}" type="slidenum">
               <a:rPr lang="hu-HU" smtClean="0"/>
-              <a:t>2</a:t>
-            </a:fld>
-            <a:endParaRPr lang="hu-HU" dirty="0"/>
-          </a:p>
-        </p:txBody>
-      </p:sp>
-    </p:spTree>
-    <p:extLst>
-      <p:ext uri="{BB962C8B-B14F-4D97-AF65-F5344CB8AC3E}">
-        <p14:creationId xmlns:p14="http://schemas.microsoft.com/office/powerpoint/2010/main" val="3900596120"/>
-      </p:ext>
-    </p:extLst>
-  </p:cSld>
-  <p:clrMapOvr>
-    <a:masterClrMapping/>
-  </p:clrMapOvr>
-</p:notes>
-</file>
-
-<file path=ppt/notesSlides/notesSlide3.xml><?xml version="1.0" encoding="utf-8"?>
-<p:notes xmlns:a="http://schemas.openxmlformats.org/drawingml/2006/main" xmlns:r="http://schemas.openxmlformats.org/officeDocument/2006/relationships" xmlns:p="http://schemas.openxmlformats.org/presentationml/2006/main">
-  <p:cSld>
-    <p:spTree>
-      <p:nvGrpSpPr>
-        <p:cNvPr id="1" name=""/>
-        <p:cNvGrpSpPr/>
-        <p:nvPr/>
-      </p:nvGrpSpPr>
-      <p:grpSpPr>
-        <a:xfrm>
-          <a:off x="0" y="0"/>
-          <a:ext cx="0" cy="0"/>
-          <a:chOff x="0" y="0"/>
-          <a:chExt cx="0" cy="0"/>
-        </a:xfrm>
-      </p:grpSpPr>
-      <p:sp>
-        <p:nvSpPr>
-          <p:cNvPr id="2" name="Diakép helye 1"/>
-          <p:cNvSpPr>
-            <a:spLocks noGrp="1" noRot="1" noChangeAspect="1"/>
-          </p:cNvSpPr>
-          <p:nvPr>
-            <p:ph type="sldImg"/>
-          </p:nvPr>
-        </p:nvSpPr>
-        <p:spPr/>
-      </p:sp>
-      <p:sp>
-        <p:nvSpPr>
-          <p:cNvPr id="3" name="Jegyzetek helye 2"/>
-          <p:cNvSpPr>
-            <a:spLocks noGrp="1"/>
-          </p:cNvSpPr>
-          <p:nvPr>
-            <p:ph type="body" idx="1"/>
-          </p:nvPr>
-        </p:nvSpPr>
-        <p:spPr/>
-        <p:txBody>
-          <a:bodyPr rtlCol="0"/>
-          <a:lstStyle/>
-          <a:p>
-            <a:pPr rtl="0"/>
-            <a:endParaRPr lang="hu-HU" dirty="0"/>
-          </a:p>
-        </p:txBody>
-      </p:sp>
-      <p:sp>
-        <p:nvSpPr>
-          <p:cNvPr id="4" name="Dia számának helye 3"/>
-          <p:cNvSpPr>
-            <a:spLocks noGrp="1"/>
-          </p:cNvSpPr>
-          <p:nvPr>
-            <p:ph type="sldNum" sz="quarter" idx="10"/>
-          </p:nvPr>
-        </p:nvSpPr>
-        <p:spPr/>
-        <p:txBody>
-          <a:bodyPr rtlCol="0"/>
-          <a:lstStyle/>
-          <a:p>
-            <a:pPr rtl="0"/>
-            <a:fld id="{62B46F2B-1084-40BA-9F0A-B1F6847335C5}" type="slidenum">
-              <a:rPr lang="hu-HU" smtClean="0"/>
-              <a:t>20</a:t>
+              <a:t>19</a:t>
             </a:fld>
             <a:endParaRPr lang="hu-HU" dirty="0"/>
           </a:p>
@@ -913,92 +825,6 @@
     <p:extLst>
       <p:ext uri="{BB962C8B-B14F-4D97-AF65-F5344CB8AC3E}">
         <p14:creationId xmlns:p14="http://schemas.microsoft.com/office/powerpoint/2010/main" val="49521009"/>
-      </p:ext>
-    </p:extLst>
-  </p:cSld>
-  <p:clrMapOvr>
-    <a:masterClrMapping/>
-  </p:clrMapOvr>
-</p:notes>
-</file>
-
-<file path=ppt/notesSlides/notesSlide4.xml><?xml version="1.0" encoding="utf-8"?>
-<p:notes xmlns:a="http://schemas.openxmlformats.org/drawingml/2006/main" xmlns:r="http://schemas.openxmlformats.org/officeDocument/2006/relationships" xmlns:p="http://schemas.openxmlformats.org/presentationml/2006/main">
-  <p:cSld>
-    <p:spTree>
-      <p:nvGrpSpPr>
-        <p:cNvPr id="1" name=""/>
-        <p:cNvGrpSpPr/>
-        <p:nvPr/>
-      </p:nvGrpSpPr>
-      <p:grpSpPr>
-        <a:xfrm>
-          <a:off x="0" y="0"/>
-          <a:ext cx="0" cy="0"/>
-          <a:chOff x="0" y="0"/>
-          <a:chExt cx="0" cy="0"/>
-        </a:xfrm>
-      </p:grpSpPr>
-      <p:sp>
-        <p:nvSpPr>
-          <p:cNvPr id="2" name="Diakép helye 1"/>
-          <p:cNvSpPr>
-            <a:spLocks noGrp="1" noRot="1" noChangeAspect="1"/>
-          </p:cNvSpPr>
-          <p:nvPr>
-            <p:ph type="sldImg"/>
-          </p:nvPr>
-        </p:nvSpPr>
-        <p:spPr/>
-      </p:sp>
-      <p:sp>
-        <p:nvSpPr>
-          <p:cNvPr id="3" name="Jegyzetek helye 2"/>
-          <p:cNvSpPr>
-            <a:spLocks noGrp="1"/>
-          </p:cNvSpPr>
-          <p:nvPr>
-            <p:ph type="body" idx="1"/>
-          </p:nvPr>
-        </p:nvSpPr>
-        <p:spPr/>
-        <p:txBody>
-          <a:bodyPr rtlCol="0"/>
-          <a:lstStyle/>
-          <a:p>
-            <a:pPr rtl="0"/>
-            <a:endParaRPr lang="hu-HU" dirty="0"/>
-          </a:p>
-        </p:txBody>
-      </p:sp>
-      <p:sp>
-        <p:nvSpPr>
-          <p:cNvPr id="4" name="Dia számának helye 3"/>
-          <p:cNvSpPr>
-            <a:spLocks noGrp="1"/>
-          </p:cNvSpPr>
-          <p:nvPr>
-            <p:ph type="sldNum" sz="quarter" idx="10"/>
-          </p:nvPr>
-        </p:nvSpPr>
-        <p:spPr/>
-        <p:txBody>
-          <a:bodyPr rtlCol="0"/>
-          <a:lstStyle/>
-          <a:p>
-            <a:pPr rtl="0"/>
-            <a:fld id="{62B46F2B-1084-40BA-9F0A-B1F6847335C5}" type="slidenum">
-              <a:rPr lang="hu-HU" smtClean="0"/>
-              <a:t>21</a:t>
-            </a:fld>
-            <a:endParaRPr lang="hu-HU" dirty="0"/>
-          </a:p>
-        </p:txBody>
-      </p:sp>
-    </p:spTree>
-    <p:extLst>
-      <p:ext uri="{BB962C8B-B14F-4D97-AF65-F5344CB8AC3E}">
-        <p14:creationId xmlns:p14="http://schemas.microsoft.com/office/powerpoint/2010/main" val="2148273309"/>
       </p:ext>
     </p:extLst>
   </p:cSld>
@@ -2222,7 +2048,7 @@
             <a:pPr rtl="0"/>
             <a:fld id="{26B3AEB3-8840-4374-BE55-BA5D38482A5F}" type="datetime1">
               <a:rPr lang="hu-HU" noProof="0" smtClean="0"/>
-              <a:t>2025. 04. 09.</a:t>
+              <a:t>2025. 04. 14.</a:t>
             </a:fld>
             <a:endParaRPr lang="hu-HU" noProof="0" dirty="0"/>
           </a:p>
@@ -2460,7 +2286,7 @@
             <a:pPr rtl="0"/>
             <a:fld id="{2707B076-7D47-417E-A212-16720A39AA90}" type="datetime1">
               <a:rPr lang="hu-HU" noProof="0" smtClean="0"/>
-              <a:t>2025. 04. 09.</a:t>
+              <a:t>2025. 04. 14.</a:t>
             </a:fld>
             <a:endParaRPr lang="hu-HU" noProof="0" dirty="0"/>
           </a:p>
@@ -2639,7 +2465,7 @@
             <a:pPr rtl="0"/>
             <a:fld id="{985697C2-C046-40CE-A31F-19ECB12C351B}" type="datetime1">
               <a:rPr lang="hu-HU" noProof="0" smtClean="0"/>
-              <a:t>2025. 04. 09.</a:t>
+              <a:t>2025. 04. 14.</a:t>
             </a:fld>
             <a:endParaRPr lang="hu-HU" noProof="0" dirty="0"/>
           </a:p>
@@ -2808,7 +2634,7 @@
             <a:pPr rtl="0"/>
             <a:fld id="{ABBCB8F4-51B1-4DFA-8560-A375567797EC}" type="datetime1">
               <a:rPr lang="hu-HU" noProof="0" smtClean="0"/>
-              <a:t>2025. 04. 09.</a:t>
+              <a:t>2025. 04. 14.</a:t>
             </a:fld>
             <a:endParaRPr lang="hu-HU" noProof="0" dirty="0"/>
           </a:p>
@@ -3083,7 +2909,7 @@
             <a:pPr rtl="0"/>
             <a:fld id="{86EC440D-8A93-4033-A0F0-612FDCD702A2}" type="datetime1">
               <a:rPr lang="hu-HU" noProof="0" smtClean="0"/>
-              <a:t>2025. 04. 09.</a:t>
+              <a:t>2025. 04. 14.</a:t>
             </a:fld>
             <a:endParaRPr lang="hu-HU" noProof="0" dirty="0"/>
           </a:p>
@@ -4284,7 +4110,7 @@
             <a:pPr rtl="0"/>
             <a:fld id="{191B6BC6-FB12-4482-ACA7-06A24FCED2F6}" type="datetime1">
               <a:rPr lang="hu-HU" noProof="0" smtClean="0"/>
-              <a:t>2025. 04. 09.</a:t>
+              <a:t>2025. 04. 14.</a:t>
             </a:fld>
             <a:endParaRPr lang="hu-HU" noProof="0" dirty="0"/>
           </a:p>
@@ -4673,7 +4499,7 @@
             <a:pPr rtl="0"/>
             <a:fld id="{A905903E-2028-4856-AD81-3E94D03924A9}" type="datetime1">
               <a:rPr lang="hu-HU" noProof="0" smtClean="0"/>
-              <a:t>2025. 04. 09.</a:t>
+              <a:t>2025. 04. 14.</a:t>
             </a:fld>
             <a:endParaRPr lang="hu-HU" noProof="0" dirty="0"/>
           </a:p>
@@ -4795,7 +4621,7 @@
             <a:pPr rtl="0"/>
             <a:fld id="{B3E9701F-A3ED-4423-B1E8-3C4DBBD212D0}" type="datetime1">
               <a:rPr lang="hu-HU" noProof="0" smtClean="0"/>
-              <a:t>2025. 04. 09.</a:t>
+              <a:t>2025. 04. 14.</a:t>
             </a:fld>
             <a:endParaRPr lang="hu-HU" noProof="0" dirty="0"/>
           </a:p>
@@ -4888,7 +4714,7 @@
             <a:pPr rtl="0"/>
             <a:fld id="{4DDC0063-A2D4-4262-B24C-21A1809BBDEE}" type="datetime1">
               <a:rPr lang="hu-HU" noProof="0" smtClean="0"/>
-              <a:t>2025. 04. 09.</a:t>
+              <a:t>2025. 04. 14.</a:t>
             </a:fld>
             <a:endParaRPr lang="hu-HU" noProof="0" dirty="0"/>
           </a:p>
@@ -5650,7 +5476,7 @@
             <a:pPr rtl="0"/>
             <a:fld id="{C8F29687-3339-422A-AC2E-4FEB21647174}" type="datetime1">
               <a:rPr lang="hu-HU" noProof="0" smtClean="0"/>
-              <a:t>2025. 04. 09.</a:t>
+              <a:t>2025. 04. 14.</a:t>
             </a:fld>
             <a:endParaRPr lang="hu-HU" noProof="0" dirty="0"/>
           </a:p>
@@ -6490,7 +6316,7 @@
             <a:pPr rtl="0"/>
             <a:fld id="{652E0B18-67A6-4160-900D-A2BA740807C9}" type="datetime1">
               <a:rPr lang="hu-HU" noProof="0" smtClean="0"/>
-              <a:t>2025. 04. 09.</a:t>
+              <a:t>2025. 04. 14.</a:t>
             </a:fld>
             <a:endParaRPr lang="hu-HU" noProof="0" dirty="0"/>
           </a:p>
@@ -6714,7 +6540,7 @@
             <a:pPr rtl="0"/>
             <a:fld id="{8C86BE91-3060-4B4A-BA02-98FAA90B9ADE}" type="datetime1">
               <a:rPr lang="hu-HU" noProof="0" smtClean="0"/>
-              <a:t>2025. 04. 09.</a:t>
+              <a:t>2025. 04. 14.</a:t>
             </a:fld>
             <a:endParaRPr lang="hu-HU" noProof="0" dirty="0"/>
           </a:p>
@@ -7696,7 +7522,7 @@
 </file>
 
 <file path=ppt/slides/slide1.xml><?xml version="1.0" encoding="utf-8"?>
-<p:sld xmlns:a="http://schemas.openxmlformats.org/drawingml/2006/main" xmlns:r="http://schemas.openxmlformats.org/officeDocument/2006/relationships" xmlns:p="http://schemas.openxmlformats.org/presentationml/2006/main" show="0">
+<p:sld xmlns:a="http://schemas.openxmlformats.org/drawingml/2006/main" xmlns:r="http://schemas.openxmlformats.org/officeDocument/2006/relationships" xmlns:p="http://schemas.openxmlformats.org/presentationml/2006/main">
   <p:cSld>
     <p:bg>
       <p:bgPr>
@@ -9810,7 +9636,7 @@
         </p:nvSpPr>
         <p:spPr>
           <a:xfrm>
-            <a:off x="-3565973" y="1293504"/>
+            <a:off x="-3565973" y="1036115"/>
             <a:ext cx="14295645" cy="1384995"/>
           </a:xfrm>
           <a:prstGeom prst="rect">
@@ -9894,6 +9720,58 @@
           </a:p>
         </p:txBody>
       </p:sp>
+      <p:sp>
+        <p:nvSpPr>
+          <p:cNvPr id="11" name="Téglalap 10">
+            <a:extLst>
+              <a:ext uri="{FF2B5EF4-FFF2-40B4-BE49-F238E27FC236}">
+                <a16:creationId xmlns:a16="http://schemas.microsoft.com/office/drawing/2014/main" id="{F61F3BD1-68E8-4FA8-921D-0FF4D3BA16DC}"/>
+              </a:ext>
+            </a:extLst>
+          </p:cNvPr>
+          <p:cNvSpPr/>
+          <p:nvPr/>
+        </p:nvSpPr>
+        <p:spPr>
+          <a:xfrm>
+            <a:off x="427299" y="3528025"/>
+            <a:ext cx="6649994" cy="1200329"/>
+          </a:xfrm>
+          <a:prstGeom prst="rect">
+            <a:avLst/>
+          </a:prstGeom>
+          <a:noFill/>
+        </p:spPr>
+        <p:txBody>
+          <a:bodyPr wrap="square" lIns="91440" tIns="45720" rIns="91440" bIns="45720">
+            <a:spAutoFit/>
+          </a:bodyPr>
+          <a:lstStyle/>
+          <a:p>
+            <a:pPr algn="ctr"/>
+            <a:r>
+              <a:rPr lang="hu-HU" dirty="0"/>
+              <a:t>Autóbérlés egyszerűen</a:t>
+            </a:r>
+          </a:p>
+          <a:p>
+            <a:pPr algn="ctr"/>
+            <a:endParaRPr lang="hu-HU" sz="5400" b="0" cap="none" spc="0" dirty="0">
+              <a:ln w="0"/>
+              <a:solidFill>
+                <a:schemeClr val="tx1"/>
+              </a:solidFill>
+              <a:effectLst>
+                <a:outerShdw blurRad="38100" dist="19050" dir="2700000" algn="tl" rotWithShape="0">
+                  <a:schemeClr val="dk1">
+                    <a:alpha val="40000"/>
+                  </a:schemeClr>
+                </a:outerShdw>
+              </a:effectLst>
+            </a:endParaRPr>
+          </a:p>
+        </p:txBody>
+      </p:sp>
     </p:spTree>
     <p:extLst>
       <p:ext uri="{BB962C8B-B14F-4D97-AF65-F5344CB8AC3E}">
@@ -9908,147 +9786,6 @@
 </file>
 
 <file path=ppt/slides/slide10.xml><?xml version="1.0" encoding="utf-8"?>
-<p:sld xmlns:a="http://schemas.openxmlformats.org/drawingml/2006/main" xmlns:r="http://schemas.openxmlformats.org/officeDocument/2006/relationships" xmlns:p="http://schemas.openxmlformats.org/presentationml/2006/main">
-  <p:cSld>
-    <p:spTree>
-      <p:nvGrpSpPr>
-        <p:cNvPr id="1" name=""/>
-        <p:cNvGrpSpPr/>
-        <p:nvPr/>
-      </p:nvGrpSpPr>
-      <p:grpSpPr>
-        <a:xfrm>
-          <a:off x="0" y="0"/>
-          <a:ext cx="0" cy="0"/>
-          <a:chOff x="0" y="0"/>
-          <a:chExt cx="0" cy="0"/>
-        </a:xfrm>
-      </p:grpSpPr>
-      <p:sp>
-        <p:nvSpPr>
-          <p:cNvPr id="2" name="Cím 1">
-            <a:extLst>
-              <a:ext uri="{FF2B5EF4-FFF2-40B4-BE49-F238E27FC236}">
-                <a16:creationId xmlns:a16="http://schemas.microsoft.com/office/drawing/2014/main" id="{87933A0E-9625-4A4D-99E1-05AC1A667EA4}"/>
-              </a:ext>
-            </a:extLst>
-          </p:cNvPr>
-          <p:cNvSpPr>
-            <a:spLocks noGrp="1"/>
-          </p:cNvSpPr>
-          <p:nvPr>
-            <p:ph type="title"/>
-          </p:nvPr>
-        </p:nvSpPr>
-        <p:spPr>
-          <a:xfrm>
-            <a:off x="1009650" y="0"/>
-            <a:ext cx="10172700" cy="1493517"/>
-          </a:xfrm>
-        </p:spPr>
-        <p:txBody>
-          <a:bodyPr>
-            <a:normAutofit/>
-          </a:bodyPr>
-          <a:lstStyle/>
-          <a:p>
-            <a:r>
-              <a:rPr lang="hu-HU" sz="9600" dirty="0" err="1">
-                <a:latin typeface="Bodoni MT Condensed" panose="02070606080606020203" pitchFamily="18" charset="0"/>
-              </a:rPr>
-              <a:t>DRIVEus</a:t>
-            </a:r>
-            <a:endParaRPr lang="hu-HU" sz="9600" dirty="0">
-              <a:latin typeface="Bodoni MT Condensed" panose="02070606080606020203" pitchFamily="18" charset="0"/>
-            </a:endParaRPr>
-          </a:p>
-        </p:txBody>
-      </p:sp>
-      <p:sp>
-        <p:nvSpPr>
-          <p:cNvPr id="3" name="Szöveg helye 2">
-            <a:extLst>
-              <a:ext uri="{FF2B5EF4-FFF2-40B4-BE49-F238E27FC236}">
-                <a16:creationId xmlns:a16="http://schemas.microsoft.com/office/drawing/2014/main" id="{2A066B12-822F-4795-829B-C76A5792BC42}"/>
-              </a:ext>
-            </a:extLst>
-          </p:cNvPr>
-          <p:cNvSpPr>
-            <a:spLocks noGrp="1"/>
-          </p:cNvSpPr>
-          <p:nvPr>
-            <p:ph type="body" idx="1"/>
-          </p:nvPr>
-        </p:nvSpPr>
-        <p:spPr>
-          <a:xfrm>
-            <a:off x="5672091" y="385535"/>
-            <a:ext cx="4800600" cy="632529"/>
-          </a:xfrm>
-        </p:spPr>
-        <p:txBody>
-          <a:bodyPr/>
-          <a:lstStyle/>
-          <a:p>
-            <a:r>
-              <a:rPr lang="hu-HU" sz="2800" dirty="0">
-                <a:latin typeface="Bodoni MT Condensed" panose="02070606080606020203" pitchFamily="18" charset="0"/>
-              </a:rPr>
-              <a:t>Adatbázis</a:t>
-            </a:r>
-          </a:p>
-        </p:txBody>
-      </p:sp>
-      <p:sp>
-        <p:nvSpPr>
-          <p:cNvPr id="4" name="Tartalom helye 3">
-            <a:extLst>
-              <a:ext uri="{FF2B5EF4-FFF2-40B4-BE49-F238E27FC236}">
-                <a16:creationId xmlns:a16="http://schemas.microsoft.com/office/drawing/2014/main" id="{9EA5D02B-5ABA-4969-A302-4A2A9EAD84A0}"/>
-              </a:ext>
-            </a:extLst>
-          </p:cNvPr>
-          <p:cNvSpPr>
-            <a:spLocks noGrp="1"/>
-          </p:cNvSpPr>
-          <p:nvPr>
-            <p:ph sz="half" idx="2"/>
-          </p:nvPr>
-        </p:nvSpPr>
-        <p:spPr>
-          <a:xfrm>
-            <a:off x="3936492" y="3154503"/>
-            <a:ext cx="4800600" cy="3317962"/>
-          </a:xfrm>
-        </p:spPr>
-        <p:txBody>
-          <a:bodyPr/>
-          <a:lstStyle/>
-          <a:p>
-            <a:pPr marL="1828800" lvl="4" indent="0">
-              <a:buNone/>
-            </a:pPr>
-            <a:endParaRPr lang="hu-HU" dirty="0"/>
-          </a:p>
-        </p:txBody>
-      </p:sp>
-    </p:spTree>
-    <p:extLst>
-      <p:ext uri="{BB962C8B-B14F-4D97-AF65-F5344CB8AC3E}">
-        <p14:creationId xmlns:p14="http://schemas.microsoft.com/office/powerpoint/2010/main" val="2163119197"/>
-      </p:ext>
-    </p:extLst>
-  </p:cSld>
-  <p:clrMapOvr>
-    <a:masterClrMapping/>
-  </p:clrMapOvr>
-  <p:transition spd="med">
-    <p:pull/>
-  </p:transition>
-</p:sld>
-</file>
-
-<file path=ppt/slides/slide11.xml><?xml version="1.0" encoding="utf-8"?>
 <p:sld xmlns:a="http://schemas.openxmlformats.org/drawingml/2006/main" xmlns:r="http://schemas.openxmlformats.org/officeDocument/2006/relationships" xmlns:p="http://schemas.openxmlformats.org/presentationml/2006/main">
   <p:cSld>
     <p:spTree>
@@ -10188,7 +9925,7 @@
 </p:sld>
 </file>
 
-<file path=ppt/slides/slide12.xml><?xml version="1.0" encoding="utf-8"?>
+<file path=ppt/slides/slide11.xml><?xml version="1.0" encoding="utf-8"?>
 <p:sld xmlns:a="http://schemas.openxmlformats.org/drawingml/2006/main" xmlns:r="http://schemas.openxmlformats.org/officeDocument/2006/relationships" xmlns:p="http://schemas.openxmlformats.org/presentationml/2006/main">
   <p:cSld>
     <p:spTree>
@@ -10370,7 +10107,7 @@
 </p:sld>
 </file>
 
-<file path=ppt/slides/slide13.xml><?xml version="1.0" encoding="utf-8"?>
+<file path=ppt/slides/slide12.xml><?xml version="1.0" encoding="utf-8"?>
 <p:sld xmlns:a="http://schemas.openxmlformats.org/drawingml/2006/main" xmlns:r="http://schemas.openxmlformats.org/officeDocument/2006/relationships" xmlns:p="http://schemas.openxmlformats.org/presentationml/2006/main">
   <p:cSld>
     <p:spTree>
@@ -10445,7 +10182,7 @@
         </p:nvSpPr>
         <p:spPr>
           <a:xfrm>
-            <a:off x="4855346" y="315158"/>
+            <a:off x="4890857" y="275259"/>
             <a:ext cx="4800600" cy="632529"/>
           </a:xfrm>
         </p:spPr>
@@ -10541,8 +10278,8 @@
         </p:nvSpPr>
         <p:spPr>
           <a:xfrm>
-            <a:off x="6531884" y="462232"/>
-            <a:ext cx="6855641" cy="461665"/>
+            <a:off x="6505251" y="308256"/>
+            <a:ext cx="6855641" cy="646331"/>
           </a:xfrm>
           <a:prstGeom prst="rect">
             <a:avLst/>
@@ -10554,6 +10291,25 @@
             <a:spAutoFit/>
           </a:bodyPr>
           <a:lstStyle/>
+          <a:p>
+            <a:pPr marL="685800" indent="-685800" algn="ctr">
+              <a:buFont typeface="Arial" panose="020B0604020202020204" pitchFamily="34" charset="0"/>
+              <a:buChar char="•"/>
+            </a:pPr>
+            <a:r>
+              <a:rPr lang="hu-HU" sz="1200" dirty="0">
+                <a:ln w="0"/>
+                <a:effectLst>
+                  <a:outerShdw blurRad="38100" dist="19050" dir="2700000" algn="tl" rotWithShape="0">
+                    <a:schemeClr val="dk1">
+                      <a:alpha val="40000"/>
+                    </a:schemeClr>
+                  </a:outerShdw>
+                </a:effectLst>
+              </a:rPr>
+              <a:t>Tablet nézet</a:t>
+            </a:r>
+          </a:p>
           <a:p>
             <a:pPr marL="685800" indent="-685800" algn="ctr">
               <a:buFont typeface="Arial" panose="020B0604020202020204" pitchFamily="34" charset="0"/>
@@ -10611,6 +10367,290 @@
     <p:extLst>
       <p:ext uri="{BB962C8B-B14F-4D97-AF65-F5344CB8AC3E}">
         <p14:creationId xmlns:p14="http://schemas.microsoft.com/office/powerpoint/2010/main" val="3957017547"/>
+      </p:ext>
+    </p:extLst>
+  </p:cSld>
+  <p:clrMapOvr>
+    <a:masterClrMapping/>
+  </p:clrMapOvr>
+  <p:transition spd="med">
+    <p:pull/>
+  </p:transition>
+</p:sld>
+</file>
+
+<file path=ppt/slides/slide13.xml><?xml version="1.0" encoding="utf-8"?>
+<p:sld xmlns:a="http://schemas.openxmlformats.org/drawingml/2006/main" xmlns:r="http://schemas.openxmlformats.org/officeDocument/2006/relationships" xmlns:p="http://schemas.openxmlformats.org/presentationml/2006/main">
+  <p:cSld>
+    <p:spTree>
+      <p:nvGrpSpPr>
+        <p:cNvPr id="1" name=""/>
+        <p:cNvGrpSpPr/>
+        <p:nvPr/>
+      </p:nvGrpSpPr>
+      <p:grpSpPr>
+        <a:xfrm>
+          <a:off x="0" y="0"/>
+          <a:ext cx="0" cy="0"/>
+          <a:chOff x="0" y="0"/>
+          <a:chExt cx="0" cy="0"/>
+        </a:xfrm>
+      </p:grpSpPr>
+      <p:sp>
+        <p:nvSpPr>
+          <p:cNvPr id="2" name="Cím 1">
+            <a:extLst>
+              <a:ext uri="{FF2B5EF4-FFF2-40B4-BE49-F238E27FC236}">
+                <a16:creationId xmlns:a16="http://schemas.microsoft.com/office/drawing/2014/main" id="{87933A0E-9625-4A4D-99E1-05AC1A667EA4}"/>
+              </a:ext>
+            </a:extLst>
+          </p:cNvPr>
+          <p:cNvSpPr>
+            <a:spLocks noGrp="1"/>
+          </p:cNvSpPr>
+          <p:nvPr>
+            <p:ph type="title"/>
+          </p:nvPr>
+        </p:nvSpPr>
+        <p:spPr>
+          <a:xfrm>
+            <a:off x="1009650" y="66873"/>
+            <a:ext cx="10172700" cy="1493517"/>
+          </a:xfrm>
+        </p:spPr>
+        <p:txBody>
+          <a:bodyPr>
+            <a:normAutofit/>
+          </a:bodyPr>
+          <a:lstStyle/>
+          <a:p>
+            <a:r>
+              <a:rPr lang="hu-HU" sz="9600" dirty="0" err="1">
+                <a:latin typeface="Bodoni MT Condensed" panose="02070606080606020203" pitchFamily="18" charset="0"/>
+              </a:rPr>
+              <a:t>DRIVEus</a:t>
+            </a:r>
+            <a:endParaRPr lang="hu-HU" sz="9600" dirty="0">
+              <a:latin typeface="Bodoni MT Condensed" panose="02070606080606020203" pitchFamily="18" charset="0"/>
+            </a:endParaRPr>
+          </a:p>
+        </p:txBody>
+      </p:sp>
+      <p:sp>
+        <p:nvSpPr>
+          <p:cNvPr id="3" name="Szöveg helye 2">
+            <a:extLst>
+              <a:ext uri="{FF2B5EF4-FFF2-40B4-BE49-F238E27FC236}">
+                <a16:creationId xmlns:a16="http://schemas.microsoft.com/office/drawing/2014/main" id="{2A066B12-822F-4795-829B-C76A5792BC42}"/>
+              </a:ext>
+            </a:extLst>
+          </p:cNvPr>
+          <p:cNvSpPr>
+            <a:spLocks noGrp="1"/>
+          </p:cNvSpPr>
+          <p:nvPr>
+            <p:ph type="body" idx="1"/>
+          </p:nvPr>
+        </p:nvSpPr>
+        <p:spPr>
+          <a:xfrm>
+            <a:off x="1542471" y="2290790"/>
+            <a:ext cx="4800600" cy="632529"/>
+          </a:xfrm>
+        </p:spPr>
+        <p:txBody>
+          <a:bodyPr/>
+          <a:lstStyle/>
+          <a:p>
+            <a:r>
+              <a:rPr lang="hu-HU" sz="2800" dirty="0">
+                <a:latin typeface="Bodoni MT Condensed" panose="02070606080606020203" pitchFamily="18" charset="0"/>
+              </a:rPr>
+              <a:t>Frontend</a:t>
+            </a:r>
+          </a:p>
+        </p:txBody>
+      </p:sp>
+      <p:sp>
+        <p:nvSpPr>
+          <p:cNvPr id="4" name="Tartalom helye 3">
+            <a:extLst>
+              <a:ext uri="{FF2B5EF4-FFF2-40B4-BE49-F238E27FC236}">
+                <a16:creationId xmlns:a16="http://schemas.microsoft.com/office/drawing/2014/main" id="{9EA5D02B-5ABA-4969-A302-4A2A9EAD84A0}"/>
+              </a:ext>
+            </a:extLst>
+          </p:cNvPr>
+          <p:cNvSpPr>
+            <a:spLocks noGrp="1"/>
+          </p:cNvSpPr>
+          <p:nvPr>
+            <p:ph sz="half" idx="2"/>
+          </p:nvPr>
+        </p:nvSpPr>
+        <p:spPr>
+          <a:xfrm>
+            <a:off x="1295400" y="3467739"/>
+            <a:ext cx="4800600" cy="2996398"/>
+          </a:xfrm>
+        </p:spPr>
+        <p:txBody>
+          <a:bodyPr/>
+          <a:lstStyle/>
+          <a:p>
+            <a:r>
+              <a:rPr lang="hu-HU" dirty="0"/>
+              <a:t>Felhasználói tesztek</a:t>
+            </a:r>
+          </a:p>
+          <a:p>
+            <a:r>
+              <a:rPr lang="hu-HU" dirty="0"/>
+              <a:t>Programozói tesztek</a:t>
+            </a:r>
+          </a:p>
+        </p:txBody>
+      </p:sp>
+      <p:sp>
+        <p:nvSpPr>
+          <p:cNvPr id="5" name="Szöveg helye 4">
+            <a:extLst>
+              <a:ext uri="{FF2B5EF4-FFF2-40B4-BE49-F238E27FC236}">
+                <a16:creationId xmlns:a16="http://schemas.microsoft.com/office/drawing/2014/main" id="{F1DA47AF-91B2-4DE7-BC82-8611434C7D85}"/>
+              </a:ext>
+            </a:extLst>
+          </p:cNvPr>
+          <p:cNvSpPr>
+            <a:spLocks noGrp="1"/>
+          </p:cNvSpPr>
+          <p:nvPr>
+            <p:ph type="body" sz="quarter" idx="3"/>
+          </p:nvPr>
+        </p:nvSpPr>
+        <p:spPr>
+          <a:xfrm>
+            <a:off x="6661296" y="2290789"/>
+            <a:ext cx="4800600" cy="632529"/>
+          </a:xfrm>
+        </p:spPr>
+        <p:txBody>
+          <a:bodyPr/>
+          <a:lstStyle/>
+          <a:p>
+            <a:r>
+              <a:rPr lang="hu-HU" sz="2800" dirty="0">
+                <a:latin typeface="Bodoni MT Condensed" panose="02070606080606020203" pitchFamily="18" charset="0"/>
+              </a:rPr>
+              <a:t>backend</a:t>
+            </a:r>
+          </a:p>
+        </p:txBody>
+      </p:sp>
+      <p:sp>
+        <p:nvSpPr>
+          <p:cNvPr id="6" name="Tartalom helye 5">
+            <a:extLst>
+              <a:ext uri="{FF2B5EF4-FFF2-40B4-BE49-F238E27FC236}">
+                <a16:creationId xmlns:a16="http://schemas.microsoft.com/office/drawing/2014/main" id="{CF66838F-02F9-413B-B369-8985BC063E7A}"/>
+              </a:ext>
+            </a:extLst>
+          </p:cNvPr>
+          <p:cNvSpPr>
+            <a:spLocks noGrp="1"/>
+          </p:cNvSpPr>
+          <p:nvPr>
+            <p:ph sz="quarter" idx="4"/>
+          </p:nvPr>
+        </p:nvSpPr>
+        <p:spPr>
+          <a:xfrm>
+            <a:off x="6505848" y="3196517"/>
+            <a:ext cx="4800600" cy="2996398"/>
+          </a:xfrm>
+        </p:spPr>
+        <p:txBody>
+          <a:bodyPr/>
+          <a:lstStyle/>
+          <a:p>
+            <a:r>
+              <a:rPr lang="hu-HU" dirty="0"/>
+              <a:t>Felhasználói tesztek</a:t>
+            </a:r>
+          </a:p>
+          <a:p>
+            <a:r>
+              <a:rPr lang="hu-HU" dirty="0"/>
+              <a:t>Programozói tesztek</a:t>
+            </a:r>
+          </a:p>
+          <a:p>
+            <a:endParaRPr lang="hu-HU" dirty="0"/>
+          </a:p>
+        </p:txBody>
+      </p:sp>
+      <p:sp>
+        <p:nvSpPr>
+          <p:cNvPr id="7" name="Téglalap 6">
+            <a:extLst>
+              <a:ext uri="{FF2B5EF4-FFF2-40B4-BE49-F238E27FC236}">
+                <a16:creationId xmlns:a16="http://schemas.microsoft.com/office/drawing/2014/main" id="{CF5A5A71-4F75-44CA-997E-4BBCC057809A}"/>
+              </a:ext>
+            </a:extLst>
+          </p:cNvPr>
+          <p:cNvSpPr/>
+          <p:nvPr/>
+        </p:nvSpPr>
+        <p:spPr>
+          <a:xfrm>
+            <a:off x="5331789" y="540798"/>
+            <a:ext cx="1528421" cy="707886"/>
+          </a:xfrm>
+          <a:prstGeom prst="rect">
+            <a:avLst/>
+          </a:prstGeom>
+          <a:noFill/>
+        </p:spPr>
+        <p:txBody>
+          <a:bodyPr wrap="square" lIns="91440" tIns="45720" rIns="91440" bIns="45720">
+            <a:spAutoFit/>
+          </a:bodyPr>
+          <a:lstStyle/>
+          <a:p>
+            <a:pPr algn="ctr"/>
+            <a:r>
+              <a:rPr lang="hu-HU" sz="4000" dirty="0">
+                <a:ln w="0"/>
+                <a:effectLst>
+                  <a:outerShdw blurRad="38100" dist="19050" dir="2700000" algn="tl" rotWithShape="0">
+                    <a:schemeClr val="dk1">
+                      <a:alpha val="40000"/>
+                    </a:schemeClr>
+                  </a:outerShdw>
+                </a:effectLst>
+                <a:latin typeface="Bodoni MT Condensed" panose="02070606080606020203" pitchFamily="18" charset="0"/>
+              </a:rPr>
+              <a:t>TESZTEK</a:t>
+            </a:r>
+            <a:endParaRPr lang="hu-HU" sz="4000" b="0" cap="none" spc="0" dirty="0">
+              <a:ln w="0"/>
+              <a:solidFill>
+                <a:schemeClr val="tx1"/>
+              </a:solidFill>
+              <a:effectLst>
+                <a:outerShdw blurRad="38100" dist="19050" dir="2700000" algn="tl" rotWithShape="0">
+                  <a:schemeClr val="dk1">
+                    <a:alpha val="40000"/>
+                  </a:schemeClr>
+                </a:outerShdw>
+              </a:effectLst>
+              <a:latin typeface="Bodoni MT Condensed" panose="02070606080606020203" pitchFamily="18" charset="0"/>
+            </a:endParaRPr>
+          </a:p>
+        </p:txBody>
+      </p:sp>
+    </p:spTree>
+    <p:extLst>
+      <p:ext uri="{BB962C8B-B14F-4D97-AF65-F5344CB8AC3E}">
+        <p14:creationId xmlns:p14="http://schemas.microsoft.com/office/powerpoint/2010/main" val="3060760233"/>
       </p:ext>
     </p:extLst>
   </p:cSld>
@@ -10658,7 +10698,7 @@
         </p:nvSpPr>
         <p:spPr>
           <a:xfrm>
-            <a:off x="1009650" y="66873"/>
+            <a:off x="1009650" y="57224"/>
             <a:ext cx="10172700" cy="1493517"/>
           </a:xfrm>
         </p:spPr>
@@ -10698,7 +10738,7 @@
         </p:nvSpPr>
         <p:spPr>
           <a:xfrm>
-            <a:off x="1542471" y="2290790"/>
+            <a:off x="4762322" y="540998"/>
             <a:ext cx="4800600" cy="632529"/>
           </a:xfrm>
         </p:spPr>
@@ -10710,7 +10750,7 @@
               <a:rPr lang="hu-HU" sz="2800" dirty="0">
                 <a:latin typeface="Bodoni MT Condensed" panose="02070606080606020203" pitchFamily="18" charset="0"/>
               </a:rPr>
-              <a:t>Frontend</a:t>
+              <a:t>Csapatmunka és kommunikáció</a:t>
             </a:r>
           </a:p>
         </p:txBody>
@@ -10733,196 +10773,8 @@
         </p:nvSpPr>
         <p:spPr>
           <a:xfrm>
-            <a:off x="1295400" y="3467739"/>
-            <a:ext cx="4800600" cy="2996398"/>
-          </a:xfrm>
-        </p:spPr>
-        <p:txBody>
-          <a:bodyPr/>
-          <a:lstStyle/>
-          <a:p>
-            <a:endParaRPr lang="hu-HU" dirty="0"/>
-          </a:p>
-        </p:txBody>
-      </p:sp>
-      <p:sp>
-        <p:nvSpPr>
-          <p:cNvPr id="5" name="Szöveg helye 4">
-            <a:extLst>
-              <a:ext uri="{FF2B5EF4-FFF2-40B4-BE49-F238E27FC236}">
-                <a16:creationId xmlns:a16="http://schemas.microsoft.com/office/drawing/2014/main" id="{F1DA47AF-91B2-4DE7-BC82-8611434C7D85}"/>
-              </a:ext>
-            </a:extLst>
-          </p:cNvPr>
-          <p:cNvSpPr>
-            <a:spLocks noGrp="1"/>
-          </p:cNvSpPr>
-          <p:nvPr>
-            <p:ph type="body" sz="quarter" idx="3"/>
-          </p:nvPr>
-        </p:nvSpPr>
-        <p:spPr>
-          <a:xfrm>
-            <a:off x="6661296" y="2290789"/>
-            <a:ext cx="4800600" cy="632529"/>
-          </a:xfrm>
-        </p:spPr>
-        <p:txBody>
-          <a:bodyPr/>
-          <a:lstStyle/>
-          <a:p>
-            <a:r>
-              <a:rPr lang="hu-HU" sz="2800" dirty="0">
-                <a:latin typeface="Bodoni MT Condensed" panose="02070606080606020203" pitchFamily="18" charset="0"/>
-              </a:rPr>
-              <a:t>backend</a:t>
-            </a:r>
-          </a:p>
-        </p:txBody>
-      </p:sp>
-      <p:sp>
-        <p:nvSpPr>
-          <p:cNvPr id="6" name="Tartalom helye 5">
-            <a:extLst>
-              <a:ext uri="{FF2B5EF4-FFF2-40B4-BE49-F238E27FC236}">
-                <a16:creationId xmlns:a16="http://schemas.microsoft.com/office/drawing/2014/main" id="{CF66838F-02F9-413B-B369-8985BC063E7A}"/>
-              </a:ext>
-            </a:extLst>
-          </p:cNvPr>
-          <p:cNvSpPr>
-            <a:spLocks noGrp="1"/>
-          </p:cNvSpPr>
-          <p:nvPr>
-            <p:ph sz="quarter" idx="4"/>
-          </p:nvPr>
-        </p:nvSpPr>
-        <p:spPr>
-          <a:xfrm>
-            <a:off x="6505848" y="3196517"/>
-            <a:ext cx="4800600" cy="2996398"/>
-          </a:xfrm>
-        </p:spPr>
-        <p:txBody>
-          <a:bodyPr/>
-          <a:lstStyle/>
-          <a:p>
-            <a:endParaRPr lang="hu-HU" dirty="0"/>
-          </a:p>
-        </p:txBody>
-      </p:sp>
-      <p:sp>
-        <p:nvSpPr>
-          <p:cNvPr id="7" name="Téglalap 6">
-            <a:extLst>
-              <a:ext uri="{FF2B5EF4-FFF2-40B4-BE49-F238E27FC236}">
-                <a16:creationId xmlns:a16="http://schemas.microsoft.com/office/drawing/2014/main" id="{CF5A5A71-4F75-44CA-997E-4BBCC057809A}"/>
-              </a:ext>
-            </a:extLst>
-          </p:cNvPr>
-          <p:cNvSpPr/>
-          <p:nvPr/>
-        </p:nvSpPr>
-        <p:spPr>
-          <a:xfrm>
-            <a:off x="5331789" y="540798"/>
-            <a:ext cx="1528421" cy="707886"/>
-          </a:xfrm>
-          <a:prstGeom prst="rect">
-            <a:avLst/>
-          </a:prstGeom>
-          <a:noFill/>
-        </p:spPr>
-        <p:txBody>
-          <a:bodyPr wrap="square" lIns="91440" tIns="45720" rIns="91440" bIns="45720">
-            <a:spAutoFit/>
-          </a:bodyPr>
-          <a:lstStyle/>
-          <a:p>
-            <a:pPr algn="ctr"/>
-            <a:r>
-              <a:rPr lang="hu-HU" sz="4000" dirty="0">
-                <a:ln w="0"/>
-                <a:effectLst>
-                  <a:outerShdw blurRad="38100" dist="19050" dir="2700000" algn="tl" rotWithShape="0">
-                    <a:schemeClr val="dk1">
-                      <a:alpha val="40000"/>
-                    </a:schemeClr>
-                  </a:outerShdw>
-                </a:effectLst>
-                <a:latin typeface="Bodoni MT Condensed" panose="02070606080606020203" pitchFamily="18" charset="0"/>
-              </a:rPr>
-              <a:t>TESZTEK</a:t>
-            </a:r>
-            <a:endParaRPr lang="hu-HU" sz="4000" b="0" cap="none" spc="0" dirty="0">
-              <a:ln w="0"/>
-              <a:solidFill>
-                <a:schemeClr val="tx1"/>
-              </a:solidFill>
-              <a:effectLst>
-                <a:outerShdw blurRad="38100" dist="19050" dir="2700000" algn="tl" rotWithShape="0">
-                  <a:schemeClr val="dk1">
-                    <a:alpha val="40000"/>
-                  </a:schemeClr>
-                </a:outerShdw>
-              </a:effectLst>
-              <a:latin typeface="Bodoni MT Condensed" panose="02070606080606020203" pitchFamily="18" charset="0"/>
-            </a:endParaRPr>
-          </a:p>
-        </p:txBody>
-      </p:sp>
-    </p:spTree>
-    <p:extLst>
-      <p:ext uri="{BB962C8B-B14F-4D97-AF65-F5344CB8AC3E}">
-        <p14:creationId xmlns:p14="http://schemas.microsoft.com/office/powerpoint/2010/main" val="3060760233"/>
-      </p:ext>
-    </p:extLst>
-  </p:cSld>
-  <p:clrMapOvr>
-    <a:masterClrMapping/>
-  </p:clrMapOvr>
-  <p:transition spd="med">
-    <p:pull/>
-  </p:transition>
-</p:sld>
-</file>
-
-<file path=ppt/slides/slide15.xml><?xml version="1.0" encoding="utf-8"?>
-<p:sld xmlns:a="http://schemas.openxmlformats.org/drawingml/2006/main" xmlns:r="http://schemas.openxmlformats.org/officeDocument/2006/relationships" xmlns:p="http://schemas.openxmlformats.org/presentationml/2006/main">
-  <p:cSld>
-    <p:spTree>
-      <p:nvGrpSpPr>
-        <p:cNvPr id="1" name=""/>
-        <p:cNvGrpSpPr/>
-        <p:nvPr/>
-      </p:nvGrpSpPr>
-      <p:grpSpPr>
-        <a:xfrm>
-          <a:off x="0" y="0"/>
-          <a:ext cx="0" cy="0"/>
-          <a:chOff x="0" y="0"/>
-          <a:chExt cx="0" cy="0"/>
-        </a:xfrm>
-      </p:grpSpPr>
-      <p:sp>
-        <p:nvSpPr>
-          <p:cNvPr id="2" name="Cím 1">
-            <a:extLst>
-              <a:ext uri="{FF2B5EF4-FFF2-40B4-BE49-F238E27FC236}">
-                <a16:creationId xmlns:a16="http://schemas.microsoft.com/office/drawing/2014/main" id="{87933A0E-9625-4A4D-99E1-05AC1A667EA4}"/>
-              </a:ext>
-            </a:extLst>
-          </p:cNvPr>
-          <p:cNvSpPr>
-            <a:spLocks noGrp="1"/>
-          </p:cNvSpPr>
-          <p:nvPr>
-            <p:ph type="title"/>
-          </p:nvPr>
-        </p:nvSpPr>
-        <p:spPr>
-          <a:xfrm>
-            <a:off x="1009650" y="57224"/>
-            <a:ext cx="10172700" cy="1493517"/>
+            <a:off x="1295400" y="2655937"/>
+            <a:ext cx="4800600" cy="3317962"/>
           </a:xfrm>
         </p:spPr>
         <p:txBody>
@@ -10932,81 +10784,6 @@
           <a:lstStyle/>
           <a:p>
             <a:r>
-              <a:rPr lang="hu-HU" sz="9600" dirty="0" err="1">
-                <a:latin typeface="Bodoni MT Condensed" panose="02070606080606020203" pitchFamily="18" charset="0"/>
-              </a:rPr>
-              <a:t>DRIVEus</a:t>
-            </a:r>
-            <a:endParaRPr lang="hu-HU" sz="9600" dirty="0">
-              <a:latin typeface="Bodoni MT Condensed" panose="02070606080606020203" pitchFamily="18" charset="0"/>
-            </a:endParaRPr>
-          </a:p>
-        </p:txBody>
-      </p:sp>
-      <p:sp>
-        <p:nvSpPr>
-          <p:cNvPr id="3" name="Szöveg helye 2">
-            <a:extLst>
-              <a:ext uri="{FF2B5EF4-FFF2-40B4-BE49-F238E27FC236}">
-                <a16:creationId xmlns:a16="http://schemas.microsoft.com/office/drawing/2014/main" id="{2A066B12-822F-4795-829B-C76A5792BC42}"/>
-              </a:ext>
-            </a:extLst>
-          </p:cNvPr>
-          <p:cNvSpPr>
-            <a:spLocks noGrp="1"/>
-          </p:cNvSpPr>
-          <p:nvPr>
-            <p:ph type="body" idx="1"/>
-          </p:nvPr>
-        </p:nvSpPr>
-        <p:spPr>
-          <a:xfrm>
-            <a:off x="4762322" y="540998"/>
-            <a:ext cx="4800600" cy="632529"/>
-          </a:xfrm>
-        </p:spPr>
-        <p:txBody>
-          <a:bodyPr/>
-          <a:lstStyle/>
-          <a:p>
-            <a:r>
-              <a:rPr lang="hu-HU" sz="2800" dirty="0">
-                <a:latin typeface="Bodoni MT Condensed" panose="02070606080606020203" pitchFamily="18" charset="0"/>
-              </a:rPr>
-              <a:t>Csapatmunka és kommunikáció</a:t>
-            </a:r>
-          </a:p>
-        </p:txBody>
-      </p:sp>
-      <p:sp>
-        <p:nvSpPr>
-          <p:cNvPr id="4" name="Tartalom helye 3">
-            <a:extLst>
-              <a:ext uri="{FF2B5EF4-FFF2-40B4-BE49-F238E27FC236}">
-                <a16:creationId xmlns:a16="http://schemas.microsoft.com/office/drawing/2014/main" id="{9EA5D02B-5ABA-4969-A302-4A2A9EAD84A0}"/>
-              </a:ext>
-            </a:extLst>
-          </p:cNvPr>
-          <p:cNvSpPr>
-            <a:spLocks noGrp="1"/>
-          </p:cNvSpPr>
-          <p:nvPr>
-            <p:ph sz="half" idx="2"/>
-          </p:nvPr>
-        </p:nvSpPr>
-        <p:spPr>
-          <a:xfrm>
-            <a:off x="1295400" y="2655937"/>
-            <a:ext cx="4800600" cy="3317962"/>
-          </a:xfrm>
-        </p:spPr>
-        <p:txBody>
-          <a:bodyPr>
-            <a:normAutofit/>
-          </a:bodyPr>
-          <a:lstStyle/>
-          <a:p>
-            <a:r>
               <a:rPr lang="hu-HU" dirty="0"/>
               <a:t>GitHub</a:t>
             </a:r>
@@ -11038,7 +10815,7 @@
           <a:p>
             <a:r>
               <a:rPr lang="hu-HU" dirty="0"/>
-              <a:t>Személyes élő kommunikáció</a:t>
+              <a:t>Személyek közti élő kommunikáció</a:t>
             </a:r>
           </a:p>
         </p:txBody>
@@ -11125,7 +10902,7 @@
         </p:blipFill>
         <p:spPr>
           <a:xfrm>
-            <a:off x="5053984" y="4456590"/>
+            <a:off x="5631033" y="4362094"/>
             <a:ext cx="3735594" cy="2146117"/>
           </a:xfrm>
           <a:prstGeom prst="rect">
@@ -11137,6 +10914,321 @@
     <p:extLst>
       <p:ext uri="{BB962C8B-B14F-4D97-AF65-F5344CB8AC3E}">
         <p14:creationId xmlns:p14="http://schemas.microsoft.com/office/powerpoint/2010/main" val="3490993108"/>
+      </p:ext>
+    </p:extLst>
+  </p:cSld>
+  <p:clrMapOvr>
+    <a:masterClrMapping/>
+  </p:clrMapOvr>
+  <p:transition spd="med">
+    <p:pull/>
+  </p:transition>
+</p:sld>
+</file>
+
+<file path=ppt/slides/slide15.xml><?xml version="1.0" encoding="utf-8"?>
+<p:sld xmlns:a="http://schemas.openxmlformats.org/drawingml/2006/main" xmlns:r="http://schemas.openxmlformats.org/officeDocument/2006/relationships" xmlns:p="http://schemas.openxmlformats.org/presentationml/2006/main">
+  <p:cSld>
+    <p:spTree>
+      <p:nvGrpSpPr>
+        <p:cNvPr id="1" name=""/>
+        <p:cNvGrpSpPr/>
+        <p:nvPr/>
+      </p:nvGrpSpPr>
+      <p:grpSpPr>
+        <a:xfrm>
+          <a:off x="0" y="0"/>
+          <a:ext cx="0" cy="0"/>
+          <a:chOff x="0" y="0"/>
+          <a:chExt cx="0" cy="0"/>
+        </a:xfrm>
+      </p:grpSpPr>
+      <p:sp>
+        <p:nvSpPr>
+          <p:cNvPr id="2" name="Cím 1">
+            <a:extLst>
+              <a:ext uri="{FF2B5EF4-FFF2-40B4-BE49-F238E27FC236}">
+                <a16:creationId xmlns:a16="http://schemas.microsoft.com/office/drawing/2014/main" id="{87933A0E-9625-4A4D-99E1-05AC1A667EA4}"/>
+              </a:ext>
+            </a:extLst>
+          </p:cNvPr>
+          <p:cNvSpPr>
+            <a:spLocks noGrp="1"/>
+          </p:cNvSpPr>
+          <p:nvPr>
+            <p:ph type="title"/>
+          </p:nvPr>
+        </p:nvSpPr>
+        <p:spPr>
+          <a:xfrm>
+            <a:off x="1009650" y="66873"/>
+            <a:ext cx="10172700" cy="1493517"/>
+          </a:xfrm>
+        </p:spPr>
+        <p:txBody>
+          <a:bodyPr>
+            <a:normAutofit/>
+          </a:bodyPr>
+          <a:lstStyle/>
+          <a:p>
+            <a:r>
+              <a:rPr lang="hu-HU" sz="9600" dirty="0" err="1">
+                <a:latin typeface="Bodoni MT Condensed" panose="02070606080606020203" pitchFamily="18" charset="0"/>
+              </a:rPr>
+              <a:t>DRIVEus</a:t>
+            </a:r>
+            <a:endParaRPr lang="hu-HU" sz="9600" dirty="0">
+              <a:latin typeface="Bodoni MT Condensed" panose="02070606080606020203" pitchFamily="18" charset="0"/>
+            </a:endParaRPr>
+          </a:p>
+        </p:txBody>
+      </p:sp>
+      <p:sp>
+        <p:nvSpPr>
+          <p:cNvPr id="3" name="Szöveg helye 2">
+            <a:extLst>
+              <a:ext uri="{FF2B5EF4-FFF2-40B4-BE49-F238E27FC236}">
+                <a16:creationId xmlns:a16="http://schemas.microsoft.com/office/drawing/2014/main" id="{2A066B12-822F-4795-829B-C76A5792BC42}"/>
+              </a:ext>
+            </a:extLst>
+          </p:cNvPr>
+          <p:cNvSpPr>
+            <a:spLocks noGrp="1"/>
+          </p:cNvSpPr>
+          <p:nvPr>
+            <p:ph type="body" idx="1"/>
+          </p:nvPr>
+        </p:nvSpPr>
+        <p:spPr>
+          <a:xfrm>
+            <a:off x="1705248" y="1982617"/>
+            <a:ext cx="4800600" cy="632529"/>
+          </a:xfrm>
+        </p:spPr>
+        <p:txBody>
+          <a:bodyPr/>
+          <a:lstStyle/>
+          <a:p>
+            <a:r>
+              <a:rPr lang="hu-HU" sz="2800" dirty="0">
+                <a:latin typeface="Bodoni MT Condensed" panose="02070606080606020203" pitchFamily="18" charset="0"/>
+              </a:rPr>
+              <a:t>BAKOS HENRIETT</a:t>
+            </a:r>
+          </a:p>
+        </p:txBody>
+      </p:sp>
+      <p:sp>
+        <p:nvSpPr>
+          <p:cNvPr id="4" name="Tartalom helye 3">
+            <a:extLst>
+              <a:ext uri="{FF2B5EF4-FFF2-40B4-BE49-F238E27FC236}">
+                <a16:creationId xmlns:a16="http://schemas.microsoft.com/office/drawing/2014/main" id="{9EA5D02B-5ABA-4969-A302-4A2A9EAD84A0}"/>
+              </a:ext>
+            </a:extLst>
+          </p:cNvPr>
+          <p:cNvSpPr>
+            <a:spLocks noGrp="1"/>
+          </p:cNvSpPr>
+          <p:nvPr>
+            <p:ph sz="half" idx="2"/>
+          </p:nvPr>
+        </p:nvSpPr>
+        <p:spPr>
+          <a:xfrm>
+            <a:off x="1783672" y="3367969"/>
+            <a:ext cx="1367901" cy="2958109"/>
+          </a:xfrm>
+        </p:spPr>
+        <p:txBody>
+          <a:bodyPr/>
+          <a:lstStyle/>
+          <a:p>
+            <a:endParaRPr lang="hu-HU" dirty="0"/>
+          </a:p>
+        </p:txBody>
+      </p:sp>
+      <p:sp>
+        <p:nvSpPr>
+          <p:cNvPr id="5" name="Szöveg helye 4">
+            <a:extLst>
+              <a:ext uri="{FF2B5EF4-FFF2-40B4-BE49-F238E27FC236}">
+                <a16:creationId xmlns:a16="http://schemas.microsoft.com/office/drawing/2014/main" id="{F1DA47AF-91B2-4DE7-BC82-8611434C7D85}"/>
+              </a:ext>
+            </a:extLst>
+          </p:cNvPr>
+          <p:cNvSpPr>
+            <a:spLocks noGrp="1"/>
+          </p:cNvSpPr>
+          <p:nvPr>
+            <p:ph type="body" sz="quarter" idx="3"/>
+          </p:nvPr>
+        </p:nvSpPr>
+        <p:spPr>
+          <a:xfrm>
+            <a:off x="5375244" y="2029902"/>
+            <a:ext cx="4800600" cy="632529"/>
+          </a:xfrm>
+        </p:spPr>
+        <p:txBody>
+          <a:bodyPr/>
+          <a:lstStyle/>
+          <a:p>
+            <a:r>
+              <a:rPr lang="hu-HU" sz="2800" dirty="0">
+                <a:latin typeface="Bodoni MT Condensed" panose="02070606080606020203" pitchFamily="18" charset="0"/>
+              </a:rPr>
+              <a:t>GYURA GABRIELLA</a:t>
+            </a:r>
+          </a:p>
+        </p:txBody>
+      </p:sp>
+      <p:sp>
+        <p:nvSpPr>
+          <p:cNvPr id="6" name="Tartalom helye 5">
+            <a:extLst>
+              <a:ext uri="{FF2B5EF4-FFF2-40B4-BE49-F238E27FC236}">
+                <a16:creationId xmlns:a16="http://schemas.microsoft.com/office/drawing/2014/main" id="{CF66838F-02F9-413B-B369-8985BC063E7A}"/>
+              </a:ext>
+            </a:extLst>
+          </p:cNvPr>
+          <p:cNvSpPr>
+            <a:spLocks noGrp="1"/>
+          </p:cNvSpPr>
+          <p:nvPr>
+            <p:ph sz="quarter" idx="4"/>
+          </p:nvPr>
+        </p:nvSpPr>
+        <p:spPr>
+          <a:xfrm>
+            <a:off x="6096000" y="3367969"/>
+            <a:ext cx="1367901" cy="2958110"/>
+          </a:xfrm>
+        </p:spPr>
+        <p:txBody>
+          <a:bodyPr/>
+          <a:lstStyle/>
+          <a:p>
+            <a:pPr marL="0" indent="0">
+              <a:buNone/>
+            </a:pPr>
+            <a:endParaRPr lang="hu-HU" dirty="0"/>
+          </a:p>
+        </p:txBody>
+      </p:sp>
+      <p:sp>
+        <p:nvSpPr>
+          <p:cNvPr id="7" name="Téglalap 6">
+            <a:extLst>
+              <a:ext uri="{FF2B5EF4-FFF2-40B4-BE49-F238E27FC236}">
+                <a16:creationId xmlns:a16="http://schemas.microsoft.com/office/drawing/2014/main" id="{CF5A5A71-4F75-44CA-997E-4BBCC057809A}"/>
+              </a:ext>
+            </a:extLst>
+          </p:cNvPr>
+          <p:cNvSpPr/>
+          <p:nvPr/>
+        </p:nvSpPr>
+        <p:spPr>
+          <a:xfrm>
+            <a:off x="4479893" y="531921"/>
+            <a:ext cx="5063601" cy="707886"/>
+          </a:xfrm>
+          <a:prstGeom prst="rect">
+            <a:avLst/>
+          </a:prstGeom>
+          <a:noFill/>
+        </p:spPr>
+        <p:txBody>
+          <a:bodyPr wrap="square" lIns="91440" tIns="45720" rIns="91440" bIns="45720">
+            <a:spAutoFit/>
+          </a:bodyPr>
+          <a:lstStyle/>
+          <a:p>
+            <a:pPr algn="ctr"/>
+            <a:r>
+              <a:rPr lang="hu-HU" sz="4000" dirty="0">
+                <a:ln w="0"/>
+                <a:effectLst>
+                  <a:outerShdw blurRad="38100" dist="19050" dir="2700000" algn="tl" rotWithShape="0">
+                    <a:schemeClr val="dk1">
+                      <a:alpha val="40000"/>
+                    </a:schemeClr>
+                  </a:outerShdw>
+                </a:effectLst>
+                <a:latin typeface="Bodoni MT Condensed" panose="02070606080606020203" pitchFamily="18" charset="0"/>
+              </a:rPr>
+              <a:t>MUNKAFELOSZTÁS- BACKEND</a:t>
+            </a:r>
+            <a:endParaRPr lang="hu-HU" sz="4000" b="0" cap="none" spc="0" dirty="0">
+              <a:ln w="0"/>
+              <a:solidFill>
+                <a:schemeClr val="tx1"/>
+              </a:solidFill>
+              <a:effectLst>
+                <a:outerShdw blurRad="38100" dist="19050" dir="2700000" algn="tl" rotWithShape="0">
+                  <a:schemeClr val="dk1">
+                    <a:alpha val="40000"/>
+                  </a:schemeClr>
+                </a:outerShdw>
+              </a:effectLst>
+              <a:latin typeface="Bodoni MT Condensed" panose="02070606080606020203" pitchFamily="18" charset="0"/>
+            </a:endParaRPr>
+          </a:p>
+        </p:txBody>
+      </p:sp>
+      <p:sp>
+        <p:nvSpPr>
+          <p:cNvPr id="8" name="Téglalap 7">
+            <a:extLst>
+              <a:ext uri="{FF2B5EF4-FFF2-40B4-BE49-F238E27FC236}">
+                <a16:creationId xmlns:a16="http://schemas.microsoft.com/office/drawing/2014/main" id="{7F099F5B-6366-4CBF-8C85-681CE8A3E656}"/>
+              </a:ext>
+            </a:extLst>
+          </p:cNvPr>
+          <p:cNvSpPr/>
+          <p:nvPr/>
+        </p:nvSpPr>
+        <p:spPr>
+          <a:xfrm>
+            <a:off x="7586485" y="2139211"/>
+            <a:ext cx="4904397" cy="523220"/>
+          </a:xfrm>
+          <a:prstGeom prst="rect">
+            <a:avLst/>
+          </a:prstGeom>
+          <a:noFill/>
+        </p:spPr>
+        <p:txBody>
+          <a:bodyPr wrap="square" lIns="91440" tIns="45720" rIns="91440" bIns="45720">
+            <a:spAutoFit/>
+          </a:bodyPr>
+          <a:lstStyle/>
+          <a:p>
+            <a:pPr algn="ctr"/>
+            <a:r>
+              <a:rPr lang="hu-HU" sz="2800" b="0" cap="none" spc="0" dirty="0">
+                <a:ln w="0"/>
+                <a:solidFill>
+                  <a:schemeClr val="tx1"/>
+                </a:solidFill>
+                <a:effectLst>
+                  <a:outerShdw blurRad="38100" dist="19050" dir="2700000" algn="tl" rotWithShape="0">
+                    <a:schemeClr val="dk1">
+                      <a:alpha val="40000"/>
+                    </a:schemeClr>
+                  </a:outerShdw>
+                </a:effectLst>
+                <a:latin typeface="Bodoni MT Condensed" panose="02070606080606020203" pitchFamily="18" charset="0"/>
+              </a:rPr>
+              <a:t>NAGY LAURA</a:t>
+            </a:r>
+          </a:p>
+        </p:txBody>
+      </p:sp>
+    </p:spTree>
+    <p:extLst>
+      <p:ext uri="{BB962C8B-B14F-4D97-AF65-F5344CB8AC3E}">
+        <p14:creationId xmlns:p14="http://schemas.microsoft.com/office/powerpoint/2010/main" val="698353481"/>
       </p:ext>
     </p:extLst>
   </p:cSld>
@@ -11264,7 +11356,9 @@
           </a:xfrm>
         </p:spPr>
         <p:txBody>
-          <a:bodyPr/>
+          <a:bodyPr>
+            <a:normAutofit fontScale="77500" lnSpcReduction="20000"/>
+          </a:bodyPr>
           <a:lstStyle/>
           <a:p>
             <a:endParaRPr lang="hu-HU" dirty="0"/>
@@ -11324,18 +11418,72 @@
         </p:nvSpPr>
         <p:spPr>
           <a:xfrm>
-            <a:off x="6096000" y="3367969"/>
-            <a:ext cx="1367901" cy="2958110"/>
+            <a:off x="8076976" y="3367969"/>
+            <a:ext cx="4069896" cy="3084826"/>
           </a:xfrm>
         </p:spPr>
         <p:txBody>
-          <a:bodyPr/>
+          <a:bodyPr>
+            <a:normAutofit fontScale="77500" lnSpcReduction="20000"/>
+          </a:bodyPr>
           <a:lstStyle/>
           <a:p>
-            <a:pPr marL="0" indent="0">
-              <a:buNone/>
-            </a:pPr>
-            <a:endParaRPr lang="hu-HU" dirty="0"/>
+            <a:r>
+              <a:rPr lang="hu-HU" dirty="0"/>
+              <a:t>Weboldalak alapkinézetének tervezése és elkészítése </a:t>
+            </a:r>
+          </a:p>
+          <a:p>
+            <a:r>
+              <a:rPr lang="hu-HU" dirty="0"/>
+              <a:t>Oldalak tartalmának megtervezése</a:t>
+            </a:r>
+          </a:p>
+          <a:p>
+            <a:r>
+              <a:rPr lang="hu-HU" dirty="0"/>
+              <a:t>Oldalak feltöltése tartalommal</a:t>
+            </a:r>
+          </a:p>
+          <a:p>
+            <a:r>
+              <a:rPr lang="hu-HU" dirty="0"/>
+              <a:t>Oldalak kapcsolatainak kialakítása</a:t>
+            </a:r>
+          </a:p>
+          <a:p>
+            <a:r>
+              <a:rPr lang="hu-HU" dirty="0"/>
+              <a:t>Gombok és szűrők működtetése</a:t>
+            </a:r>
+          </a:p>
+          <a:p>
+            <a:r>
+              <a:rPr lang="hu-HU" dirty="0"/>
+              <a:t>Oldalak reszponzívvá tétele</a:t>
+            </a:r>
+          </a:p>
+          <a:p>
+            <a:r>
+              <a:rPr lang="hu-HU" dirty="0"/>
+              <a:t>Oldalak tesztelése</a:t>
+            </a:r>
+          </a:p>
+          <a:p>
+            <a:r>
+              <a:rPr lang="hu-HU" dirty="0"/>
+              <a:t>Oldalak véglegesítése</a:t>
+            </a:r>
+          </a:p>
+          <a:p>
+            <a:r>
+              <a:rPr lang="hu-HU" dirty="0" err="1"/>
+              <a:t>Admin</a:t>
+            </a:r>
+            <a:r>
+              <a:rPr lang="hu-HU" dirty="0"/>
+              <a:t> elkészítése</a:t>
+            </a:r>
           </a:p>
         </p:txBody>
       </p:sp>
@@ -11353,8 +11501,8 @@
         </p:nvSpPr>
         <p:spPr>
           <a:xfrm>
-            <a:off x="4479893" y="531921"/>
-            <a:ext cx="5063601" cy="707886"/>
+            <a:off x="4479894" y="531921"/>
+            <a:ext cx="4983702" cy="707886"/>
           </a:xfrm>
           <a:prstGeom prst="rect">
             <a:avLst/>
@@ -11380,7 +11528,7 @@
                 </a:effectLst>
                 <a:latin typeface="Bodoni MT Condensed" panose="02070606080606020203" pitchFamily="18" charset="0"/>
               </a:rPr>
-              <a:t>MUNKAFELOSZTÁS- BACKEND</a:t>
+              <a:t>MUNKAFELOSZTÁS - FRONTEND</a:t>
             </a:r>
             <a:endParaRPr lang="hu-HU" sz="4000" b="0" cap="none" spc="0" dirty="0">
               <a:ln w="0"/>
@@ -11451,7 +11599,7 @@
     </p:spTree>
     <p:extLst>
       <p:ext uri="{BB962C8B-B14F-4D97-AF65-F5344CB8AC3E}">
-        <p14:creationId xmlns:p14="http://schemas.microsoft.com/office/powerpoint/2010/main" val="698353481"/>
+        <p14:creationId xmlns:p14="http://schemas.microsoft.com/office/powerpoint/2010/main" val="1810387938"/>
       </p:ext>
     </p:extLst>
   </p:cSld>
@@ -11499,7 +11647,7 @@
         </p:nvSpPr>
         <p:spPr>
           <a:xfrm>
-            <a:off x="1009650" y="66873"/>
+            <a:off x="1009650" y="0"/>
             <a:ext cx="10172700" cy="1493517"/>
           </a:xfrm>
         </p:spPr>
@@ -11539,8 +11687,8 @@
         </p:nvSpPr>
         <p:spPr>
           <a:xfrm>
-            <a:off x="1705248" y="1982617"/>
-            <a:ext cx="4800600" cy="632529"/>
+            <a:off x="4888253" y="649651"/>
+            <a:ext cx="6111180" cy="632529"/>
           </a:xfrm>
         </p:spPr>
         <p:txBody>
@@ -11551,7 +11699,7 @@
               <a:rPr lang="hu-HU" sz="2800" dirty="0">
                 <a:latin typeface="Bodoni MT Condensed" panose="02070606080606020203" pitchFamily="18" charset="0"/>
               </a:rPr>
-              <a:t>BAKOS HENRIETT</a:t>
+              <a:t>Publikálás és fájlok továbbítása egymás között</a:t>
             </a:r>
           </a:p>
         </p:txBody>
@@ -11574,245 +11722,52 @@
         </p:nvSpPr>
         <p:spPr>
           <a:xfrm>
-            <a:off x="1783672" y="3367969"/>
-            <a:ext cx="1367901" cy="2958109"/>
+            <a:off x="3439343" y="2257858"/>
+            <a:ext cx="4800600" cy="3317962"/>
           </a:xfrm>
         </p:spPr>
         <p:txBody>
           <a:bodyPr>
-            <a:normAutofit fontScale="62500" lnSpcReduction="20000"/>
+            <a:normAutofit/>
           </a:bodyPr>
           <a:lstStyle/>
           <a:p>
-            <a:endParaRPr lang="hu-HU" dirty="0"/>
-          </a:p>
-        </p:txBody>
-      </p:sp>
-      <p:sp>
-        <p:nvSpPr>
-          <p:cNvPr id="5" name="Szöveg helye 4">
-            <a:extLst>
-              <a:ext uri="{FF2B5EF4-FFF2-40B4-BE49-F238E27FC236}">
-                <a16:creationId xmlns:a16="http://schemas.microsoft.com/office/drawing/2014/main" id="{F1DA47AF-91B2-4DE7-BC82-8611434C7D85}"/>
-              </a:ext>
-            </a:extLst>
-          </p:cNvPr>
-          <p:cNvSpPr>
-            <a:spLocks noGrp="1"/>
-          </p:cNvSpPr>
-          <p:nvPr>
-            <p:ph type="body" sz="quarter" idx="3"/>
-          </p:nvPr>
-        </p:nvSpPr>
-        <p:spPr>
-          <a:xfrm>
-            <a:off x="5375244" y="2029902"/>
-            <a:ext cx="4800600" cy="632529"/>
-          </a:xfrm>
-        </p:spPr>
-        <p:txBody>
-          <a:bodyPr/>
-          <a:lstStyle/>
-          <a:p>
-            <a:r>
-              <a:rPr lang="hu-HU" sz="2800" dirty="0">
-                <a:latin typeface="Bodoni MT Condensed" panose="02070606080606020203" pitchFamily="18" charset="0"/>
-              </a:rPr>
-              <a:t>GYURA GABRIELLA</a:t>
-            </a:r>
-          </a:p>
-        </p:txBody>
-      </p:sp>
-      <p:sp>
-        <p:nvSpPr>
-          <p:cNvPr id="6" name="Tartalom helye 5">
-            <a:extLst>
-              <a:ext uri="{FF2B5EF4-FFF2-40B4-BE49-F238E27FC236}">
-                <a16:creationId xmlns:a16="http://schemas.microsoft.com/office/drawing/2014/main" id="{CF66838F-02F9-413B-B369-8985BC063E7A}"/>
-              </a:ext>
-            </a:extLst>
-          </p:cNvPr>
-          <p:cNvSpPr>
-            <a:spLocks noGrp="1"/>
-          </p:cNvSpPr>
-          <p:nvPr>
-            <p:ph sz="quarter" idx="4"/>
-          </p:nvPr>
-        </p:nvSpPr>
-        <p:spPr>
-          <a:xfrm>
-            <a:off x="8339093" y="3397934"/>
-            <a:ext cx="3343921" cy="2393639"/>
-          </a:xfrm>
-        </p:spPr>
-        <p:txBody>
-          <a:bodyPr>
-            <a:normAutofit fontScale="62500" lnSpcReduction="20000"/>
-          </a:bodyPr>
-          <a:lstStyle/>
-          <a:p>
-            <a:r>
-              <a:rPr lang="hu-HU" dirty="0"/>
-              <a:t>Weboldalak alapkinézetének tervezése és elkészítése </a:t>
-            </a:r>
-          </a:p>
-          <a:p>
-            <a:r>
-              <a:rPr lang="hu-HU" dirty="0"/>
-              <a:t>Oldalak tartalmának megtervezése</a:t>
-            </a:r>
-          </a:p>
-          <a:p>
-            <a:r>
-              <a:rPr lang="hu-HU" dirty="0"/>
-              <a:t>Oldalak feltöltése tartalommal</a:t>
-            </a:r>
-          </a:p>
-          <a:p>
-            <a:r>
-              <a:rPr lang="hu-HU" dirty="0"/>
-              <a:t>Oldalak kapcsolatainak kialakítása</a:t>
-            </a:r>
-          </a:p>
-          <a:p>
-            <a:r>
-              <a:rPr lang="hu-HU" dirty="0"/>
-              <a:t>Gombok és szűrők működtetése</a:t>
-            </a:r>
-          </a:p>
-          <a:p>
-            <a:r>
-              <a:rPr lang="hu-HU" dirty="0"/>
-              <a:t>Oldalak reszponzívvá tétele</a:t>
-            </a:r>
-          </a:p>
-          <a:p>
-            <a:r>
-              <a:rPr lang="hu-HU" dirty="0"/>
-              <a:t>Oldalak tesztelése</a:t>
-            </a:r>
-          </a:p>
-          <a:p>
-            <a:r>
-              <a:rPr lang="hu-HU" dirty="0"/>
-              <a:t>Oldalak véglegesítése</a:t>
-            </a:r>
-          </a:p>
-        </p:txBody>
-      </p:sp>
-      <p:sp>
-        <p:nvSpPr>
-          <p:cNvPr id="7" name="Téglalap 6">
-            <a:extLst>
-              <a:ext uri="{FF2B5EF4-FFF2-40B4-BE49-F238E27FC236}">
-                <a16:creationId xmlns:a16="http://schemas.microsoft.com/office/drawing/2014/main" id="{CF5A5A71-4F75-44CA-997E-4BBCC057809A}"/>
-              </a:ext>
-            </a:extLst>
-          </p:cNvPr>
-          <p:cNvSpPr/>
-          <p:nvPr/>
-        </p:nvSpPr>
-        <p:spPr>
-          <a:xfrm>
-            <a:off x="4479894" y="531921"/>
-            <a:ext cx="4983702" cy="707886"/>
-          </a:xfrm>
-          <a:prstGeom prst="rect">
-            <a:avLst/>
-          </a:prstGeom>
-          <a:noFill/>
-        </p:spPr>
-        <p:txBody>
-          <a:bodyPr wrap="square" lIns="91440" tIns="45720" rIns="91440" bIns="45720">
-            <a:spAutoFit/>
-          </a:bodyPr>
-          <a:lstStyle/>
-          <a:p>
-            <a:pPr algn="ctr"/>
-            <a:r>
-              <a:rPr lang="hu-HU" sz="4000" dirty="0">
-                <a:ln w="0"/>
-                <a:effectLst>
-                  <a:outerShdw blurRad="38100" dist="19050" dir="2700000" algn="tl" rotWithShape="0">
-                    <a:schemeClr val="dk1">
-                      <a:alpha val="40000"/>
-                    </a:schemeClr>
-                  </a:outerShdw>
-                </a:effectLst>
-                <a:latin typeface="Bodoni MT Condensed" panose="02070606080606020203" pitchFamily="18" charset="0"/>
-              </a:rPr>
-              <a:t>MUNKAFELOSZTÁS - FRONTEND</a:t>
-            </a:r>
-            <a:endParaRPr lang="hu-HU" sz="4000" b="0" cap="none" spc="0" dirty="0">
-              <a:ln w="0"/>
-              <a:solidFill>
-                <a:schemeClr val="tx1"/>
-              </a:solidFill>
-              <a:effectLst>
-                <a:outerShdw blurRad="38100" dist="19050" dir="2700000" algn="tl" rotWithShape="0">
-                  <a:schemeClr val="dk1">
-                    <a:alpha val="40000"/>
-                  </a:schemeClr>
-                </a:outerShdw>
-              </a:effectLst>
-              <a:latin typeface="Bodoni MT Condensed" panose="02070606080606020203" pitchFamily="18" charset="0"/>
-            </a:endParaRPr>
-          </a:p>
-        </p:txBody>
-      </p:sp>
-      <p:sp>
-        <p:nvSpPr>
-          <p:cNvPr id="8" name="Téglalap 7">
-            <a:extLst>
-              <a:ext uri="{FF2B5EF4-FFF2-40B4-BE49-F238E27FC236}">
-                <a16:creationId xmlns:a16="http://schemas.microsoft.com/office/drawing/2014/main" id="{7F099F5B-6366-4CBF-8C85-681CE8A3E656}"/>
-              </a:ext>
-            </a:extLst>
-          </p:cNvPr>
-          <p:cNvSpPr/>
-          <p:nvPr/>
-        </p:nvSpPr>
-        <p:spPr>
-          <a:xfrm>
-            <a:off x="7586485" y="2139211"/>
-            <a:ext cx="4904397" cy="523220"/>
-          </a:xfrm>
-          <a:prstGeom prst="rect">
-            <a:avLst/>
-          </a:prstGeom>
-          <a:noFill/>
-        </p:spPr>
-        <p:txBody>
-          <a:bodyPr wrap="square" lIns="91440" tIns="45720" rIns="91440" bIns="45720">
-            <a:spAutoFit/>
-          </a:bodyPr>
-          <a:lstStyle/>
-          <a:p>
-            <a:pPr algn="ctr"/>
-            <a:r>
-              <a:rPr lang="hu-HU" sz="2800" b="0" cap="none" spc="0" dirty="0">
-                <a:ln w="0"/>
-                <a:solidFill>
-                  <a:schemeClr val="tx1"/>
-                </a:solidFill>
-                <a:effectLst>
-                  <a:outerShdw blurRad="38100" dist="19050" dir="2700000" algn="tl" rotWithShape="0">
-                    <a:schemeClr val="dk1">
-                      <a:alpha val="40000"/>
-                    </a:schemeClr>
-                  </a:outerShdw>
-                </a:effectLst>
-                <a:latin typeface="Bodoni MT Condensed" panose="02070606080606020203" pitchFamily="18" charset="0"/>
-              </a:rPr>
-              <a:t>NAGY LAURA</a:t>
-            </a:r>
+            <a:pPr lvl="4"/>
+            <a:r>
+              <a:rPr lang="hu-HU" sz="2800" dirty="0"/>
+              <a:t>GitHub </a:t>
+            </a:r>
+            <a:r>
+              <a:rPr lang="hu-HU" sz="2800" dirty="0" err="1"/>
+              <a:t>actions</a:t>
+            </a:r>
+            <a:endParaRPr lang="hu-HU" sz="2800" dirty="0"/>
+          </a:p>
+          <a:p>
+            <a:pPr lvl="4"/>
+            <a:r>
+              <a:rPr lang="hu-HU" sz="2800" dirty="0"/>
+              <a:t>Google Drive</a:t>
+            </a:r>
+          </a:p>
+          <a:p>
+            <a:pPr lvl="4"/>
+            <a:r>
+              <a:rPr lang="hu-HU" sz="2800" dirty="0" err="1"/>
+              <a:t>Teams</a:t>
+            </a:r>
+            <a:endParaRPr lang="hu-HU" sz="2800" dirty="0"/>
+          </a:p>
+          <a:p>
+            <a:pPr lvl="4"/>
+            <a:endParaRPr lang="hu-HU" sz="2800" dirty="0"/>
           </a:p>
         </p:txBody>
       </p:sp>
     </p:spTree>
     <p:extLst>
       <p:ext uri="{BB962C8B-B14F-4D97-AF65-F5344CB8AC3E}">
-        <p14:creationId xmlns:p14="http://schemas.microsoft.com/office/powerpoint/2010/main" val="1810387938"/>
+        <p14:creationId xmlns:p14="http://schemas.microsoft.com/office/powerpoint/2010/main" val="107580917"/>
       </p:ext>
     </p:extLst>
   </p:cSld>
@@ -11900,8 +11855,8 @@
         </p:nvSpPr>
         <p:spPr>
           <a:xfrm>
-            <a:off x="4888253" y="649651"/>
-            <a:ext cx="6111180" cy="632529"/>
+            <a:off x="5032899" y="501515"/>
+            <a:ext cx="5682448" cy="632529"/>
           </a:xfrm>
         </p:spPr>
         <p:txBody>
@@ -11912,7 +11867,7 @@
               <a:rPr lang="hu-HU" sz="2800" dirty="0">
                 <a:latin typeface="Bodoni MT Condensed" panose="02070606080606020203" pitchFamily="18" charset="0"/>
               </a:rPr>
-              <a:t>Publikálás és fájlok továbbítása egymás között</a:t>
+              <a:t>JÖVŐBELI TERVEINK ÉS fejlesztések</a:t>
             </a:r>
           </a:p>
         </p:txBody>
@@ -11935,168 +11890,19 @@
         </p:nvSpPr>
         <p:spPr>
           <a:xfrm>
-            <a:off x="3439343" y="2257858"/>
-            <a:ext cx="4800600" cy="3317962"/>
+            <a:off x="3430466" y="1531095"/>
+            <a:ext cx="4800600" cy="4720926"/>
           </a:xfrm>
         </p:spPr>
         <p:txBody>
           <a:bodyPr>
-            <a:normAutofit/>
+            <a:normAutofit lnSpcReduction="10000"/>
           </a:bodyPr>
           <a:lstStyle/>
           <a:p>
             <a:pPr lvl="4"/>
             <a:r>
               <a:rPr lang="hu-HU" sz="2800" dirty="0"/>
-              <a:t>GitHub </a:t>
-            </a:r>
-            <a:r>
-              <a:rPr lang="hu-HU" sz="2800" dirty="0" err="1"/>
-              <a:t>actions</a:t>
-            </a:r>
-            <a:endParaRPr lang="hu-HU" sz="2800" dirty="0"/>
-          </a:p>
-        </p:txBody>
-      </p:sp>
-    </p:spTree>
-    <p:extLst>
-      <p:ext uri="{BB962C8B-B14F-4D97-AF65-F5344CB8AC3E}">
-        <p14:creationId xmlns:p14="http://schemas.microsoft.com/office/powerpoint/2010/main" val="107580917"/>
-      </p:ext>
-    </p:extLst>
-  </p:cSld>
-  <p:clrMapOvr>
-    <a:masterClrMapping/>
-  </p:clrMapOvr>
-  <p:transition spd="med">
-    <p:pull/>
-  </p:transition>
-</p:sld>
-</file>
-
-<file path=ppt/slides/slide19.xml><?xml version="1.0" encoding="utf-8"?>
-<p:sld xmlns:a="http://schemas.openxmlformats.org/drawingml/2006/main" xmlns:r="http://schemas.openxmlformats.org/officeDocument/2006/relationships" xmlns:p="http://schemas.openxmlformats.org/presentationml/2006/main">
-  <p:cSld>
-    <p:spTree>
-      <p:nvGrpSpPr>
-        <p:cNvPr id="1" name=""/>
-        <p:cNvGrpSpPr/>
-        <p:nvPr/>
-      </p:nvGrpSpPr>
-      <p:grpSpPr>
-        <a:xfrm>
-          <a:off x="0" y="0"/>
-          <a:ext cx="0" cy="0"/>
-          <a:chOff x="0" y="0"/>
-          <a:chExt cx="0" cy="0"/>
-        </a:xfrm>
-      </p:grpSpPr>
-      <p:sp>
-        <p:nvSpPr>
-          <p:cNvPr id="2" name="Cím 1">
-            <a:extLst>
-              <a:ext uri="{FF2B5EF4-FFF2-40B4-BE49-F238E27FC236}">
-                <a16:creationId xmlns:a16="http://schemas.microsoft.com/office/drawing/2014/main" id="{87933A0E-9625-4A4D-99E1-05AC1A667EA4}"/>
-              </a:ext>
-            </a:extLst>
-          </p:cNvPr>
-          <p:cNvSpPr>
-            <a:spLocks noGrp="1"/>
-          </p:cNvSpPr>
-          <p:nvPr>
-            <p:ph type="title"/>
-          </p:nvPr>
-        </p:nvSpPr>
-        <p:spPr>
-          <a:xfrm>
-            <a:off x="1009650" y="0"/>
-            <a:ext cx="10172700" cy="1493517"/>
-          </a:xfrm>
-        </p:spPr>
-        <p:txBody>
-          <a:bodyPr>
-            <a:normAutofit/>
-          </a:bodyPr>
-          <a:lstStyle/>
-          <a:p>
-            <a:r>
-              <a:rPr lang="hu-HU" sz="9600" dirty="0" err="1">
-                <a:latin typeface="Bodoni MT Condensed" panose="02070606080606020203" pitchFamily="18" charset="0"/>
-              </a:rPr>
-              <a:t>DRIVEus</a:t>
-            </a:r>
-            <a:endParaRPr lang="hu-HU" sz="9600" dirty="0">
-              <a:latin typeface="Bodoni MT Condensed" panose="02070606080606020203" pitchFamily="18" charset="0"/>
-            </a:endParaRPr>
-          </a:p>
-        </p:txBody>
-      </p:sp>
-      <p:sp>
-        <p:nvSpPr>
-          <p:cNvPr id="3" name="Szöveg helye 2">
-            <a:extLst>
-              <a:ext uri="{FF2B5EF4-FFF2-40B4-BE49-F238E27FC236}">
-                <a16:creationId xmlns:a16="http://schemas.microsoft.com/office/drawing/2014/main" id="{2A066B12-822F-4795-829B-C76A5792BC42}"/>
-              </a:ext>
-            </a:extLst>
-          </p:cNvPr>
-          <p:cNvSpPr>
-            <a:spLocks noGrp="1"/>
-          </p:cNvSpPr>
-          <p:nvPr>
-            <p:ph type="body" idx="1"/>
-          </p:nvPr>
-        </p:nvSpPr>
-        <p:spPr>
-          <a:xfrm>
-            <a:off x="5032899" y="501515"/>
-            <a:ext cx="5682448" cy="632529"/>
-          </a:xfrm>
-        </p:spPr>
-        <p:txBody>
-          <a:bodyPr/>
-          <a:lstStyle/>
-          <a:p>
-            <a:r>
-              <a:rPr lang="hu-HU" sz="2800" dirty="0">
-                <a:latin typeface="Bodoni MT Condensed" panose="02070606080606020203" pitchFamily="18" charset="0"/>
-              </a:rPr>
-              <a:t>JÖVŐBELI TERVEINK ÉS fejlesztések</a:t>
-            </a:r>
-          </a:p>
-        </p:txBody>
-      </p:sp>
-      <p:sp>
-        <p:nvSpPr>
-          <p:cNvPr id="4" name="Tartalom helye 3">
-            <a:extLst>
-              <a:ext uri="{FF2B5EF4-FFF2-40B4-BE49-F238E27FC236}">
-                <a16:creationId xmlns:a16="http://schemas.microsoft.com/office/drawing/2014/main" id="{9EA5D02B-5ABA-4969-A302-4A2A9EAD84A0}"/>
-              </a:ext>
-            </a:extLst>
-          </p:cNvPr>
-          <p:cNvSpPr>
-            <a:spLocks noGrp="1"/>
-          </p:cNvSpPr>
-          <p:nvPr>
-            <p:ph sz="half" idx="2"/>
-          </p:nvPr>
-        </p:nvSpPr>
-        <p:spPr>
-          <a:xfrm>
-            <a:off x="3217402" y="2391023"/>
-            <a:ext cx="4800600" cy="3317962"/>
-          </a:xfrm>
-        </p:spPr>
-        <p:txBody>
-          <a:bodyPr>
-            <a:normAutofit/>
-          </a:bodyPr>
-          <a:lstStyle/>
-          <a:p>
-            <a:pPr lvl="4"/>
-            <a:r>
-              <a:rPr lang="hu-HU" sz="2800" dirty="0"/>
               <a:t>Telefonos applikáció</a:t>
             </a:r>
           </a:p>
@@ -12107,6 +11913,29 @@
               <a:t>Hírdetések</a:t>
             </a:r>
             <a:endParaRPr lang="hu-HU" sz="2800" dirty="0"/>
+          </a:p>
+          <a:p>
+            <a:pPr lvl="4"/>
+            <a:r>
+              <a:rPr lang="hu-HU" sz="2800" dirty="0" err="1"/>
+              <a:t>Admin</a:t>
+            </a:r>
+            <a:r>
+              <a:rPr lang="hu-HU" sz="2800" dirty="0"/>
+              <a:t> felületben lévő további opciók hozzáadása és </a:t>
+            </a:r>
+            <a:r>
+              <a:rPr lang="hu-HU" sz="2800" dirty="0" err="1"/>
+              <a:t>fejleztése</a:t>
+            </a:r>
+            <a:endParaRPr lang="hu-HU" sz="2800" dirty="0"/>
+          </a:p>
+          <a:p>
+            <a:pPr lvl="4"/>
+            <a:r>
+              <a:rPr lang="hu-HU" sz="2800" dirty="0"/>
+              <a:t>Online kártyás fizetés</a:t>
+            </a:r>
           </a:p>
         </p:txBody>
       </p:sp>
@@ -12126,7 +11955,7 @@
 </p:sld>
 </file>
 
-<file path=ppt/slides/slide2.xml><?xml version="1.0" encoding="utf-8"?>
+<file path=ppt/slides/slide19.xml><?xml version="1.0" encoding="utf-8"?>
 <p:sld xmlns:a="http://schemas.openxmlformats.org/drawingml/2006/main" xmlns:r="http://schemas.openxmlformats.org/officeDocument/2006/relationships" xmlns:p="http://schemas.openxmlformats.org/presentationml/2006/main">
   <p:cSld>
     <p:bg>
@@ -12232,8 +12061,8 @@
         </p:nvSpPr>
         <p:spPr>
           <a:xfrm>
-            <a:off x="488571" y="2378530"/>
-            <a:ext cx="6102775" cy="2750601"/>
+            <a:off x="626795" y="1028699"/>
+            <a:ext cx="5875694" cy="4504620"/>
           </a:xfrm>
         </p:spPr>
         <p:txBody>
@@ -12278,13 +12107,13 @@
         </p:nvSpPr>
         <p:spPr>
           <a:xfrm>
-            <a:off x="643158" y="5572664"/>
+            <a:off x="708467" y="5572664"/>
             <a:ext cx="5877385" cy="841803"/>
           </a:xfrm>
         </p:spPr>
         <p:txBody>
           <a:bodyPr rtlCol="0">
-            <a:normAutofit fontScale="85000" lnSpcReduction="20000"/>
+            <a:normAutofit/>
           </a:bodyPr>
           <a:lstStyle/>
           <a:p>
@@ -12295,64 +12124,8 @@
                   <a:schemeClr val="tx1"/>
                 </a:solidFill>
               </a:rPr>
-              <a:t>készítette:</a:t>
-            </a:r>
-          </a:p>
-          <a:p>
-            <a:pPr rtl="0"/>
-            <a:r>
-              <a:rPr lang="hu-HU" dirty="0">
-                <a:solidFill>
-                  <a:schemeClr val="tx1"/>
-                </a:solidFill>
-              </a:rPr>
-              <a:t>Bakos </a:t>
-            </a:r>
-            <a:r>
-              <a:rPr lang="hu-HU" dirty="0" err="1">
-                <a:solidFill>
-                  <a:schemeClr val="tx1"/>
-                </a:solidFill>
-              </a:rPr>
-              <a:t>henriett</a:t>
-            </a:r>
-            <a:r>
-              <a:rPr lang="hu-HU" dirty="0">
-                <a:solidFill>
-                  <a:schemeClr val="tx1"/>
-                </a:solidFill>
-              </a:rPr>
-              <a:t>, </a:t>
-            </a:r>
-            <a:r>
-              <a:rPr lang="hu-HU" dirty="0" err="1">
-                <a:solidFill>
-                  <a:schemeClr val="tx1"/>
-                </a:solidFill>
-              </a:rPr>
-              <a:t>Gyura</a:t>
-            </a:r>
-            <a:r>
-              <a:rPr lang="hu-HU" dirty="0">
-                <a:solidFill>
-                  <a:schemeClr val="tx1"/>
-                </a:solidFill>
-              </a:rPr>
-              <a:t> Gabriella, nagy </a:t>
-            </a:r>
-            <a:r>
-              <a:rPr lang="hu-HU" dirty="0" err="1">
-                <a:solidFill>
-                  <a:schemeClr val="tx1"/>
-                </a:solidFill>
-              </a:rPr>
-              <a:t>laura</a:t>
-            </a:r>
-            <a:endParaRPr lang="hu-HU" dirty="0">
-              <a:solidFill>
-                <a:schemeClr val="tx1"/>
-              </a:solidFill>
-            </a:endParaRPr>
+              <a:t>Köszönjük a figyelmet!</a:t>
+            </a:r>
           </a:p>
         </p:txBody>
       </p:sp>
@@ -13581,1815 +13354,6 @@
         </p:blipFill>
         <p:spPr>
           <a:xfrm>
-            <a:off x="6766174" y="0"/>
-            <a:ext cx="5305441" cy="6858000"/>
-          </a:xfrm>
-          <a:prstGeom prst="rect">
-            <a:avLst/>
-          </a:prstGeom>
-        </p:spPr>
-      </p:pic>
-      <p:sp>
-        <p:nvSpPr>
-          <p:cNvPr id="14" name="Folyamatábra: Lyukszalag 13">
-            <a:extLst>
-              <a:ext uri="{FF2B5EF4-FFF2-40B4-BE49-F238E27FC236}">
-                <a16:creationId xmlns:a16="http://schemas.microsoft.com/office/drawing/2014/main" id="{7C5185A9-C8A6-4805-919B-FED938BA1462}"/>
-              </a:ext>
-            </a:extLst>
-          </p:cNvPr>
-          <p:cNvSpPr/>
-          <p:nvPr/>
-        </p:nvSpPr>
-        <p:spPr>
-          <a:xfrm rot="16200000">
-            <a:off x="5748336" y="2796378"/>
-            <a:ext cx="695325" cy="395025"/>
-          </a:xfrm>
-          <a:prstGeom prst="flowChartPunchedTape">
-            <a:avLst/>
-          </a:prstGeom>
-          <a:ln>
-            <a:noFill/>
-          </a:ln>
-        </p:spPr>
-        <p:style>
-          <a:lnRef idx="2">
-            <a:schemeClr val="accent1">
-              <a:shade val="50000"/>
-            </a:schemeClr>
-          </a:lnRef>
-          <a:fillRef idx="1">
-            <a:schemeClr val="accent1"/>
-          </a:fillRef>
-          <a:effectRef idx="0">
-            <a:schemeClr val="accent1"/>
-          </a:effectRef>
-          <a:fontRef idx="minor">
-            <a:schemeClr val="lt1"/>
-          </a:fontRef>
-        </p:style>
-        <p:txBody>
-          <a:bodyPr rtlCol="0" anchor="ctr"/>
-          <a:lstStyle/>
-          <a:p>
-            <a:pPr algn="ctr"/>
-            <a:endParaRPr lang="hu-HU"/>
-          </a:p>
-        </p:txBody>
-      </p:sp>
-      <p:pic>
-        <p:nvPicPr>
-          <p:cNvPr id="5" name="Kép 4">
-            <a:extLst>
-              <a:ext uri="{FF2B5EF4-FFF2-40B4-BE49-F238E27FC236}">
-                <a16:creationId xmlns:a16="http://schemas.microsoft.com/office/drawing/2014/main" id="{5854D014-8045-4EE3-97E2-6F94E17E243C}"/>
-              </a:ext>
-            </a:extLst>
-          </p:cNvPr>
-          <p:cNvPicPr>
-            <a:picLocks noChangeAspect="1"/>
-          </p:cNvPicPr>
-          <p:nvPr/>
-        </p:nvPicPr>
-        <p:blipFill rotWithShape="1">
-          <a:blip r:embed="rId4"/>
-          <a:srcRect l="22722" t="15714" r="23090" b="35110"/>
-          <a:stretch/>
-        </p:blipFill>
-        <p:spPr>
-          <a:xfrm>
-            <a:off x="7971861" y="2495623"/>
-            <a:ext cx="2829489" cy="1691859"/>
-          </a:xfrm>
-          <a:prstGeom prst="rect">
-            <a:avLst/>
-          </a:prstGeom>
-        </p:spPr>
-      </p:pic>
-      <p:sp>
-        <p:nvSpPr>
-          <p:cNvPr id="4" name="Kivonás jele 3">
-            <a:extLst>
-              <a:ext uri="{FF2B5EF4-FFF2-40B4-BE49-F238E27FC236}">
-                <a16:creationId xmlns:a16="http://schemas.microsoft.com/office/drawing/2014/main" id="{633E43B4-4187-4BB5-AB4B-041DDB108B5D}"/>
-              </a:ext>
-            </a:extLst>
-          </p:cNvPr>
-          <p:cNvSpPr/>
-          <p:nvPr/>
-        </p:nvSpPr>
-        <p:spPr>
-          <a:xfrm>
-            <a:off x="6892768" y="-4156452"/>
-            <a:ext cx="476250" cy="10843001"/>
-          </a:xfrm>
-          <a:prstGeom prst="mathMinus">
-            <a:avLst/>
-          </a:prstGeom>
-          <a:ln>
-            <a:noFill/>
-          </a:ln>
-        </p:spPr>
-        <p:style>
-          <a:lnRef idx="2">
-            <a:schemeClr val="accent1">
-              <a:shade val="50000"/>
-            </a:schemeClr>
-          </a:lnRef>
-          <a:fillRef idx="1">
-            <a:schemeClr val="accent1"/>
-          </a:fillRef>
-          <a:effectRef idx="0">
-            <a:schemeClr val="accent1"/>
-          </a:effectRef>
-          <a:fontRef idx="minor">
-            <a:schemeClr val="lt1"/>
-          </a:fontRef>
-        </p:style>
-        <p:txBody>
-          <a:bodyPr rtlCol="0" anchor="ctr"/>
-          <a:lstStyle/>
-          <a:p>
-            <a:pPr algn="ctr"/>
-            <a:endParaRPr lang="hu-HU" dirty="0"/>
-          </a:p>
-        </p:txBody>
-      </p:sp>
-      <p:sp>
-        <p:nvSpPr>
-          <p:cNvPr id="20" name="Kivonás jele 19">
-            <a:extLst>
-              <a:ext uri="{FF2B5EF4-FFF2-40B4-BE49-F238E27FC236}">
-                <a16:creationId xmlns:a16="http://schemas.microsoft.com/office/drawing/2014/main" id="{2E946FCF-01D9-45E7-B97D-D5DEF42DAC72}"/>
-              </a:ext>
-            </a:extLst>
-          </p:cNvPr>
-          <p:cNvSpPr/>
-          <p:nvPr/>
-        </p:nvSpPr>
-        <p:spPr>
-          <a:xfrm>
-            <a:off x="6892768" y="-1632327"/>
-            <a:ext cx="476250" cy="10843001"/>
-          </a:xfrm>
-          <a:prstGeom prst="mathMinus">
-            <a:avLst/>
-          </a:prstGeom>
-          <a:ln>
-            <a:noFill/>
-          </a:ln>
-        </p:spPr>
-        <p:style>
-          <a:lnRef idx="2">
-            <a:schemeClr val="accent1">
-              <a:shade val="50000"/>
-            </a:schemeClr>
-          </a:lnRef>
-          <a:fillRef idx="1">
-            <a:schemeClr val="accent1"/>
-          </a:fillRef>
-          <a:effectRef idx="0">
-            <a:schemeClr val="accent1"/>
-          </a:effectRef>
-          <a:fontRef idx="minor">
-            <a:schemeClr val="lt1"/>
-          </a:fontRef>
-        </p:style>
-        <p:txBody>
-          <a:bodyPr rtlCol="0" anchor="ctr"/>
-          <a:lstStyle/>
-          <a:p>
-            <a:pPr algn="ctr"/>
-            <a:endParaRPr lang="hu-HU" dirty="0"/>
-          </a:p>
-        </p:txBody>
-      </p:sp>
-      <p:sp>
-        <p:nvSpPr>
-          <p:cNvPr id="21" name="Kivonás jele 20">
-            <a:extLst>
-              <a:ext uri="{FF2B5EF4-FFF2-40B4-BE49-F238E27FC236}">
-                <a16:creationId xmlns:a16="http://schemas.microsoft.com/office/drawing/2014/main" id="{A30F4E0D-2BC0-4A3D-953A-13099B9EA3B4}"/>
-              </a:ext>
-            </a:extLst>
-          </p:cNvPr>
-          <p:cNvSpPr/>
-          <p:nvPr/>
-        </p:nvSpPr>
-        <p:spPr>
-          <a:xfrm>
-            <a:off x="6892768" y="171451"/>
-            <a:ext cx="476250" cy="10843001"/>
-          </a:xfrm>
-          <a:prstGeom prst="mathMinus">
-            <a:avLst/>
-          </a:prstGeom>
-          <a:ln>
-            <a:noFill/>
-          </a:ln>
-        </p:spPr>
-        <p:style>
-          <a:lnRef idx="2">
-            <a:schemeClr val="accent1">
-              <a:shade val="50000"/>
-            </a:schemeClr>
-          </a:lnRef>
-          <a:fillRef idx="1">
-            <a:schemeClr val="accent1"/>
-          </a:fillRef>
-          <a:effectRef idx="0">
-            <a:schemeClr val="accent1"/>
-          </a:effectRef>
-          <a:fontRef idx="minor">
-            <a:schemeClr val="lt1"/>
-          </a:fontRef>
-        </p:style>
-        <p:txBody>
-          <a:bodyPr rtlCol="0" anchor="ctr"/>
-          <a:lstStyle/>
-          <a:p>
-            <a:pPr algn="ctr"/>
-            <a:endParaRPr lang="hu-HU" dirty="0"/>
-          </a:p>
-        </p:txBody>
-      </p:sp>
-      <p:sp>
-        <p:nvSpPr>
-          <p:cNvPr id="6" name="Téglalap 5">
-            <a:extLst>
-              <a:ext uri="{FF2B5EF4-FFF2-40B4-BE49-F238E27FC236}">
-                <a16:creationId xmlns:a16="http://schemas.microsoft.com/office/drawing/2014/main" id="{327146B0-17CC-4684-94A1-F964AE6B01D3}"/>
-              </a:ext>
-            </a:extLst>
-          </p:cNvPr>
-          <p:cNvSpPr/>
-          <p:nvPr/>
-        </p:nvSpPr>
-        <p:spPr>
-          <a:xfrm>
-            <a:off x="814082" y="909115"/>
-            <a:ext cx="5535535" cy="2585323"/>
-          </a:xfrm>
-          <a:prstGeom prst="rect">
-            <a:avLst/>
-          </a:prstGeom>
-          <a:noFill/>
-        </p:spPr>
-        <p:txBody>
-          <a:bodyPr wrap="square" lIns="91440" tIns="45720" rIns="91440" bIns="45720">
-            <a:spAutoFit/>
-          </a:bodyPr>
-          <a:lstStyle/>
-          <a:p>
-            <a:pPr algn="ctr"/>
-            <a:r>
-              <a:rPr lang="hu-HU" b="1" dirty="0"/>
-              <a:t>Budapesti Gazdasági Szakképzési Centrum Pestszentlőrinci Technikum</a:t>
-            </a:r>
-          </a:p>
-          <a:p>
-            <a:pPr algn="ctr"/>
-            <a:endParaRPr lang="hu-HU" b="1" dirty="0"/>
-          </a:p>
-          <a:p>
-            <a:pPr algn="ctr"/>
-            <a:r>
-              <a:rPr lang="nb-NO" dirty="0"/>
-              <a:t> 1184 Budapest Hengersor u. 34.</a:t>
-            </a:r>
-            <a:endParaRPr lang="hu-HU" dirty="0"/>
-          </a:p>
-          <a:p>
-            <a:pPr algn="ctr"/>
-            <a:endParaRPr lang="hu-HU" dirty="0"/>
-          </a:p>
-          <a:p>
-            <a:endParaRPr lang="hu-HU" dirty="0"/>
-          </a:p>
-          <a:p>
-            <a:pPr algn="ctr"/>
-            <a:endParaRPr lang="hu-HU" sz="5400" b="1" cap="none" spc="0" dirty="0">
-              <a:ln/>
-              <a:pattFill prst="dkUpDiag">
-                <a:fgClr>
-                  <a:schemeClr val="bg1">
-                    <a:lumMod val="50000"/>
-                  </a:schemeClr>
-                </a:fgClr>
-                <a:bgClr>
-                  <a:schemeClr val="tx1">
-                    <a:lumMod val="75000"/>
-                    <a:lumOff val="25000"/>
-                  </a:schemeClr>
-                </a:bgClr>
-              </a:pattFill>
-              <a:effectLst>
-                <a:outerShdw blurRad="38100" dist="19050" dir="2700000" algn="tl" rotWithShape="0">
-                  <a:schemeClr val="dk1">
-                    <a:lumMod val="50000"/>
-                    <a:alpha val="40000"/>
-                  </a:schemeClr>
-                </a:outerShdw>
-              </a:effectLst>
-            </a:endParaRPr>
-          </a:p>
-        </p:txBody>
-      </p:sp>
-      <p:sp>
-        <p:nvSpPr>
-          <p:cNvPr id="7" name="Téglalap 6">
-            <a:extLst>
-              <a:ext uri="{FF2B5EF4-FFF2-40B4-BE49-F238E27FC236}">
-                <a16:creationId xmlns:a16="http://schemas.microsoft.com/office/drawing/2014/main" id="{556B3311-B190-4294-B92D-4F27FA6188B9}"/>
-              </a:ext>
-            </a:extLst>
-          </p:cNvPr>
-          <p:cNvSpPr/>
-          <p:nvPr/>
-        </p:nvSpPr>
-        <p:spPr>
-          <a:xfrm>
-            <a:off x="-44615" y="-1152"/>
-            <a:ext cx="5316147" cy="1408078"/>
-          </a:xfrm>
-          <a:prstGeom prst="rect">
-            <a:avLst/>
-          </a:prstGeom>
-          <a:noFill/>
-        </p:spPr>
-        <p:txBody>
-          <a:bodyPr wrap="square" lIns="91440" tIns="45720" rIns="91440" bIns="45720">
-            <a:spAutoFit/>
-          </a:bodyPr>
-          <a:lstStyle/>
-          <a:p>
-            <a:r>
-              <a:rPr lang="hu-HU" sz="1050" dirty="0"/>
-              <a:t>OM kód: 203061/012</a:t>
-            </a:r>
-          </a:p>
-          <a:p>
-            <a:r>
-              <a:rPr lang="hu-HU" sz="1050" dirty="0"/>
-              <a:t>E-mail cím: </a:t>
-            </a:r>
-            <a:r>
-              <a:rPr lang="hu-HU" sz="1050" dirty="0">
-                <a:hlinkClick r:id="rId5"/>
-              </a:rPr>
-              <a:t>titkar@hengersor.hu</a:t>
-            </a:r>
-            <a:endParaRPr lang="hu-HU" sz="1050" dirty="0"/>
-          </a:p>
-          <a:p>
-            <a:r>
-              <a:rPr lang="nb-NO" sz="1050" dirty="0"/>
-              <a:t>Telefon: +36 30 369 7855</a:t>
-            </a:r>
-          </a:p>
-          <a:p>
-            <a:pPr algn="ctr"/>
-            <a:endParaRPr lang="hu-HU" sz="5400" b="0" cap="none" spc="0" dirty="0">
-              <a:ln w="0"/>
-              <a:solidFill>
-                <a:schemeClr val="tx1"/>
-              </a:solidFill>
-              <a:effectLst>
-                <a:outerShdw blurRad="38100" dist="19050" dir="2700000" algn="tl" rotWithShape="0">
-                  <a:schemeClr val="dk1">
-                    <a:alpha val="40000"/>
-                  </a:schemeClr>
-                </a:outerShdw>
-              </a:effectLst>
-            </a:endParaRPr>
-          </a:p>
-        </p:txBody>
-      </p:sp>
-    </p:spTree>
-    <p:extLst>
-      <p:ext uri="{BB962C8B-B14F-4D97-AF65-F5344CB8AC3E}">
-        <p14:creationId xmlns:p14="http://schemas.microsoft.com/office/powerpoint/2010/main" val="3910007485"/>
-      </p:ext>
-    </p:extLst>
-  </p:cSld>
-  <p:clrMapOvr>
-    <a:masterClrMapping/>
-  </p:clrMapOvr>
-  <mc:AlternateContent xmlns:mc="http://schemas.openxmlformats.org/markup-compatibility/2006">
-    <mc:Choice xmlns:p14="http://schemas.microsoft.com/office/powerpoint/2010/main" Requires="p14">
-      <p:transition spd="slow" p14:dur="1500">
-        <p:split orient="vert"/>
-      </p:transition>
-    </mc:Choice>
-    <mc:Fallback>
-      <p:transition spd="slow">
-        <p:split orient="vert"/>
-      </p:transition>
-    </mc:Fallback>
-  </mc:AlternateContent>
-</p:sld>
-</file>
-
-<file path=ppt/slides/slide20.xml><?xml version="1.0" encoding="utf-8"?>
-<p:sld xmlns:a="http://schemas.openxmlformats.org/drawingml/2006/main" xmlns:r="http://schemas.openxmlformats.org/officeDocument/2006/relationships" xmlns:p="http://schemas.openxmlformats.org/presentationml/2006/main" show="0">
-  <p:cSld>
-    <p:bg>
-      <p:bgPr>
-        <a:solidFill>
-          <a:schemeClr val="accent1"/>
-        </a:solidFill>
-        <a:effectLst/>
-      </p:bgPr>
-    </p:bg>
-    <p:spTree>
-      <p:nvGrpSpPr>
-        <p:cNvPr id="1" name=""/>
-        <p:cNvGrpSpPr/>
-        <p:nvPr/>
-      </p:nvGrpSpPr>
-      <p:grpSpPr>
-        <a:xfrm>
-          <a:off x="0" y="0"/>
-          <a:ext cx="0" cy="0"/>
-          <a:chOff x="0" y="0"/>
-          <a:chExt cx="0" cy="0"/>
-        </a:xfrm>
-      </p:grpSpPr>
-      <p:sp>
-        <p:nvSpPr>
-          <p:cNvPr id="17" name="Téglalap 16">
-            <a:extLst>
-              <a:ext uri="{FF2B5EF4-FFF2-40B4-BE49-F238E27FC236}">
-                <a16:creationId xmlns:a16="http://schemas.microsoft.com/office/drawing/2014/main" id="{415DEDD7-7B31-4EF1-B7C7-5AEE3208CC1D}"/>
-              </a:ext>
-              <a:ext uri="{C183D7F6-B498-43B3-948B-1728B52AA6E4}">
-                <adec:decorative xmlns:adec="http://schemas.microsoft.com/office/drawing/2017/decorative" val="1"/>
-              </a:ext>
-            </a:extLst>
-          </p:cNvPr>
-          <p:cNvSpPr>
-            <a:spLocks noGrp="1" noRot="1" noChangeAspect="1" noMove="1" noResize="1" noEditPoints="1" noAdjustHandles="1" noChangeArrowheads="1" noChangeShapeType="1" noTextEdit="1"/>
-          </p:cNvSpPr>
-          <p:nvPr>
-            <p:extLst>
-              <p:ext uri="{386F3935-93C4-4BCD-93E2-E3B085C9AB24}">
-                <p16:designElem xmlns:p16="http://schemas.microsoft.com/office/powerpoint/2015/main" val="1"/>
-              </p:ext>
-            </p:extLst>
-          </p:nvPr>
-        </p:nvSpPr>
-        <p:spPr bwMode="ltGray">
-          <a:xfrm>
-            <a:off x="1" y="0"/>
-            <a:ext cx="12191996" cy="6858000"/>
-          </a:xfrm>
-          <a:prstGeom prst="rect">
-            <a:avLst/>
-          </a:prstGeom>
-          <a:solidFill>
-            <a:schemeClr val="accent1"/>
-          </a:solidFill>
-          <a:ln>
-            <a:noFill/>
-          </a:ln>
-        </p:spPr>
-        <p:style>
-          <a:lnRef idx="2">
-            <a:schemeClr val="accent1">
-              <a:shade val="50000"/>
-            </a:schemeClr>
-          </a:lnRef>
-          <a:fillRef idx="1">
-            <a:schemeClr val="accent1"/>
-          </a:fillRef>
-          <a:effectRef idx="0">
-            <a:schemeClr val="accent1"/>
-          </a:effectRef>
-          <a:fontRef idx="minor">
-            <a:schemeClr val="lt1"/>
-          </a:fontRef>
-        </p:style>
-        <p:txBody>
-          <a:bodyPr rtlCol="0" anchor="ctr"/>
-          <a:lstStyle/>
-          <a:p>
-            <a:pPr algn="ctr" rtl="0"/>
-            <a:endParaRPr lang="hu-HU" dirty="0"/>
-          </a:p>
-        </p:txBody>
-      </p:sp>
-      <p:sp>
-        <p:nvSpPr>
-          <p:cNvPr id="2" name="Cím 1">
-            <a:extLst>
-              <a:ext uri="{FF2B5EF4-FFF2-40B4-BE49-F238E27FC236}">
-                <a16:creationId xmlns:a16="http://schemas.microsoft.com/office/drawing/2014/main" id="{C36A1A43-B750-4259-AA02-68777493B108}"/>
-              </a:ext>
-            </a:extLst>
-          </p:cNvPr>
-          <p:cNvSpPr>
-            <a:spLocks noGrp="1"/>
-          </p:cNvSpPr>
-          <p:nvPr>
-            <p:ph type="ctrTitle"/>
-          </p:nvPr>
-        </p:nvSpPr>
-        <p:spPr>
-          <a:xfrm>
-            <a:off x="626795" y="1028699"/>
-            <a:ext cx="5875694" cy="4504620"/>
-          </a:xfrm>
-        </p:spPr>
-        <p:txBody>
-          <a:bodyPr rtlCol="0">
-            <a:normAutofit/>
-          </a:bodyPr>
-          <a:lstStyle/>
-          <a:p>
-            <a:r>
-              <a:rPr lang="hu-HU" sz="9600" dirty="0" err="1">
-                <a:solidFill>
-                  <a:schemeClr val="tx1"/>
-                </a:solidFill>
-                <a:latin typeface="Bodoni MT Condensed" panose="02070606080606020203" pitchFamily="18" charset="0"/>
-              </a:rPr>
-              <a:t>DriveUs</a:t>
-            </a:r>
-            <a:endParaRPr lang="hu-HU" sz="9600" dirty="0">
-              <a:solidFill>
-                <a:schemeClr val="tx1"/>
-              </a:solidFill>
-              <a:latin typeface="Bodoni MT Condensed" panose="02070606080606020203" pitchFamily="18" charset="0"/>
-            </a:endParaRPr>
-          </a:p>
-        </p:txBody>
-      </p:sp>
-      <p:sp>
-        <p:nvSpPr>
-          <p:cNvPr id="3" name="Alcím 2">
-            <a:extLst>
-              <a:ext uri="{FF2B5EF4-FFF2-40B4-BE49-F238E27FC236}">
-                <a16:creationId xmlns:a16="http://schemas.microsoft.com/office/drawing/2014/main" id="{01F61DBF-2C3F-4F06-BAE0-5C6A7317D5C9}"/>
-              </a:ext>
-            </a:extLst>
-          </p:cNvPr>
-          <p:cNvSpPr>
-            <a:spLocks noGrp="1"/>
-          </p:cNvSpPr>
-          <p:nvPr>
-            <p:ph type="subTitle" idx="1"/>
-          </p:nvPr>
-        </p:nvSpPr>
-        <p:spPr>
-          <a:xfrm>
-            <a:off x="708467" y="5572664"/>
-            <a:ext cx="5877385" cy="841803"/>
-          </a:xfrm>
-        </p:spPr>
-        <p:txBody>
-          <a:bodyPr rtlCol="0">
-            <a:normAutofit/>
-          </a:bodyPr>
-          <a:lstStyle/>
-          <a:p>
-            <a:pPr rtl="0"/>
-            <a:r>
-              <a:rPr lang="hu-HU" dirty="0">
-                <a:solidFill>
-                  <a:schemeClr val="tx1"/>
-                </a:solidFill>
-              </a:rPr>
-              <a:t>Köszönjük a figyelmet!</a:t>
-            </a:r>
-          </a:p>
-        </p:txBody>
-      </p:sp>
-      <p:sp>
-        <p:nvSpPr>
-          <p:cNvPr id="19" name="Szabadkézi alakzat: Alakzat 18">
-            <a:extLst>
-              <a:ext uri="{FF2B5EF4-FFF2-40B4-BE49-F238E27FC236}">
-                <a16:creationId xmlns:a16="http://schemas.microsoft.com/office/drawing/2014/main" id="{3242CC7A-3D6E-47A4-B9D1-860978459846}"/>
-              </a:ext>
-              <a:ext uri="{C183D7F6-B498-43B3-948B-1728B52AA6E4}">
-                <adec:decorative xmlns:adec="http://schemas.microsoft.com/office/drawing/2017/decorative" val="1"/>
-              </a:ext>
-            </a:extLst>
-          </p:cNvPr>
-          <p:cNvSpPr>
-            <a:spLocks noGrp="1" noRot="1" noChangeAspect="1" noMove="1" noResize="1" noEditPoints="1" noAdjustHandles="1" noChangeArrowheads="1" noChangeShapeType="1" noTextEdit="1"/>
-          </p:cNvSpPr>
-          <p:nvPr>
-            <p:extLst>
-              <p:ext uri="{386F3935-93C4-4BCD-93E2-E3B085C9AB24}">
-                <p16:designElem xmlns:p16="http://schemas.microsoft.com/office/powerpoint/2015/main" val="1"/>
-              </p:ext>
-            </p:extLst>
-          </p:nvPr>
-        </p:nvSpPr>
-        <p:spPr>
-          <a:xfrm>
-            <a:off x="6766174" y="0"/>
-            <a:ext cx="5282519" cy="6858000"/>
-          </a:xfrm>
-          <a:custGeom>
-            <a:avLst/>
-            <a:gdLst>
-              <a:gd name="connsiteX0" fmla="*/ 189795 w 5282519"/>
-              <a:gd name="connsiteY0" fmla="*/ 0 h 6858000"/>
-              <a:gd name="connsiteX1" fmla="*/ 5282519 w 5282519"/>
-              <a:gd name="connsiteY1" fmla="*/ 0 h 6858000"/>
-              <a:gd name="connsiteX2" fmla="*/ 5282519 w 5282519"/>
-              <a:gd name="connsiteY2" fmla="*/ 6858000 h 6858000"/>
-              <a:gd name="connsiteX3" fmla="*/ 189795 w 5282519"/>
-              <a:gd name="connsiteY3" fmla="*/ 6858000 h 6858000"/>
-              <a:gd name="connsiteX4" fmla="*/ 184756 w 5282519"/>
-              <a:gd name="connsiteY4" fmla="*/ 6791325 h 6858000"/>
-              <a:gd name="connsiteX5" fmla="*/ 176358 w 5282519"/>
-              <a:gd name="connsiteY5" fmla="*/ 6735762 h 6858000"/>
-              <a:gd name="connsiteX6" fmla="*/ 166281 w 5282519"/>
-              <a:gd name="connsiteY6" fmla="*/ 6683375 h 6858000"/>
-              <a:gd name="connsiteX7" fmla="*/ 149485 w 5282519"/>
-              <a:gd name="connsiteY7" fmla="*/ 6640512 h 6858000"/>
-              <a:gd name="connsiteX8" fmla="*/ 132689 w 5282519"/>
-              <a:gd name="connsiteY8" fmla="*/ 6597650 h 6858000"/>
-              <a:gd name="connsiteX9" fmla="*/ 112534 w 5282519"/>
-              <a:gd name="connsiteY9" fmla="*/ 6561137 h 6858000"/>
-              <a:gd name="connsiteX10" fmla="*/ 92379 w 5282519"/>
-              <a:gd name="connsiteY10" fmla="*/ 6523037 h 6858000"/>
-              <a:gd name="connsiteX11" fmla="*/ 73903 w 5282519"/>
-              <a:gd name="connsiteY11" fmla="*/ 6488112 h 6858000"/>
-              <a:gd name="connsiteX12" fmla="*/ 55427 w 5282519"/>
-              <a:gd name="connsiteY12" fmla="*/ 6448425 h 6858000"/>
-              <a:gd name="connsiteX13" fmla="*/ 38632 w 5282519"/>
-              <a:gd name="connsiteY13" fmla="*/ 6407150 h 6858000"/>
-              <a:gd name="connsiteX14" fmla="*/ 23515 w 5282519"/>
-              <a:gd name="connsiteY14" fmla="*/ 6361112 h 6858000"/>
-              <a:gd name="connsiteX15" fmla="*/ 11758 w 5282519"/>
-              <a:gd name="connsiteY15" fmla="*/ 6311900 h 6858000"/>
-              <a:gd name="connsiteX16" fmla="*/ 3359 w 5282519"/>
-              <a:gd name="connsiteY16" fmla="*/ 6251575 h 6858000"/>
-              <a:gd name="connsiteX17" fmla="*/ 0 w 5282519"/>
-              <a:gd name="connsiteY17" fmla="*/ 6183312 h 6858000"/>
-              <a:gd name="connsiteX18" fmla="*/ 3359 w 5282519"/>
-              <a:gd name="connsiteY18" fmla="*/ 6113462 h 6858000"/>
-              <a:gd name="connsiteX19" fmla="*/ 11758 w 5282519"/>
-              <a:gd name="connsiteY19" fmla="*/ 6056312 h 6858000"/>
-              <a:gd name="connsiteX20" fmla="*/ 23515 w 5282519"/>
-              <a:gd name="connsiteY20" fmla="*/ 6003925 h 6858000"/>
-              <a:gd name="connsiteX21" fmla="*/ 38632 w 5282519"/>
-              <a:gd name="connsiteY21" fmla="*/ 5956300 h 6858000"/>
-              <a:gd name="connsiteX22" fmla="*/ 55427 w 5282519"/>
-              <a:gd name="connsiteY22" fmla="*/ 5915025 h 6858000"/>
-              <a:gd name="connsiteX23" fmla="*/ 75583 w 5282519"/>
-              <a:gd name="connsiteY23" fmla="*/ 5876925 h 6858000"/>
-              <a:gd name="connsiteX24" fmla="*/ 95738 w 5282519"/>
-              <a:gd name="connsiteY24" fmla="*/ 5840412 h 6858000"/>
-              <a:gd name="connsiteX25" fmla="*/ 115893 w 5282519"/>
-              <a:gd name="connsiteY25" fmla="*/ 5802312 h 6858000"/>
-              <a:gd name="connsiteX26" fmla="*/ 134368 w 5282519"/>
-              <a:gd name="connsiteY26" fmla="*/ 5762625 h 6858000"/>
-              <a:gd name="connsiteX27" fmla="*/ 152844 w 5282519"/>
-              <a:gd name="connsiteY27" fmla="*/ 5721350 h 6858000"/>
-              <a:gd name="connsiteX28" fmla="*/ 167960 w 5282519"/>
-              <a:gd name="connsiteY28" fmla="*/ 5675312 h 6858000"/>
-              <a:gd name="connsiteX29" fmla="*/ 178038 w 5282519"/>
-              <a:gd name="connsiteY29" fmla="*/ 5622925 h 6858000"/>
-              <a:gd name="connsiteX30" fmla="*/ 188115 w 5282519"/>
-              <a:gd name="connsiteY30" fmla="*/ 5562600 h 6858000"/>
-              <a:gd name="connsiteX31" fmla="*/ 189795 w 5282519"/>
-              <a:gd name="connsiteY31" fmla="*/ 5494337 h 6858000"/>
-              <a:gd name="connsiteX32" fmla="*/ 188115 w 5282519"/>
-              <a:gd name="connsiteY32" fmla="*/ 5426075 h 6858000"/>
-              <a:gd name="connsiteX33" fmla="*/ 178038 w 5282519"/>
-              <a:gd name="connsiteY33" fmla="*/ 5365750 h 6858000"/>
-              <a:gd name="connsiteX34" fmla="*/ 167960 w 5282519"/>
-              <a:gd name="connsiteY34" fmla="*/ 5313362 h 6858000"/>
-              <a:gd name="connsiteX35" fmla="*/ 152844 w 5282519"/>
-              <a:gd name="connsiteY35" fmla="*/ 5268912 h 6858000"/>
-              <a:gd name="connsiteX36" fmla="*/ 134368 w 5282519"/>
-              <a:gd name="connsiteY36" fmla="*/ 5226050 h 6858000"/>
-              <a:gd name="connsiteX37" fmla="*/ 115893 w 5282519"/>
-              <a:gd name="connsiteY37" fmla="*/ 5186362 h 6858000"/>
-              <a:gd name="connsiteX38" fmla="*/ 95738 w 5282519"/>
-              <a:gd name="connsiteY38" fmla="*/ 5149850 h 6858000"/>
-              <a:gd name="connsiteX39" fmla="*/ 75583 w 5282519"/>
-              <a:gd name="connsiteY39" fmla="*/ 5114925 h 6858000"/>
-              <a:gd name="connsiteX40" fmla="*/ 55427 w 5282519"/>
-              <a:gd name="connsiteY40" fmla="*/ 5075237 h 6858000"/>
-              <a:gd name="connsiteX41" fmla="*/ 38632 w 5282519"/>
-              <a:gd name="connsiteY41" fmla="*/ 5033962 h 6858000"/>
-              <a:gd name="connsiteX42" fmla="*/ 23515 w 5282519"/>
-              <a:gd name="connsiteY42" fmla="*/ 4987925 h 6858000"/>
-              <a:gd name="connsiteX43" fmla="*/ 11758 w 5282519"/>
-              <a:gd name="connsiteY43" fmla="*/ 4935537 h 6858000"/>
-              <a:gd name="connsiteX44" fmla="*/ 3359 w 5282519"/>
-              <a:gd name="connsiteY44" fmla="*/ 4875212 h 6858000"/>
-              <a:gd name="connsiteX45" fmla="*/ 0 w 5282519"/>
-              <a:gd name="connsiteY45" fmla="*/ 4806950 h 6858000"/>
-              <a:gd name="connsiteX46" fmla="*/ 3359 w 5282519"/>
-              <a:gd name="connsiteY46" fmla="*/ 4738687 h 6858000"/>
-              <a:gd name="connsiteX47" fmla="*/ 11758 w 5282519"/>
-              <a:gd name="connsiteY47" fmla="*/ 4678362 h 6858000"/>
-              <a:gd name="connsiteX48" fmla="*/ 23515 w 5282519"/>
-              <a:gd name="connsiteY48" fmla="*/ 4625975 h 6858000"/>
-              <a:gd name="connsiteX49" fmla="*/ 38632 w 5282519"/>
-              <a:gd name="connsiteY49" fmla="*/ 4579937 h 6858000"/>
-              <a:gd name="connsiteX50" fmla="*/ 55427 w 5282519"/>
-              <a:gd name="connsiteY50" fmla="*/ 4537075 h 6858000"/>
-              <a:gd name="connsiteX51" fmla="*/ 75583 w 5282519"/>
-              <a:gd name="connsiteY51" fmla="*/ 4498975 h 6858000"/>
-              <a:gd name="connsiteX52" fmla="*/ 115893 w 5282519"/>
-              <a:gd name="connsiteY52" fmla="*/ 4424362 h 6858000"/>
-              <a:gd name="connsiteX53" fmla="*/ 134368 w 5282519"/>
-              <a:gd name="connsiteY53" fmla="*/ 4386262 h 6858000"/>
-              <a:gd name="connsiteX54" fmla="*/ 152844 w 5282519"/>
-              <a:gd name="connsiteY54" fmla="*/ 4343400 h 6858000"/>
-              <a:gd name="connsiteX55" fmla="*/ 167960 w 5282519"/>
-              <a:gd name="connsiteY55" fmla="*/ 4297362 h 6858000"/>
-              <a:gd name="connsiteX56" fmla="*/ 178038 w 5282519"/>
-              <a:gd name="connsiteY56" fmla="*/ 4244975 h 6858000"/>
-              <a:gd name="connsiteX57" fmla="*/ 188115 w 5282519"/>
-              <a:gd name="connsiteY57" fmla="*/ 4186237 h 6858000"/>
-              <a:gd name="connsiteX58" fmla="*/ 189795 w 5282519"/>
-              <a:gd name="connsiteY58" fmla="*/ 4116387 h 6858000"/>
-              <a:gd name="connsiteX59" fmla="*/ 188115 w 5282519"/>
-              <a:gd name="connsiteY59" fmla="*/ 4048125 h 6858000"/>
-              <a:gd name="connsiteX60" fmla="*/ 178038 w 5282519"/>
-              <a:gd name="connsiteY60" fmla="*/ 3987800 h 6858000"/>
-              <a:gd name="connsiteX61" fmla="*/ 167960 w 5282519"/>
-              <a:gd name="connsiteY61" fmla="*/ 3935412 h 6858000"/>
-              <a:gd name="connsiteX62" fmla="*/ 152844 w 5282519"/>
-              <a:gd name="connsiteY62" fmla="*/ 3890962 h 6858000"/>
-              <a:gd name="connsiteX63" fmla="*/ 134368 w 5282519"/>
-              <a:gd name="connsiteY63" fmla="*/ 3848100 h 6858000"/>
-              <a:gd name="connsiteX64" fmla="*/ 115893 w 5282519"/>
-              <a:gd name="connsiteY64" fmla="*/ 3811587 h 6858000"/>
-              <a:gd name="connsiteX65" fmla="*/ 75583 w 5282519"/>
-              <a:gd name="connsiteY65" fmla="*/ 3736975 h 6858000"/>
-              <a:gd name="connsiteX66" fmla="*/ 55427 w 5282519"/>
-              <a:gd name="connsiteY66" fmla="*/ 3697287 h 6858000"/>
-              <a:gd name="connsiteX67" fmla="*/ 38632 w 5282519"/>
-              <a:gd name="connsiteY67" fmla="*/ 3656012 h 6858000"/>
-              <a:gd name="connsiteX68" fmla="*/ 23515 w 5282519"/>
-              <a:gd name="connsiteY68" fmla="*/ 3609975 h 6858000"/>
-              <a:gd name="connsiteX69" fmla="*/ 11758 w 5282519"/>
-              <a:gd name="connsiteY69" fmla="*/ 3557587 h 6858000"/>
-              <a:gd name="connsiteX70" fmla="*/ 3359 w 5282519"/>
-              <a:gd name="connsiteY70" fmla="*/ 3497262 h 6858000"/>
-              <a:gd name="connsiteX71" fmla="*/ 0 w 5282519"/>
-              <a:gd name="connsiteY71" fmla="*/ 3427412 h 6858000"/>
-              <a:gd name="connsiteX72" fmla="*/ 3359 w 5282519"/>
-              <a:gd name="connsiteY72" fmla="*/ 3360737 h 6858000"/>
-              <a:gd name="connsiteX73" fmla="*/ 11758 w 5282519"/>
-              <a:gd name="connsiteY73" fmla="*/ 3300412 h 6858000"/>
-              <a:gd name="connsiteX74" fmla="*/ 23515 w 5282519"/>
-              <a:gd name="connsiteY74" fmla="*/ 3248025 h 6858000"/>
-              <a:gd name="connsiteX75" fmla="*/ 38632 w 5282519"/>
-              <a:gd name="connsiteY75" fmla="*/ 3201987 h 6858000"/>
-              <a:gd name="connsiteX76" fmla="*/ 55427 w 5282519"/>
-              <a:gd name="connsiteY76" fmla="*/ 3160712 h 6858000"/>
-              <a:gd name="connsiteX77" fmla="*/ 75583 w 5282519"/>
-              <a:gd name="connsiteY77" fmla="*/ 3121025 h 6858000"/>
-              <a:gd name="connsiteX78" fmla="*/ 95738 w 5282519"/>
-              <a:gd name="connsiteY78" fmla="*/ 3084512 h 6858000"/>
-              <a:gd name="connsiteX79" fmla="*/ 115893 w 5282519"/>
-              <a:gd name="connsiteY79" fmla="*/ 3046412 h 6858000"/>
-              <a:gd name="connsiteX80" fmla="*/ 134368 w 5282519"/>
-              <a:gd name="connsiteY80" fmla="*/ 3009900 h 6858000"/>
-              <a:gd name="connsiteX81" fmla="*/ 152844 w 5282519"/>
-              <a:gd name="connsiteY81" fmla="*/ 2967037 h 6858000"/>
-              <a:gd name="connsiteX82" fmla="*/ 167960 w 5282519"/>
-              <a:gd name="connsiteY82" fmla="*/ 2922587 h 6858000"/>
-              <a:gd name="connsiteX83" fmla="*/ 178038 w 5282519"/>
-              <a:gd name="connsiteY83" fmla="*/ 2868612 h 6858000"/>
-              <a:gd name="connsiteX84" fmla="*/ 188115 w 5282519"/>
-              <a:gd name="connsiteY84" fmla="*/ 2809875 h 6858000"/>
-              <a:gd name="connsiteX85" fmla="*/ 189795 w 5282519"/>
-              <a:gd name="connsiteY85" fmla="*/ 2741612 h 6858000"/>
-              <a:gd name="connsiteX86" fmla="*/ 188115 w 5282519"/>
-              <a:gd name="connsiteY86" fmla="*/ 2671762 h 6858000"/>
-              <a:gd name="connsiteX87" fmla="*/ 178038 w 5282519"/>
-              <a:gd name="connsiteY87" fmla="*/ 2613025 h 6858000"/>
-              <a:gd name="connsiteX88" fmla="*/ 167960 w 5282519"/>
-              <a:gd name="connsiteY88" fmla="*/ 2560637 h 6858000"/>
-              <a:gd name="connsiteX89" fmla="*/ 152844 w 5282519"/>
-              <a:gd name="connsiteY89" fmla="*/ 2513012 h 6858000"/>
-              <a:gd name="connsiteX90" fmla="*/ 134368 w 5282519"/>
-              <a:gd name="connsiteY90" fmla="*/ 2471737 h 6858000"/>
-              <a:gd name="connsiteX91" fmla="*/ 115893 w 5282519"/>
-              <a:gd name="connsiteY91" fmla="*/ 2433637 h 6858000"/>
-              <a:gd name="connsiteX92" fmla="*/ 95738 w 5282519"/>
-              <a:gd name="connsiteY92" fmla="*/ 2395537 h 6858000"/>
-              <a:gd name="connsiteX93" fmla="*/ 75583 w 5282519"/>
-              <a:gd name="connsiteY93" fmla="*/ 2359025 h 6858000"/>
-              <a:gd name="connsiteX94" fmla="*/ 55427 w 5282519"/>
-              <a:gd name="connsiteY94" fmla="*/ 2319337 h 6858000"/>
-              <a:gd name="connsiteX95" fmla="*/ 38632 w 5282519"/>
-              <a:gd name="connsiteY95" fmla="*/ 2278062 h 6858000"/>
-              <a:gd name="connsiteX96" fmla="*/ 23515 w 5282519"/>
-              <a:gd name="connsiteY96" fmla="*/ 2232025 h 6858000"/>
-              <a:gd name="connsiteX97" fmla="*/ 11758 w 5282519"/>
-              <a:gd name="connsiteY97" fmla="*/ 2179637 h 6858000"/>
-              <a:gd name="connsiteX98" fmla="*/ 3359 w 5282519"/>
-              <a:gd name="connsiteY98" fmla="*/ 2119312 h 6858000"/>
-              <a:gd name="connsiteX99" fmla="*/ 0 w 5282519"/>
-              <a:gd name="connsiteY99" fmla="*/ 2051050 h 6858000"/>
-              <a:gd name="connsiteX100" fmla="*/ 3359 w 5282519"/>
-              <a:gd name="connsiteY100" fmla="*/ 1982787 h 6858000"/>
-              <a:gd name="connsiteX101" fmla="*/ 11758 w 5282519"/>
-              <a:gd name="connsiteY101" fmla="*/ 1922462 h 6858000"/>
-              <a:gd name="connsiteX102" fmla="*/ 23515 w 5282519"/>
-              <a:gd name="connsiteY102" fmla="*/ 1870075 h 6858000"/>
-              <a:gd name="connsiteX103" fmla="*/ 38632 w 5282519"/>
-              <a:gd name="connsiteY103" fmla="*/ 1824037 h 6858000"/>
-              <a:gd name="connsiteX104" fmla="*/ 55427 w 5282519"/>
-              <a:gd name="connsiteY104" fmla="*/ 1782762 h 6858000"/>
-              <a:gd name="connsiteX105" fmla="*/ 75583 w 5282519"/>
-              <a:gd name="connsiteY105" fmla="*/ 1743075 h 6858000"/>
-              <a:gd name="connsiteX106" fmla="*/ 95738 w 5282519"/>
-              <a:gd name="connsiteY106" fmla="*/ 1708150 h 6858000"/>
-              <a:gd name="connsiteX107" fmla="*/ 115893 w 5282519"/>
-              <a:gd name="connsiteY107" fmla="*/ 1671637 h 6858000"/>
-              <a:gd name="connsiteX108" fmla="*/ 134368 w 5282519"/>
-              <a:gd name="connsiteY108" fmla="*/ 1631950 h 6858000"/>
-              <a:gd name="connsiteX109" fmla="*/ 152844 w 5282519"/>
-              <a:gd name="connsiteY109" fmla="*/ 1589087 h 6858000"/>
-              <a:gd name="connsiteX110" fmla="*/ 167960 w 5282519"/>
-              <a:gd name="connsiteY110" fmla="*/ 1544637 h 6858000"/>
-              <a:gd name="connsiteX111" fmla="*/ 178038 w 5282519"/>
-              <a:gd name="connsiteY111" fmla="*/ 1492250 h 6858000"/>
-              <a:gd name="connsiteX112" fmla="*/ 188115 w 5282519"/>
-              <a:gd name="connsiteY112" fmla="*/ 1431925 h 6858000"/>
-              <a:gd name="connsiteX113" fmla="*/ 189795 w 5282519"/>
-              <a:gd name="connsiteY113" fmla="*/ 1363662 h 6858000"/>
-              <a:gd name="connsiteX114" fmla="*/ 188115 w 5282519"/>
-              <a:gd name="connsiteY114" fmla="*/ 1295400 h 6858000"/>
-              <a:gd name="connsiteX115" fmla="*/ 178038 w 5282519"/>
-              <a:gd name="connsiteY115" fmla="*/ 1235075 h 6858000"/>
-              <a:gd name="connsiteX116" fmla="*/ 167960 w 5282519"/>
-              <a:gd name="connsiteY116" fmla="*/ 1182687 h 6858000"/>
-              <a:gd name="connsiteX117" fmla="*/ 152844 w 5282519"/>
-              <a:gd name="connsiteY117" fmla="*/ 1136650 h 6858000"/>
-              <a:gd name="connsiteX118" fmla="*/ 134368 w 5282519"/>
-              <a:gd name="connsiteY118" fmla="*/ 1095375 h 6858000"/>
-              <a:gd name="connsiteX119" fmla="*/ 115893 w 5282519"/>
-              <a:gd name="connsiteY119" fmla="*/ 1055687 h 6858000"/>
-              <a:gd name="connsiteX120" fmla="*/ 95738 w 5282519"/>
-              <a:gd name="connsiteY120" fmla="*/ 1017587 h 6858000"/>
-              <a:gd name="connsiteX121" fmla="*/ 75583 w 5282519"/>
-              <a:gd name="connsiteY121" fmla="*/ 981075 h 6858000"/>
-              <a:gd name="connsiteX122" fmla="*/ 55427 w 5282519"/>
-              <a:gd name="connsiteY122" fmla="*/ 942975 h 6858000"/>
-              <a:gd name="connsiteX123" fmla="*/ 38632 w 5282519"/>
-              <a:gd name="connsiteY123" fmla="*/ 901700 h 6858000"/>
-              <a:gd name="connsiteX124" fmla="*/ 23515 w 5282519"/>
-              <a:gd name="connsiteY124" fmla="*/ 854075 h 6858000"/>
-              <a:gd name="connsiteX125" fmla="*/ 11758 w 5282519"/>
-              <a:gd name="connsiteY125" fmla="*/ 801687 h 6858000"/>
-              <a:gd name="connsiteX126" fmla="*/ 3359 w 5282519"/>
-              <a:gd name="connsiteY126" fmla="*/ 744537 h 6858000"/>
-              <a:gd name="connsiteX127" fmla="*/ 0 w 5282519"/>
-              <a:gd name="connsiteY127" fmla="*/ 673100 h 6858000"/>
-              <a:gd name="connsiteX128" fmla="*/ 3359 w 5282519"/>
-              <a:gd name="connsiteY128" fmla="*/ 606425 h 6858000"/>
-              <a:gd name="connsiteX129" fmla="*/ 11758 w 5282519"/>
-              <a:gd name="connsiteY129" fmla="*/ 546100 h 6858000"/>
-              <a:gd name="connsiteX130" fmla="*/ 23515 w 5282519"/>
-              <a:gd name="connsiteY130" fmla="*/ 496887 h 6858000"/>
-              <a:gd name="connsiteX131" fmla="*/ 38632 w 5282519"/>
-              <a:gd name="connsiteY131" fmla="*/ 450850 h 6858000"/>
-              <a:gd name="connsiteX132" fmla="*/ 55427 w 5282519"/>
-              <a:gd name="connsiteY132" fmla="*/ 409575 h 6858000"/>
-              <a:gd name="connsiteX133" fmla="*/ 73903 w 5282519"/>
-              <a:gd name="connsiteY133" fmla="*/ 369887 h 6858000"/>
-              <a:gd name="connsiteX134" fmla="*/ 92379 w 5282519"/>
-              <a:gd name="connsiteY134" fmla="*/ 334962 h 6858000"/>
-              <a:gd name="connsiteX135" fmla="*/ 112534 w 5282519"/>
-              <a:gd name="connsiteY135" fmla="*/ 296862 h 6858000"/>
-              <a:gd name="connsiteX136" fmla="*/ 132689 w 5282519"/>
-              <a:gd name="connsiteY136" fmla="*/ 260350 h 6858000"/>
-              <a:gd name="connsiteX137" fmla="*/ 149485 w 5282519"/>
-              <a:gd name="connsiteY137" fmla="*/ 217487 h 6858000"/>
-              <a:gd name="connsiteX138" fmla="*/ 166281 w 5282519"/>
-              <a:gd name="connsiteY138" fmla="*/ 174625 h 6858000"/>
-              <a:gd name="connsiteX139" fmla="*/ 176358 w 5282519"/>
-              <a:gd name="connsiteY139" fmla="*/ 122237 h 6858000"/>
-              <a:gd name="connsiteX140" fmla="*/ 184756 w 5282519"/>
-              <a:gd name="connsiteY140" fmla="*/ 66675 h 6858000"/>
-            </a:gdLst>
-            <a:ahLst/>
-            <a:cxnLst>
-              <a:cxn ang="0">
-                <a:pos x="connsiteX0" y="connsiteY0"/>
-              </a:cxn>
-              <a:cxn ang="0">
-                <a:pos x="connsiteX1" y="connsiteY1"/>
-              </a:cxn>
-              <a:cxn ang="0">
-                <a:pos x="connsiteX2" y="connsiteY2"/>
-              </a:cxn>
-              <a:cxn ang="0">
-                <a:pos x="connsiteX3" y="connsiteY3"/>
-              </a:cxn>
-              <a:cxn ang="0">
-                <a:pos x="connsiteX4" y="connsiteY4"/>
-              </a:cxn>
-              <a:cxn ang="0">
-                <a:pos x="connsiteX5" y="connsiteY5"/>
-              </a:cxn>
-              <a:cxn ang="0">
-                <a:pos x="connsiteX6" y="connsiteY6"/>
-              </a:cxn>
-              <a:cxn ang="0">
-                <a:pos x="connsiteX7" y="connsiteY7"/>
-              </a:cxn>
-              <a:cxn ang="0">
-                <a:pos x="connsiteX8" y="connsiteY8"/>
-              </a:cxn>
-              <a:cxn ang="0">
-                <a:pos x="connsiteX9" y="connsiteY9"/>
-              </a:cxn>
-              <a:cxn ang="0">
-                <a:pos x="connsiteX10" y="connsiteY10"/>
-              </a:cxn>
-              <a:cxn ang="0">
-                <a:pos x="connsiteX11" y="connsiteY11"/>
-              </a:cxn>
-              <a:cxn ang="0">
-                <a:pos x="connsiteX12" y="connsiteY12"/>
-              </a:cxn>
-              <a:cxn ang="0">
-                <a:pos x="connsiteX13" y="connsiteY13"/>
-              </a:cxn>
-              <a:cxn ang="0">
-                <a:pos x="connsiteX14" y="connsiteY14"/>
-              </a:cxn>
-              <a:cxn ang="0">
-                <a:pos x="connsiteX15" y="connsiteY15"/>
-              </a:cxn>
-              <a:cxn ang="0">
-                <a:pos x="connsiteX16" y="connsiteY16"/>
-              </a:cxn>
-              <a:cxn ang="0">
-                <a:pos x="connsiteX17" y="connsiteY17"/>
-              </a:cxn>
-              <a:cxn ang="0">
-                <a:pos x="connsiteX18" y="connsiteY18"/>
-              </a:cxn>
-              <a:cxn ang="0">
-                <a:pos x="connsiteX19" y="connsiteY19"/>
-              </a:cxn>
-              <a:cxn ang="0">
-                <a:pos x="connsiteX20" y="connsiteY20"/>
-              </a:cxn>
-              <a:cxn ang="0">
-                <a:pos x="connsiteX21" y="connsiteY21"/>
-              </a:cxn>
-              <a:cxn ang="0">
-                <a:pos x="connsiteX22" y="connsiteY22"/>
-              </a:cxn>
-              <a:cxn ang="0">
-                <a:pos x="connsiteX23" y="connsiteY23"/>
-              </a:cxn>
-              <a:cxn ang="0">
-                <a:pos x="connsiteX24" y="connsiteY24"/>
-              </a:cxn>
-              <a:cxn ang="0">
-                <a:pos x="connsiteX25" y="connsiteY25"/>
-              </a:cxn>
-              <a:cxn ang="0">
-                <a:pos x="connsiteX26" y="connsiteY26"/>
-              </a:cxn>
-              <a:cxn ang="0">
-                <a:pos x="connsiteX27" y="connsiteY27"/>
-              </a:cxn>
-              <a:cxn ang="0">
-                <a:pos x="connsiteX28" y="connsiteY28"/>
-              </a:cxn>
-              <a:cxn ang="0">
-                <a:pos x="connsiteX29" y="connsiteY29"/>
-              </a:cxn>
-              <a:cxn ang="0">
-                <a:pos x="connsiteX30" y="connsiteY30"/>
-              </a:cxn>
-              <a:cxn ang="0">
-                <a:pos x="connsiteX31" y="connsiteY31"/>
-              </a:cxn>
-              <a:cxn ang="0">
-                <a:pos x="connsiteX32" y="connsiteY32"/>
-              </a:cxn>
-              <a:cxn ang="0">
-                <a:pos x="connsiteX33" y="connsiteY33"/>
-              </a:cxn>
-              <a:cxn ang="0">
-                <a:pos x="connsiteX34" y="connsiteY34"/>
-              </a:cxn>
-              <a:cxn ang="0">
-                <a:pos x="connsiteX35" y="connsiteY35"/>
-              </a:cxn>
-              <a:cxn ang="0">
-                <a:pos x="connsiteX36" y="connsiteY36"/>
-              </a:cxn>
-              <a:cxn ang="0">
-                <a:pos x="connsiteX37" y="connsiteY37"/>
-              </a:cxn>
-              <a:cxn ang="0">
-                <a:pos x="connsiteX38" y="connsiteY38"/>
-              </a:cxn>
-              <a:cxn ang="0">
-                <a:pos x="connsiteX39" y="connsiteY39"/>
-              </a:cxn>
-              <a:cxn ang="0">
-                <a:pos x="connsiteX40" y="connsiteY40"/>
-              </a:cxn>
-              <a:cxn ang="0">
-                <a:pos x="connsiteX41" y="connsiteY41"/>
-              </a:cxn>
-              <a:cxn ang="0">
-                <a:pos x="connsiteX42" y="connsiteY42"/>
-              </a:cxn>
-              <a:cxn ang="0">
-                <a:pos x="connsiteX43" y="connsiteY43"/>
-              </a:cxn>
-              <a:cxn ang="0">
-                <a:pos x="connsiteX44" y="connsiteY44"/>
-              </a:cxn>
-              <a:cxn ang="0">
-                <a:pos x="connsiteX45" y="connsiteY45"/>
-              </a:cxn>
-              <a:cxn ang="0">
-                <a:pos x="connsiteX46" y="connsiteY46"/>
-              </a:cxn>
-              <a:cxn ang="0">
-                <a:pos x="connsiteX47" y="connsiteY47"/>
-              </a:cxn>
-              <a:cxn ang="0">
-                <a:pos x="connsiteX48" y="connsiteY48"/>
-              </a:cxn>
-              <a:cxn ang="0">
-                <a:pos x="connsiteX49" y="connsiteY49"/>
-              </a:cxn>
-              <a:cxn ang="0">
-                <a:pos x="connsiteX50" y="connsiteY50"/>
-              </a:cxn>
-              <a:cxn ang="0">
-                <a:pos x="connsiteX51" y="connsiteY51"/>
-              </a:cxn>
-              <a:cxn ang="0">
-                <a:pos x="connsiteX52" y="connsiteY52"/>
-              </a:cxn>
-              <a:cxn ang="0">
-                <a:pos x="connsiteX53" y="connsiteY53"/>
-              </a:cxn>
-              <a:cxn ang="0">
-                <a:pos x="connsiteX54" y="connsiteY54"/>
-              </a:cxn>
-              <a:cxn ang="0">
-                <a:pos x="connsiteX55" y="connsiteY55"/>
-              </a:cxn>
-              <a:cxn ang="0">
-                <a:pos x="connsiteX56" y="connsiteY56"/>
-              </a:cxn>
-              <a:cxn ang="0">
-                <a:pos x="connsiteX57" y="connsiteY57"/>
-              </a:cxn>
-              <a:cxn ang="0">
-                <a:pos x="connsiteX58" y="connsiteY58"/>
-              </a:cxn>
-              <a:cxn ang="0">
-                <a:pos x="connsiteX59" y="connsiteY59"/>
-              </a:cxn>
-              <a:cxn ang="0">
-                <a:pos x="connsiteX60" y="connsiteY60"/>
-              </a:cxn>
-              <a:cxn ang="0">
-                <a:pos x="connsiteX61" y="connsiteY61"/>
-              </a:cxn>
-              <a:cxn ang="0">
-                <a:pos x="connsiteX62" y="connsiteY62"/>
-              </a:cxn>
-              <a:cxn ang="0">
-                <a:pos x="connsiteX63" y="connsiteY63"/>
-              </a:cxn>
-              <a:cxn ang="0">
-                <a:pos x="connsiteX64" y="connsiteY64"/>
-              </a:cxn>
-              <a:cxn ang="0">
-                <a:pos x="connsiteX65" y="connsiteY65"/>
-              </a:cxn>
-              <a:cxn ang="0">
-                <a:pos x="connsiteX66" y="connsiteY66"/>
-              </a:cxn>
-              <a:cxn ang="0">
-                <a:pos x="connsiteX67" y="connsiteY67"/>
-              </a:cxn>
-              <a:cxn ang="0">
-                <a:pos x="connsiteX68" y="connsiteY68"/>
-              </a:cxn>
-              <a:cxn ang="0">
-                <a:pos x="connsiteX69" y="connsiteY69"/>
-              </a:cxn>
-              <a:cxn ang="0">
-                <a:pos x="connsiteX70" y="connsiteY70"/>
-              </a:cxn>
-              <a:cxn ang="0">
-                <a:pos x="connsiteX71" y="connsiteY71"/>
-              </a:cxn>
-              <a:cxn ang="0">
-                <a:pos x="connsiteX72" y="connsiteY72"/>
-              </a:cxn>
-              <a:cxn ang="0">
-                <a:pos x="connsiteX73" y="connsiteY73"/>
-              </a:cxn>
-              <a:cxn ang="0">
-                <a:pos x="connsiteX74" y="connsiteY74"/>
-              </a:cxn>
-              <a:cxn ang="0">
-                <a:pos x="connsiteX75" y="connsiteY75"/>
-              </a:cxn>
-              <a:cxn ang="0">
-                <a:pos x="connsiteX76" y="connsiteY76"/>
-              </a:cxn>
-              <a:cxn ang="0">
-                <a:pos x="connsiteX77" y="connsiteY77"/>
-              </a:cxn>
-              <a:cxn ang="0">
-                <a:pos x="connsiteX78" y="connsiteY78"/>
-              </a:cxn>
-              <a:cxn ang="0">
-                <a:pos x="connsiteX79" y="connsiteY79"/>
-              </a:cxn>
-              <a:cxn ang="0">
-                <a:pos x="connsiteX80" y="connsiteY80"/>
-              </a:cxn>
-              <a:cxn ang="0">
-                <a:pos x="connsiteX81" y="connsiteY81"/>
-              </a:cxn>
-              <a:cxn ang="0">
-                <a:pos x="connsiteX82" y="connsiteY82"/>
-              </a:cxn>
-              <a:cxn ang="0">
-                <a:pos x="connsiteX83" y="connsiteY83"/>
-              </a:cxn>
-              <a:cxn ang="0">
-                <a:pos x="connsiteX84" y="connsiteY84"/>
-              </a:cxn>
-              <a:cxn ang="0">
-                <a:pos x="connsiteX85" y="connsiteY85"/>
-              </a:cxn>
-              <a:cxn ang="0">
-                <a:pos x="connsiteX86" y="connsiteY86"/>
-              </a:cxn>
-              <a:cxn ang="0">
-                <a:pos x="connsiteX87" y="connsiteY87"/>
-              </a:cxn>
-              <a:cxn ang="0">
-                <a:pos x="connsiteX88" y="connsiteY88"/>
-              </a:cxn>
-              <a:cxn ang="0">
-                <a:pos x="connsiteX89" y="connsiteY89"/>
-              </a:cxn>
-              <a:cxn ang="0">
-                <a:pos x="connsiteX90" y="connsiteY90"/>
-              </a:cxn>
-              <a:cxn ang="0">
-                <a:pos x="connsiteX91" y="connsiteY91"/>
-              </a:cxn>
-              <a:cxn ang="0">
-                <a:pos x="connsiteX92" y="connsiteY92"/>
-              </a:cxn>
-              <a:cxn ang="0">
-                <a:pos x="connsiteX93" y="connsiteY93"/>
-              </a:cxn>
-              <a:cxn ang="0">
-                <a:pos x="connsiteX94" y="connsiteY94"/>
-              </a:cxn>
-              <a:cxn ang="0">
-                <a:pos x="connsiteX95" y="connsiteY95"/>
-              </a:cxn>
-              <a:cxn ang="0">
-                <a:pos x="connsiteX96" y="connsiteY96"/>
-              </a:cxn>
-              <a:cxn ang="0">
-                <a:pos x="connsiteX97" y="connsiteY97"/>
-              </a:cxn>
-              <a:cxn ang="0">
-                <a:pos x="connsiteX98" y="connsiteY98"/>
-              </a:cxn>
-              <a:cxn ang="0">
-                <a:pos x="connsiteX99" y="connsiteY99"/>
-              </a:cxn>
-              <a:cxn ang="0">
-                <a:pos x="connsiteX100" y="connsiteY100"/>
-              </a:cxn>
-              <a:cxn ang="0">
-                <a:pos x="connsiteX101" y="connsiteY101"/>
-              </a:cxn>
-              <a:cxn ang="0">
-                <a:pos x="connsiteX102" y="connsiteY102"/>
-              </a:cxn>
-              <a:cxn ang="0">
-                <a:pos x="connsiteX103" y="connsiteY103"/>
-              </a:cxn>
-              <a:cxn ang="0">
-                <a:pos x="connsiteX104" y="connsiteY104"/>
-              </a:cxn>
-              <a:cxn ang="0">
-                <a:pos x="connsiteX105" y="connsiteY105"/>
-              </a:cxn>
-              <a:cxn ang="0">
-                <a:pos x="connsiteX106" y="connsiteY106"/>
-              </a:cxn>
-              <a:cxn ang="0">
-                <a:pos x="connsiteX107" y="connsiteY107"/>
-              </a:cxn>
-              <a:cxn ang="0">
-                <a:pos x="connsiteX108" y="connsiteY108"/>
-              </a:cxn>
-              <a:cxn ang="0">
-                <a:pos x="connsiteX109" y="connsiteY109"/>
-              </a:cxn>
-              <a:cxn ang="0">
-                <a:pos x="connsiteX110" y="connsiteY110"/>
-              </a:cxn>
-              <a:cxn ang="0">
-                <a:pos x="connsiteX111" y="connsiteY111"/>
-              </a:cxn>
-              <a:cxn ang="0">
-                <a:pos x="connsiteX112" y="connsiteY112"/>
-              </a:cxn>
-              <a:cxn ang="0">
-                <a:pos x="connsiteX113" y="connsiteY113"/>
-              </a:cxn>
-              <a:cxn ang="0">
-                <a:pos x="connsiteX114" y="connsiteY114"/>
-              </a:cxn>
-              <a:cxn ang="0">
-                <a:pos x="connsiteX115" y="connsiteY115"/>
-              </a:cxn>
-              <a:cxn ang="0">
-                <a:pos x="connsiteX116" y="connsiteY116"/>
-              </a:cxn>
-              <a:cxn ang="0">
-                <a:pos x="connsiteX117" y="connsiteY117"/>
-              </a:cxn>
-              <a:cxn ang="0">
-                <a:pos x="connsiteX118" y="connsiteY118"/>
-              </a:cxn>
-              <a:cxn ang="0">
-                <a:pos x="connsiteX119" y="connsiteY119"/>
-              </a:cxn>
-              <a:cxn ang="0">
-                <a:pos x="connsiteX120" y="connsiteY120"/>
-              </a:cxn>
-              <a:cxn ang="0">
-                <a:pos x="connsiteX121" y="connsiteY121"/>
-              </a:cxn>
-              <a:cxn ang="0">
-                <a:pos x="connsiteX122" y="connsiteY122"/>
-              </a:cxn>
-              <a:cxn ang="0">
-                <a:pos x="connsiteX123" y="connsiteY123"/>
-              </a:cxn>
-              <a:cxn ang="0">
-                <a:pos x="connsiteX124" y="connsiteY124"/>
-              </a:cxn>
-              <a:cxn ang="0">
-                <a:pos x="connsiteX125" y="connsiteY125"/>
-              </a:cxn>
-              <a:cxn ang="0">
-                <a:pos x="connsiteX126" y="connsiteY126"/>
-              </a:cxn>
-              <a:cxn ang="0">
-                <a:pos x="connsiteX127" y="connsiteY127"/>
-              </a:cxn>
-              <a:cxn ang="0">
-                <a:pos x="connsiteX128" y="connsiteY128"/>
-              </a:cxn>
-              <a:cxn ang="0">
-                <a:pos x="connsiteX129" y="connsiteY129"/>
-              </a:cxn>
-              <a:cxn ang="0">
-                <a:pos x="connsiteX130" y="connsiteY130"/>
-              </a:cxn>
-              <a:cxn ang="0">
-                <a:pos x="connsiteX131" y="connsiteY131"/>
-              </a:cxn>
-              <a:cxn ang="0">
-                <a:pos x="connsiteX132" y="connsiteY132"/>
-              </a:cxn>
-              <a:cxn ang="0">
-                <a:pos x="connsiteX133" y="connsiteY133"/>
-              </a:cxn>
-              <a:cxn ang="0">
-                <a:pos x="connsiteX134" y="connsiteY134"/>
-              </a:cxn>
-              <a:cxn ang="0">
-                <a:pos x="connsiteX135" y="connsiteY135"/>
-              </a:cxn>
-              <a:cxn ang="0">
-                <a:pos x="connsiteX136" y="connsiteY136"/>
-              </a:cxn>
-              <a:cxn ang="0">
-                <a:pos x="connsiteX137" y="connsiteY137"/>
-              </a:cxn>
-              <a:cxn ang="0">
-                <a:pos x="connsiteX138" y="connsiteY138"/>
-              </a:cxn>
-              <a:cxn ang="0">
-                <a:pos x="connsiteX139" y="connsiteY139"/>
-              </a:cxn>
-              <a:cxn ang="0">
-                <a:pos x="connsiteX140" y="connsiteY140"/>
-              </a:cxn>
-            </a:cxnLst>
-            <a:rect l="l" t="t" r="r" b="b"/>
-            <a:pathLst>
-              <a:path w="5282519" h="6858000">
-                <a:moveTo>
-                  <a:pt x="189795" y="0"/>
-                </a:moveTo>
-                <a:lnTo>
-                  <a:pt x="5282519" y="0"/>
-                </a:lnTo>
-                <a:lnTo>
-                  <a:pt x="5282519" y="6858000"/>
-                </a:lnTo>
-                <a:lnTo>
-                  <a:pt x="189795" y="6858000"/>
-                </a:lnTo>
-                <a:lnTo>
-                  <a:pt x="184756" y="6791325"/>
-                </a:lnTo>
-                <a:lnTo>
-                  <a:pt x="176358" y="6735762"/>
-                </a:lnTo>
-                <a:lnTo>
-                  <a:pt x="166281" y="6683375"/>
-                </a:lnTo>
-                <a:lnTo>
-                  <a:pt x="149485" y="6640512"/>
-                </a:lnTo>
-                <a:lnTo>
-                  <a:pt x="132689" y="6597650"/>
-                </a:lnTo>
-                <a:lnTo>
-                  <a:pt x="112534" y="6561137"/>
-                </a:lnTo>
-                <a:lnTo>
-                  <a:pt x="92379" y="6523037"/>
-                </a:lnTo>
-                <a:lnTo>
-                  <a:pt x="73903" y="6488112"/>
-                </a:lnTo>
-                <a:lnTo>
-                  <a:pt x="55427" y="6448425"/>
-                </a:lnTo>
-                <a:lnTo>
-                  <a:pt x="38632" y="6407150"/>
-                </a:lnTo>
-                <a:lnTo>
-                  <a:pt x="23515" y="6361112"/>
-                </a:lnTo>
-                <a:lnTo>
-                  <a:pt x="11758" y="6311900"/>
-                </a:lnTo>
-                <a:lnTo>
-                  <a:pt x="3359" y="6251575"/>
-                </a:lnTo>
-                <a:lnTo>
-                  <a:pt x="0" y="6183312"/>
-                </a:lnTo>
-                <a:lnTo>
-                  <a:pt x="3359" y="6113462"/>
-                </a:lnTo>
-                <a:lnTo>
-                  <a:pt x="11758" y="6056312"/>
-                </a:lnTo>
-                <a:lnTo>
-                  <a:pt x="23515" y="6003925"/>
-                </a:lnTo>
-                <a:lnTo>
-                  <a:pt x="38632" y="5956300"/>
-                </a:lnTo>
-                <a:lnTo>
-                  <a:pt x="55427" y="5915025"/>
-                </a:lnTo>
-                <a:lnTo>
-                  <a:pt x="75583" y="5876925"/>
-                </a:lnTo>
-                <a:lnTo>
-                  <a:pt x="95738" y="5840412"/>
-                </a:lnTo>
-                <a:lnTo>
-                  <a:pt x="115893" y="5802312"/>
-                </a:lnTo>
-                <a:lnTo>
-                  <a:pt x="134368" y="5762625"/>
-                </a:lnTo>
-                <a:lnTo>
-                  <a:pt x="152844" y="5721350"/>
-                </a:lnTo>
-                <a:lnTo>
-                  <a:pt x="167960" y="5675312"/>
-                </a:lnTo>
-                <a:lnTo>
-                  <a:pt x="178038" y="5622925"/>
-                </a:lnTo>
-                <a:lnTo>
-                  <a:pt x="188115" y="5562600"/>
-                </a:lnTo>
-                <a:lnTo>
-                  <a:pt x="189795" y="5494337"/>
-                </a:lnTo>
-                <a:lnTo>
-                  <a:pt x="188115" y="5426075"/>
-                </a:lnTo>
-                <a:lnTo>
-                  <a:pt x="178038" y="5365750"/>
-                </a:lnTo>
-                <a:lnTo>
-                  <a:pt x="167960" y="5313362"/>
-                </a:lnTo>
-                <a:lnTo>
-                  <a:pt x="152844" y="5268912"/>
-                </a:lnTo>
-                <a:lnTo>
-                  <a:pt x="134368" y="5226050"/>
-                </a:lnTo>
-                <a:lnTo>
-                  <a:pt x="115893" y="5186362"/>
-                </a:lnTo>
-                <a:lnTo>
-                  <a:pt x="95738" y="5149850"/>
-                </a:lnTo>
-                <a:lnTo>
-                  <a:pt x="75583" y="5114925"/>
-                </a:lnTo>
-                <a:lnTo>
-                  <a:pt x="55427" y="5075237"/>
-                </a:lnTo>
-                <a:lnTo>
-                  <a:pt x="38632" y="5033962"/>
-                </a:lnTo>
-                <a:lnTo>
-                  <a:pt x="23515" y="4987925"/>
-                </a:lnTo>
-                <a:lnTo>
-                  <a:pt x="11758" y="4935537"/>
-                </a:lnTo>
-                <a:lnTo>
-                  <a:pt x="3359" y="4875212"/>
-                </a:lnTo>
-                <a:lnTo>
-                  <a:pt x="0" y="4806950"/>
-                </a:lnTo>
-                <a:lnTo>
-                  <a:pt x="3359" y="4738687"/>
-                </a:lnTo>
-                <a:lnTo>
-                  <a:pt x="11758" y="4678362"/>
-                </a:lnTo>
-                <a:lnTo>
-                  <a:pt x="23515" y="4625975"/>
-                </a:lnTo>
-                <a:lnTo>
-                  <a:pt x="38632" y="4579937"/>
-                </a:lnTo>
-                <a:lnTo>
-                  <a:pt x="55427" y="4537075"/>
-                </a:lnTo>
-                <a:lnTo>
-                  <a:pt x="75583" y="4498975"/>
-                </a:lnTo>
-                <a:lnTo>
-                  <a:pt x="115893" y="4424362"/>
-                </a:lnTo>
-                <a:lnTo>
-                  <a:pt x="134368" y="4386262"/>
-                </a:lnTo>
-                <a:lnTo>
-                  <a:pt x="152844" y="4343400"/>
-                </a:lnTo>
-                <a:lnTo>
-                  <a:pt x="167960" y="4297362"/>
-                </a:lnTo>
-                <a:lnTo>
-                  <a:pt x="178038" y="4244975"/>
-                </a:lnTo>
-                <a:lnTo>
-                  <a:pt x="188115" y="4186237"/>
-                </a:lnTo>
-                <a:lnTo>
-                  <a:pt x="189795" y="4116387"/>
-                </a:lnTo>
-                <a:lnTo>
-                  <a:pt x="188115" y="4048125"/>
-                </a:lnTo>
-                <a:lnTo>
-                  <a:pt x="178038" y="3987800"/>
-                </a:lnTo>
-                <a:lnTo>
-                  <a:pt x="167960" y="3935412"/>
-                </a:lnTo>
-                <a:lnTo>
-                  <a:pt x="152844" y="3890962"/>
-                </a:lnTo>
-                <a:lnTo>
-                  <a:pt x="134368" y="3848100"/>
-                </a:lnTo>
-                <a:lnTo>
-                  <a:pt x="115893" y="3811587"/>
-                </a:lnTo>
-                <a:lnTo>
-                  <a:pt x="75583" y="3736975"/>
-                </a:lnTo>
-                <a:lnTo>
-                  <a:pt x="55427" y="3697287"/>
-                </a:lnTo>
-                <a:lnTo>
-                  <a:pt x="38632" y="3656012"/>
-                </a:lnTo>
-                <a:lnTo>
-                  <a:pt x="23515" y="3609975"/>
-                </a:lnTo>
-                <a:lnTo>
-                  <a:pt x="11758" y="3557587"/>
-                </a:lnTo>
-                <a:lnTo>
-                  <a:pt x="3359" y="3497262"/>
-                </a:lnTo>
-                <a:lnTo>
-                  <a:pt x="0" y="3427412"/>
-                </a:lnTo>
-                <a:lnTo>
-                  <a:pt x="3359" y="3360737"/>
-                </a:lnTo>
-                <a:lnTo>
-                  <a:pt x="11758" y="3300412"/>
-                </a:lnTo>
-                <a:lnTo>
-                  <a:pt x="23515" y="3248025"/>
-                </a:lnTo>
-                <a:lnTo>
-                  <a:pt x="38632" y="3201987"/>
-                </a:lnTo>
-                <a:lnTo>
-                  <a:pt x="55427" y="3160712"/>
-                </a:lnTo>
-                <a:lnTo>
-                  <a:pt x="75583" y="3121025"/>
-                </a:lnTo>
-                <a:lnTo>
-                  <a:pt x="95738" y="3084512"/>
-                </a:lnTo>
-                <a:lnTo>
-                  <a:pt x="115893" y="3046412"/>
-                </a:lnTo>
-                <a:lnTo>
-                  <a:pt x="134368" y="3009900"/>
-                </a:lnTo>
-                <a:lnTo>
-                  <a:pt x="152844" y="2967037"/>
-                </a:lnTo>
-                <a:lnTo>
-                  <a:pt x="167960" y="2922587"/>
-                </a:lnTo>
-                <a:lnTo>
-                  <a:pt x="178038" y="2868612"/>
-                </a:lnTo>
-                <a:lnTo>
-                  <a:pt x="188115" y="2809875"/>
-                </a:lnTo>
-                <a:lnTo>
-                  <a:pt x="189795" y="2741612"/>
-                </a:lnTo>
-                <a:lnTo>
-                  <a:pt x="188115" y="2671762"/>
-                </a:lnTo>
-                <a:lnTo>
-                  <a:pt x="178038" y="2613025"/>
-                </a:lnTo>
-                <a:lnTo>
-                  <a:pt x="167960" y="2560637"/>
-                </a:lnTo>
-                <a:lnTo>
-                  <a:pt x="152844" y="2513012"/>
-                </a:lnTo>
-                <a:lnTo>
-                  <a:pt x="134368" y="2471737"/>
-                </a:lnTo>
-                <a:lnTo>
-                  <a:pt x="115893" y="2433637"/>
-                </a:lnTo>
-                <a:lnTo>
-                  <a:pt x="95738" y="2395537"/>
-                </a:lnTo>
-                <a:lnTo>
-                  <a:pt x="75583" y="2359025"/>
-                </a:lnTo>
-                <a:lnTo>
-                  <a:pt x="55427" y="2319337"/>
-                </a:lnTo>
-                <a:lnTo>
-                  <a:pt x="38632" y="2278062"/>
-                </a:lnTo>
-                <a:lnTo>
-                  <a:pt x="23515" y="2232025"/>
-                </a:lnTo>
-                <a:lnTo>
-                  <a:pt x="11758" y="2179637"/>
-                </a:lnTo>
-                <a:lnTo>
-                  <a:pt x="3359" y="2119312"/>
-                </a:lnTo>
-                <a:lnTo>
-                  <a:pt x="0" y="2051050"/>
-                </a:lnTo>
-                <a:lnTo>
-                  <a:pt x="3359" y="1982787"/>
-                </a:lnTo>
-                <a:lnTo>
-                  <a:pt x="11758" y="1922462"/>
-                </a:lnTo>
-                <a:lnTo>
-                  <a:pt x="23515" y="1870075"/>
-                </a:lnTo>
-                <a:lnTo>
-                  <a:pt x="38632" y="1824037"/>
-                </a:lnTo>
-                <a:lnTo>
-                  <a:pt x="55427" y="1782762"/>
-                </a:lnTo>
-                <a:lnTo>
-                  <a:pt x="75583" y="1743075"/>
-                </a:lnTo>
-                <a:lnTo>
-                  <a:pt x="95738" y="1708150"/>
-                </a:lnTo>
-                <a:lnTo>
-                  <a:pt x="115893" y="1671637"/>
-                </a:lnTo>
-                <a:lnTo>
-                  <a:pt x="134368" y="1631950"/>
-                </a:lnTo>
-                <a:lnTo>
-                  <a:pt x="152844" y="1589087"/>
-                </a:lnTo>
-                <a:lnTo>
-                  <a:pt x="167960" y="1544637"/>
-                </a:lnTo>
-                <a:lnTo>
-                  <a:pt x="178038" y="1492250"/>
-                </a:lnTo>
-                <a:lnTo>
-                  <a:pt x="188115" y="1431925"/>
-                </a:lnTo>
-                <a:lnTo>
-                  <a:pt x="189795" y="1363662"/>
-                </a:lnTo>
-                <a:lnTo>
-                  <a:pt x="188115" y="1295400"/>
-                </a:lnTo>
-                <a:lnTo>
-                  <a:pt x="178038" y="1235075"/>
-                </a:lnTo>
-                <a:lnTo>
-                  <a:pt x="167960" y="1182687"/>
-                </a:lnTo>
-                <a:lnTo>
-                  <a:pt x="152844" y="1136650"/>
-                </a:lnTo>
-                <a:lnTo>
-                  <a:pt x="134368" y="1095375"/>
-                </a:lnTo>
-                <a:lnTo>
-                  <a:pt x="115893" y="1055687"/>
-                </a:lnTo>
-                <a:lnTo>
-                  <a:pt x="95738" y="1017587"/>
-                </a:lnTo>
-                <a:lnTo>
-                  <a:pt x="75583" y="981075"/>
-                </a:lnTo>
-                <a:lnTo>
-                  <a:pt x="55427" y="942975"/>
-                </a:lnTo>
-                <a:lnTo>
-                  <a:pt x="38632" y="901700"/>
-                </a:lnTo>
-                <a:lnTo>
-                  <a:pt x="23515" y="854075"/>
-                </a:lnTo>
-                <a:lnTo>
-                  <a:pt x="11758" y="801687"/>
-                </a:lnTo>
-                <a:lnTo>
-                  <a:pt x="3359" y="744537"/>
-                </a:lnTo>
-                <a:lnTo>
-                  <a:pt x="0" y="673100"/>
-                </a:lnTo>
-                <a:lnTo>
-                  <a:pt x="3359" y="606425"/>
-                </a:lnTo>
-                <a:lnTo>
-                  <a:pt x="11758" y="546100"/>
-                </a:lnTo>
-                <a:lnTo>
-                  <a:pt x="23515" y="496887"/>
-                </a:lnTo>
-                <a:lnTo>
-                  <a:pt x="38632" y="450850"/>
-                </a:lnTo>
-                <a:lnTo>
-                  <a:pt x="55427" y="409575"/>
-                </a:lnTo>
-                <a:lnTo>
-                  <a:pt x="73903" y="369887"/>
-                </a:lnTo>
-                <a:lnTo>
-                  <a:pt x="92379" y="334962"/>
-                </a:lnTo>
-                <a:lnTo>
-                  <a:pt x="112534" y="296862"/>
-                </a:lnTo>
-                <a:lnTo>
-                  <a:pt x="132689" y="260350"/>
-                </a:lnTo>
-                <a:lnTo>
-                  <a:pt x="149485" y="217487"/>
-                </a:lnTo>
-                <a:lnTo>
-                  <a:pt x="166281" y="174625"/>
-                </a:lnTo>
-                <a:lnTo>
-                  <a:pt x="176358" y="122237"/>
-                </a:lnTo>
-                <a:lnTo>
-                  <a:pt x="184756" y="66675"/>
-                </a:lnTo>
-                <a:close/>
-              </a:path>
-            </a:pathLst>
-          </a:custGeom>
-          <a:solidFill>
-            <a:srgbClr val="FFFFFF"/>
-          </a:solidFill>
-          <a:ln>
-            <a:noFill/>
-          </a:ln>
-        </p:spPr>
-        <p:style>
-          <a:lnRef idx="2">
-            <a:schemeClr val="accent1">
-              <a:shade val="50000"/>
-            </a:schemeClr>
-          </a:lnRef>
-          <a:fillRef idx="1">
-            <a:schemeClr val="accent1"/>
-          </a:fillRef>
-          <a:effectRef idx="0">
-            <a:schemeClr val="accent1"/>
-          </a:effectRef>
-          <a:fontRef idx="minor">
-            <a:schemeClr val="lt1"/>
-          </a:fontRef>
-        </p:style>
-        <p:txBody>
-          <a:bodyPr wrap="square" rtlCol="0" anchor="ctr">
-            <a:noAutofit/>
-          </a:bodyPr>
-          <a:lstStyle/>
-          <a:p>
-            <a:pPr algn="ctr" rtl="0"/>
-            <a:endParaRPr lang="hu-HU" dirty="0"/>
-          </a:p>
-        </p:txBody>
-      </p:sp>
-      <p:pic>
-        <p:nvPicPr>
-          <p:cNvPr id="9" name="Kép 8">
-            <a:extLst>
-              <a:ext uri="{FF2B5EF4-FFF2-40B4-BE49-F238E27FC236}">
-                <a16:creationId xmlns:a16="http://schemas.microsoft.com/office/drawing/2014/main" id="{D7016F7E-0C41-4169-B2E4-5937011783EB}"/>
-              </a:ext>
-            </a:extLst>
-          </p:cNvPr>
-          <p:cNvPicPr>
-            <a:picLocks noChangeAspect="1"/>
-          </p:cNvPicPr>
-          <p:nvPr/>
-        </p:nvPicPr>
-        <p:blipFill rotWithShape="1">
-          <a:blip r:embed="rId3"/>
-          <a:srcRect l="-159" r="159"/>
-          <a:stretch/>
-        </p:blipFill>
-        <p:spPr>
-          <a:xfrm>
             <a:off x="6792478" y="-1"/>
             <a:ext cx="5279137" cy="6858000"/>
           </a:xfrm>
@@ -16073,17 +14037,9 @@
 </p:sld>
 </file>
 
-<file path=ppt/slides/slide21.xml><?xml version="1.0" encoding="utf-8"?>
+<file path=ppt/slides/slide2.xml><?xml version="1.0" encoding="utf-8"?>
 <p:sld xmlns:a="http://schemas.openxmlformats.org/drawingml/2006/main" xmlns:r="http://schemas.openxmlformats.org/officeDocument/2006/relationships" xmlns:p="http://schemas.openxmlformats.org/presentationml/2006/main">
   <p:cSld>
-    <p:bg>
-      <p:bgPr>
-        <a:solidFill>
-          <a:schemeClr val="accent1"/>
-        </a:solidFill>
-        <a:effectLst/>
-      </p:bgPr>
-    </p:bg>
     <p:spTree>
       <p:nvGrpSpPr>
         <p:cNvPr id="1" name=""/>
@@ -16100,73 +14056,10 @@
       </p:grpSpPr>
       <p:sp>
         <p:nvSpPr>
-          <p:cNvPr id="17" name="Téglalap 16">
-            <a:extLst>
-              <a:ext uri="{FF2B5EF4-FFF2-40B4-BE49-F238E27FC236}">
-                <a16:creationId xmlns:a16="http://schemas.microsoft.com/office/drawing/2014/main" id="{415DEDD7-7B31-4EF1-B7C7-5AEE3208CC1D}"/>
-              </a:ext>
-              <a:ext uri="{C183D7F6-B498-43B3-948B-1728B52AA6E4}">
-                <adec:decorative xmlns:adec="http://schemas.microsoft.com/office/drawing/2017/decorative" val="1"/>
-              </a:ext>
-            </a:extLst>
-          </p:cNvPr>
-          <p:cNvSpPr>
-            <a:spLocks noGrp="1" noRot="1" noChangeAspect="1" noMove="1" noResize="1" noEditPoints="1" noAdjustHandles="1" noChangeArrowheads="1" noChangeShapeType="1" noTextEdit="1"/>
-          </p:cNvSpPr>
-          <p:nvPr>
-            <p:extLst>
-              <p:ext uri="{386F3935-93C4-4BCD-93E2-E3B085C9AB24}">
-                <p16:designElem xmlns:p16="http://schemas.microsoft.com/office/powerpoint/2015/main" val="1"/>
-              </p:ext>
-            </p:extLst>
-          </p:nvPr>
-        </p:nvSpPr>
-        <p:spPr bwMode="ltGray">
-          <a:xfrm>
-            <a:off x="1" y="0"/>
-            <a:ext cx="12191996" cy="6858000"/>
-          </a:xfrm>
-          <a:prstGeom prst="rect">
-            <a:avLst/>
-          </a:prstGeom>
-          <a:solidFill>
-            <a:schemeClr val="accent1"/>
-          </a:solidFill>
-          <a:ln>
-            <a:noFill/>
-          </a:ln>
-        </p:spPr>
-        <p:style>
-          <a:lnRef idx="2">
-            <a:schemeClr val="accent1">
-              <a:shade val="50000"/>
-            </a:schemeClr>
-          </a:lnRef>
-          <a:fillRef idx="1">
-            <a:schemeClr val="accent1"/>
-          </a:fillRef>
-          <a:effectRef idx="0">
-            <a:schemeClr val="accent1"/>
-          </a:effectRef>
-          <a:fontRef idx="minor">
-            <a:schemeClr val="lt1"/>
-          </a:fontRef>
-        </p:style>
-        <p:txBody>
-          <a:bodyPr rtlCol="0" anchor="ctr"/>
-          <a:lstStyle/>
-          <a:p>
-            <a:pPr algn="ctr" rtl="0"/>
-            <a:endParaRPr lang="hu-HU" dirty="0"/>
-          </a:p>
-        </p:txBody>
-      </p:sp>
-      <p:sp>
-        <p:nvSpPr>
           <p:cNvPr id="2" name="Cím 1">
             <a:extLst>
               <a:ext uri="{FF2B5EF4-FFF2-40B4-BE49-F238E27FC236}">
-                <a16:creationId xmlns:a16="http://schemas.microsoft.com/office/drawing/2014/main" id="{C36A1A43-B750-4259-AA02-68777493B108}"/>
+                <a16:creationId xmlns:a16="http://schemas.microsoft.com/office/drawing/2014/main" id="{87933A0E-9625-4A4D-99E1-05AC1A667EA4}"/>
               </a:ext>
             </a:extLst>
           </p:cNvPr>
@@ -16174,34 +14067,28 @@
             <a:spLocks noGrp="1"/>
           </p:cNvSpPr>
           <p:nvPr>
-            <p:ph type="ctrTitle"/>
+            <p:ph type="title"/>
           </p:nvPr>
         </p:nvSpPr>
         <p:spPr>
           <a:xfrm>
-            <a:off x="488571" y="1966251"/>
-            <a:ext cx="6102775" cy="2750601"/>
+            <a:off x="4423033" y="524073"/>
+            <a:ext cx="10172700" cy="1493517"/>
           </a:xfrm>
         </p:spPr>
         <p:txBody>
-          <a:bodyPr rtlCol="0">
+          <a:bodyPr>
             <a:normAutofit/>
           </a:bodyPr>
           <a:lstStyle/>
           <a:p>
             <a:r>
               <a:rPr lang="hu-HU" sz="9600" dirty="0" err="1">
-                <a:solidFill>
-                  <a:schemeClr val="tx1"/>
-                </a:solidFill>
                 <a:latin typeface="Bodoni MT Condensed" panose="02070606080606020203" pitchFamily="18" charset="0"/>
               </a:rPr>
-              <a:t>DriveUs</a:t>
+              <a:t>DRIVEus</a:t>
             </a:r>
             <a:endParaRPr lang="hu-HU" sz="9600" dirty="0">
-              <a:solidFill>
-                <a:schemeClr val="tx1"/>
-              </a:solidFill>
               <a:latin typeface="Bodoni MT Condensed" panose="02070606080606020203" pitchFamily="18" charset="0"/>
             </a:endParaRPr>
           </a:p>
@@ -16209,10 +14096,10 @@
       </p:sp>
       <p:sp>
         <p:nvSpPr>
-          <p:cNvPr id="3" name="Alcím 2">
+          <p:cNvPr id="3" name="Szöveg helye 2">
             <a:extLst>
               <a:ext uri="{FF2B5EF4-FFF2-40B4-BE49-F238E27FC236}">
-                <a16:creationId xmlns:a16="http://schemas.microsoft.com/office/drawing/2014/main" id="{01F61DBF-2C3F-4F06-BAE0-5C6A7317D5C9}"/>
+                <a16:creationId xmlns:a16="http://schemas.microsoft.com/office/drawing/2014/main" id="{2A066B12-822F-4795-829B-C76A5792BC42}"/>
               </a:ext>
             </a:extLst>
           </p:cNvPr>
@@ -16220,1581 +14107,192 @@
             <a:spLocks noGrp="1"/>
           </p:cNvSpPr>
           <p:nvPr>
-            <p:ph type="subTitle" idx="1"/>
+            <p:ph type="body" idx="1"/>
           </p:nvPr>
         </p:nvSpPr>
         <p:spPr>
           <a:xfrm>
-            <a:off x="643158" y="5572664"/>
-            <a:ext cx="5877385" cy="841803"/>
+            <a:off x="1542471" y="2290790"/>
+            <a:ext cx="4800600" cy="632529"/>
           </a:xfrm>
         </p:spPr>
         <p:txBody>
-          <a:bodyPr rtlCol="0">
-            <a:normAutofit/>
-          </a:bodyPr>
+          <a:bodyPr/>
           <a:lstStyle/>
           <a:p>
-            <a:pPr rtl="0"/>
-            <a:r>
-              <a:rPr lang="hu-HU" dirty="0">
-                <a:solidFill>
-                  <a:schemeClr val="tx1"/>
-                </a:solidFill>
+            <a:r>
+              <a:rPr lang="hu-HU" sz="2800" dirty="0">
+                <a:latin typeface="Bodoni MT Condensed" panose="02070606080606020203" pitchFamily="18" charset="0"/>
               </a:rPr>
-              <a:t>Köszönjük a figyelmet!</a:t>
-            </a:r>
-          </a:p>
-        </p:txBody>
-      </p:sp>
-      <p:sp>
-        <p:nvSpPr>
-          <p:cNvPr id="19" name="Szabadkézi alakzat: Alakzat 18">
+              <a:t>A Probléma</a:t>
+            </a:r>
+          </a:p>
+        </p:txBody>
+      </p:sp>
+      <p:sp>
+        <p:nvSpPr>
+          <p:cNvPr id="4" name="Tartalom helye 3">
             <a:extLst>
               <a:ext uri="{FF2B5EF4-FFF2-40B4-BE49-F238E27FC236}">
-                <a16:creationId xmlns:a16="http://schemas.microsoft.com/office/drawing/2014/main" id="{3242CC7A-3D6E-47A4-B9D1-860978459846}"/>
-              </a:ext>
-              <a:ext uri="{C183D7F6-B498-43B3-948B-1728B52AA6E4}">
-                <adec:decorative xmlns:adec="http://schemas.microsoft.com/office/drawing/2017/decorative" val="1"/>
+                <a16:creationId xmlns:a16="http://schemas.microsoft.com/office/drawing/2014/main" id="{9EA5D02B-5ABA-4969-A302-4A2A9EAD84A0}"/>
               </a:ext>
             </a:extLst>
           </p:cNvPr>
           <p:cNvSpPr>
-            <a:spLocks noGrp="1" noRot="1" noChangeAspect="1" noMove="1" noResize="1" noEditPoints="1" noAdjustHandles="1" noChangeArrowheads="1" noChangeShapeType="1" noTextEdit="1"/>
+            <a:spLocks noGrp="1"/>
           </p:cNvSpPr>
           <p:nvPr>
-            <p:extLst>
-              <p:ext uri="{386F3935-93C4-4BCD-93E2-E3B085C9AB24}">
-                <p16:designElem xmlns:p16="http://schemas.microsoft.com/office/powerpoint/2015/main" val="1"/>
-              </p:ext>
-            </p:extLst>
+            <p:ph sz="half" idx="2"/>
           </p:nvPr>
         </p:nvSpPr>
         <p:spPr>
           <a:xfrm>
-            <a:off x="6766174" y="0"/>
-            <a:ext cx="5282519" cy="6858000"/>
+            <a:off x="1295400" y="3467739"/>
+            <a:ext cx="4800600" cy="2996398"/>
           </a:xfrm>
-          <a:custGeom>
-            <a:avLst/>
-            <a:gdLst>
-              <a:gd name="connsiteX0" fmla="*/ 189795 w 5282519"/>
-              <a:gd name="connsiteY0" fmla="*/ 0 h 6858000"/>
-              <a:gd name="connsiteX1" fmla="*/ 5282519 w 5282519"/>
-              <a:gd name="connsiteY1" fmla="*/ 0 h 6858000"/>
-              <a:gd name="connsiteX2" fmla="*/ 5282519 w 5282519"/>
-              <a:gd name="connsiteY2" fmla="*/ 6858000 h 6858000"/>
-              <a:gd name="connsiteX3" fmla="*/ 189795 w 5282519"/>
-              <a:gd name="connsiteY3" fmla="*/ 6858000 h 6858000"/>
-              <a:gd name="connsiteX4" fmla="*/ 184756 w 5282519"/>
-              <a:gd name="connsiteY4" fmla="*/ 6791325 h 6858000"/>
-              <a:gd name="connsiteX5" fmla="*/ 176358 w 5282519"/>
-              <a:gd name="connsiteY5" fmla="*/ 6735762 h 6858000"/>
-              <a:gd name="connsiteX6" fmla="*/ 166281 w 5282519"/>
-              <a:gd name="connsiteY6" fmla="*/ 6683375 h 6858000"/>
-              <a:gd name="connsiteX7" fmla="*/ 149485 w 5282519"/>
-              <a:gd name="connsiteY7" fmla="*/ 6640512 h 6858000"/>
-              <a:gd name="connsiteX8" fmla="*/ 132689 w 5282519"/>
-              <a:gd name="connsiteY8" fmla="*/ 6597650 h 6858000"/>
-              <a:gd name="connsiteX9" fmla="*/ 112534 w 5282519"/>
-              <a:gd name="connsiteY9" fmla="*/ 6561137 h 6858000"/>
-              <a:gd name="connsiteX10" fmla="*/ 92379 w 5282519"/>
-              <a:gd name="connsiteY10" fmla="*/ 6523037 h 6858000"/>
-              <a:gd name="connsiteX11" fmla="*/ 73903 w 5282519"/>
-              <a:gd name="connsiteY11" fmla="*/ 6488112 h 6858000"/>
-              <a:gd name="connsiteX12" fmla="*/ 55427 w 5282519"/>
-              <a:gd name="connsiteY12" fmla="*/ 6448425 h 6858000"/>
-              <a:gd name="connsiteX13" fmla="*/ 38632 w 5282519"/>
-              <a:gd name="connsiteY13" fmla="*/ 6407150 h 6858000"/>
-              <a:gd name="connsiteX14" fmla="*/ 23515 w 5282519"/>
-              <a:gd name="connsiteY14" fmla="*/ 6361112 h 6858000"/>
-              <a:gd name="connsiteX15" fmla="*/ 11758 w 5282519"/>
-              <a:gd name="connsiteY15" fmla="*/ 6311900 h 6858000"/>
-              <a:gd name="connsiteX16" fmla="*/ 3359 w 5282519"/>
-              <a:gd name="connsiteY16" fmla="*/ 6251575 h 6858000"/>
-              <a:gd name="connsiteX17" fmla="*/ 0 w 5282519"/>
-              <a:gd name="connsiteY17" fmla="*/ 6183312 h 6858000"/>
-              <a:gd name="connsiteX18" fmla="*/ 3359 w 5282519"/>
-              <a:gd name="connsiteY18" fmla="*/ 6113462 h 6858000"/>
-              <a:gd name="connsiteX19" fmla="*/ 11758 w 5282519"/>
-              <a:gd name="connsiteY19" fmla="*/ 6056312 h 6858000"/>
-              <a:gd name="connsiteX20" fmla="*/ 23515 w 5282519"/>
-              <a:gd name="connsiteY20" fmla="*/ 6003925 h 6858000"/>
-              <a:gd name="connsiteX21" fmla="*/ 38632 w 5282519"/>
-              <a:gd name="connsiteY21" fmla="*/ 5956300 h 6858000"/>
-              <a:gd name="connsiteX22" fmla="*/ 55427 w 5282519"/>
-              <a:gd name="connsiteY22" fmla="*/ 5915025 h 6858000"/>
-              <a:gd name="connsiteX23" fmla="*/ 75583 w 5282519"/>
-              <a:gd name="connsiteY23" fmla="*/ 5876925 h 6858000"/>
-              <a:gd name="connsiteX24" fmla="*/ 95738 w 5282519"/>
-              <a:gd name="connsiteY24" fmla="*/ 5840412 h 6858000"/>
-              <a:gd name="connsiteX25" fmla="*/ 115893 w 5282519"/>
-              <a:gd name="connsiteY25" fmla="*/ 5802312 h 6858000"/>
-              <a:gd name="connsiteX26" fmla="*/ 134368 w 5282519"/>
-              <a:gd name="connsiteY26" fmla="*/ 5762625 h 6858000"/>
-              <a:gd name="connsiteX27" fmla="*/ 152844 w 5282519"/>
-              <a:gd name="connsiteY27" fmla="*/ 5721350 h 6858000"/>
-              <a:gd name="connsiteX28" fmla="*/ 167960 w 5282519"/>
-              <a:gd name="connsiteY28" fmla="*/ 5675312 h 6858000"/>
-              <a:gd name="connsiteX29" fmla="*/ 178038 w 5282519"/>
-              <a:gd name="connsiteY29" fmla="*/ 5622925 h 6858000"/>
-              <a:gd name="connsiteX30" fmla="*/ 188115 w 5282519"/>
-              <a:gd name="connsiteY30" fmla="*/ 5562600 h 6858000"/>
-              <a:gd name="connsiteX31" fmla="*/ 189795 w 5282519"/>
-              <a:gd name="connsiteY31" fmla="*/ 5494337 h 6858000"/>
-              <a:gd name="connsiteX32" fmla="*/ 188115 w 5282519"/>
-              <a:gd name="connsiteY32" fmla="*/ 5426075 h 6858000"/>
-              <a:gd name="connsiteX33" fmla="*/ 178038 w 5282519"/>
-              <a:gd name="connsiteY33" fmla="*/ 5365750 h 6858000"/>
-              <a:gd name="connsiteX34" fmla="*/ 167960 w 5282519"/>
-              <a:gd name="connsiteY34" fmla="*/ 5313362 h 6858000"/>
-              <a:gd name="connsiteX35" fmla="*/ 152844 w 5282519"/>
-              <a:gd name="connsiteY35" fmla="*/ 5268912 h 6858000"/>
-              <a:gd name="connsiteX36" fmla="*/ 134368 w 5282519"/>
-              <a:gd name="connsiteY36" fmla="*/ 5226050 h 6858000"/>
-              <a:gd name="connsiteX37" fmla="*/ 115893 w 5282519"/>
-              <a:gd name="connsiteY37" fmla="*/ 5186362 h 6858000"/>
-              <a:gd name="connsiteX38" fmla="*/ 95738 w 5282519"/>
-              <a:gd name="connsiteY38" fmla="*/ 5149850 h 6858000"/>
-              <a:gd name="connsiteX39" fmla="*/ 75583 w 5282519"/>
-              <a:gd name="connsiteY39" fmla="*/ 5114925 h 6858000"/>
-              <a:gd name="connsiteX40" fmla="*/ 55427 w 5282519"/>
-              <a:gd name="connsiteY40" fmla="*/ 5075237 h 6858000"/>
-              <a:gd name="connsiteX41" fmla="*/ 38632 w 5282519"/>
-              <a:gd name="connsiteY41" fmla="*/ 5033962 h 6858000"/>
-              <a:gd name="connsiteX42" fmla="*/ 23515 w 5282519"/>
-              <a:gd name="connsiteY42" fmla="*/ 4987925 h 6858000"/>
-              <a:gd name="connsiteX43" fmla="*/ 11758 w 5282519"/>
-              <a:gd name="connsiteY43" fmla="*/ 4935537 h 6858000"/>
-              <a:gd name="connsiteX44" fmla="*/ 3359 w 5282519"/>
-              <a:gd name="connsiteY44" fmla="*/ 4875212 h 6858000"/>
-              <a:gd name="connsiteX45" fmla="*/ 0 w 5282519"/>
-              <a:gd name="connsiteY45" fmla="*/ 4806950 h 6858000"/>
-              <a:gd name="connsiteX46" fmla="*/ 3359 w 5282519"/>
-              <a:gd name="connsiteY46" fmla="*/ 4738687 h 6858000"/>
-              <a:gd name="connsiteX47" fmla="*/ 11758 w 5282519"/>
-              <a:gd name="connsiteY47" fmla="*/ 4678362 h 6858000"/>
-              <a:gd name="connsiteX48" fmla="*/ 23515 w 5282519"/>
-              <a:gd name="connsiteY48" fmla="*/ 4625975 h 6858000"/>
-              <a:gd name="connsiteX49" fmla="*/ 38632 w 5282519"/>
-              <a:gd name="connsiteY49" fmla="*/ 4579937 h 6858000"/>
-              <a:gd name="connsiteX50" fmla="*/ 55427 w 5282519"/>
-              <a:gd name="connsiteY50" fmla="*/ 4537075 h 6858000"/>
-              <a:gd name="connsiteX51" fmla="*/ 75583 w 5282519"/>
-              <a:gd name="connsiteY51" fmla="*/ 4498975 h 6858000"/>
-              <a:gd name="connsiteX52" fmla="*/ 115893 w 5282519"/>
-              <a:gd name="connsiteY52" fmla="*/ 4424362 h 6858000"/>
-              <a:gd name="connsiteX53" fmla="*/ 134368 w 5282519"/>
-              <a:gd name="connsiteY53" fmla="*/ 4386262 h 6858000"/>
-              <a:gd name="connsiteX54" fmla="*/ 152844 w 5282519"/>
-              <a:gd name="connsiteY54" fmla="*/ 4343400 h 6858000"/>
-              <a:gd name="connsiteX55" fmla="*/ 167960 w 5282519"/>
-              <a:gd name="connsiteY55" fmla="*/ 4297362 h 6858000"/>
-              <a:gd name="connsiteX56" fmla="*/ 178038 w 5282519"/>
-              <a:gd name="connsiteY56" fmla="*/ 4244975 h 6858000"/>
-              <a:gd name="connsiteX57" fmla="*/ 188115 w 5282519"/>
-              <a:gd name="connsiteY57" fmla="*/ 4186237 h 6858000"/>
-              <a:gd name="connsiteX58" fmla="*/ 189795 w 5282519"/>
-              <a:gd name="connsiteY58" fmla="*/ 4116387 h 6858000"/>
-              <a:gd name="connsiteX59" fmla="*/ 188115 w 5282519"/>
-              <a:gd name="connsiteY59" fmla="*/ 4048125 h 6858000"/>
-              <a:gd name="connsiteX60" fmla="*/ 178038 w 5282519"/>
-              <a:gd name="connsiteY60" fmla="*/ 3987800 h 6858000"/>
-              <a:gd name="connsiteX61" fmla="*/ 167960 w 5282519"/>
-              <a:gd name="connsiteY61" fmla="*/ 3935412 h 6858000"/>
-              <a:gd name="connsiteX62" fmla="*/ 152844 w 5282519"/>
-              <a:gd name="connsiteY62" fmla="*/ 3890962 h 6858000"/>
-              <a:gd name="connsiteX63" fmla="*/ 134368 w 5282519"/>
-              <a:gd name="connsiteY63" fmla="*/ 3848100 h 6858000"/>
-              <a:gd name="connsiteX64" fmla="*/ 115893 w 5282519"/>
-              <a:gd name="connsiteY64" fmla="*/ 3811587 h 6858000"/>
-              <a:gd name="connsiteX65" fmla="*/ 75583 w 5282519"/>
-              <a:gd name="connsiteY65" fmla="*/ 3736975 h 6858000"/>
-              <a:gd name="connsiteX66" fmla="*/ 55427 w 5282519"/>
-              <a:gd name="connsiteY66" fmla="*/ 3697287 h 6858000"/>
-              <a:gd name="connsiteX67" fmla="*/ 38632 w 5282519"/>
-              <a:gd name="connsiteY67" fmla="*/ 3656012 h 6858000"/>
-              <a:gd name="connsiteX68" fmla="*/ 23515 w 5282519"/>
-              <a:gd name="connsiteY68" fmla="*/ 3609975 h 6858000"/>
-              <a:gd name="connsiteX69" fmla="*/ 11758 w 5282519"/>
-              <a:gd name="connsiteY69" fmla="*/ 3557587 h 6858000"/>
-              <a:gd name="connsiteX70" fmla="*/ 3359 w 5282519"/>
-              <a:gd name="connsiteY70" fmla="*/ 3497262 h 6858000"/>
-              <a:gd name="connsiteX71" fmla="*/ 0 w 5282519"/>
-              <a:gd name="connsiteY71" fmla="*/ 3427412 h 6858000"/>
-              <a:gd name="connsiteX72" fmla="*/ 3359 w 5282519"/>
-              <a:gd name="connsiteY72" fmla="*/ 3360737 h 6858000"/>
-              <a:gd name="connsiteX73" fmla="*/ 11758 w 5282519"/>
-              <a:gd name="connsiteY73" fmla="*/ 3300412 h 6858000"/>
-              <a:gd name="connsiteX74" fmla="*/ 23515 w 5282519"/>
-              <a:gd name="connsiteY74" fmla="*/ 3248025 h 6858000"/>
-              <a:gd name="connsiteX75" fmla="*/ 38632 w 5282519"/>
-              <a:gd name="connsiteY75" fmla="*/ 3201987 h 6858000"/>
-              <a:gd name="connsiteX76" fmla="*/ 55427 w 5282519"/>
-              <a:gd name="connsiteY76" fmla="*/ 3160712 h 6858000"/>
-              <a:gd name="connsiteX77" fmla="*/ 75583 w 5282519"/>
-              <a:gd name="connsiteY77" fmla="*/ 3121025 h 6858000"/>
-              <a:gd name="connsiteX78" fmla="*/ 95738 w 5282519"/>
-              <a:gd name="connsiteY78" fmla="*/ 3084512 h 6858000"/>
-              <a:gd name="connsiteX79" fmla="*/ 115893 w 5282519"/>
-              <a:gd name="connsiteY79" fmla="*/ 3046412 h 6858000"/>
-              <a:gd name="connsiteX80" fmla="*/ 134368 w 5282519"/>
-              <a:gd name="connsiteY80" fmla="*/ 3009900 h 6858000"/>
-              <a:gd name="connsiteX81" fmla="*/ 152844 w 5282519"/>
-              <a:gd name="connsiteY81" fmla="*/ 2967037 h 6858000"/>
-              <a:gd name="connsiteX82" fmla="*/ 167960 w 5282519"/>
-              <a:gd name="connsiteY82" fmla="*/ 2922587 h 6858000"/>
-              <a:gd name="connsiteX83" fmla="*/ 178038 w 5282519"/>
-              <a:gd name="connsiteY83" fmla="*/ 2868612 h 6858000"/>
-              <a:gd name="connsiteX84" fmla="*/ 188115 w 5282519"/>
-              <a:gd name="connsiteY84" fmla="*/ 2809875 h 6858000"/>
-              <a:gd name="connsiteX85" fmla="*/ 189795 w 5282519"/>
-              <a:gd name="connsiteY85" fmla="*/ 2741612 h 6858000"/>
-              <a:gd name="connsiteX86" fmla="*/ 188115 w 5282519"/>
-              <a:gd name="connsiteY86" fmla="*/ 2671762 h 6858000"/>
-              <a:gd name="connsiteX87" fmla="*/ 178038 w 5282519"/>
-              <a:gd name="connsiteY87" fmla="*/ 2613025 h 6858000"/>
-              <a:gd name="connsiteX88" fmla="*/ 167960 w 5282519"/>
-              <a:gd name="connsiteY88" fmla="*/ 2560637 h 6858000"/>
-              <a:gd name="connsiteX89" fmla="*/ 152844 w 5282519"/>
-              <a:gd name="connsiteY89" fmla="*/ 2513012 h 6858000"/>
-              <a:gd name="connsiteX90" fmla="*/ 134368 w 5282519"/>
-              <a:gd name="connsiteY90" fmla="*/ 2471737 h 6858000"/>
-              <a:gd name="connsiteX91" fmla="*/ 115893 w 5282519"/>
-              <a:gd name="connsiteY91" fmla="*/ 2433637 h 6858000"/>
-              <a:gd name="connsiteX92" fmla="*/ 95738 w 5282519"/>
-              <a:gd name="connsiteY92" fmla="*/ 2395537 h 6858000"/>
-              <a:gd name="connsiteX93" fmla="*/ 75583 w 5282519"/>
-              <a:gd name="connsiteY93" fmla="*/ 2359025 h 6858000"/>
-              <a:gd name="connsiteX94" fmla="*/ 55427 w 5282519"/>
-              <a:gd name="connsiteY94" fmla="*/ 2319337 h 6858000"/>
-              <a:gd name="connsiteX95" fmla="*/ 38632 w 5282519"/>
-              <a:gd name="connsiteY95" fmla="*/ 2278062 h 6858000"/>
-              <a:gd name="connsiteX96" fmla="*/ 23515 w 5282519"/>
-              <a:gd name="connsiteY96" fmla="*/ 2232025 h 6858000"/>
-              <a:gd name="connsiteX97" fmla="*/ 11758 w 5282519"/>
-              <a:gd name="connsiteY97" fmla="*/ 2179637 h 6858000"/>
-              <a:gd name="connsiteX98" fmla="*/ 3359 w 5282519"/>
-              <a:gd name="connsiteY98" fmla="*/ 2119312 h 6858000"/>
-              <a:gd name="connsiteX99" fmla="*/ 0 w 5282519"/>
-              <a:gd name="connsiteY99" fmla="*/ 2051050 h 6858000"/>
-              <a:gd name="connsiteX100" fmla="*/ 3359 w 5282519"/>
-              <a:gd name="connsiteY100" fmla="*/ 1982787 h 6858000"/>
-              <a:gd name="connsiteX101" fmla="*/ 11758 w 5282519"/>
-              <a:gd name="connsiteY101" fmla="*/ 1922462 h 6858000"/>
-              <a:gd name="connsiteX102" fmla="*/ 23515 w 5282519"/>
-              <a:gd name="connsiteY102" fmla="*/ 1870075 h 6858000"/>
-              <a:gd name="connsiteX103" fmla="*/ 38632 w 5282519"/>
-              <a:gd name="connsiteY103" fmla="*/ 1824037 h 6858000"/>
-              <a:gd name="connsiteX104" fmla="*/ 55427 w 5282519"/>
-              <a:gd name="connsiteY104" fmla="*/ 1782762 h 6858000"/>
-              <a:gd name="connsiteX105" fmla="*/ 75583 w 5282519"/>
-              <a:gd name="connsiteY105" fmla="*/ 1743075 h 6858000"/>
-              <a:gd name="connsiteX106" fmla="*/ 95738 w 5282519"/>
-              <a:gd name="connsiteY106" fmla="*/ 1708150 h 6858000"/>
-              <a:gd name="connsiteX107" fmla="*/ 115893 w 5282519"/>
-              <a:gd name="connsiteY107" fmla="*/ 1671637 h 6858000"/>
-              <a:gd name="connsiteX108" fmla="*/ 134368 w 5282519"/>
-              <a:gd name="connsiteY108" fmla="*/ 1631950 h 6858000"/>
-              <a:gd name="connsiteX109" fmla="*/ 152844 w 5282519"/>
-              <a:gd name="connsiteY109" fmla="*/ 1589087 h 6858000"/>
-              <a:gd name="connsiteX110" fmla="*/ 167960 w 5282519"/>
-              <a:gd name="connsiteY110" fmla="*/ 1544637 h 6858000"/>
-              <a:gd name="connsiteX111" fmla="*/ 178038 w 5282519"/>
-              <a:gd name="connsiteY111" fmla="*/ 1492250 h 6858000"/>
-              <a:gd name="connsiteX112" fmla="*/ 188115 w 5282519"/>
-              <a:gd name="connsiteY112" fmla="*/ 1431925 h 6858000"/>
-              <a:gd name="connsiteX113" fmla="*/ 189795 w 5282519"/>
-              <a:gd name="connsiteY113" fmla="*/ 1363662 h 6858000"/>
-              <a:gd name="connsiteX114" fmla="*/ 188115 w 5282519"/>
-              <a:gd name="connsiteY114" fmla="*/ 1295400 h 6858000"/>
-              <a:gd name="connsiteX115" fmla="*/ 178038 w 5282519"/>
-              <a:gd name="connsiteY115" fmla="*/ 1235075 h 6858000"/>
-              <a:gd name="connsiteX116" fmla="*/ 167960 w 5282519"/>
-              <a:gd name="connsiteY116" fmla="*/ 1182687 h 6858000"/>
-              <a:gd name="connsiteX117" fmla="*/ 152844 w 5282519"/>
-              <a:gd name="connsiteY117" fmla="*/ 1136650 h 6858000"/>
-              <a:gd name="connsiteX118" fmla="*/ 134368 w 5282519"/>
-              <a:gd name="connsiteY118" fmla="*/ 1095375 h 6858000"/>
-              <a:gd name="connsiteX119" fmla="*/ 115893 w 5282519"/>
-              <a:gd name="connsiteY119" fmla="*/ 1055687 h 6858000"/>
-              <a:gd name="connsiteX120" fmla="*/ 95738 w 5282519"/>
-              <a:gd name="connsiteY120" fmla="*/ 1017587 h 6858000"/>
-              <a:gd name="connsiteX121" fmla="*/ 75583 w 5282519"/>
-              <a:gd name="connsiteY121" fmla="*/ 981075 h 6858000"/>
-              <a:gd name="connsiteX122" fmla="*/ 55427 w 5282519"/>
-              <a:gd name="connsiteY122" fmla="*/ 942975 h 6858000"/>
-              <a:gd name="connsiteX123" fmla="*/ 38632 w 5282519"/>
-              <a:gd name="connsiteY123" fmla="*/ 901700 h 6858000"/>
-              <a:gd name="connsiteX124" fmla="*/ 23515 w 5282519"/>
-              <a:gd name="connsiteY124" fmla="*/ 854075 h 6858000"/>
-              <a:gd name="connsiteX125" fmla="*/ 11758 w 5282519"/>
-              <a:gd name="connsiteY125" fmla="*/ 801687 h 6858000"/>
-              <a:gd name="connsiteX126" fmla="*/ 3359 w 5282519"/>
-              <a:gd name="connsiteY126" fmla="*/ 744537 h 6858000"/>
-              <a:gd name="connsiteX127" fmla="*/ 0 w 5282519"/>
-              <a:gd name="connsiteY127" fmla="*/ 673100 h 6858000"/>
-              <a:gd name="connsiteX128" fmla="*/ 3359 w 5282519"/>
-              <a:gd name="connsiteY128" fmla="*/ 606425 h 6858000"/>
-              <a:gd name="connsiteX129" fmla="*/ 11758 w 5282519"/>
-              <a:gd name="connsiteY129" fmla="*/ 546100 h 6858000"/>
-              <a:gd name="connsiteX130" fmla="*/ 23515 w 5282519"/>
-              <a:gd name="connsiteY130" fmla="*/ 496887 h 6858000"/>
-              <a:gd name="connsiteX131" fmla="*/ 38632 w 5282519"/>
-              <a:gd name="connsiteY131" fmla="*/ 450850 h 6858000"/>
-              <a:gd name="connsiteX132" fmla="*/ 55427 w 5282519"/>
-              <a:gd name="connsiteY132" fmla="*/ 409575 h 6858000"/>
-              <a:gd name="connsiteX133" fmla="*/ 73903 w 5282519"/>
-              <a:gd name="connsiteY133" fmla="*/ 369887 h 6858000"/>
-              <a:gd name="connsiteX134" fmla="*/ 92379 w 5282519"/>
-              <a:gd name="connsiteY134" fmla="*/ 334962 h 6858000"/>
-              <a:gd name="connsiteX135" fmla="*/ 112534 w 5282519"/>
-              <a:gd name="connsiteY135" fmla="*/ 296862 h 6858000"/>
-              <a:gd name="connsiteX136" fmla="*/ 132689 w 5282519"/>
-              <a:gd name="connsiteY136" fmla="*/ 260350 h 6858000"/>
-              <a:gd name="connsiteX137" fmla="*/ 149485 w 5282519"/>
-              <a:gd name="connsiteY137" fmla="*/ 217487 h 6858000"/>
-              <a:gd name="connsiteX138" fmla="*/ 166281 w 5282519"/>
-              <a:gd name="connsiteY138" fmla="*/ 174625 h 6858000"/>
-              <a:gd name="connsiteX139" fmla="*/ 176358 w 5282519"/>
-              <a:gd name="connsiteY139" fmla="*/ 122237 h 6858000"/>
-              <a:gd name="connsiteX140" fmla="*/ 184756 w 5282519"/>
-              <a:gd name="connsiteY140" fmla="*/ 66675 h 6858000"/>
-            </a:gdLst>
-            <a:ahLst/>
-            <a:cxnLst>
-              <a:cxn ang="0">
-                <a:pos x="connsiteX0" y="connsiteY0"/>
-              </a:cxn>
-              <a:cxn ang="0">
-                <a:pos x="connsiteX1" y="connsiteY1"/>
-              </a:cxn>
-              <a:cxn ang="0">
-                <a:pos x="connsiteX2" y="connsiteY2"/>
-              </a:cxn>
-              <a:cxn ang="0">
-                <a:pos x="connsiteX3" y="connsiteY3"/>
-              </a:cxn>
-              <a:cxn ang="0">
-                <a:pos x="connsiteX4" y="connsiteY4"/>
-              </a:cxn>
-              <a:cxn ang="0">
-                <a:pos x="connsiteX5" y="connsiteY5"/>
-              </a:cxn>
-              <a:cxn ang="0">
-                <a:pos x="connsiteX6" y="connsiteY6"/>
-              </a:cxn>
-              <a:cxn ang="0">
-                <a:pos x="connsiteX7" y="connsiteY7"/>
-              </a:cxn>
-              <a:cxn ang="0">
-                <a:pos x="connsiteX8" y="connsiteY8"/>
-              </a:cxn>
-              <a:cxn ang="0">
-                <a:pos x="connsiteX9" y="connsiteY9"/>
-              </a:cxn>
-              <a:cxn ang="0">
-                <a:pos x="connsiteX10" y="connsiteY10"/>
-              </a:cxn>
-              <a:cxn ang="0">
-                <a:pos x="connsiteX11" y="connsiteY11"/>
-              </a:cxn>
-              <a:cxn ang="0">
-                <a:pos x="connsiteX12" y="connsiteY12"/>
-              </a:cxn>
-              <a:cxn ang="0">
-                <a:pos x="connsiteX13" y="connsiteY13"/>
-              </a:cxn>
-              <a:cxn ang="0">
-                <a:pos x="connsiteX14" y="connsiteY14"/>
-              </a:cxn>
-              <a:cxn ang="0">
-                <a:pos x="connsiteX15" y="connsiteY15"/>
-              </a:cxn>
-              <a:cxn ang="0">
-                <a:pos x="connsiteX16" y="connsiteY16"/>
-              </a:cxn>
-              <a:cxn ang="0">
-                <a:pos x="connsiteX17" y="connsiteY17"/>
-              </a:cxn>
-              <a:cxn ang="0">
-                <a:pos x="connsiteX18" y="connsiteY18"/>
-              </a:cxn>
-              <a:cxn ang="0">
-                <a:pos x="connsiteX19" y="connsiteY19"/>
-              </a:cxn>
-              <a:cxn ang="0">
-                <a:pos x="connsiteX20" y="connsiteY20"/>
-              </a:cxn>
-              <a:cxn ang="0">
-                <a:pos x="connsiteX21" y="connsiteY21"/>
-              </a:cxn>
-              <a:cxn ang="0">
-                <a:pos x="connsiteX22" y="connsiteY22"/>
-              </a:cxn>
-              <a:cxn ang="0">
-                <a:pos x="connsiteX23" y="connsiteY23"/>
-              </a:cxn>
-              <a:cxn ang="0">
-                <a:pos x="connsiteX24" y="connsiteY24"/>
-              </a:cxn>
-              <a:cxn ang="0">
-                <a:pos x="connsiteX25" y="connsiteY25"/>
-              </a:cxn>
-              <a:cxn ang="0">
-                <a:pos x="connsiteX26" y="connsiteY26"/>
-              </a:cxn>
-              <a:cxn ang="0">
-                <a:pos x="connsiteX27" y="connsiteY27"/>
-              </a:cxn>
-              <a:cxn ang="0">
-                <a:pos x="connsiteX28" y="connsiteY28"/>
-              </a:cxn>
-              <a:cxn ang="0">
-                <a:pos x="connsiteX29" y="connsiteY29"/>
-              </a:cxn>
-              <a:cxn ang="0">
-                <a:pos x="connsiteX30" y="connsiteY30"/>
-              </a:cxn>
-              <a:cxn ang="0">
-                <a:pos x="connsiteX31" y="connsiteY31"/>
-              </a:cxn>
-              <a:cxn ang="0">
-                <a:pos x="connsiteX32" y="connsiteY32"/>
-              </a:cxn>
-              <a:cxn ang="0">
-                <a:pos x="connsiteX33" y="connsiteY33"/>
-              </a:cxn>
-              <a:cxn ang="0">
-                <a:pos x="connsiteX34" y="connsiteY34"/>
-              </a:cxn>
-              <a:cxn ang="0">
-                <a:pos x="connsiteX35" y="connsiteY35"/>
-              </a:cxn>
-              <a:cxn ang="0">
-                <a:pos x="connsiteX36" y="connsiteY36"/>
-              </a:cxn>
-              <a:cxn ang="0">
-                <a:pos x="connsiteX37" y="connsiteY37"/>
-              </a:cxn>
-              <a:cxn ang="0">
-                <a:pos x="connsiteX38" y="connsiteY38"/>
-              </a:cxn>
-              <a:cxn ang="0">
-                <a:pos x="connsiteX39" y="connsiteY39"/>
-              </a:cxn>
-              <a:cxn ang="0">
-                <a:pos x="connsiteX40" y="connsiteY40"/>
-              </a:cxn>
-              <a:cxn ang="0">
-                <a:pos x="connsiteX41" y="connsiteY41"/>
-              </a:cxn>
-              <a:cxn ang="0">
-                <a:pos x="connsiteX42" y="connsiteY42"/>
-              </a:cxn>
-              <a:cxn ang="0">
-                <a:pos x="connsiteX43" y="connsiteY43"/>
-              </a:cxn>
-              <a:cxn ang="0">
-                <a:pos x="connsiteX44" y="connsiteY44"/>
-              </a:cxn>
-              <a:cxn ang="0">
-                <a:pos x="connsiteX45" y="connsiteY45"/>
-              </a:cxn>
-              <a:cxn ang="0">
-                <a:pos x="connsiteX46" y="connsiteY46"/>
-              </a:cxn>
-              <a:cxn ang="0">
-                <a:pos x="connsiteX47" y="connsiteY47"/>
-              </a:cxn>
-              <a:cxn ang="0">
-                <a:pos x="connsiteX48" y="connsiteY48"/>
-              </a:cxn>
-              <a:cxn ang="0">
-                <a:pos x="connsiteX49" y="connsiteY49"/>
-              </a:cxn>
-              <a:cxn ang="0">
-                <a:pos x="connsiteX50" y="connsiteY50"/>
-              </a:cxn>
-              <a:cxn ang="0">
-                <a:pos x="connsiteX51" y="connsiteY51"/>
-              </a:cxn>
-              <a:cxn ang="0">
-                <a:pos x="connsiteX52" y="connsiteY52"/>
-              </a:cxn>
-              <a:cxn ang="0">
-                <a:pos x="connsiteX53" y="connsiteY53"/>
-              </a:cxn>
-              <a:cxn ang="0">
-                <a:pos x="connsiteX54" y="connsiteY54"/>
-              </a:cxn>
-              <a:cxn ang="0">
-                <a:pos x="connsiteX55" y="connsiteY55"/>
-              </a:cxn>
-              <a:cxn ang="0">
-                <a:pos x="connsiteX56" y="connsiteY56"/>
-              </a:cxn>
-              <a:cxn ang="0">
-                <a:pos x="connsiteX57" y="connsiteY57"/>
-              </a:cxn>
-              <a:cxn ang="0">
-                <a:pos x="connsiteX58" y="connsiteY58"/>
-              </a:cxn>
-              <a:cxn ang="0">
-                <a:pos x="connsiteX59" y="connsiteY59"/>
-              </a:cxn>
-              <a:cxn ang="0">
-                <a:pos x="connsiteX60" y="connsiteY60"/>
-              </a:cxn>
-              <a:cxn ang="0">
-                <a:pos x="connsiteX61" y="connsiteY61"/>
-              </a:cxn>
-              <a:cxn ang="0">
-                <a:pos x="connsiteX62" y="connsiteY62"/>
-              </a:cxn>
-              <a:cxn ang="0">
-                <a:pos x="connsiteX63" y="connsiteY63"/>
-              </a:cxn>
-              <a:cxn ang="0">
-                <a:pos x="connsiteX64" y="connsiteY64"/>
-              </a:cxn>
-              <a:cxn ang="0">
-                <a:pos x="connsiteX65" y="connsiteY65"/>
-              </a:cxn>
-              <a:cxn ang="0">
-                <a:pos x="connsiteX66" y="connsiteY66"/>
-              </a:cxn>
-              <a:cxn ang="0">
-                <a:pos x="connsiteX67" y="connsiteY67"/>
-              </a:cxn>
-              <a:cxn ang="0">
-                <a:pos x="connsiteX68" y="connsiteY68"/>
-              </a:cxn>
-              <a:cxn ang="0">
-                <a:pos x="connsiteX69" y="connsiteY69"/>
-              </a:cxn>
-              <a:cxn ang="0">
-                <a:pos x="connsiteX70" y="connsiteY70"/>
-              </a:cxn>
-              <a:cxn ang="0">
-                <a:pos x="connsiteX71" y="connsiteY71"/>
-              </a:cxn>
-              <a:cxn ang="0">
-                <a:pos x="connsiteX72" y="connsiteY72"/>
-              </a:cxn>
-              <a:cxn ang="0">
-                <a:pos x="connsiteX73" y="connsiteY73"/>
-              </a:cxn>
-              <a:cxn ang="0">
-                <a:pos x="connsiteX74" y="connsiteY74"/>
-              </a:cxn>
-              <a:cxn ang="0">
-                <a:pos x="connsiteX75" y="connsiteY75"/>
-              </a:cxn>
-              <a:cxn ang="0">
-                <a:pos x="connsiteX76" y="connsiteY76"/>
-              </a:cxn>
-              <a:cxn ang="0">
-                <a:pos x="connsiteX77" y="connsiteY77"/>
-              </a:cxn>
-              <a:cxn ang="0">
-                <a:pos x="connsiteX78" y="connsiteY78"/>
-              </a:cxn>
-              <a:cxn ang="0">
-                <a:pos x="connsiteX79" y="connsiteY79"/>
-              </a:cxn>
-              <a:cxn ang="0">
-                <a:pos x="connsiteX80" y="connsiteY80"/>
-              </a:cxn>
-              <a:cxn ang="0">
-                <a:pos x="connsiteX81" y="connsiteY81"/>
-              </a:cxn>
-              <a:cxn ang="0">
-                <a:pos x="connsiteX82" y="connsiteY82"/>
-              </a:cxn>
-              <a:cxn ang="0">
-                <a:pos x="connsiteX83" y="connsiteY83"/>
-              </a:cxn>
-              <a:cxn ang="0">
-                <a:pos x="connsiteX84" y="connsiteY84"/>
-              </a:cxn>
-              <a:cxn ang="0">
-                <a:pos x="connsiteX85" y="connsiteY85"/>
-              </a:cxn>
-              <a:cxn ang="0">
-                <a:pos x="connsiteX86" y="connsiteY86"/>
-              </a:cxn>
-              <a:cxn ang="0">
-                <a:pos x="connsiteX87" y="connsiteY87"/>
-              </a:cxn>
-              <a:cxn ang="0">
-                <a:pos x="connsiteX88" y="connsiteY88"/>
-              </a:cxn>
-              <a:cxn ang="0">
-                <a:pos x="connsiteX89" y="connsiteY89"/>
-              </a:cxn>
-              <a:cxn ang="0">
-                <a:pos x="connsiteX90" y="connsiteY90"/>
-              </a:cxn>
-              <a:cxn ang="0">
-                <a:pos x="connsiteX91" y="connsiteY91"/>
-              </a:cxn>
-              <a:cxn ang="0">
-                <a:pos x="connsiteX92" y="connsiteY92"/>
-              </a:cxn>
-              <a:cxn ang="0">
-                <a:pos x="connsiteX93" y="connsiteY93"/>
-              </a:cxn>
-              <a:cxn ang="0">
-                <a:pos x="connsiteX94" y="connsiteY94"/>
-              </a:cxn>
-              <a:cxn ang="0">
-                <a:pos x="connsiteX95" y="connsiteY95"/>
-              </a:cxn>
-              <a:cxn ang="0">
-                <a:pos x="connsiteX96" y="connsiteY96"/>
-              </a:cxn>
-              <a:cxn ang="0">
-                <a:pos x="connsiteX97" y="connsiteY97"/>
-              </a:cxn>
-              <a:cxn ang="0">
-                <a:pos x="connsiteX98" y="connsiteY98"/>
-              </a:cxn>
-              <a:cxn ang="0">
-                <a:pos x="connsiteX99" y="connsiteY99"/>
-              </a:cxn>
-              <a:cxn ang="0">
-                <a:pos x="connsiteX100" y="connsiteY100"/>
-              </a:cxn>
-              <a:cxn ang="0">
-                <a:pos x="connsiteX101" y="connsiteY101"/>
-              </a:cxn>
-              <a:cxn ang="0">
-                <a:pos x="connsiteX102" y="connsiteY102"/>
-              </a:cxn>
-              <a:cxn ang="0">
-                <a:pos x="connsiteX103" y="connsiteY103"/>
-              </a:cxn>
-              <a:cxn ang="0">
-                <a:pos x="connsiteX104" y="connsiteY104"/>
-              </a:cxn>
-              <a:cxn ang="0">
-                <a:pos x="connsiteX105" y="connsiteY105"/>
-              </a:cxn>
-              <a:cxn ang="0">
-                <a:pos x="connsiteX106" y="connsiteY106"/>
-              </a:cxn>
-              <a:cxn ang="0">
-                <a:pos x="connsiteX107" y="connsiteY107"/>
-              </a:cxn>
-              <a:cxn ang="0">
-                <a:pos x="connsiteX108" y="connsiteY108"/>
-              </a:cxn>
-              <a:cxn ang="0">
-                <a:pos x="connsiteX109" y="connsiteY109"/>
-              </a:cxn>
-              <a:cxn ang="0">
-                <a:pos x="connsiteX110" y="connsiteY110"/>
-              </a:cxn>
-              <a:cxn ang="0">
-                <a:pos x="connsiteX111" y="connsiteY111"/>
-              </a:cxn>
-              <a:cxn ang="0">
-                <a:pos x="connsiteX112" y="connsiteY112"/>
-              </a:cxn>
-              <a:cxn ang="0">
-                <a:pos x="connsiteX113" y="connsiteY113"/>
-              </a:cxn>
-              <a:cxn ang="0">
-                <a:pos x="connsiteX114" y="connsiteY114"/>
-              </a:cxn>
-              <a:cxn ang="0">
-                <a:pos x="connsiteX115" y="connsiteY115"/>
-              </a:cxn>
-              <a:cxn ang="0">
-                <a:pos x="connsiteX116" y="connsiteY116"/>
-              </a:cxn>
-              <a:cxn ang="0">
-                <a:pos x="connsiteX117" y="connsiteY117"/>
-              </a:cxn>
-              <a:cxn ang="0">
-                <a:pos x="connsiteX118" y="connsiteY118"/>
-              </a:cxn>
-              <a:cxn ang="0">
-                <a:pos x="connsiteX119" y="connsiteY119"/>
-              </a:cxn>
-              <a:cxn ang="0">
-                <a:pos x="connsiteX120" y="connsiteY120"/>
-              </a:cxn>
-              <a:cxn ang="0">
-                <a:pos x="connsiteX121" y="connsiteY121"/>
-              </a:cxn>
-              <a:cxn ang="0">
-                <a:pos x="connsiteX122" y="connsiteY122"/>
-              </a:cxn>
-              <a:cxn ang="0">
-                <a:pos x="connsiteX123" y="connsiteY123"/>
-              </a:cxn>
-              <a:cxn ang="0">
-                <a:pos x="connsiteX124" y="connsiteY124"/>
-              </a:cxn>
-              <a:cxn ang="0">
-                <a:pos x="connsiteX125" y="connsiteY125"/>
-              </a:cxn>
-              <a:cxn ang="0">
-                <a:pos x="connsiteX126" y="connsiteY126"/>
-              </a:cxn>
-              <a:cxn ang="0">
-                <a:pos x="connsiteX127" y="connsiteY127"/>
-              </a:cxn>
-              <a:cxn ang="0">
-                <a:pos x="connsiteX128" y="connsiteY128"/>
-              </a:cxn>
-              <a:cxn ang="0">
-                <a:pos x="connsiteX129" y="connsiteY129"/>
-              </a:cxn>
-              <a:cxn ang="0">
-                <a:pos x="connsiteX130" y="connsiteY130"/>
-              </a:cxn>
-              <a:cxn ang="0">
-                <a:pos x="connsiteX131" y="connsiteY131"/>
-              </a:cxn>
-              <a:cxn ang="0">
-                <a:pos x="connsiteX132" y="connsiteY132"/>
-              </a:cxn>
-              <a:cxn ang="0">
-                <a:pos x="connsiteX133" y="connsiteY133"/>
-              </a:cxn>
-              <a:cxn ang="0">
-                <a:pos x="connsiteX134" y="connsiteY134"/>
-              </a:cxn>
-              <a:cxn ang="0">
-                <a:pos x="connsiteX135" y="connsiteY135"/>
-              </a:cxn>
-              <a:cxn ang="0">
-                <a:pos x="connsiteX136" y="connsiteY136"/>
-              </a:cxn>
-              <a:cxn ang="0">
-                <a:pos x="connsiteX137" y="connsiteY137"/>
-              </a:cxn>
-              <a:cxn ang="0">
-                <a:pos x="connsiteX138" y="connsiteY138"/>
-              </a:cxn>
-              <a:cxn ang="0">
-                <a:pos x="connsiteX139" y="connsiteY139"/>
-              </a:cxn>
-              <a:cxn ang="0">
-                <a:pos x="connsiteX140" y="connsiteY140"/>
-              </a:cxn>
-            </a:cxnLst>
-            <a:rect l="l" t="t" r="r" b="b"/>
-            <a:pathLst>
-              <a:path w="5282519" h="6858000">
-                <a:moveTo>
-                  <a:pt x="189795" y="0"/>
-                </a:moveTo>
-                <a:lnTo>
-                  <a:pt x="5282519" y="0"/>
-                </a:lnTo>
-                <a:lnTo>
-                  <a:pt x="5282519" y="6858000"/>
-                </a:lnTo>
-                <a:lnTo>
-                  <a:pt x="189795" y="6858000"/>
-                </a:lnTo>
-                <a:lnTo>
-                  <a:pt x="184756" y="6791325"/>
-                </a:lnTo>
-                <a:lnTo>
-                  <a:pt x="176358" y="6735762"/>
-                </a:lnTo>
-                <a:lnTo>
-                  <a:pt x="166281" y="6683375"/>
-                </a:lnTo>
-                <a:lnTo>
-                  <a:pt x="149485" y="6640512"/>
-                </a:lnTo>
-                <a:lnTo>
-                  <a:pt x="132689" y="6597650"/>
-                </a:lnTo>
-                <a:lnTo>
-                  <a:pt x="112534" y="6561137"/>
-                </a:lnTo>
-                <a:lnTo>
-                  <a:pt x="92379" y="6523037"/>
-                </a:lnTo>
-                <a:lnTo>
-                  <a:pt x="73903" y="6488112"/>
-                </a:lnTo>
-                <a:lnTo>
-                  <a:pt x="55427" y="6448425"/>
-                </a:lnTo>
-                <a:lnTo>
-                  <a:pt x="38632" y="6407150"/>
-                </a:lnTo>
-                <a:lnTo>
-                  <a:pt x="23515" y="6361112"/>
-                </a:lnTo>
-                <a:lnTo>
-                  <a:pt x="11758" y="6311900"/>
-                </a:lnTo>
-                <a:lnTo>
-                  <a:pt x="3359" y="6251575"/>
-                </a:lnTo>
-                <a:lnTo>
-                  <a:pt x="0" y="6183312"/>
-                </a:lnTo>
-                <a:lnTo>
-                  <a:pt x="3359" y="6113462"/>
-                </a:lnTo>
-                <a:lnTo>
-                  <a:pt x="11758" y="6056312"/>
-                </a:lnTo>
-                <a:lnTo>
-                  <a:pt x="23515" y="6003925"/>
-                </a:lnTo>
-                <a:lnTo>
-                  <a:pt x="38632" y="5956300"/>
-                </a:lnTo>
-                <a:lnTo>
-                  <a:pt x="55427" y="5915025"/>
-                </a:lnTo>
-                <a:lnTo>
-                  <a:pt x="75583" y="5876925"/>
-                </a:lnTo>
-                <a:lnTo>
-                  <a:pt x="95738" y="5840412"/>
-                </a:lnTo>
-                <a:lnTo>
-                  <a:pt x="115893" y="5802312"/>
-                </a:lnTo>
-                <a:lnTo>
-                  <a:pt x="134368" y="5762625"/>
-                </a:lnTo>
-                <a:lnTo>
-                  <a:pt x="152844" y="5721350"/>
-                </a:lnTo>
-                <a:lnTo>
-                  <a:pt x="167960" y="5675312"/>
-                </a:lnTo>
-                <a:lnTo>
-                  <a:pt x="178038" y="5622925"/>
-                </a:lnTo>
-                <a:lnTo>
-                  <a:pt x="188115" y="5562600"/>
-                </a:lnTo>
-                <a:lnTo>
-                  <a:pt x="189795" y="5494337"/>
-                </a:lnTo>
-                <a:lnTo>
-                  <a:pt x="188115" y="5426075"/>
-                </a:lnTo>
-                <a:lnTo>
-                  <a:pt x="178038" y="5365750"/>
-                </a:lnTo>
-                <a:lnTo>
-                  <a:pt x="167960" y="5313362"/>
-                </a:lnTo>
-                <a:lnTo>
-                  <a:pt x="152844" y="5268912"/>
-                </a:lnTo>
-                <a:lnTo>
-                  <a:pt x="134368" y="5226050"/>
-                </a:lnTo>
-                <a:lnTo>
-                  <a:pt x="115893" y="5186362"/>
-                </a:lnTo>
-                <a:lnTo>
-                  <a:pt x="95738" y="5149850"/>
-                </a:lnTo>
-                <a:lnTo>
-                  <a:pt x="75583" y="5114925"/>
-                </a:lnTo>
-                <a:lnTo>
-                  <a:pt x="55427" y="5075237"/>
-                </a:lnTo>
-                <a:lnTo>
-                  <a:pt x="38632" y="5033962"/>
-                </a:lnTo>
-                <a:lnTo>
-                  <a:pt x="23515" y="4987925"/>
-                </a:lnTo>
-                <a:lnTo>
-                  <a:pt x="11758" y="4935537"/>
-                </a:lnTo>
-                <a:lnTo>
-                  <a:pt x="3359" y="4875212"/>
-                </a:lnTo>
-                <a:lnTo>
-                  <a:pt x="0" y="4806950"/>
-                </a:lnTo>
-                <a:lnTo>
-                  <a:pt x="3359" y="4738687"/>
-                </a:lnTo>
-                <a:lnTo>
-                  <a:pt x="11758" y="4678362"/>
-                </a:lnTo>
-                <a:lnTo>
-                  <a:pt x="23515" y="4625975"/>
-                </a:lnTo>
-                <a:lnTo>
-                  <a:pt x="38632" y="4579937"/>
-                </a:lnTo>
-                <a:lnTo>
-                  <a:pt x="55427" y="4537075"/>
-                </a:lnTo>
-                <a:lnTo>
-                  <a:pt x="75583" y="4498975"/>
-                </a:lnTo>
-                <a:lnTo>
-                  <a:pt x="115893" y="4424362"/>
-                </a:lnTo>
-                <a:lnTo>
-                  <a:pt x="134368" y="4386262"/>
-                </a:lnTo>
-                <a:lnTo>
-                  <a:pt x="152844" y="4343400"/>
-                </a:lnTo>
-                <a:lnTo>
-                  <a:pt x="167960" y="4297362"/>
-                </a:lnTo>
-                <a:lnTo>
-                  <a:pt x="178038" y="4244975"/>
-                </a:lnTo>
-                <a:lnTo>
-                  <a:pt x="188115" y="4186237"/>
-                </a:lnTo>
-                <a:lnTo>
-                  <a:pt x="189795" y="4116387"/>
-                </a:lnTo>
-                <a:lnTo>
-                  <a:pt x="188115" y="4048125"/>
-                </a:lnTo>
-                <a:lnTo>
-                  <a:pt x="178038" y="3987800"/>
-                </a:lnTo>
-                <a:lnTo>
-                  <a:pt x="167960" y="3935412"/>
-                </a:lnTo>
-                <a:lnTo>
-                  <a:pt x="152844" y="3890962"/>
-                </a:lnTo>
-                <a:lnTo>
-                  <a:pt x="134368" y="3848100"/>
-                </a:lnTo>
-                <a:lnTo>
-                  <a:pt x="115893" y="3811587"/>
-                </a:lnTo>
-                <a:lnTo>
-                  <a:pt x="75583" y="3736975"/>
-                </a:lnTo>
-                <a:lnTo>
-                  <a:pt x="55427" y="3697287"/>
-                </a:lnTo>
-                <a:lnTo>
-                  <a:pt x="38632" y="3656012"/>
-                </a:lnTo>
-                <a:lnTo>
-                  <a:pt x="23515" y="3609975"/>
-                </a:lnTo>
-                <a:lnTo>
-                  <a:pt x="11758" y="3557587"/>
-                </a:lnTo>
-                <a:lnTo>
-                  <a:pt x="3359" y="3497262"/>
-                </a:lnTo>
-                <a:lnTo>
-                  <a:pt x="0" y="3427412"/>
-                </a:lnTo>
-                <a:lnTo>
-                  <a:pt x="3359" y="3360737"/>
-                </a:lnTo>
-                <a:lnTo>
-                  <a:pt x="11758" y="3300412"/>
-                </a:lnTo>
-                <a:lnTo>
-                  <a:pt x="23515" y="3248025"/>
-                </a:lnTo>
-                <a:lnTo>
-                  <a:pt x="38632" y="3201987"/>
-                </a:lnTo>
-                <a:lnTo>
-                  <a:pt x="55427" y="3160712"/>
-                </a:lnTo>
-                <a:lnTo>
-                  <a:pt x="75583" y="3121025"/>
-                </a:lnTo>
-                <a:lnTo>
-                  <a:pt x="95738" y="3084512"/>
-                </a:lnTo>
-                <a:lnTo>
-                  <a:pt x="115893" y="3046412"/>
-                </a:lnTo>
-                <a:lnTo>
-                  <a:pt x="134368" y="3009900"/>
-                </a:lnTo>
-                <a:lnTo>
-                  <a:pt x="152844" y="2967037"/>
-                </a:lnTo>
-                <a:lnTo>
-                  <a:pt x="167960" y="2922587"/>
-                </a:lnTo>
-                <a:lnTo>
-                  <a:pt x="178038" y="2868612"/>
-                </a:lnTo>
-                <a:lnTo>
-                  <a:pt x="188115" y="2809875"/>
-                </a:lnTo>
-                <a:lnTo>
-                  <a:pt x="189795" y="2741612"/>
-                </a:lnTo>
-                <a:lnTo>
-                  <a:pt x="188115" y="2671762"/>
-                </a:lnTo>
-                <a:lnTo>
-                  <a:pt x="178038" y="2613025"/>
-                </a:lnTo>
-                <a:lnTo>
-                  <a:pt x="167960" y="2560637"/>
-                </a:lnTo>
-                <a:lnTo>
-                  <a:pt x="152844" y="2513012"/>
-                </a:lnTo>
-                <a:lnTo>
-                  <a:pt x="134368" y="2471737"/>
-                </a:lnTo>
-                <a:lnTo>
-                  <a:pt x="115893" y="2433637"/>
-                </a:lnTo>
-                <a:lnTo>
-                  <a:pt x="95738" y="2395537"/>
-                </a:lnTo>
-                <a:lnTo>
-                  <a:pt x="75583" y="2359025"/>
-                </a:lnTo>
-                <a:lnTo>
-                  <a:pt x="55427" y="2319337"/>
-                </a:lnTo>
-                <a:lnTo>
-                  <a:pt x="38632" y="2278062"/>
-                </a:lnTo>
-                <a:lnTo>
-                  <a:pt x="23515" y="2232025"/>
-                </a:lnTo>
-                <a:lnTo>
-                  <a:pt x="11758" y="2179637"/>
-                </a:lnTo>
-                <a:lnTo>
-                  <a:pt x="3359" y="2119312"/>
-                </a:lnTo>
-                <a:lnTo>
-                  <a:pt x="0" y="2051050"/>
-                </a:lnTo>
-                <a:lnTo>
-                  <a:pt x="3359" y="1982787"/>
-                </a:lnTo>
-                <a:lnTo>
-                  <a:pt x="11758" y="1922462"/>
-                </a:lnTo>
-                <a:lnTo>
-                  <a:pt x="23515" y="1870075"/>
-                </a:lnTo>
-                <a:lnTo>
-                  <a:pt x="38632" y="1824037"/>
-                </a:lnTo>
-                <a:lnTo>
-                  <a:pt x="55427" y="1782762"/>
-                </a:lnTo>
-                <a:lnTo>
-                  <a:pt x="75583" y="1743075"/>
-                </a:lnTo>
-                <a:lnTo>
-                  <a:pt x="95738" y="1708150"/>
-                </a:lnTo>
-                <a:lnTo>
-                  <a:pt x="115893" y="1671637"/>
-                </a:lnTo>
-                <a:lnTo>
-                  <a:pt x="134368" y="1631950"/>
-                </a:lnTo>
-                <a:lnTo>
-                  <a:pt x="152844" y="1589087"/>
-                </a:lnTo>
-                <a:lnTo>
-                  <a:pt x="167960" y="1544637"/>
-                </a:lnTo>
-                <a:lnTo>
-                  <a:pt x="178038" y="1492250"/>
-                </a:lnTo>
-                <a:lnTo>
-                  <a:pt x="188115" y="1431925"/>
-                </a:lnTo>
-                <a:lnTo>
-                  <a:pt x="189795" y="1363662"/>
-                </a:lnTo>
-                <a:lnTo>
-                  <a:pt x="188115" y="1295400"/>
-                </a:lnTo>
-                <a:lnTo>
-                  <a:pt x="178038" y="1235075"/>
-                </a:lnTo>
-                <a:lnTo>
-                  <a:pt x="167960" y="1182687"/>
-                </a:lnTo>
-                <a:lnTo>
-                  <a:pt x="152844" y="1136650"/>
-                </a:lnTo>
-                <a:lnTo>
-                  <a:pt x="134368" y="1095375"/>
-                </a:lnTo>
-                <a:lnTo>
-                  <a:pt x="115893" y="1055687"/>
-                </a:lnTo>
-                <a:lnTo>
-                  <a:pt x="95738" y="1017587"/>
-                </a:lnTo>
-                <a:lnTo>
-                  <a:pt x="75583" y="981075"/>
-                </a:lnTo>
-                <a:lnTo>
-                  <a:pt x="55427" y="942975"/>
-                </a:lnTo>
-                <a:lnTo>
-                  <a:pt x="38632" y="901700"/>
-                </a:lnTo>
-                <a:lnTo>
-                  <a:pt x="23515" y="854075"/>
-                </a:lnTo>
-                <a:lnTo>
-                  <a:pt x="11758" y="801687"/>
-                </a:lnTo>
-                <a:lnTo>
-                  <a:pt x="3359" y="744537"/>
-                </a:lnTo>
-                <a:lnTo>
-                  <a:pt x="0" y="673100"/>
-                </a:lnTo>
-                <a:lnTo>
-                  <a:pt x="3359" y="606425"/>
-                </a:lnTo>
-                <a:lnTo>
-                  <a:pt x="11758" y="546100"/>
-                </a:lnTo>
-                <a:lnTo>
-                  <a:pt x="23515" y="496887"/>
-                </a:lnTo>
-                <a:lnTo>
-                  <a:pt x="38632" y="450850"/>
-                </a:lnTo>
-                <a:lnTo>
-                  <a:pt x="55427" y="409575"/>
-                </a:lnTo>
-                <a:lnTo>
-                  <a:pt x="73903" y="369887"/>
-                </a:lnTo>
-                <a:lnTo>
-                  <a:pt x="92379" y="334962"/>
-                </a:lnTo>
-                <a:lnTo>
-                  <a:pt x="112534" y="296862"/>
-                </a:lnTo>
-                <a:lnTo>
-                  <a:pt x="132689" y="260350"/>
-                </a:lnTo>
-                <a:lnTo>
-                  <a:pt x="149485" y="217487"/>
-                </a:lnTo>
-                <a:lnTo>
-                  <a:pt x="166281" y="174625"/>
-                </a:lnTo>
-                <a:lnTo>
-                  <a:pt x="176358" y="122237"/>
-                </a:lnTo>
-                <a:lnTo>
-                  <a:pt x="184756" y="66675"/>
-                </a:lnTo>
-                <a:close/>
-              </a:path>
-            </a:pathLst>
-          </a:custGeom>
-          <a:solidFill>
-            <a:srgbClr val="FFFFFF"/>
-          </a:solidFill>
-          <a:ln>
-            <a:noFill/>
-          </a:ln>
         </p:spPr>
-        <p:style>
-          <a:lnRef idx="2">
-            <a:schemeClr val="accent1">
-              <a:shade val="50000"/>
-            </a:schemeClr>
-          </a:lnRef>
-          <a:fillRef idx="1">
-            <a:schemeClr val="accent1"/>
-          </a:fillRef>
-          <a:effectRef idx="0">
-            <a:schemeClr val="accent1"/>
-          </a:effectRef>
-          <a:fontRef idx="minor">
-            <a:schemeClr val="lt1"/>
-          </a:fontRef>
-        </p:style>
-        <p:txBody>
-          <a:bodyPr wrap="square" rtlCol="0" anchor="ctr">
-            <a:noAutofit/>
-          </a:bodyPr>
+        <p:txBody>
+          <a:bodyPr/>
           <a:lstStyle/>
           <a:p>
-            <a:pPr algn="ctr" rtl="0"/>
-            <a:endParaRPr lang="hu-HU" dirty="0"/>
-          </a:p>
-        </p:txBody>
-      </p:sp>
-      <p:pic>
-        <p:nvPicPr>
-          <p:cNvPr id="9" name="Kép 8">
+            <a:r>
+              <a:rPr lang="hu-HU" dirty="0"/>
+              <a:t>Kizárólag hívás alapú foglalás</a:t>
+            </a:r>
+          </a:p>
+          <a:p>
+            <a:r>
+              <a:rPr lang="hu-HU" dirty="0"/>
+              <a:t>Vegyes, vagy gyenge minőségű autók</a:t>
+            </a:r>
+          </a:p>
+          <a:p>
+            <a:r>
+              <a:rPr lang="hu-HU" dirty="0"/>
+              <a:t>Bérlési információk oldalának hiánya</a:t>
+            </a:r>
+          </a:p>
+        </p:txBody>
+      </p:sp>
+      <p:sp>
+        <p:nvSpPr>
+          <p:cNvPr id="5" name="Szöveg helye 4">
             <a:extLst>
               <a:ext uri="{FF2B5EF4-FFF2-40B4-BE49-F238E27FC236}">
-                <a16:creationId xmlns:a16="http://schemas.microsoft.com/office/drawing/2014/main" id="{D7016F7E-0C41-4169-B2E4-5937011783EB}"/>
+                <a16:creationId xmlns:a16="http://schemas.microsoft.com/office/drawing/2014/main" id="{F1DA47AF-91B2-4DE7-BC82-8611434C7D85}"/>
               </a:ext>
             </a:extLst>
           </p:cNvPr>
-          <p:cNvPicPr>
-            <a:picLocks noChangeAspect="1"/>
-          </p:cNvPicPr>
-          <p:nvPr/>
-        </p:nvPicPr>
-        <p:blipFill rotWithShape="1">
-          <a:blip r:embed="rId3"/>
-          <a:srcRect l="-159" r="159"/>
-          <a:stretch/>
-        </p:blipFill>
+          <p:cNvSpPr>
+            <a:spLocks noGrp="1"/>
+          </p:cNvSpPr>
+          <p:nvPr>
+            <p:ph type="body" sz="quarter" idx="3"/>
+          </p:nvPr>
+        </p:nvSpPr>
         <p:spPr>
           <a:xfrm>
-            <a:off x="6766174" y="0"/>
-            <a:ext cx="5305441" cy="6858000"/>
+            <a:off x="6661296" y="2290789"/>
+            <a:ext cx="4800600" cy="632529"/>
           </a:xfrm>
-          <a:prstGeom prst="rect">
-            <a:avLst/>
-          </a:prstGeom>
         </p:spPr>
-      </p:pic>
-      <p:sp>
-        <p:nvSpPr>
-          <p:cNvPr id="14" name="Folyamatábra: Lyukszalag 13">
+        <p:txBody>
+          <a:bodyPr/>
+          <a:lstStyle/>
+          <a:p>
+            <a:r>
+              <a:rPr lang="hu-HU" sz="2800" dirty="0">
+                <a:latin typeface="Bodoni MT Condensed" panose="02070606080606020203" pitchFamily="18" charset="0"/>
+              </a:rPr>
+              <a:t>A megoldás</a:t>
+            </a:r>
+          </a:p>
+        </p:txBody>
+      </p:sp>
+      <p:sp>
+        <p:nvSpPr>
+          <p:cNvPr id="6" name="Tartalom helye 5">
             <a:extLst>
               <a:ext uri="{FF2B5EF4-FFF2-40B4-BE49-F238E27FC236}">
-                <a16:creationId xmlns:a16="http://schemas.microsoft.com/office/drawing/2014/main" id="{7C5185A9-C8A6-4805-919B-FED938BA1462}"/>
+                <a16:creationId xmlns:a16="http://schemas.microsoft.com/office/drawing/2014/main" id="{CF66838F-02F9-413B-B369-8985BC063E7A}"/>
               </a:ext>
             </a:extLst>
           </p:cNvPr>
-          <p:cNvSpPr/>
-          <p:nvPr/>
-        </p:nvSpPr>
-        <p:spPr>
-          <a:xfrm rot="16200000">
-            <a:off x="5748336" y="2796378"/>
-            <a:ext cx="695325" cy="395025"/>
-          </a:xfrm>
-          <a:prstGeom prst="flowChartPunchedTape">
-            <a:avLst/>
-          </a:prstGeom>
-          <a:ln>
-            <a:noFill/>
-          </a:ln>
-        </p:spPr>
-        <p:style>
-          <a:lnRef idx="2">
-            <a:schemeClr val="accent1">
-              <a:shade val="50000"/>
-            </a:schemeClr>
-          </a:lnRef>
-          <a:fillRef idx="1">
-            <a:schemeClr val="accent1"/>
-          </a:fillRef>
-          <a:effectRef idx="0">
-            <a:schemeClr val="accent1"/>
-          </a:effectRef>
-          <a:fontRef idx="minor">
-            <a:schemeClr val="lt1"/>
-          </a:fontRef>
-        </p:style>
-        <p:txBody>
-          <a:bodyPr rtlCol="0" anchor="ctr"/>
-          <a:lstStyle/>
-          <a:p>
-            <a:pPr algn="ctr"/>
-            <a:endParaRPr lang="hu-HU"/>
-          </a:p>
-        </p:txBody>
-      </p:sp>
-      <p:pic>
-        <p:nvPicPr>
-          <p:cNvPr id="5" name="Kép 4">
-            <a:extLst>
-              <a:ext uri="{FF2B5EF4-FFF2-40B4-BE49-F238E27FC236}">
-                <a16:creationId xmlns:a16="http://schemas.microsoft.com/office/drawing/2014/main" id="{5854D014-8045-4EE3-97E2-6F94E17E243C}"/>
-              </a:ext>
-            </a:extLst>
-          </p:cNvPr>
-          <p:cNvPicPr>
-            <a:picLocks noChangeAspect="1"/>
-          </p:cNvPicPr>
-          <p:nvPr/>
-        </p:nvPicPr>
-        <p:blipFill rotWithShape="1">
-          <a:blip r:embed="rId4"/>
-          <a:srcRect l="22722" t="15714" r="23090" b="35110"/>
-          <a:stretch/>
-        </p:blipFill>
+          <p:cNvSpPr>
+            <a:spLocks noGrp="1"/>
+          </p:cNvSpPr>
+          <p:nvPr>
+            <p:ph sz="quarter" idx="4"/>
+          </p:nvPr>
+        </p:nvSpPr>
         <p:spPr>
           <a:xfrm>
-            <a:off x="7971861" y="2495623"/>
-            <a:ext cx="2829489" cy="1691859"/>
+            <a:off x="6505848" y="3196517"/>
+            <a:ext cx="4800600" cy="2996398"/>
           </a:xfrm>
-          <a:prstGeom prst="rect">
-            <a:avLst/>
-          </a:prstGeom>
         </p:spPr>
-      </p:pic>
-      <p:sp>
-        <p:nvSpPr>
-          <p:cNvPr id="4" name="Kivonás jele 3">
-            <a:extLst>
-              <a:ext uri="{FF2B5EF4-FFF2-40B4-BE49-F238E27FC236}">
-                <a16:creationId xmlns:a16="http://schemas.microsoft.com/office/drawing/2014/main" id="{633E43B4-4187-4BB5-AB4B-041DDB108B5D}"/>
-              </a:ext>
-            </a:extLst>
-          </p:cNvPr>
-          <p:cNvSpPr/>
-          <p:nvPr/>
-        </p:nvSpPr>
-        <p:spPr>
-          <a:xfrm>
-            <a:off x="6892768" y="-4156452"/>
-            <a:ext cx="476250" cy="10843001"/>
-          </a:xfrm>
-          <a:prstGeom prst="mathMinus">
-            <a:avLst/>
-          </a:prstGeom>
-          <a:ln>
-            <a:noFill/>
-          </a:ln>
-        </p:spPr>
-        <p:style>
-          <a:lnRef idx="2">
-            <a:schemeClr val="accent1">
-              <a:shade val="50000"/>
-            </a:schemeClr>
-          </a:lnRef>
-          <a:fillRef idx="1">
-            <a:schemeClr val="accent1"/>
-          </a:fillRef>
-          <a:effectRef idx="0">
-            <a:schemeClr val="accent1"/>
-          </a:effectRef>
-          <a:fontRef idx="minor">
-            <a:schemeClr val="lt1"/>
-          </a:fontRef>
-        </p:style>
-        <p:txBody>
-          <a:bodyPr rtlCol="0" anchor="ctr"/>
+        <p:txBody>
+          <a:bodyPr/>
           <a:lstStyle/>
           <a:p>
-            <a:pPr algn="ctr"/>
+            <a:r>
+              <a:rPr lang="hu-HU" dirty="0" err="1"/>
+              <a:t>DriveUs</a:t>
+            </a:r>
             <a:endParaRPr lang="hu-HU" dirty="0"/>
           </a:p>
-        </p:txBody>
-      </p:sp>
-      <p:sp>
-        <p:nvSpPr>
-          <p:cNvPr id="20" name="Kivonás jele 19">
-            <a:extLst>
-              <a:ext uri="{FF2B5EF4-FFF2-40B4-BE49-F238E27FC236}">
-                <a16:creationId xmlns:a16="http://schemas.microsoft.com/office/drawing/2014/main" id="{2E946FCF-01D9-45E7-B97D-D5DEF42DAC72}"/>
-              </a:ext>
-            </a:extLst>
-          </p:cNvPr>
-          <p:cNvSpPr/>
-          <p:nvPr/>
-        </p:nvSpPr>
-        <p:spPr>
-          <a:xfrm>
-            <a:off x="6892768" y="-1632327"/>
-            <a:ext cx="476250" cy="10843001"/>
-          </a:xfrm>
-          <a:prstGeom prst="mathMinus">
-            <a:avLst/>
-          </a:prstGeom>
-          <a:ln>
-            <a:noFill/>
-          </a:ln>
-        </p:spPr>
-        <p:style>
-          <a:lnRef idx="2">
-            <a:schemeClr val="accent1">
-              <a:shade val="50000"/>
-            </a:schemeClr>
-          </a:lnRef>
-          <a:fillRef idx="1">
-            <a:schemeClr val="accent1"/>
-          </a:fillRef>
-          <a:effectRef idx="0">
-            <a:schemeClr val="accent1"/>
-          </a:effectRef>
-          <a:fontRef idx="minor">
-            <a:schemeClr val="lt1"/>
-          </a:fontRef>
-        </p:style>
-        <p:txBody>
-          <a:bodyPr rtlCol="0" anchor="ctr"/>
-          <a:lstStyle/>
-          <a:p>
-            <a:pPr algn="ctr"/>
-            <a:endParaRPr lang="hu-HU" dirty="0"/>
-          </a:p>
-        </p:txBody>
-      </p:sp>
-      <p:sp>
-        <p:nvSpPr>
-          <p:cNvPr id="21" name="Kivonás jele 20">
-            <a:extLst>
-              <a:ext uri="{FF2B5EF4-FFF2-40B4-BE49-F238E27FC236}">
-                <a16:creationId xmlns:a16="http://schemas.microsoft.com/office/drawing/2014/main" id="{A30F4E0D-2BC0-4A3D-953A-13099B9EA3B4}"/>
-              </a:ext>
-            </a:extLst>
-          </p:cNvPr>
-          <p:cNvSpPr/>
-          <p:nvPr/>
-        </p:nvSpPr>
-        <p:spPr>
-          <a:xfrm>
-            <a:off x="6892768" y="171451"/>
-            <a:ext cx="476250" cy="10843001"/>
-          </a:xfrm>
-          <a:prstGeom prst="mathMinus">
-            <a:avLst/>
-          </a:prstGeom>
-          <a:ln>
-            <a:noFill/>
-          </a:ln>
-        </p:spPr>
-        <p:style>
-          <a:lnRef idx="2">
-            <a:schemeClr val="accent1">
-              <a:shade val="50000"/>
-            </a:schemeClr>
-          </a:lnRef>
-          <a:fillRef idx="1">
-            <a:schemeClr val="accent1"/>
-          </a:fillRef>
-          <a:effectRef idx="0">
-            <a:schemeClr val="accent1"/>
-          </a:effectRef>
-          <a:fontRef idx="minor">
-            <a:schemeClr val="lt1"/>
-          </a:fontRef>
-        </p:style>
-        <p:txBody>
-          <a:bodyPr rtlCol="0" anchor="ctr"/>
-          <a:lstStyle/>
-          <a:p>
-            <a:pPr algn="ctr"/>
-            <a:endParaRPr lang="hu-HU" dirty="0"/>
-          </a:p>
-        </p:txBody>
-      </p:sp>
-      <p:sp>
-        <p:nvSpPr>
-          <p:cNvPr id="6" name="Téglalap 5">
-            <a:extLst>
-              <a:ext uri="{FF2B5EF4-FFF2-40B4-BE49-F238E27FC236}">
-                <a16:creationId xmlns:a16="http://schemas.microsoft.com/office/drawing/2014/main" id="{327146B0-17CC-4684-94A1-F964AE6B01D3}"/>
-              </a:ext>
-            </a:extLst>
-          </p:cNvPr>
-          <p:cNvSpPr/>
-          <p:nvPr/>
-        </p:nvSpPr>
-        <p:spPr>
-          <a:xfrm>
-            <a:off x="699533" y="758053"/>
-            <a:ext cx="5535535" cy="1754326"/>
-          </a:xfrm>
-          <a:prstGeom prst="rect">
-            <a:avLst/>
-          </a:prstGeom>
-          <a:noFill/>
-        </p:spPr>
-        <p:txBody>
-          <a:bodyPr wrap="square" lIns="91440" tIns="45720" rIns="91440" bIns="45720">
-            <a:spAutoFit/>
-          </a:bodyPr>
-          <a:lstStyle/>
-          <a:p>
-            <a:pPr algn="ctr"/>
+          <a:p>
             <a:r>
               <a:rPr lang="hu-HU" dirty="0"/>
-              <a:t>Bakos Henriett, </a:t>
+              <a:t>Elérhető bármikor, bárkinek, bárhol és bármilyen eszközön</a:t>
+            </a:r>
+          </a:p>
+          <a:p>
+            <a:r>
+              <a:rPr lang="hu-HU" dirty="0"/>
+              <a:t>Könnyű kommunikációs platformok</a:t>
+            </a:r>
+          </a:p>
+          <a:p>
+            <a:r>
+              <a:rPr lang="hu-HU" dirty="0"/>
+              <a:t>Információs oldalak</a:t>
+            </a:r>
+          </a:p>
+          <a:p>
+            <a:r>
+              <a:rPr lang="en-US" dirty="0"/>
+              <a:t>Intu</a:t>
             </a:r>
             <a:r>
               <a:rPr lang="hu-HU" dirty="0" err="1"/>
-              <a:t>Gyura</a:t>
+              <a:t>itív</a:t>
             </a:r>
             <a:r>
               <a:rPr lang="hu-HU" dirty="0"/>
-              <a:t> Gabriella, Nagy Laura</a:t>
-            </a:r>
-          </a:p>
-          <a:p>
-            <a:pPr algn="ctr"/>
-            <a:endParaRPr lang="hu-HU" dirty="0"/>
-          </a:p>
-          <a:p>
-            <a:endParaRPr lang="hu-HU" dirty="0"/>
-          </a:p>
-          <a:p>
-            <a:pPr algn="ctr"/>
-            <a:endParaRPr lang="hu-HU" sz="5400" b="1" cap="none" spc="0" dirty="0">
-              <a:ln/>
-              <a:pattFill prst="dkUpDiag">
-                <a:fgClr>
-                  <a:schemeClr val="bg1">
-                    <a:lumMod val="50000"/>
-                  </a:schemeClr>
-                </a:fgClr>
-                <a:bgClr>
-                  <a:schemeClr val="tx1">
-                    <a:lumMod val="75000"/>
-                    <a:lumOff val="25000"/>
-                  </a:schemeClr>
-                </a:bgClr>
-              </a:pattFill>
-              <a:effectLst>
-                <a:outerShdw blurRad="38100" dist="19050" dir="2700000" algn="tl" rotWithShape="0">
-                  <a:schemeClr val="dk1">
-                    <a:lumMod val="50000"/>
-                    <a:alpha val="40000"/>
-                  </a:schemeClr>
-                </a:outerShdw>
-              </a:effectLst>
-            </a:endParaRPr>
+              <a:t>, könnyű felhasználás </a:t>
+            </a:r>
+          </a:p>
+          <a:p>
+            <a:r>
+              <a:rPr lang="hu-HU" dirty="0"/>
+              <a:t>Felhasználóbarát</a:t>
+            </a:r>
           </a:p>
         </p:txBody>
       </p:sp>
     </p:spTree>
     <p:extLst>
       <p:ext uri="{BB962C8B-B14F-4D97-AF65-F5344CB8AC3E}">
-        <p14:creationId xmlns:p14="http://schemas.microsoft.com/office/powerpoint/2010/main" val="814053328"/>
+        <p14:creationId xmlns:p14="http://schemas.microsoft.com/office/powerpoint/2010/main" val="1063989718"/>
       </p:ext>
     </p:extLst>
   </p:cSld>
   <p:clrMapOvr>
     <a:masterClrMapping/>
   </p:clrMapOvr>
-  <p:transition spd="slow">
-    <p:cover/>
+  <p:transition spd="med">
+    <p:pull/>
   </p:transition>
 </p:sld>
 </file>
@@ -17834,7 +14332,7 @@
         </p:nvSpPr>
         <p:spPr>
           <a:xfrm>
-            <a:off x="4423033" y="524073"/>
+            <a:off x="1009650" y="-7770"/>
             <a:ext cx="10172700" cy="1493517"/>
           </a:xfrm>
         </p:spPr>
@@ -17874,7 +14372,7 @@
         </p:nvSpPr>
         <p:spPr>
           <a:xfrm>
-            <a:off x="1542471" y="2290790"/>
+            <a:off x="4896257" y="543829"/>
             <a:ext cx="4800600" cy="632529"/>
           </a:xfrm>
         </p:spPr>
@@ -17886,7 +14384,7 @@
               <a:rPr lang="hu-HU" sz="2800" dirty="0">
                 <a:latin typeface="Bodoni MT Condensed" panose="02070606080606020203" pitchFamily="18" charset="0"/>
               </a:rPr>
-              <a:t>A Probléma</a:t>
+              <a:t>AZ oldal funkciói</a:t>
             </a:r>
           </a:p>
         </p:txBody>
@@ -17909,8 +14407,8 @@
         </p:nvSpPr>
         <p:spPr>
           <a:xfrm>
-            <a:off x="1295400" y="3467739"/>
-            <a:ext cx="4800600" cy="2996398"/>
+            <a:off x="4807481" y="2363680"/>
+            <a:ext cx="4800600" cy="3317962"/>
           </a:xfrm>
         </p:spPr>
         <p:txBody>
@@ -17919,126 +14417,37 @@
           <a:p>
             <a:r>
               <a:rPr lang="hu-HU" dirty="0"/>
-              <a:t>Kizárólag hívás alapú foglalás</a:t>
+              <a:t>Regisztráció</a:t>
             </a:r>
           </a:p>
           <a:p>
             <a:r>
               <a:rPr lang="hu-HU" dirty="0"/>
-              <a:t>Vegyes, vagy gyenge minőségű autók</a:t>
+              <a:t>Bejelentkezés</a:t>
             </a:r>
           </a:p>
           <a:p>
             <a:r>
               <a:rPr lang="hu-HU" dirty="0"/>
-              <a:t>Bérlési információk oldalának hiánya</a:t>
-            </a:r>
-          </a:p>
-        </p:txBody>
-      </p:sp>
-      <p:sp>
-        <p:nvSpPr>
-          <p:cNvPr id="5" name="Szöveg helye 4">
-            <a:extLst>
-              <a:ext uri="{FF2B5EF4-FFF2-40B4-BE49-F238E27FC236}">
-                <a16:creationId xmlns:a16="http://schemas.microsoft.com/office/drawing/2014/main" id="{F1DA47AF-91B2-4DE7-BC82-8611434C7D85}"/>
-              </a:ext>
-            </a:extLst>
-          </p:cNvPr>
-          <p:cNvSpPr>
-            <a:spLocks noGrp="1"/>
-          </p:cNvSpPr>
-          <p:nvPr>
-            <p:ph type="body" sz="quarter" idx="3"/>
-          </p:nvPr>
-        </p:nvSpPr>
-        <p:spPr>
-          <a:xfrm>
-            <a:off x="6661296" y="2290789"/>
-            <a:ext cx="4800600" cy="632529"/>
-          </a:xfrm>
-        </p:spPr>
-        <p:txBody>
-          <a:bodyPr/>
-          <a:lstStyle/>
-          <a:p>
-            <a:r>
-              <a:rPr lang="hu-HU" sz="2800" dirty="0">
-                <a:latin typeface="Bodoni MT Condensed" panose="02070606080606020203" pitchFamily="18" charset="0"/>
-              </a:rPr>
-              <a:t>A megoldás</a:t>
-            </a:r>
-          </a:p>
-        </p:txBody>
-      </p:sp>
-      <p:sp>
-        <p:nvSpPr>
-          <p:cNvPr id="6" name="Tartalom helye 5">
-            <a:extLst>
-              <a:ext uri="{FF2B5EF4-FFF2-40B4-BE49-F238E27FC236}">
-                <a16:creationId xmlns:a16="http://schemas.microsoft.com/office/drawing/2014/main" id="{CF66838F-02F9-413B-B369-8985BC063E7A}"/>
-              </a:ext>
-            </a:extLst>
-          </p:cNvPr>
-          <p:cNvSpPr>
-            <a:spLocks noGrp="1"/>
-          </p:cNvSpPr>
-          <p:nvPr>
-            <p:ph sz="quarter" idx="4"/>
-          </p:nvPr>
-        </p:nvSpPr>
-        <p:spPr>
-          <a:xfrm>
-            <a:off x="6505848" y="3196517"/>
-            <a:ext cx="4800600" cy="2996398"/>
-          </a:xfrm>
-        </p:spPr>
-        <p:txBody>
-          <a:bodyPr/>
-          <a:lstStyle/>
-          <a:p>
-            <a:r>
-              <a:rPr lang="hu-HU" dirty="0" err="1"/>
-              <a:t>DriveUs</a:t>
-            </a:r>
-            <a:endParaRPr lang="hu-HU" dirty="0"/>
+              <a:t>Profil szerkesztése</a:t>
+            </a:r>
           </a:p>
           <a:p>
             <a:r>
               <a:rPr lang="hu-HU" dirty="0"/>
-              <a:t>Elérhető bármikor, bárkinek, bárhol és bármilyen eszközön</a:t>
+              <a:t>Keresés, barangolás az oldalon</a:t>
             </a:r>
           </a:p>
           <a:p>
             <a:r>
               <a:rPr lang="hu-HU" dirty="0"/>
-              <a:t>Könnyű kommunikációs platformok</a:t>
+              <a:t>Foglalások leadása</a:t>
             </a:r>
           </a:p>
           <a:p>
             <a:r>
               <a:rPr lang="hu-HU" dirty="0"/>
-              <a:t>Információs oldalak</a:t>
-            </a:r>
-          </a:p>
-          <a:p>
-            <a:r>
-              <a:rPr lang="en-US" dirty="0"/>
-              <a:t>Intu</a:t>
-            </a:r>
-            <a:r>
-              <a:rPr lang="hu-HU" dirty="0" err="1"/>
-              <a:t>itív</a:t>
-            </a:r>
-            <a:r>
-              <a:rPr lang="hu-HU" dirty="0"/>
-              <a:t>, könnyű felhasználás </a:t>
-            </a:r>
-          </a:p>
-          <a:p>
-            <a:r>
-              <a:rPr lang="hu-HU" dirty="0"/>
-              <a:t>Felhasználóbarát</a:t>
+              <a:t>Keresés a már lezajlott és a közelgő, jelenleg zajló foglalások között</a:t>
             </a:r>
           </a:p>
         </p:txBody>
@@ -18046,7 +14455,7 @@
     </p:spTree>
     <p:extLst>
       <p:ext uri="{BB962C8B-B14F-4D97-AF65-F5344CB8AC3E}">
-        <p14:creationId xmlns:p14="http://schemas.microsoft.com/office/powerpoint/2010/main" val="1063989718"/>
+        <p14:creationId xmlns:p14="http://schemas.microsoft.com/office/powerpoint/2010/main" val="3563470976"/>
       </p:ext>
     </p:extLst>
   </p:cSld>
@@ -18094,7 +14503,7 @@
         </p:nvSpPr>
         <p:spPr>
           <a:xfrm>
-            <a:off x="1009650" y="-7770"/>
+            <a:off x="1009650" y="57224"/>
             <a:ext cx="10172700" cy="1493517"/>
           </a:xfrm>
         </p:spPr>
@@ -18134,7 +14543,7 @@
         </p:nvSpPr>
         <p:spPr>
           <a:xfrm>
-            <a:off x="4896257" y="543829"/>
+            <a:off x="5228548" y="487717"/>
             <a:ext cx="4800600" cy="632529"/>
           </a:xfrm>
         </p:spPr>
@@ -18146,7 +14555,7 @@
               <a:rPr lang="hu-HU" sz="2800" dirty="0">
                 <a:latin typeface="Bodoni MT Condensed" panose="02070606080606020203" pitchFamily="18" charset="0"/>
               </a:rPr>
-              <a:t>AZ oldal funkciói</a:t>
+              <a:t>A program</a:t>
             </a:r>
           </a:p>
         </p:txBody>
@@ -18169,55 +14578,116 @@
         </p:nvSpPr>
         <p:spPr>
           <a:xfrm>
-            <a:off x="4807481" y="2363680"/>
+            <a:off x="5228548" y="2208321"/>
             <a:ext cx="4800600" cy="3317962"/>
           </a:xfrm>
         </p:spPr>
         <p:txBody>
-          <a:bodyPr/>
+          <a:bodyPr>
+            <a:normAutofit fontScale="85000" lnSpcReduction="20000"/>
+          </a:bodyPr>
           <a:lstStyle/>
           <a:p>
             <a:r>
               <a:rPr lang="hu-HU" dirty="0"/>
-              <a:t>Regisztráció</a:t>
-            </a:r>
-          </a:p>
-          <a:p>
+              <a:t>Backend </a:t>
+            </a:r>
+          </a:p>
+          <a:p>
+            <a:pPr marL="0" indent="0">
+              <a:buNone/>
+            </a:pPr>
             <a:r>
               <a:rPr lang="hu-HU" dirty="0"/>
-              <a:t>Bejelentkezés</a:t>
+              <a:t>-</a:t>
             </a:r>
           </a:p>
           <a:p>
             <a:r>
               <a:rPr lang="hu-HU" dirty="0"/>
-              <a:t>Profil szerkesztése</a:t>
-            </a:r>
-          </a:p>
-          <a:p>
+              <a:t>Frontend </a:t>
+            </a:r>
+          </a:p>
+          <a:p>
+            <a:pPr marL="0" indent="0">
+              <a:buNone/>
+            </a:pPr>
             <a:r>
               <a:rPr lang="hu-HU" dirty="0"/>
-              <a:t>Keresés, barangolás az oldalon</a:t>
-            </a:r>
-          </a:p>
-          <a:p>
+              <a:t> PHP</a:t>
+            </a:r>
+          </a:p>
+          <a:p>
+            <a:pPr marL="0" indent="0">
+              <a:buNone/>
+            </a:pPr>
             <a:r>
               <a:rPr lang="hu-HU" dirty="0"/>
-              <a:t>Foglalások leadása</a:t>
-            </a:r>
-          </a:p>
-          <a:p>
+              <a:t>HTML</a:t>
+            </a:r>
+          </a:p>
+          <a:p>
+            <a:pPr marL="0" indent="0">
+              <a:buNone/>
+            </a:pPr>
             <a:r>
               <a:rPr lang="hu-HU" dirty="0"/>
-              <a:t>Keresés a már lezajlott és a közelgő, jelenleg zajló foglalások között</a:t>
-            </a:r>
+              <a:t>CSS</a:t>
+            </a:r>
+          </a:p>
+          <a:p>
+            <a:pPr marL="0" indent="0">
+              <a:buNone/>
+            </a:pPr>
+            <a:r>
+              <a:rPr lang="hu-HU" dirty="0"/>
+              <a:t>JavaScript</a:t>
+            </a:r>
+          </a:p>
+          <a:p>
+            <a:pPr marL="0" indent="0">
+              <a:buNone/>
+            </a:pPr>
+            <a:r>
+              <a:rPr lang="hu-HU" dirty="0" err="1"/>
+              <a:t>Bootstrap</a:t>
+            </a:r>
+            <a:endParaRPr lang="hu-HU" dirty="0"/>
+          </a:p>
+          <a:p>
+            <a:r>
+              <a:rPr lang="hu-HU" dirty="0" err="1"/>
+              <a:t>Database</a:t>
+            </a:r>
+            <a:r>
+              <a:rPr lang="hu-HU" dirty="0"/>
+              <a:t> – </a:t>
+            </a:r>
+            <a:r>
+              <a:rPr lang="hu-HU" dirty="0" err="1"/>
+              <a:t>MySQL</a:t>
+            </a:r>
+            <a:endParaRPr lang="hu-HU" dirty="0"/>
+          </a:p>
+          <a:p>
+            <a:pPr marL="0" indent="0">
+              <a:buNone/>
+            </a:pPr>
+            <a:r>
+              <a:rPr lang="hu-HU" dirty="0" err="1"/>
+              <a:t>PhpMyAdmin</a:t>
+            </a:r>
+            <a:endParaRPr lang="hu-HU" dirty="0"/>
+          </a:p>
+          <a:p>
+            <a:endParaRPr lang="hu-HU" dirty="0"/>
           </a:p>
         </p:txBody>
       </p:sp>
     </p:spTree>
     <p:extLst>
       <p:ext uri="{BB962C8B-B14F-4D97-AF65-F5344CB8AC3E}">
-        <p14:creationId xmlns:p14="http://schemas.microsoft.com/office/powerpoint/2010/main" val="3563470976"/>
+        <p14:creationId xmlns:p14="http://schemas.microsoft.com/office/powerpoint/2010/main" val="322858684"/>
       </p:ext>
     </p:extLst>
   </p:cSld>
@@ -18265,7 +14735,7 @@
         </p:nvSpPr>
         <p:spPr>
           <a:xfrm>
-            <a:off x="1009650" y="57224"/>
+            <a:off x="1009650" y="0"/>
             <a:ext cx="10172700" cy="1493517"/>
           </a:xfrm>
         </p:spPr>
@@ -18305,7 +14775,7 @@
         </p:nvSpPr>
         <p:spPr>
           <a:xfrm>
-            <a:off x="5228548" y="487717"/>
+            <a:off x="5760869" y="385535"/>
             <a:ext cx="4800600" cy="632529"/>
           </a:xfrm>
         </p:spPr>
@@ -18317,7 +14787,7 @@
               <a:rPr lang="hu-HU" sz="2800" dirty="0">
                 <a:latin typeface="Bodoni MT Condensed" panose="02070606080606020203" pitchFamily="18" charset="0"/>
               </a:rPr>
-              <a:t>A program</a:t>
+              <a:t>Backend</a:t>
             </a:r>
           </a:p>
         </p:txBody>
@@ -18340,108 +14810,17 @@
         </p:nvSpPr>
         <p:spPr>
           <a:xfrm>
-            <a:off x="5228548" y="2208321"/>
+            <a:off x="3936492" y="3154503"/>
             <a:ext cx="4800600" cy="3317962"/>
           </a:xfrm>
         </p:spPr>
         <p:txBody>
-          <a:bodyPr>
-            <a:normAutofit fontScale="85000" lnSpcReduction="20000"/>
-          </a:bodyPr>
+          <a:bodyPr/>
           <a:lstStyle/>
           <a:p>
-            <a:r>
-              <a:rPr lang="hu-HU" dirty="0"/>
-              <a:t>Backend </a:t>
-            </a:r>
-          </a:p>
-          <a:p>
-            <a:pPr marL="0" indent="0">
+            <a:pPr marL="1828800" lvl="4" indent="0">
               <a:buNone/>
             </a:pPr>
-            <a:r>
-              <a:rPr lang="hu-HU" dirty="0"/>
-              <a:t>-</a:t>
-            </a:r>
-          </a:p>
-          <a:p>
-            <a:r>
-              <a:rPr lang="hu-HU" dirty="0"/>
-              <a:t>Frontend </a:t>
-            </a:r>
-          </a:p>
-          <a:p>
-            <a:pPr marL="0" indent="0">
-              <a:buNone/>
-            </a:pPr>
-            <a:r>
-              <a:rPr lang="hu-HU" dirty="0"/>
-              <a:t> PHP</a:t>
-            </a:r>
-          </a:p>
-          <a:p>
-            <a:pPr marL="0" indent="0">
-              <a:buNone/>
-            </a:pPr>
-            <a:r>
-              <a:rPr lang="hu-HU" dirty="0"/>
-              <a:t>HTML</a:t>
-            </a:r>
-          </a:p>
-          <a:p>
-            <a:pPr marL="0" indent="0">
-              <a:buNone/>
-            </a:pPr>
-            <a:r>
-              <a:rPr lang="hu-HU" dirty="0"/>
-              <a:t>CSS</a:t>
-            </a:r>
-          </a:p>
-          <a:p>
-            <a:pPr marL="0" indent="0">
-              <a:buNone/>
-            </a:pPr>
-            <a:r>
-              <a:rPr lang="hu-HU" dirty="0"/>
-              <a:t>JavaScript</a:t>
-            </a:r>
-          </a:p>
-          <a:p>
-            <a:pPr marL="0" indent="0">
-              <a:buNone/>
-            </a:pPr>
-            <a:r>
-              <a:rPr lang="hu-HU" dirty="0" err="1"/>
-              <a:t>Bootstrap</a:t>
-            </a:r>
-            <a:endParaRPr lang="hu-HU" dirty="0"/>
-          </a:p>
-          <a:p>
-            <a:r>
-              <a:rPr lang="hu-HU" dirty="0" err="1"/>
-              <a:t>Database</a:t>
-            </a:r>
-            <a:r>
-              <a:rPr lang="hu-HU" dirty="0"/>
-              <a:t> – </a:t>
-            </a:r>
-            <a:r>
-              <a:rPr lang="hu-HU" dirty="0" err="1"/>
-              <a:t>MySQL</a:t>
-            </a:r>
-            <a:endParaRPr lang="hu-HU" dirty="0"/>
-          </a:p>
-          <a:p>
-            <a:pPr marL="0" indent="0">
-              <a:buNone/>
-            </a:pPr>
-            <a:r>
-              <a:rPr lang="hu-HU" dirty="0" err="1"/>
-              <a:t>PhpMyAdmin</a:t>
-            </a:r>
-            <a:endParaRPr lang="hu-HU" dirty="0"/>
-          </a:p>
-          <a:p>
             <a:endParaRPr lang="hu-HU" dirty="0"/>
           </a:p>
         </p:txBody>
@@ -18449,7 +14828,7 @@
     </p:spTree>
     <p:extLst>
       <p:ext uri="{BB962C8B-B14F-4D97-AF65-F5344CB8AC3E}">
-        <p14:creationId xmlns:p14="http://schemas.microsoft.com/office/powerpoint/2010/main" val="322858684"/>
+        <p14:creationId xmlns:p14="http://schemas.microsoft.com/office/powerpoint/2010/main" val="1831108010"/>
       </p:ext>
     </p:extLst>
   </p:cSld>
@@ -18546,11 +14925,14 @@
           <a:lstStyle/>
           <a:p>
             <a:r>
-              <a:rPr lang="hu-HU" sz="2800" dirty="0">
+              <a:rPr lang="hu-HU" sz="2800" dirty="0" err="1">
                 <a:latin typeface="Bodoni MT Condensed" panose="02070606080606020203" pitchFamily="18" charset="0"/>
               </a:rPr>
-              <a:t>Backend</a:t>
-            </a:r>
+              <a:t>Models</a:t>
+            </a:r>
+            <a:endParaRPr lang="hu-HU" sz="2800" dirty="0">
+              <a:latin typeface="Bodoni MT Condensed" panose="02070606080606020203" pitchFamily="18" charset="0"/>
+            </a:endParaRPr>
           </a:p>
         </p:txBody>
       </p:sp>
@@ -18590,7 +14972,7 @@
     </p:spTree>
     <p:extLst>
       <p:ext uri="{BB962C8B-B14F-4D97-AF65-F5344CB8AC3E}">
-        <p14:creationId xmlns:p14="http://schemas.microsoft.com/office/powerpoint/2010/main" val="1831108010"/>
+        <p14:creationId xmlns:p14="http://schemas.microsoft.com/office/powerpoint/2010/main" val="1500538982"/>
       </p:ext>
     </p:extLst>
   </p:cSld>
@@ -18690,7 +15072,7 @@
               <a:rPr lang="hu-HU" sz="2800" dirty="0" err="1">
                 <a:latin typeface="Bodoni MT Condensed" panose="02070606080606020203" pitchFamily="18" charset="0"/>
               </a:rPr>
-              <a:t>Models</a:t>
+              <a:t>controllers</a:t>
             </a:r>
             <a:endParaRPr lang="hu-HU" sz="2800" dirty="0">
               <a:latin typeface="Bodoni MT Condensed" panose="02070606080606020203" pitchFamily="18" charset="0"/>
@@ -18734,7 +15116,7 @@
     </p:spTree>
     <p:extLst>
       <p:ext uri="{BB962C8B-B14F-4D97-AF65-F5344CB8AC3E}">
-        <p14:creationId xmlns:p14="http://schemas.microsoft.com/office/powerpoint/2010/main" val="1500538982"/>
+        <p14:creationId xmlns:p14="http://schemas.microsoft.com/office/powerpoint/2010/main" val="1755202786"/>
       </p:ext>
     </p:extLst>
   </p:cSld>
@@ -18822,7 +15204,7 @@
         </p:nvSpPr>
         <p:spPr>
           <a:xfrm>
-            <a:off x="5760869" y="385535"/>
+            <a:off x="5672091" y="385535"/>
             <a:ext cx="4800600" cy="632529"/>
           </a:xfrm>
         </p:spPr>
@@ -18831,14 +15213,11 @@
           <a:lstStyle/>
           <a:p>
             <a:r>
-              <a:rPr lang="hu-HU" sz="2800" dirty="0" err="1">
+              <a:rPr lang="hu-HU" sz="2800" dirty="0">
                 <a:latin typeface="Bodoni MT Condensed" panose="02070606080606020203" pitchFamily="18" charset="0"/>
               </a:rPr>
-              <a:t>controllers</a:t>
-            </a:r>
-            <a:endParaRPr lang="hu-HU" sz="2800" dirty="0">
-              <a:latin typeface="Bodoni MT Condensed" panose="02070606080606020203" pitchFamily="18" charset="0"/>
-            </a:endParaRPr>
+              <a:t>frontend</a:t>
+            </a:r>
           </a:p>
         </p:txBody>
       </p:sp>
@@ -18878,7 +15257,7 @@
     </p:spTree>
     <p:extLst>
       <p:ext uri="{BB962C8B-B14F-4D97-AF65-F5344CB8AC3E}">
-        <p14:creationId xmlns:p14="http://schemas.microsoft.com/office/powerpoint/2010/main" val="1755202786"/>
+        <p14:creationId xmlns:p14="http://schemas.microsoft.com/office/powerpoint/2010/main" val="395487620"/>
       </p:ext>
     </p:extLst>
   </p:cSld>
@@ -18978,7 +15357,7 @@
               <a:rPr lang="hu-HU" sz="2800" dirty="0">
                 <a:latin typeface="Bodoni MT Condensed" panose="02070606080606020203" pitchFamily="18" charset="0"/>
               </a:rPr>
-              <a:t>frontend</a:t>
+              <a:t>Adatbázis</a:t>
             </a:r>
           </a:p>
         </p:txBody>
@@ -19019,7 +15398,7 @@
     </p:spTree>
     <p:extLst>
       <p:ext uri="{BB962C8B-B14F-4D97-AF65-F5344CB8AC3E}">
-        <p14:creationId xmlns:p14="http://schemas.microsoft.com/office/powerpoint/2010/main" val="395487620"/>
+        <p14:creationId xmlns:p14="http://schemas.microsoft.com/office/powerpoint/2010/main" val="2163119197"/>
       </p:ext>
     </p:extLst>
   </p:cSld>
@@ -19849,20 +16228,20 @@
 </file>
 
 <file path=customXml/item1.xml><?xml version="1.0" encoding="utf-8"?>
+<p:properties xmlns:p="http://schemas.microsoft.com/office/2006/metadata/properties" xmlns:xsi="http://www.w3.org/2001/XMLSchema-instance" xmlns:pc="http://schemas.microsoft.com/office/infopath/2007/PartnerControls">
+  <documentManagement>
+    <MediaServiceKeyPoints xmlns="71af3243-3dd4-4a8d-8c0d-dd76da1f02a5" xsi:nil="true"/>
+  </documentManagement>
+</p:properties>
+</file>
+
+<file path=customXml/item2.xml><?xml version="1.0" encoding="utf-8"?>
 <?mso-contentType ?>
 <FormTemplates xmlns="http://schemas.microsoft.com/sharepoint/v3/contenttype/forms">
   <Display>DocumentLibraryForm</Display>
   <Edit>DocumentLibraryForm</Edit>
   <New>DocumentLibraryForm</New>
 </FormTemplates>
-</file>
-
-<file path=customXml/item2.xml><?xml version="1.0" encoding="utf-8"?>
-<p:properties xmlns:p="http://schemas.microsoft.com/office/2006/metadata/properties" xmlns:xsi="http://www.w3.org/2001/XMLSchema-instance" xmlns:pc="http://schemas.microsoft.com/office/infopath/2007/PartnerControls">
-  <documentManagement>
-    <MediaServiceKeyPoints xmlns="71af3243-3dd4-4a8d-8c0d-dd76da1f02a5" xsi:nil="true"/>
-  </documentManagement>
-</p:properties>
 </file>
 
 <file path=customXml/item3.xml><?xml version="1.0" encoding="utf-8"?>
@@ -20077,14 +16456,6 @@
 </file>
 
 <file path=customXml/itemProps1.xml><?xml version="1.0" encoding="utf-8"?>
-<ds:datastoreItem xmlns:ds="http://schemas.openxmlformats.org/officeDocument/2006/customXml" ds:itemID="{032C9D10-CA80-4BC9-9D59-B4B9486E9328}">
-  <ds:schemaRefs>
-    <ds:schemaRef ds:uri="http://schemas.microsoft.com/sharepoint/v3/contenttype/forms"/>
-  </ds:schemaRefs>
-</ds:datastoreItem>
-</file>
-
-<file path=customXml/itemProps2.xml><?xml version="1.0" encoding="utf-8"?>
 <ds:datastoreItem xmlns:ds="http://schemas.openxmlformats.org/officeDocument/2006/customXml" ds:itemID="{055D5C12-9048-448D-A69C-F00736C0732E}">
   <ds:schemaRefs>
     <ds:schemaRef ds:uri="http://purl.org/dc/elements/1.1/"/>
@@ -20097,6 +16468,14 @@
     <ds:schemaRef ds:uri="http://schemas.microsoft.com/office/infopath/2007/PartnerControls"/>
     <ds:schemaRef ds:uri="http://schemas.openxmlformats.org/package/2006/metadata/core-properties"/>
     <ds:schemaRef ds:uri="71af3243-3dd4-4a8d-8c0d-dd76da1f02a5"/>
+  </ds:schemaRefs>
+</ds:datastoreItem>
+</file>
+
+<file path=customXml/itemProps2.xml><?xml version="1.0" encoding="utf-8"?>
+<ds:datastoreItem xmlns:ds="http://schemas.openxmlformats.org/officeDocument/2006/customXml" ds:itemID="{032C9D10-CA80-4BC9-9D59-B4B9486E9328}">
+  <ds:schemaRefs>
+    <ds:schemaRef ds:uri="http://schemas.microsoft.com/sharepoint/v3/contenttype/forms"/>
   </ds:schemaRefs>
 </ds:datastoreItem>
 </file>
